--- a/Santarossa_Slides.pptx
+++ b/Santarossa_Slides.pptx
@@ -5,13 +5,15 @@
     <p:sldMasterId id="2147483660" r:id="rId1"/>
   </p:sldMasterIdLst>
   <p:notesMasterIdLst>
-    <p:notesMasterId r:id="rId6"/>
+    <p:notesMasterId r:id="rId8"/>
   </p:notesMasterIdLst>
   <p:sldIdLst>
     <p:sldId id="256" r:id="rId2"/>
     <p:sldId id="257" r:id="rId3"/>
-    <p:sldId id="258" r:id="rId4"/>
+    <p:sldId id="261" r:id="rId4"/>
     <p:sldId id="259" r:id="rId5"/>
+    <p:sldId id="262" r:id="rId6"/>
+    <p:sldId id="263" r:id="rId7"/>
   </p:sldIdLst>
   <p:sldSz cx="9144000" cy="5143500" type="screen16x9"/>
   <p:notesSz cx="6858000" cy="9144000"/>
@@ -1013,8 +1015,8 @@
         </p:nvSpPr>
         <p:spPr>
           <a:xfrm>
-            <a:off x="381300" y="685800"/>
-            <a:ext cx="6096075" cy="3429000"/>
+            <a:off x="381000" y="685800"/>
+            <a:ext cx="6096000" cy="3429000"/>
           </a:xfrm>
           <a:custGeom>
             <a:avLst/>
@@ -1055,7 +1057,7 @@
   <p:cSld>
     <p:spTree>
       <p:nvGrpSpPr>
-        <p:cNvPr id="1" name="Shape 97"/>
+        <p:cNvPr id="1" name="Shape 89"/>
         <p:cNvGrpSpPr/>
         <p:nvPr/>
       </p:nvGrpSpPr>
@@ -1069,7 +1071,7 @@
       </p:grpSpPr>
       <p:sp>
         <p:nvSpPr>
-          <p:cNvPr id="98" name="Google Shape;98;p11:notes"/>
+          <p:cNvPr id="90" name="Google Shape;90;p2:notes"/>
           <p:cNvSpPr txBox="1">
             <a:spLocks noGrp="1"/>
           </p:cNvSpPr>
@@ -1107,7 +1109,7 @@
       </p:sp>
       <p:sp>
         <p:nvSpPr>
-          <p:cNvPr id="99" name="Google Shape;99;p11:notes"/>
+          <p:cNvPr id="91" name="Google Shape;91;p2:notes"/>
           <p:cNvSpPr>
             <a:spLocks noGrp="1" noRot="1" noChangeAspect="1"/>
           </p:cNvSpPr>
@@ -1147,6 +1149,11 @@
         </p:spPr>
       </p:sp>
     </p:spTree>
+    <p:extLst>
+      <p:ext uri="{BB962C8B-B14F-4D97-AF65-F5344CB8AC3E}">
+        <p14:creationId xmlns:p14="http://schemas.microsoft.com/office/powerpoint/2010/main" val="3169349662"/>
+      </p:ext>
+    </p:extLst>
   </p:cSld>
   <p:clrMapOvr>
     <a:masterClrMapping/>
@@ -1205,7 +1212,7 @@
               </a:spcAft>
               <a:buNone/>
             </a:pPr>
-            <a:endParaRPr/>
+            <a:endParaRPr dirty="0"/>
           </a:p>
         </p:txBody>
       </p:sp>
@@ -1221,7 +1228,7 @@
         </p:nvSpPr>
         <p:spPr>
           <a:xfrm>
-            <a:off x="381300" y="685800"/>
+            <a:off x="381000" y="685800"/>
             <a:ext cx="6096000" cy="3429000"/>
           </a:xfrm>
           <a:custGeom>
@@ -1251,6 +1258,224 @@
         </p:spPr>
       </p:sp>
     </p:spTree>
+  </p:cSld>
+  <p:clrMapOvr>
+    <a:masterClrMapping/>
+  </p:clrMapOvr>
+</p:notes>
+</file>
+
+<file path=ppt/notesSlides/notesSlide5.xml><?xml version="1.0" encoding="utf-8"?>
+<p:notes xmlns:a="http://schemas.openxmlformats.org/drawingml/2006/main" xmlns:r="http://schemas.openxmlformats.org/officeDocument/2006/relationships" xmlns:p="http://schemas.openxmlformats.org/presentationml/2006/main" showMasterSp="0" showMasterPhAnim="0">
+  <p:cSld>
+    <p:spTree>
+      <p:nvGrpSpPr>
+        <p:cNvPr id="1" name="Shape 105"/>
+        <p:cNvGrpSpPr/>
+        <p:nvPr/>
+      </p:nvGrpSpPr>
+      <p:grpSpPr>
+        <a:xfrm>
+          <a:off x="0" y="0"/>
+          <a:ext cx="0" cy="0"/>
+          <a:chOff x="0" y="0"/>
+          <a:chExt cx="0" cy="0"/>
+        </a:xfrm>
+      </p:grpSpPr>
+      <p:sp>
+        <p:nvSpPr>
+          <p:cNvPr id="106" name="Google Shape;106;gf8540ad0cb_0_0:notes"/>
+          <p:cNvSpPr txBox="1">
+            <a:spLocks noGrp="1"/>
+          </p:cNvSpPr>
+          <p:nvPr>
+            <p:ph type="body" idx="1"/>
+          </p:nvPr>
+        </p:nvSpPr>
+        <p:spPr>
+          <a:xfrm>
+            <a:off x="685800" y="4343400"/>
+            <a:ext cx="5486400" cy="4114800"/>
+          </a:xfrm>
+          <a:prstGeom prst="rect">
+            <a:avLst/>
+          </a:prstGeom>
+        </p:spPr>
+        <p:txBody>
+          <a:bodyPr spcFirstLastPara="1" wrap="square" lIns="91425" tIns="91425" rIns="91425" bIns="91425" anchor="t" anchorCtr="0">
+            <a:noAutofit/>
+          </a:bodyPr>
+          <a:lstStyle/>
+          <a:p>
+            <a:pPr marL="0" lvl="0" indent="0" algn="l" rtl="0">
+              <a:spcBef>
+                <a:spcPts val="0"/>
+              </a:spcBef>
+              <a:spcAft>
+                <a:spcPts val="0"/>
+              </a:spcAft>
+              <a:buNone/>
+            </a:pPr>
+            <a:endParaRPr dirty="0"/>
+          </a:p>
+        </p:txBody>
+      </p:sp>
+      <p:sp>
+        <p:nvSpPr>
+          <p:cNvPr id="107" name="Google Shape;107;gf8540ad0cb_0_0:notes"/>
+          <p:cNvSpPr>
+            <a:spLocks noGrp="1" noRot="1" noChangeAspect="1"/>
+          </p:cNvSpPr>
+          <p:nvPr>
+            <p:ph type="sldImg" idx="2"/>
+          </p:nvPr>
+        </p:nvSpPr>
+        <p:spPr>
+          <a:xfrm>
+            <a:off x="381000" y="685800"/>
+            <a:ext cx="6096000" cy="3429000"/>
+          </a:xfrm>
+          <a:custGeom>
+            <a:avLst/>
+            <a:gdLst/>
+            <a:ahLst/>
+            <a:cxnLst/>
+            <a:rect l="l" t="t" r="r" b="b"/>
+            <a:pathLst>
+              <a:path w="120000" h="120000" extrusionOk="0">
+                <a:moveTo>
+                  <a:pt x="0" y="0"/>
+                </a:moveTo>
+                <a:lnTo>
+                  <a:pt x="120000" y="0"/>
+                </a:lnTo>
+                <a:lnTo>
+                  <a:pt x="120000" y="120000"/>
+                </a:lnTo>
+                <a:lnTo>
+                  <a:pt x="0" y="120000"/>
+                </a:lnTo>
+                <a:close/>
+              </a:path>
+            </a:pathLst>
+          </a:custGeom>
+        </p:spPr>
+      </p:sp>
+    </p:spTree>
+    <p:extLst>
+      <p:ext uri="{BB962C8B-B14F-4D97-AF65-F5344CB8AC3E}">
+        <p14:creationId xmlns:p14="http://schemas.microsoft.com/office/powerpoint/2010/main" val="1793368183"/>
+      </p:ext>
+    </p:extLst>
+  </p:cSld>
+  <p:clrMapOvr>
+    <a:masterClrMapping/>
+  </p:clrMapOvr>
+</p:notes>
+</file>
+
+<file path=ppt/notesSlides/notesSlide6.xml><?xml version="1.0" encoding="utf-8"?>
+<p:notes xmlns:a="http://schemas.openxmlformats.org/drawingml/2006/main" xmlns:r="http://schemas.openxmlformats.org/officeDocument/2006/relationships" xmlns:p="http://schemas.openxmlformats.org/presentationml/2006/main" showMasterSp="0" showMasterPhAnim="0">
+  <p:cSld>
+    <p:spTree>
+      <p:nvGrpSpPr>
+        <p:cNvPr id="1" name="Shape 105"/>
+        <p:cNvGrpSpPr/>
+        <p:nvPr/>
+      </p:nvGrpSpPr>
+      <p:grpSpPr>
+        <a:xfrm>
+          <a:off x="0" y="0"/>
+          <a:ext cx="0" cy="0"/>
+          <a:chOff x="0" y="0"/>
+          <a:chExt cx="0" cy="0"/>
+        </a:xfrm>
+      </p:grpSpPr>
+      <p:sp>
+        <p:nvSpPr>
+          <p:cNvPr id="106" name="Google Shape;106;gf8540ad0cb_0_0:notes"/>
+          <p:cNvSpPr txBox="1">
+            <a:spLocks noGrp="1"/>
+          </p:cNvSpPr>
+          <p:nvPr>
+            <p:ph type="body" idx="1"/>
+          </p:nvPr>
+        </p:nvSpPr>
+        <p:spPr>
+          <a:xfrm>
+            <a:off x="685800" y="4343400"/>
+            <a:ext cx="5486400" cy="4114800"/>
+          </a:xfrm>
+          <a:prstGeom prst="rect">
+            <a:avLst/>
+          </a:prstGeom>
+        </p:spPr>
+        <p:txBody>
+          <a:bodyPr spcFirstLastPara="1" wrap="square" lIns="91425" tIns="91425" rIns="91425" bIns="91425" anchor="t" anchorCtr="0">
+            <a:noAutofit/>
+          </a:bodyPr>
+          <a:lstStyle/>
+          <a:p>
+            <a:pPr marL="0" lvl="0" indent="0" algn="l" rtl="0">
+              <a:spcBef>
+                <a:spcPts val="0"/>
+              </a:spcBef>
+              <a:spcAft>
+                <a:spcPts val="0"/>
+              </a:spcAft>
+              <a:buNone/>
+            </a:pPr>
+            <a:endParaRPr dirty="0"/>
+          </a:p>
+        </p:txBody>
+      </p:sp>
+      <p:sp>
+        <p:nvSpPr>
+          <p:cNvPr id="107" name="Google Shape;107;gf8540ad0cb_0_0:notes"/>
+          <p:cNvSpPr>
+            <a:spLocks noGrp="1" noRot="1" noChangeAspect="1"/>
+          </p:cNvSpPr>
+          <p:nvPr>
+            <p:ph type="sldImg" idx="2"/>
+          </p:nvPr>
+        </p:nvSpPr>
+        <p:spPr>
+          <a:xfrm>
+            <a:off x="381000" y="685800"/>
+            <a:ext cx="6096000" cy="3429000"/>
+          </a:xfrm>
+          <a:custGeom>
+            <a:avLst/>
+            <a:gdLst/>
+            <a:ahLst/>
+            <a:cxnLst/>
+            <a:rect l="l" t="t" r="r" b="b"/>
+            <a:pathLst>
+              <a:path w="120000" h="120000" extrusionOk="0">
+                <a:moveTo>
+                  <a:pt x="0" y="0"/>
+                </a:moveTo>
+                <a:lnTo>
+                  <a:pt x="120000" y="0"/>
+                </a:lnTo>
+                <a:lnTo>
+                  <a:pt x="120000" y="120000"/>
+                </a:lnTo>
+                <a:lnTo>
+                  <a:pt x="0" y="120000"/>
+                </a:lnTo>
+                <a:close/>
+              </a:path>
+            </a:pathLst>
+          </a:custGeom>
+        </p:spPr>
+      </p:sp>
+    </p:spTree>
+    <p:extLst>
+      <p:ext uri="{BB962C8B-B14F-4D97-AF65-F5344CB8AC3E}">
+        <p14:creationId xmlns:p14="http://schemas.microsoft.com/office/powerpoint/2010/main" val="3716976225"/>
+      </p:ext>
+    </p:extLst>
   </p:cSld>
   <p:clrMapOvr>
     <a:masterClrMapping/>
@@ -2162,636 +2387,6 @@
 </file>
 
 <file path=ppt/slideLayouts/slideLayout10.xml><?xml version="1.0" encoding="utf-8"?>
-<p:sldLayout xmlns:a="http://schemas.openxmlformats.org/drawingml/2006/main" xmlns:r="http://schemas.openxmlformats.org/officeDocument/2006/relationships" xmlns:p="http://schemas.openxmlformats.org/presentationml/2006/main" matchingName="Big number">
-  <p:cSld name="BIG_NUMBER">
-    <p:spTree>
-      <p:nvGrpSpPr>
-        <p:cNvPr id="1" name="Shape 68"/>
-        <p:cNvGrpSpPr/>
-        <p:nvPr/>
-      </p:nvGrpSpPr>
-      <p:grpSpPr>
-        <a:xfrm>
-          <a:off x="0" y="0"/>
-          <a:ext cx="0" cy="0"/>
-          <a:chOff x="0" y="0"/>
-          <a:chExt cx="0" cy="0"/>
-        </a:xfrm>
-      </p:grpSpPr>
-      <p:sp>
-        <p:nvSpPr>
-          <p:cNvPr id="69" name="Google Shape;69;p11"/>
-          <p:cNvSpPr txBox="1">
-            <a:spLocks noGrp="1"/>
-          </p:cNvSpPr>
-          <p:nvPr>
-            <p:ph type="title" hasCustomPrompt="1"/>
-          </p:nvPr>
-        </p:nvSpPr>
-        <p:spPr>
-          <a:xfrm>
-            <a:off x="311700" y="1106125"/>
-            <a:ext cx="8520600" cy="1963500"/>
-          </a:xfrm>
-          <a:prstGeom prst="rect">
-            <a:avLst/>
-          </a:prstGeom>
-          <a:solidFill>
-            <a:schemeClr val="lt1"/>
-          </a:solidFill>
-          <a:ln>
-            <a:noFill/>
-          </a:ln>
-        </p:spPr>
-        <p:txBody>
-          <a:bodyPr spcFirstLastPara="1" wrap="square" lIns="91425" tIns="91425" rIns="91425" bIns="91425" anchor="b" anchorCtr="0">
-            <a:noAutofit/>
-          </a:bodyPr>
-          <a:lstStyle>
-            <a:lvl1pPr lvl="0" algn="ctr">
-              <a:lnSpc>
-                <a:spcPct val="100000"/>
-              </a:lnSpc>
-              <a:spcBef>
-                <a:spcPts val="0"/>
-              </a:spcBef>
-              <a:spcAft>
-                <a:spcPts val="0"/>
-              </a:spcAft>
-              <a:buSzPts val="12000"/>
-              <a:buNone/>
-              <a:defRPr sz="12000"/>
-            </a:lvl1pPr>
-            <a:lvl2pPr lvl="1" algn="ctr">
-              <a:lnSpc>
-                <a:spcPct val="100000"/>
-              </a:lnSpc>
-              <a:spcBef>
-                <a:spcPts val="0"/>
-              </a:spcBef>
-              <a:spcAft>
-                <a:spcPts val="0"/>
-              </a:spcAft>
-              <a:buSzPts val="12000"/>
-              <a:buNone/>
-              <a:defRPr sz="12000"/>
-            </a:lvl2pPr>
-            <a:lvl3pPr lvl="2" algn="ctr">
-              <a:lnSpc>
-                <a:spcPct val="100000"/>
-              </a:lnSpc>
-              <a:spcBef>
-                <a:spcPts val="0"/>
-              </a:spcBef>
-              <a:spcAft>
-                <a:spcPts val="0"/>
-              </a:spcAft>
-              <a:buSzPts val="12000"/>
-              <a:buNone/>
-              <a:defRPr sz="12000"/>
-            </a:lvl3pPr>
-            <a:lvl4pPr lvl="3" algn="ctr">
-              <a:lnSpc>
-                <a:spcPct val="100000"/>
-              </a:lnSpc>
-              <a:spcBef>
-                <a:spcPts val="0"/>
-              </a:spcBef>
-              <a:spcAft>
-                <a:spcPts val="0"/>
-              </a:spcAft>
-              <a:buSzPts val="12000"/>
-              <a:buNone/>
-              <a:defRPr sz="12000"/>
-            </a:lvl4pPr>
-            <a:lvl5pPr lvl="4" algn="ctr">
-              <a:lnSpc>
-                <a:spcPct val="100000"/>
-              </a:lnSpc>
-              <a:spcBef>
-                <a:spcPts val="0"/>
-              </a:spcBef>
-              <a:spcAft>
-                <a:spcPts val="0"/>
-              </a:spcAft>
-              <a:buSzPts val="12000"/>
-              <a:buNone/>
-              <a:defRPr sz="12000"/>
-            </a:lvl5pPr>
-            <a:lvl6pPr lvl="5" algn="ctr">
-              <a:lnSpc>
-                <a:spcPct val="100000"/>
-              </a:lnSpc>
-              <a:spcBef>
-                <a:spcPts val="0"/>
-              </a:spcBef>
-              <a:spcAft>
-                <a:spcPts val="0"/>
-              </a:spcAft>
-              <a:buSzPts val="12000"/>
-              <a:buNone/>
-              <a:defRPr sz="12000"/>
-            </a:lvl6pPr>
-            <a:lvl7pPr lvl="6" algn="ctr">
-              <a:lnSpc>
-                <a:spcPct val="100000"/>
-              </a:lnSpc>
-              <a:spcBef>
-                <a:spcPts val="0"/>
-              </a:spcBef>
-              <a:spcAft>
-                <a:spcPts val="0"/>
-              </a:spcAft>
-              <a:buSzPts val="12000"/>
-              <a:buNone/>
-              <a:defRPr sz="12000"/>
-            </a:lvl7pPr>
-            <a:lvl8pPr lvl="7" algn="ctr">
-              <a:lnSpc>
-                <a:spcPct val="100000"/>
-              </a:lnSpc>
-              <a:spcBef>
-                <a:spcPts val="0"/>
-              </a:spcBef>
-              <a:spcAft>
-                <a:spcPts val="0"/>
-              </a:spcAft>
-              <a:buSzPts val="12000"/>
-              <a:buNone/>
-              <a:defRPr sz="12000"/>
-            </a:lvl8pPr>
-            <a:lvl9pPr lvl="8" algn="ctr">
-              <a:lnSpc>
-                <a:spcPct val="100000"/>
-              </a:lnSpc>
-              <a:spcBef>
-                <a:spcPts val="0"/>
-              </a:spcBef>
-              <a:spcAft>
-                <a:spcPts val="0"/>
-              </a:spcAft>
-              <a:buSzPts val="12000"/>
-              <a:buNone/>
-              <a:defRPr sz="12000"/>
-            </a:lvl9pPr>
-          </a:lstStyle>
-          <a:p>
-            <a:r>
-              <a:t>xx%</a:t>
-            </a:r>
-          </a:p>
-        </p:txBody>
-      </p:sp>
-      <p:sp>
-        <p:nvSpPr>
-          <p:cNvPr id="70" name="Google Shape;70;p11"/>
-          <p:cNvSpPr txBox="1">
-            <a:spLocks noGrp="1"/>
-          </p:cNvSpPr>
-          <p:nvPr>
-            <p:ph type="body" idx="1"/>
-          </p:nvPr>
-        </p:nvSpPr>
-        <p:spPr>
-          <a:xfrm>
-            <a:off x="311700" y="3152225"/>
-            <a:ext cx="8520600" cy="1300800"/>
-          </a:xfrm>
-          <a:prstGeom prst="rect">
-            <a:avLst/>
-          </a:prstGeom>
-          <a:noFill/>
-          <a:ln>
-            <a:noFill/>
-          </a:ln>
-        </p:spPr>
-        <p:txBody>
-          <a:bodyPr spcFirstLastPara="1" wrap="square" lIns="91425" tIns="91425" rIns="91425" bIns="91425" anchor="t" anchorCtr="0">
-            <a:noAutofit/>
-          </a:bodyPr>
-          <a:lstStyle>
-            <a:lvl1pPr marL="457200" lvl="0" indent="-342900" algn="ctr">
-              <a:lnSpc>
-                <a:spcPct val="115000"/>
-              </a:lnSpc>
-              <a:spcBef>
-                <a:spcPts val="0"/>
-              </a:spcBef>
-              <a:spcAft>
-                <a:spcPts val="0"/>
-              </a:spcAft>
-              <a:buSzPts val="1800"/>
-              <a:buChar char="●"/>
-              <a:defRPr/>
-            </a:lvl1pPr>
-            <a:lvl2pPr marL="914400" lvl="1" indent="-317500" algn="ctr">
-              <a:lnSpc>
-                <a:spcPct val="115000"/>
-              </a:lnSpc>
-              <a:spcBef>
-                <a:spcPts val="1600"/>
-              </a:spcBef>
-              <a:spcAft>
-                <a:spcPts val="0"/>
-              </a:spcAft>
-              <a:buSzPts val="1400"/>
-              <a:buChar char="○"/>
-              <a:defRPr/>
-            </a:lvl2pPr>
-            <a:lvl3pPr marL="1371600" lvl="2" indent="-317500" algn="ctr">
-              <a:lnSpc>
-                <a:spcPct val="115000"/>
-              </a:lnSpc>
-              <a:spcBef>
-                <a:spcPts val="1600"/>
-              </a:spcBef>
-              <a:spcAft>
-                <a:spcPts val="0"/>
-              </a:spcAft>
-              <a:buSzPts val="1400"/>
-              <a:buChar char="■"/>
-              <a:defRPr/>
-            </a:lvl3pPr>
-            <a:lvl4pPr marL="1828800" lvl="3" indent="-317500" algn="ctr">
-              <a:lnSpc>
-                <a:spcPct val="115000"/>
-              </a:lnSpc>
-              <a:spcBef>
-                <a:spcPts val="1600"/>
-              </a:spcBef>
-              <a:spcAft>
-                <a:spcPts val="0"/>
-              </a:spcAft>
-              <a:buSzPts val="1400"/>
-              <a:buChar char="●"/>
-              <a:defRPr/>
-            </a:lvl4pPr>
-            <a:lvl5pPr marL="2286000" lvl="4" indent="-317500" algn="ctr">
-              <a:lnSpc>
-                <a:spcPct val="115000"/>
-              </a:lnSpc>
-              <a:spcBef>
-                <a:spcPts val="1600"/>
-              </a:spcBef>
-              <a:spcAft>
-                <a:spcPts val="0"/>
-              </a:spcAft>
-              <a:buSzPts val="1400"/>
-              <a:buChar char="○"/>
-              <a:defRPr/>
-            </a:lvl5pPr>
-            <a:lvl6pPr marL="2743200" lvl="5" indent="-317500" algn="ctr">
-              <a:lnSpc>
-                <a:spcPct val="115000"/>
-              </a:lnSpc>
-              <a:spcBef>
-                <a:spcPts val="1600"/>
-              </a:spcBef>
-              <a:spcAft>
-                <a:spcPts val="0"/>
-              </a:spcAft>
-              <a:buSzPts val="1400"/>
-              <a:buChar char="■"/>
-              <a:defRPr/>
-            </a:lvl6pPr>
-            <a:lvl7pPr marL="3200400" lvl="6" indent="-317500" algn="ctr">
-              <a:lnSpc>
-                <a:spcPct val="115000"/>
-              </a:lnSpc>
-              <a:spcBef>
-                <a:spcPts val="1600"/>
-              </a:spcBef>
-              <a:spcAft>
-                <a:spcPts val="0"/>
-              </a:spcAft>
-              <a:buSzPts val="1400"/>
-              <a:buChar char="●"/>
-              <a:defRPr/>
-            </a:lvl7pPr>
-            <a:lvl8pPr marL="3657600" lvl="7" indent="-317500" algn="ctr">
-              <a:lnSpc>
-                <a:spcPct val="115000"/>
-              </a:lnSpc>
-              <a:spcBef>
-                <a:spcPts val="1600"/>
-              </a:spcBef>
-              <a:spcAft>
-                <a:spcPts val="0"/>
-              </a:spcAft>
-              <a:buSzPts val="1400"/>
-              <a:buChar char="○"/>
-              <a:defRPr/>
-            </a:lvl8pPr>
-            <a:lvl9pPr marL="4114800" lvl="8" indent="-317500" algn="ctr">
-              <a:lnSpc>
-                <a:spcPct val="115000"/>
-              </a:lnSpc>
-              <a:spcBef>
-                <a:spcPts val="1600"/>
-              </a:spcBef>
-              <a:spcAft>
-                <a:spcPts val="1600"/>
-              </a:spcAft>
-              <a:buSzPts val="1400"/>
-              <a:buChar char="■"/>
-              <a:defRPr/>
-            </a:lvl9pPr>
-          </a:lstStyle>
-          <a:p>
-            <a:endParaRPr/>
-          </a:p>
-        </p:txBody>
-      </p:sp>
-      <p:sp>
-        <p:nvSpPr>
-          <p:cNvPr id="71" name="Google Shape;71;p11"/>
-          <p:cNvSpPr txBox="1">
-            <a:spLocks noGrp="1"/>
-          </p:cNvSpPr>
-          <p:nvPr>
-            <p:ph type="sldNum" idx="12"/>
-          </p:nvPr>
-        </p:nvSpPr>
-        <p:spPr>
-          <a:xfrm>
-            <a:off x="8472458" y="4663217"/>
-            <a:ext cx="548700" cy="393600"/>
-          </a:xfrm>
-          <a:prstGeom prst="rect">
-            <a:avLst/>
-          </a:prstGeom>
-          <a:noFill/>
-          <a:ln>
-            <a:noFill/>
-          </a:ln>
-        </p:spPr>
-        <p:txBody>
-          <a:bodyPr spcFirstLastPara="1" wrap="square" lIns="91425" tIns="91425" rIns="91425" bIns="91425" anchor="ctr" anchorCtr="0">
-            <a:noAutofit/>
-          </a:bodyPr>
-          <a:lstStyle>
-            <a:lvl1pPr marL="0" marR="0" lvl="0" indent="0" algn="r">
-              <a:lnSpc>
-                <a:spcPct val="100000"/>
-              </a:lnSpc>
-              <a:spcBef>
-                <a:spcPts val="0"/>
-              </a:spcBef>
-              <a:spcAft>
-                <a:spcPts val="0"/>
-              </a:spcAft>
-              <a:buClr>
-                <a:srgbClr val="000000"/>
-              </a:buClr>
-              <a:buSzPts val="1000"/>
-              <a:buFont typeface="Arial"/>
-              <a:buNone/>
-              <a:defRPr sz="1000" b="0" i="0" u="none" strike="noStrike" cap="none">
-                <a:solidFill>
-                  <a:schemeClr val="dk2"/>
-                </a:solidFill>
-                <a:latin typeface="Arial"/>
-                <a:ea typeface="Arial"/>
-                <a:cs typeface="Arial"/>
-                <a:sym typeface="Arial"/>
-              </a:defRPr>
-            </a:lvl1pPr>
-            <a:lvl2pPr marL="0" marR="0" lvl="1" indent="0" algn="r">
-              <a:lnSpc>
-                <a:spcPct val="100000"/>
-              </a:lnSpc>
-              <a:spcBef>
-                <a:spcPts val="0"/>
-              </a:spcBef>
-              <a:spcAft>
-                <a:spcPts val="0"/>
-              </a:spcAft>
-              <a:buClr>
-                <a:srgbClr val="000000"/>
-              </a:buClr>
-              <a:buSzPts val="1000"/>
-              <a:buFont typeface="Arial"/>
-              <a:buNone/>
-              <a:defRPr sz="1000" b="0" i="0" u="none" strike="noStrike" cap="none">
-                <a:solidFill>
-                  <a:schemeClr val="dk2"/>
-                </a:solidFill>
-                <a:latin typeface="Arial"/>
-                <a:ea typeface="Arial"/>
-                <a:cs typeface="Arial"/>
-                <a:sym typeface="Arial"/>
-              </a:defRPr>
-            </a:lvl2pPr>
-            <a:lvl3pPr marL="0" marR="0" lvl="2" indent="0" algn="r">
-              <a:lnSpc>
-                <a:spcPct val="100000"/>
-              </a:lnSpc>
-              <a:spcBef>
-                <a:spcPts val="0"/>
-              </a:spcBef>
-              <a:spcAft>
-                <a:spcPts val="0"/>
-              </a:spcAft>
-              <a:buClr>
-                <a:srgbClr val="000000"/>
-              </a:buClr>
-              <a:buSzPts val="1000"/>
-              <a:buFont typeface="Arial"/>
-              <a:buNone/>
-              <a:defRPr sz="1000" b="0" i="0" u="none" strike="noStrike" cap="none">
-                <a:solidFill>
-                  <a:schemeClr val="dk2"/>
-                </a:solidFill>
-                <a:latin typeface="Arial"/>
-                <a:ea typeface="Arial"/>
-                <a:cs typeface="Arial"/>
-                <a:sym typeface="Arial"/>
-              </a:defRPr>
-            </a:lvl3pPr>
-            <a:lvl4pPr marL="0" marR="0" lvl="3" indent="0" algn="r">
-              <a:lnSpc>
-                <a:spcPct val="100000"/>
-              </a:lnSpc>
-              <a:spcBef>
-                <a:spcPts val="0"/>
-              </a:spcBef>
-              <a:spcAft>
-                <a:spcPts val="0"/>
-              </a:spcAft>
-              <a:buClr>
-                <a:srgbClr val="000000"/>
-              </a:buClr>
-              <a:buSzPts val="1000"/>
-              <a:buFont typeface="Arial"/>
-              <a:buNone/>
-              <a:defRPr sz="1000" b="0" i="0" u="none" strike="noStrike" cap="none">
-                <a:solidFill>
-                  <a:schemeClr val="dk2"/>
-                </a:solidFill>
-                <a:latin typeface="Arial"/>
-                <a:ea typeface="Arial"/>
-                <a:cs typeface="Arial"/>
-                <a:sym typeface="Arial"/>
-              </a:defRPr>
-            </a:lvl4pPr>
-            <a:lvl5pPr marL="0" marR="0" lvl="4" indent="0" algn="r">
-              <a:lnSpc>
-                <a:spcPct val="100000"/>
-              </a:lnSpc>
-              <a:spcBef>
-                <a:spcPts val="0"/>
-              </a:spcBef>
-              <a:spcAft>
-                <a:spcPts val="0"/>
-              </a:spcAft>
-              <a:buClr>
-                <a:srgbClr val="000000"/>
-              </a:buClr>
-              <a:buSzPts val="1000"/>
-              <a:buFont typeface="Arial"/>
-              <a:buNone/>
-              <a:defRPr sz="1000" b="0" i="0" u="none" strike="noStrike" cap="none">
-                <a:solidFill>
-                  <a:schemeClr val="dk2"/>
-                </a:solidFill>
-                <a:latin typeface="Arial"/>
-                <a:ea typeface="Arial"/>
-                <a:cs typeface="Arial"/>
-                <a:sym typeface="Arial"/>
-              </a:defRPr>
-            </a:lvl5pPr>
-            <a:lvl6pPr marL="0" marR="0" lvl="5" indent="0" algn="r">
-              <a:lnSpc>
-                <a:spcPct val="100000"/>
-              </a:lnSpc>
-              <a:spcBef>
-                <a:spcPts val="0"/>
-              </a:spcBef>
-              <a:spcAft>
-                <a:spcPts val="0"/>
-              </a:spcAft>
-              <a:buClr>
-                <a:srgbClr val="000000"/>
-              </a:buClr>
-              <a:buSzPts val="1000"/>
-              <a:buFont typeface="Arial"/>
-              <a:buNone/>
-              <a:defRPr sz="1000" b="0" i="0" u="none" strike="noStrike" cap="none">
-                <a:solidFill>
-                  <a:schemeClr val="dk2"/>
-                </a:solidFill>
-                <a:latin typeface="Arial"/>
-                <a:ea typeface="Arial"/>
-                <a:cs typeface="Arial"/>
-                <a:sym typeface="Arial"/>
-              </a:defRPr>
-            </a:lvl6pPr>
-            <a:lvl7pPr marL="0" marR="0" lvl="6" indent="0" algn="r">
-              <a:lnSpc>
-                <a:spcPct val="100000"/>
-              </a:lnSpc>
-              <a:spcBef>
-                <a:spcPts val="0"/>
-              </a:spcBef>
-              <a:spcAft>
-                <a:spcPts val="0"/>
-              </a:spcAft>
-              <a:buClr>
-                <a:srgbClr val="000000"/>
-              </a:buClr>
-              <a:buSzPts val="1000"/>
-              <a:buFont typeface="Arial"/>
-              <a:buNone/>
-              <a:defRPr sz="1000" b="0" i="0" u="none" strike="noStrike" cap="none">
-                <a:solidFill>
-                  <a:schemeClr val="dk2"/>
-                </a:solidFill>
-                <a:latin typeface="Arial"/>
-                <a:ea typeface="Arial"/>
-                <a:cs typeface="Arial"/>
-                <a:sym typeface="Arial"/>
-              </a:defRPr>
-            </a:lvl7pPr>
-            <a:lvl8pPr marL="0" marR="0" lvl="7" indent="0" algn="r">
-              <a:lnSpc>
-                <a:spcPct val="100000"/>
-              </a:lnSpc>
-              <a:spcBef>
-                <a:spcPts val="0"/>
-              </a:spcBef>
-              <a:spcAft>
-                <a:spcPts val="0"/>
-              </a:spcAft>
-              <a:buClr>
-                <a:srgbClr val="000000"/>
-              </a:buClr>
-              <a:buSzPts val="1000"/>
-              <a:buFont typeface="Arial"/>
-              <a:buNone/>
-              <a:defRPr sz="1000" b="0" i="0" u="none" strike="noStrike" cap="none">
-                <a:solidFill>
-                  <a:schemeClr val="dk2"/>
-                </a:solidFill>
-                <a:latin typeface="Arial"/>
-                <a:ea typeface="Arial"/>
-                <a:cs typeface="Arial"/>
-                <a:sym typeface="Arial"/>
-              </a:defRPr>
-            </a:lvl8pPr>
-            <a:lvl9pPr marL="0" marR="0" lvl="8" indent="0" algn="r">
-              <a:lnSpc>
-                <a:spcPct val="100000"/>
-              </a:lnSpc>
-              <a:spcBef>
-                <a:spcPts val="0"/>
-              </a:spcBef>
-              <a:spcAft>
-                <a:spcPts val="0"/>
-              </a:spcAft>
-              <a:buClr>
-                <a:srgbClr val="000000"/>
-              </a:buClr>
-              <a:buSzPts val="1000"/>
-              <a:buFont typeface="Arial"/>
-              <a:buNone/>
-              <a:defRPr sz="1000" b="0" i="0" u="none" strike="noStrike" cap="none">
-                <a:solidFill>
-                  <a:schemeClr val="dk2"/>
-                </a:solidFill>
-                <a:latin typeface="Arial"/>
-                <a:ea typeface="Arial"/>
-                <a:cs typeface="Arial"/>
-                <a:sym typeface="Arial"/>
-              </a:defRPr>
-            </a:lvl9pPr>
-          </a:lstStyle>
-          <a:p>
-            <a:pPr marL="0" lvl="0" indent="0" algn="r" rtl="0">
-              <a:spcBef>
-                <a:spcPts val="0"/>
-              </a:spcBef>
-              <a:spcAft>
-                <a:spcPts val="0"/>
-              </a:spcAft>
-              <a:buNone/>
-            </a:pPr>
-            <a:fld id="{00000000-1234-1234-1234-123412341234}" type="slidenum">
-              <a:rPr lang="en-US"/>
-              <a:t>‹N›</a:t>
-            </a:fld>
-            <a:endParaRPr/>
-          </a:p>
-        </p:txBody>
-      </p:sp>
-    </p:spTree>
-  </p:cSld>
-  <p:clrMapOvr>
-    <a:masterClrMapping/>
-  </p:clrMapOvr>
-</p:sldLayout>
-</file>
-
-<file path=ppt/slideLayouts/slideLayout11.xml><?xml version="1.0" encoding="utf-8"?>
 <p:sldLayout xmlns:a="http://schemas.openxmlformats.org/drawingml/2006/main" xmlns:r="http://schemas.openxmlformats.org/officeDocument/2006/relationships" xmlns:p="http://schemas.openxmlformats.org/presentationml/2006/main" matchingName="Blank" type="blank">
   <p:cSld name="BLANK">
     <p:spTree>
@@ -3097,7 +2692,7 @@
 </p:sldLayout>
 </file>
 
-<file path=ppt/slideLayouts/slideLayout12.xml><?xml version="1.0" encoding="utf-8"?>
+<file path=ppt/slideLayouts/slideLayout11.xml><?xml version="1.0" encoding="utf-8"?>
 <p:sldLayout xmlns:a="http://schemas.openxmlformats.org/drawingml/2006/main" xmlns:r="http://schemas.openxmlformats.org/officeDocument/2006/relationships" xmlns:p="http://schemas.openxmlformats.org/presentationml/2006/main" matchingName="Titolo e contenuto" type="obj">
   <p:cSld name="OBJECT">
     <p:spTree>
@@ -5123,747 +4718,6 @@
 </file>
 
 <file path=ppt/slideLayouts/slideLayout3.xml><?xml version="1.0" encoding="utf-8"?>
-<p:sldLayout xmlns:a="http://schemas.openxmlformats.org/drawingml/2006/main" xmlns:r="http://schemas.openxmlformats.org/officeDocument/2006/relationships" xmlns:p="http://schemas.openxmlformats.org/presentationml/2006/main" matchingName="Title only" type="titleOnly">
-  <p:cSld name="TITLE_ONLY">
-    <p:spTree>
-      <p:nvGrpSpPr>
-        <p:cNvPr id="1" name="Shape 23"/>
-        <p:cNvGrpSpPr/>
-        <p:nvPr/>
-      </p:nvGrpSpPr>
-      <p:grpSpPr>
-        <a:xfrm>
-          <a:off x="0" y="0"/>
-          <a:ext cx="0" cy="0"/>
-          <a:chOff x="0" y="0"/>
-          <a:chExt cx="0" cy="0"/>
-        </a:xfrm>
-      </p:grpSpPr>
-      <p:sp>
-        <p:nvSpPr>
-          <p:cNvPr id="24" name="Google Shape;24;p4"/>
-          <p:cNvSpPr/>
-          <p:nvPr/>
-        </p:nvSpPr>
-        <p:spPr>
-          <a:xfrm>
-            <a:off x="0" y="4665829"/>
-            <a:ext cx="9159115" cy="482399"/>
-          </a:xfrm>
-          <a:prstGeom prst="rect">
-            <a:avLst/>
-          </a:prstGeom>
-          <a:solidFill>
-            <a:srgbClr val="D8D8D8"/>
-          </a:solidFill>
-          <a:ln>
-            <a:noFill/>
-          </a:ln>
-        </p:spPr>
-        <p:txBody>
-          <a:bodyPr spcFirstLastPara="1" wrap="square" lIns="68575" tIns="34275" rIns="68575" bIns="34275" anchor="ctr" anchorCtr="0">
-            <a:noAutofit/>
-          </a:bodyPr>
-          <a:lstStyle/>
-          <a:p>
-            <a:pPr marL="0" marR="0" lvl="0" indent="0" algn="ctr" rtl="0">
-              <a:lnSpc>
-                <a:spcPct val="100000"/>
-              </a:lnSpc>
-              <a:spcBef>
-                <a:spcPts val="0"/>
-              </a:spcBef>
-              <a:spcAft>
-                <a:spcPts val="0"/>
-              </a:spcAft>
-              <a:buClr>
-                <a:srgbClr val="000000"/>
-              </a:buClr>
-              <a:buSzPts val="1400"/>
-              <a:buFont typeface="Arial"/>
-              <a:buNone/>
-            </a:pPr>
-            <a:endParaRPr sz="1400" b="0" i="0" u="none" strike="noStrike" cap="none">
-              <a:solidFill>
-                <a:schemeClr val="lt1"/>
-              </a:solidFill>
-              <a:latin typeface="Calibri"/>
-              <a:ea typeface="Calibri"/>
-              <a:cs typeface="Calibri"/>
-              <a:sym typeface="Calibri"/>
-            </a:endParaRPr>
-          </a:p>
-        </p:txBody>
-      </p:sp>
-      <p:pic>
-        <p:nvPicPr>
-          <p:cNvPr id="25" name="Google Shape;25;p4">
-            <a:hlinkClick r:id="rId2"/>
-          </p:cNvPr>
-          <p:cNvPicPr preferRelativeResize="0"/>
-          <p:nvPr/>
-        </p:nvPicPr>
-        <p:blipFill rotWithShape="1">
-          <a:blip r:embed="rId3">
-            <a:alphaModFix/>
-          </a:blip>
-          <a:srcRect/>
-          <a:stretch/>
-        </p:blipFill>
-        <p:spPr>
-          <a:xfrm>
-            <a:off x="7686342" y="4666625"/>
-            <a:ext cx="1350057" cy="346250"/>
-          </a:xfrm>
-          <a:prstGeom prst="rect">
-            <a:avLst/>
-          </a:prstGeom>
-          <a:noFill/>
-          <a:ln>
-            <a:noFill/>
-          </a:ln>
-          <a:effectLst>
-            <a:outerShdw blurRad="57150" dist="19050" dir="5400000" algn="bl" rotWithShape="0">
-              <a:srgbClr val="000000">
-                <a:alpha val="49803"/>
-              </a:srgbClr>
-            </a:outerShdw>
-            <a:reflection endPos="30000" dist="38100" dir="5400000" fadeDir="5400012" sy="-100000" algn="bl" rotWithShape="0"/>
-          </a:effectLst>
-        </p:spPr>
-      </p:pic>
-      <p:sp>
-        <p:nvSpPr>
-          <p:cNvPr id="26" name="Google Shape;26;p4"/>
-          <p:cNvSpPr txBox="1">
-            <a:spLocks noGrp="1"/>
-          </p:cNvSpPr>
-          <p:nvPr>
-            <p:ph type="sldNum" idx="12"/>
-          </p:nvPr>
-        </p:nvSpPr>
-        <p:spPr>
-          <a:xfrm>
-            <a:off x="6810543" y="4699963"/>
-            <a:ext cx="548700" cy="393600"/>
-          </a:xfrm>
-          <a:prstGeom prst="rect">
-            <a:avLst/>
-          </a:prstGeom>
-          <a:noFill/>
-          <a:ln>
-            <a:noFill/>
-          </a:ln>
-        </p:spPr>
-        <p:txBody>
-          <a:bodyPr spcFirstLastPara="1" wrap="square" lIns="91425" tIns="91425" rIns="91425" bIns="91425" anchor="ctr" anchorCtr="0">
-            <a:noAutofit/>
-          </a:bodyPr>
-          <a:lstStyle>
-            <a:lvl1pPr marL="0" marR="0" lvl="0" indent="0" algn="r">
-              <a:lnSpc>
-                <a:spcPct val="100000"/>
-              </a:lnSpc>
-              <a:spcBef>
-                <a:spcPts val="0"/>
-              </a:spcBef>
-              <a:spcAft>
-                <a:spcPts val="0"/>
-              </a:spcAft>
-              <a:buClr>
-                <a:srgbClr val="000000"/>
-              </a:buClr>
-              <a:buSzPts val="1000"/>
-              <a:buFont typeface="Arial"/>
-              <a:buNone/>
-              <a:defRPr sz="1000" b="0" i="0" u="none" strike="noStrike" cap="none">
-                <a:solidFill>
-                  <a:schemeClr val="dk2"/>
-                </a:solidFill>
-                <a:latin typeface="Arial"/>
-                <a:ea typeface="Arial"/>
-                <a:cs typeface="Arial"/>
-                <a:sym typeface="Arial"/>
-              </a:defRPr>
-            </a:lvl1pPr>
-            <a:lvl2pPr marL="0" marR="0" lvl="1" indent="0" algn="r">
-              <a:lnSpc>
-                <a:spcPct val="100000"/>
-              </a:lnSpc>
-              <a:spcBef>
-                <a:spcPts val="0"/>
-              </a:spcBef>
-              <a:spcAft>
-                <a:spcPts val="0"/>
-              </a:spcAft>
-              <a:buClr>
-                <a:srgbClr val="000000"/>
-              </a:buClr>
-              <a:buSzPts val="1000"/>
-              <a:buFont typeface="Arial"/>
-              <a:buNone/>
-              <a:defRPr sz="1000" b="0" i="0" u="none" strike="noStrike" cap="none">
-                <a:solidFill>
-                  <a:schemeClr val="dk2"/>
-                </a:solidFill>
-                <a:latin typeface="Arial"/>
-                <a:ea typeface="Arial"/>
-                <a:cs typeface="Arial"/>
-                <a:sym typeface="Arial"/>
-              </a:defRPr>
-            </a:lvl2pPr>
-            <a:lvl3pPr marL="0" marR="0" lvl="2" indent="0" algn="r">
-              <a:lnSpc>
-                <a:spcPct val="100000"/>
-              </a:lnSpc>
-              <a:spcBef>
-                <a:spcPts val="0"/>
-              </a:spcBef>
-              <a:spcAft>
-                <a:spcPts val="0"/>
-              </a:spcAft>
-              <a:buClr>
-                <a:srgbClr val="000000"/>
-              </a:buClr>
-              <a:buSzPts val="1000"/>
-              <a:buFont typeface="Arial"/>
-              <a:buNone/>
-              <a:defRPr sz="1000" b="0" i="0" u="none" strike="noStrike" cap="none">
-                <a:solidFill>
-                  <a:schemeClr val="dk2"/>
-                </a:solidFill>
-                <a:latin typeface="Arial"/>
-                <a:ea typeface="Arial"/>
-                <a:cs typeface="Arial"/>
-                <a:sym typeface="Arial"/>
-              </a:defRPr>
-            </a:lvl3pPr>
-            <a:lvl4pPr marL="0" marR="0" lvl="3" indent="0" algn="r">
-              <a:lnSpc>
-                <a:spcPct val="100000"/>
-              </a:lnSpc>
-              <a:spcBef>
-                <a:spcPts val="0"/>
-              </a:spcBef>
-              <a:spcAft>
-                <a:spcPts val="0"/>
-              </a:spcAft>
-              <a:buClr>
-                <a:srgbClr val="000000"/>
-              </a:buClr>
-              <a:buSzPts val="1000"/>
-              <a:buFont typeface="Arial"/>
-              <a:buNone/>
-              <a:defRPr sz="1000" b="0" i="0" u="none" strike="noStrike" cap="none">
-                <a:solidFill>
-                  <a:schemeClr val="dk2"/>
-                </a:solidFill>
-                <a:latin typeface="Arial"/>
-                <a:ea typeface="Arial"/>
-                <a:cs typeface="Arial"/>
-                <a:sym typeface="Arial"/>
-              </a:defRPr>
-            </a:lvl4pPr>
-            <a:lvl5pPr marL="0" marR="0" lvl="4" indent="0" algn="r">
-              <a:lnSpc>
-                <a:spcPct val="100000"/>
-              </a:lnSpc>
-              <a:spcBef>
-                <a:spcPts val="0"/>
-              </a:spcBef>
-              <a:spcAft>
-                <a:spcPts val="0"/>
-              </a:spcAft>
-              <a:buClr>
-                <a:srgbClr val="000000"/>
-              </a:buClr>
-              <a:buSzPts val="1000"/>
-              <a:buFont typeface="Arial"/>
-              <a:buNone/>
-              <a:defRPr sz="1000" b="0" i="0" u="none" strike="noStrike" cap="none">
-                <a:solidFill>
-                  <a:schemeClr val="dk2"/>
-                </a:solidFill>
-                <a:latin typeface="Arial"/>
-                <a:ea typeface="Arial"/>
-                <a:cs typeface="Arial"/>
-                <a:sym typeface="Arial"/>
-              </a:defRPr>
-            </a:lvl5pPr>
-            <a:lvl6pPr marL="0" marR="0" lvl="5" indent="0" algn="r">
-              <a:lnSpc>
-                <a:spcPct val="100000"/>
-              </a:lnSpc>
-              <a:spcBef>
-                <a:spcPts val="0"/>
-              </a:spcBef>
-              <a:spcAft>
-                <a:spcPts val="0"/>
-              </a:spcAft>
-              <a:buClr>
-                <a:srgbClr val="000000"/>
-              </a:buClr>
-              <a:buSzPts val="1000"/>
-              <a:buFont typeface="Arial"/>
-              <a:buNone/>
-              <a:defRPr sz="1000" b="0" i="0" u="none" strike="noStrike" cap="none">
-                <a:solidFill>
-                  <a:schemeClr val="dk2"/>
-                </a:solidFill>
-                <a:latin typeface="Arial"/>
-                <a:ea typeface="Arial"/>
-                <a:cs typeface="Arial"/>
-                <a:sym typeface="Arial"/>
-              </a:defRPr>
-            </a:lvl6pPr>
-            <a:lvl7pPr marL="0" marR="0" lvl="6" indent="0" algn="r">
-              <a:lnSpc>
-                <a:spcPct val="100000"/>
-              </a:lnSpc>
-              <a:spcBef>
-                <a:spcPts val="0"/>
-              </a:spcBef>
-              <a:spcAft>
-                <a:spcPts val="0"/>
-              </a:spcAft>
-              <a:buClr>
-                <a:srgbClr val="000000"/>
-              </a:buClr>
-              <a:buSzPts val="1000"/>
-              <a:buFont typeface="Arial"/>
-              <a:buNone/>
-              <a:defRPr sz="1000" b="0" i="0" u="none" strike="noStrike" cap="none">
-                <a:solidFill>
-                  <a:schemeClr val="dk2"/>
-                </a:solidFill>
-                <a:latin typeface="Arial"/>
-                <a:ea typeface="Arial"/>
-                <a:cs typeface="Arial"/>
-                <a:sym typeface="Arial"/>
-              </a:defRPr>
-            </a:lvl7pPr>
-            <a:lvl8pPr marL="0" marR="0" lvl="7" indent="0" algn="r">
-              <a:lnSpc>
-                <a:spcPct val="100000"/>
-              </a:lnSpc>
-              <a:spcBef>
-                <a:spcPts val="0"/>
-              </a:spcBef>
-              <a:spcAft>
-                <a:spcPts val="0"/>
-              </a:spcAft>
-              <a:buClr>
-                <a:srgbClr val="000000"/>
-              </a:buClr>
-              <a:buSzPts val="1000"/>
-              <a:buFont typeface="Arial"/>
-              <a:buNone/>
-              <a:defRPr sz="1000" b="0" i="0" u="none" strike="noStrike" cap="none">
-                <a:solidFill>
-                  <a:schemeClr val="dk2"/>
-                </a:solidFill>
-                <a:latin typeface="Arial"/>
-                <a:ea typeface="Arial"/>
-                <a:cs typeface="Arial"/>
-                <a:sym typeface="Arial"/>
-              </a:defRPr>
-            </a:lvl8pPr>
-            <a:lvl9pPr marL="0" marR="0" lvl="8" indent="0" algn="r">
-              <a:lnSpc>
-                <a:spcPct val="100000"/>
-              </a:lnSpc>
-              <a:spcBef>
-                <a:spcPts val="0"/>
-              </a:spcBef>
-              <a:spcAft>
-                <a:spcPts val="0"/>
-              </a:spcAft>
-              <a:buClr>
-                <a:srgbClr val="000000"/>
-              </a:buClr>
-              <a:buSzPts val="1000"/>
-              <a:buFont typeface="Arial"/>
-              <a:buNone/>
-              <a:defRPr sz="1000" b="0" i="0" u="none" strike="noStrike" cap="none">
-                <a:solidFill>
-                  <a:schemeClr val="dk2"/>
-                </a:solidFill>
-                <a:latin typeface="Arial"/>
-                <a:ea typeface="Arial"/>
-                <a:cs typeface="Arial"/>
-                <a:sym typeface="Arial"/>
-              </a:defRPr>
-            </a:lvl9pPr>
-          </a:lstStyle>
-          <a:p>
-            <a:pPr marL="0" lvl="0" indent="0" algn="r" rtl="0">
-              <a:spcBef>
-                <a:spcPts val="0"/>
-              </a:spcBef>
-              <a:spcAft>
-                <a:spcPts val="0"/>
-              </a:spcAft>
-              <a:buNone/>
-            </a:pPr>
-            <a:fld id="{00000000-1234-1234-1234-123412341234}" type="slidenum">
-              <a:rPr lang="en-US"/>
-              <a:t>‹N›</a:t>
-            </a:fld>
-            <a:endParaRPr/>
-          </a:p>
-        </p:txBody>
-      </p:sp>
-      <p:sp>
-        <p:nvSpPr>
-          <p:cNvPr id="27" name="Google Shape;27;p4"/>
-          <p:cNvSpPr txBox="1">
-            <a:spLocks noGrp="1"/>
-          </p:cNvSpPr>
-          <p:nvPr>
-            <p:ph type="title"/>
-          </p:nvPr>
-        </p:nvSpPr>
-        <p:spPr>
-          <a:xfrm>
-            <a:off x="0" y="-603"/>
-            <a:ext cx="9144000" cy="1153079"/>
-          </a:xfrm>
-          <a:prstGeom prst="rect">
-            <a:avLst/>
-          </a:prstGeom>
-          <a:solidFill>
-            <a:srgbClr val="777777"/>
-          </a:solidFill>
-          <a:ln>
-            <a:noFill/>
-          </a:ln>
-        </p:spPr>
-        <p:txBody>
-          <a:bodyPr spcFirstLastPara="1" wrap="square" lIns="540000" tIns="91425" rIns="360000" bIns="91425" anchor="ctr" anchorCtr="0">
-            <a:noAutofit/>
-          </a:bodyPr>
-          <a:lstStyle>
-            <a:lvl1pPr lvl="0" algn="l">
-              <a:lnSpc>
-                <a:spcPct val="100000"/>
-              </a:lnSpc>
-              <a:spcBef>
-                <a:spcPts val="0"/>
-              </a:spcBef>
-              <a:spcAft>
-                <a:spcPts val="0"/>
-              </a:spcAft>
-              <a:buSzPts val="2800"/>
-              <a:buNone/>
-              <a:defRPr sz="4800">
-                <a:solidFill>
-                  <a:schemeClr val="lt1"/>
-                </a:solidFill>
-                <a:latin typeface="Calibri"/>
-                <a:ea typeface="Calibri"/>
-                <a:cs typeface="Calibri"/>
-                <a:sym typeface="Calibri"/>
-              </a:defRPr>
-            </a:lvl1pPr>
-            <a:lvl2pPr lvl="1" algn="l">
-              <a:lnSpc>
-                <a:spcPct val="100000"/>
-              </a:lnSpc>
-              <a:spcBef>
-                <a:spcPts val="0"/>
-              </a:spcBef>
-              <a:spcAft>
-                <a:spcPts val="0"/>
-              </a:spcAft>
-              <a:buSzPts val="2800"/>
-              <a:buNone/>
-              <a:defRPr/>
-            </a:lvl2pPr>
-            <a:lvl3pPr lvl="2" algn="l">
-              <a:lnSpc>
-                <a:spcPct val="100000"/>
-              </a:lnSpc>
-              <a:spcBef>
-                <a:spcPts val="0"/>
-              </a:spcBef>
-              <a:spcAft>
-                <a:spcPts val="0"/>
-              </a:spcAft>
-              <a:buSzPts val="2800"/>
-              <a:buNone/>
-              <a:defRPr/>
-            </a:lvl3pPr>
-            <a:lvl4pPr lvl="3" algn="l">
-              <a:lnSpc>
-                <a:spcPct val="100000"/>
-              </a:lnSpc>
-              <a:spcBef>
-                <a:spcPts val="0"/>
-              </a:spcBef>
-              <a:spcAft>
-                <a:spcPts val="0"/>
-              </a:spcAft>
-              <a:buSzPts val="2800"/>
-              <a:buNone/>
-              <a:defRPr/>
-            </a:lvl4pPr>
-            <a:lvl5pPr lvl="4" algn="l">
-              <a:lnSpc>
-                <a:spcPct val="100000"/>
-              </a:lnSpc>
-              <a:spcBef>
-                <a:spcPts val="0"/>
-              </a:spcBef>
-              <a:spcAft>
-                <a:spcPts val="0"/>
-              </a:spcAft>
-              <a:buSzPts val="2800"/>
-              <a:buNone/>
-              <a:defRPr/>
-            </a:lvl5pPr>
-            <a:lvl6pPr lvl="5" algn="l">
-              <a:lnSpc>
-                <a:spcPct val="100000"/>
-              </a:lnSpc>
-              <a:spcBef>
-                <a:spcPts val="0"/>
-              </a:spcBef>
-              <a:spcAft>
-                <a:spcPts val="0"/>
-              </a:spcAft>
-              <a:buSzPts val="2800"/>
-              <a:buNone/>
-              <a:defRPr/>
-            </a:lvl6pPr>
-            <a:lvl7pPr lvl="6" algn="l">
-              <a:lnSpc>
-                <a:spcPct val="100000"/>
-              </a:lnSpc>
-              <a:spcBef>
-                <a:spcPts val="0"/>
-              </a:spcBef>
-              <a:spcAft>
-                <a:spcPts val="0"/>
-              </a:spcAft>
-              <a:buSzPts val="2800"/>
-              <a:buNone/>
-              <a:defRPr/>
-            </a:lvl7pPr>
-            <a:lvl8pPr lvl="7" algn="l">
-              <a:lnSpc>
-                <a:spcPct val="100000"/>
-              </a:lnSpc>
-              <a:spcBef>
-                <a:spcPts val="0"/>
-              </a:spcBef>
-              <a:spcAft>
-                <a:spcPts val="0"/>
-              </a:spcAft>
-              <a:buSzPts val="2800"/>
-              <a:buNone/>
-              <a:defRPr/>
-            </a:lvl8pPr>
-            <a:lvl9pPr lvl="8" algn="l">
-              <a:lnSpc>
-                <a:spcPct val="100000"/>
-              </a:lnSpc>
-              <a:spcBef>
-                <a:spcPts val="0"/>
-              </a:spcBef>
-              <a:spcAft>
-                <a:spcPts val="0"/>
-              </a:spcAft>
-              <a:buSzPts val="2800"/>
-              <a:buNone/>
-              <a:defRPr/>
-            </a:lvl9pPr>
-          </a:lstStyle>
-          <a:p>
-            <a:endParaRPr/>
-          </a:p>
-        </p:txBody>
-      </p:sp>
-      <p:sp>
-        <p:nvSpPr>
-          <p:cNvPr id="28" name="Google Shape;28;p4"/>
-          <p:cNvSpPr txBox="1">
-            <a:spLocks noGrp="1"/>
-          </p:cNvSpPr>
-          <p:nvPr>
-            <p:ph type="body" idx="1"/>
-          </p:nvPr>
-        </p:nvSpPr>
-        <p:spPr>
-          <a:xfrm>
-            <a:off x="1669312" y="4688958"/>
-            <a:ext cx="4455041" cy="447565"/>
-          </a:xfrm>
-          <a:prstGeom prst="rect">
-            <a:avLst/>
-          </a:prstGeom>
-          <a:noFill/>
-          <a:ln>
-            <a:noFill/>
-          </a:ln>
-        </p:spPr>
-        <p:txBody>
-          <a:bodyPr spcFirstLastPara="1" wrap="square" lIns="91425" tIns="0" rIns="91425" bIns="0" anchor="ctr" anchorCtr="0">
-            <a:noAutofit/>
-          </a:bodyPr>
-          <a:lstStyle>
-            <a:lvl1pPr marL="457200" lvl="0" indent="-228600" algn="l">
-              <a:lnSpc>
-                <a:spcPct val="115000"/>
-              </a:lnSpc>
-              <a:spcBef>
-                <a:spcPts val="0"/>
-              </a:spcBef>
-              <a:spcAft>
-                <a:spcPts val="0"/>
-              </a:spcAft>
-              <a:buSzPts val="1800"/>
-              <a:buNone/>
-              <a:defRPr sz="1600">
-                <a:solidFill>
-                  <a:schemeClr val="dk1"/>
-                </a:solidFill>
-              </a:defRPr>
-            </a:lvl1pPr>
-            <a:lvl2pPr marL="914400" lvl="1" indent="-228600" algn="l">
-              <a:lnSpc>
-                <a:spcPct val="115000"/>
-              </a:lnSpc>
-              <a:spcBef>
-                <a:spcPts val="1600"/>
-              </a:spcBef>
-              <a:spcAft>
-                <a:spcPts val="0"/>
-              </a:spcAft>
-              <a:buSzPts val="1400"/>
-              <a:buNone/>
-              <a:defRPr sz="1600">
-                <a:solidFill>
-                  <a:schemeClr val="dk1"/>
-                </a:solidFill>
-                <a:latin typeface="Verdana"/>
-                <a:ea typeface="Verdana"/>
-                <a:cs typeface="Verdana"/>
-                <a:sym typeface="Verdana"/>
-              </a:defRPr>
-            </a:lvl2pPr>
-            <a:lvl3pPr marL="1371600" lvl="2" indent="-317500" algn="l">
-              <a:lnSpc>
-                <a:spcPct val="115000"/>
-              </a:lnSpc>
-              <a:spcBef>
-                <a:spcPts val="1600"/>
-              </a:spcBef>
-              <a:spcAft>
-                <a:spcPts val="0"/>
-              </a:spcAft>
-              <a:buSzPts val="1400"/>
-              <a:buChar char="■"/>
-              <a:defRPr/>
-            </a:lvl3pPr>
-            <a:lvl4pPr marL="1828800" lvl="3" indent="-317500" algn="l">
-              <a:lnSpc>
-                <a:spcPct val="115000"/>
-              </a:lnSpc>
-              <a:spcBef>
-                <a:spcPts val="1600"/>
-              </a:spcBef>
-              <a:spcAft>
-                <a:spcPts val="0"/>
-              </a:spcAft>
-              <a:buSzPts val="1400"/>
-              <a:buChar char="●"/>
-              <a:defRPr/>
-            </a:lvl4pPr>
-            <a:lvl5pPr marL="2286000" lvl="4" indent="-317500" algn="l">
-              <a:lnSpc>
-                <a:spcPct val="115000"/>
-              </a:lnSpc>
-              <a:spcBef>
-                <a:spcPts val="1600"/>
-              </a:spcBef>
-              <a:spcAft>
-                <a:spcPts val="0"/>
-              </a:spcAft>
-              <a:buSzPts val="1400"/>
-              <a:buChar char="○"/>
-              <a:defRPr/>
-            </a:lvl5pPr>
-            <a:lvl6pPr marL="2743200" lvl="5" indent="-317500" algn="l">
-              <a:lnSpc>
-                <a:spcPct val="115000"/>
-              </a:lnSpc>
-              <a:spcBef>
-                <a:spcPts val="1600"/>
-              </a:spcBef>
-              <a:spcAft>
-                <a:spcPts val="0"/>
-              </a:spcAft>
-              <a:buSzPts val="1400"/>
-              <a:buChar char="■"/>
-              <a:defRPr/>
-            </a:lvl6pPr>
-            <a:lvl7pPr marL="3200400" lvl="6" indent="-317500" algn="l">
-              <a:lnSpc>
-                <a:spcPct val="115000"/>
-              </a:lnSpc>
-              <a:spcBef>
-                <a:spcPts val="1600"/>
-              </a:spcBef>
-              <a:spcAft>
-                <a:spcPts val="0"/>
-              </a:spcAft>
-              <a:buSzPts val="1400"/>
-              <a:buChar char="●"/>
-              <a:defRPr/>
-            </a:lvl7pPr>
-            <a:lvl8pPr marL="3657600" lvl="7" indent="-317500" algn="l">
-              <a:lnSpc>
-                <a:spcPct val="115000"/>
-              </a:lnSpc>
-              <a:spcBef>
-                <a:spcPts val="1600"/>
-              </a:spcBef>
-              <a:spcAft>
-                <a:spcPts val="0"/>
-              </a:spcAft>
-              <a:buSzPts val="1400"/>
-              <a:buChar char="○"/>
-              <a:defRPr/>
-            </a:lvl8pPr>
-            <a:lvl9pPr marL="4114800" lvl="8" indent="-317500" algn="l">
-              <a:lnSpc>
-                <a:spcPct val="115000"/>
-              </a:lnSpc>
-              <a:spcBef>
-                <a:spcPts val="1600"/>
-              </a:spcBef>
-              <a:spcAft>
-                <a:spcPts val="1600"/>
-              </a:spcAft>
-              <a:buSzPts val="1400"/>
-              <a:buChar char="■"/>
-              <a:defRPr/>
-            </a:lvl9pPr>
-          </a:lstStyle>
-          <a:p>
-            <a:endParaRPr/>
-          </a:p>
-        </p:txBody>
-      </p:sp>
-    </p:spTree>
-  </p:cSld>
-  <p:clrMapOvr>
-    <a:masterClrMapping/>
-  </p:clrMapOvr>
-</p:sldLayout>
-</file>
-
-<file path=ppt/slideLayouts/slideLayout4.xml><?xml version="1.0" encoding="utf-8"?>
 <p:sldLayout xmlns:a="http://schemas.openxmlformats.org/drawingml/2006/main" xmlns:r="http://schemas.openxmlformats.org/officeDocument/2006/relationships" xmlns:p="http://schemas.openxmlformats.org/presentationml/2006/main" matchingName="Section header" type="secHead">
   <p:cSld name="SECTION_HEADER">
     <p:spTree>
@@ -6601,7 +5455,7 @@
 </p:sldLayout>
 </file>
 
-<file path=ppt/slideLayouts/slideLayout5.xml><?xml version="1.0" encoding="utf-8"?>
+<file path=ppt/slideLayouts/slideLayout4.xml><?xml version="1.0" encoding="utf-8"?>
 <p:sldLayout xmlns:a="http://schemas.openxmlformats.org/drawingml/2006/main" xmlns:r="http://schemas.openxmlformats.org/officeDocument/2006/relationships" xmlns:p="http://schemas.openxmlformats.org/presentationml/2006/main" matchingName="Title and two columns" type="twoColTx">
   <p:cSld name="TITLE_AND_TWO_COLUMNS">
     <p:spTree>
@@ -7743,7 +6597,7 @@
 </p:sldLayout>
 </file>
 
-<file path=ppt/slideLayouts/slideLayout6.xml><?xml version="1.0" encoding="utf-8"?>
+<file path=ppt/slideLayouts/slideLayout5.xml><?xml version="1.0" encoding="utf-8"?>
 <p:sldLayout xmlns:a="http://schemas.openxmlformats.org/drawingml/2006/main" xmlns:r="http://schemas.openxmlformats.org/officeDocument/2006/relationships" xmlns:p="http://schemas.openxmlformats.org/presentationml/2006/main" matchingName="One column text">
   <p:cSld name="ONE_COLUMN_TEXT">
     <p:spTree>
@@ -8676,7 +7530,7 @@
 </p:sldLayout>
 </file>
 
-<file path=ppt/slideLayouts/slideLayout7.xml><?xml version="1.0" encoding="utf-8"?>
+<file path=ppt/slideLayouts/slideLayout6.xml><?xml version="1.0" encoding="utf-8"?>
 <p:sldLayout xmlns:a="http://schemas.openxmlformats.org/drawingml/2006/main" xmlns:r="http://schemas.openxmlformats.org/officeDocument/2006/relationships" xmlns:p="http://schemas.openxmlformats.org/presentationml/2006/main" matchingName="Main point">
   <p:cSld name="MAIN_POINT">
     <p:spTree>
@@ -9409,7 +8263,7 @@
 </p:sldLayout>
 </file>
 
-<file path=ppt/slideLayouts/slideLayout8.xml><?xml version="1.0" encoding="utf-8"?>
+<file path=ppt/slideLayouts/slideLayout7.xml><?xml version="1.0" encoding="utf-8"?>
 <p:sldLayout xmlns:a="http://schemas.openxmlformats.org/drawingml/2006/main" xmlns:r="http://schemas.openxmlformats.org/officeDocument/2006/relationships" xmlns:p="http://schemas.openxmlformats.org/presentationml/2006/main" matchingName="Section title and description">
   <p:cSld name="SECTION_TITLE_AND_DESCRIPTION">
     <p:spTree>
@@ -10554,7 +9408,7 @@
 </p:sldLayout>
 </file>
 
-<file path=ppt/slideLayouts/slideLayout9.xml><?xml version="1.0" encoding="utf-8"?>
+<file path=ppt/slideLayouts/slideLayout8.xml><?xml version="1.0" encoding="utf-8"?>
 <p:sldLayout xmlns:a="http://schemas.openxmlformats.org/drawingml/2006/main" xmlns:r="http://schemas.openxmlformats.org/officeDocument/2006/relationships" xmlns:p="http://schemas.openxmlformats.org/presentationml/2006/main" matchingName="Caption">
   <p:cSld name="CAPTION_ONLY">
     <p:spTree>
@@ -10622,6 +9476,636 @@
       <p:sp>
         <p:nvSpPr>
           <p:cNvPr id="67" name="Google Shape;67;p10"/>
+          <p:cNvSpPr txBox="1">
+            <a:spLocks noGrp="1"/>
+          </p:cNvSpPr>
+          <p:nvPr>
+            <p:ph type="sldNum" idx="12"/>
+          </p:nvPr>
+        </p:nvSpPr>
+        <p:spPr>
+          <a:xfrm>
+            <a:off x="8472458" y="4663217"/>
+            <a:ext cx="548700" cy="393600"/>
+          </a:xfrm>
+          <a:prstGeom prst="rect">
+            <a:avLst/>
+          </a:prstGeom>
+          <a:noFill/>
+          <a:ln>
+            <a:noFill/>
+          </a:ln>
+        </p:spPr>
+        <p:txBody>
+          <a:bodyPr spcFirstLastPara="1" wrap="square" lIns="91425" tIns="91425" rIns="91425" bIns="91425" anchor="ctr" anchorCtr="0">
+            <a:noAutofit/>
+          </a:bodyPr>
+          <a:lstStyle>
+            <a:lvl1pPr marL="0" marR="0" lvl="0" indent="0" algn="r">
+              <a:lnSpc>
+                <a:spcPct val="100000"/>
+              </a:lnSpc>
+              <a:spcBef>
+                <a:spcPts val="0"/>
+              </a:spcBef>
+              <a:spcAft>
+                <a:spcPts val="0"/>
+              </a:spcAft>
+              <a:buClr>
+                <a:srgbClr val="000000"/>
+              </a:buClr>
+              <a:buSzPts val="1000"/>
+              <a:buFont typeface="Arial"/>
+              <a:buNone/>
+              <a:defRPr sz="1000" b="0" i="0" u="none" strike="noStrike" cap="none">
+                <a:solidFill>
+                  <a:schemeClr val="dk2"/>
+                </a:solidFill>
+                <a:latin typeface="Arial"/>
+                <a:ea typeface="Arial"/>
+                <a:cs typeface="Arial"/>
+                <a:sym typeface="Arial"/>
+              </a:defRPr>
+            </a:lvl1pPr>
+            <a:lvl2pPr marL="0" marR="0" lvl="1" indent="0" algn="r">
+              <a:lnSpc>
+                <a:spcPct val="100000"/>
+              </a:lnSpc>
+              <a:spcBef>
+                <a:spcPts val="0"/>
+              </a:spcBef>
+              <a:spcAft>
+                <a:spcPts val="0"/>
+              </a:spcAft>
+              <a:buClr>
+                <a:srgbClr val="000000"/>
+              </a:buClr>
+              <a:buSzPts val="1000"/>
+              <a:buFont typeface="Arial"/>
+              <a:buNone/>
+              <a:defRPr sz="1000" b="0" i="0" u="none" strike="noStrike" cap="none">
+                <a:solidFill>
+                  <a:schemeClr val="dk2"/>
+                </a:solidFill>
+                <a:latin typeface="Arial"/>
+                <a:ea typeface="Arial"/>
+                <a:cs typeface="Arial"/>
+                <a:sym typeface="Arial"/>
+              </a:defRPr>
+            </a:lvl2pPr>
+            <a:lvl3pPr marL="0" marR="0" lvl="2" indent="0" algn="r">
+              <a:lnSpc>
+                <a:spcPct val="100000"/>
+              </a:lnSpc>
+              <a:spcBef>
+                <a:spcPts val="0"/>
+              </a:spcBef>
+              <a:spcAft>
+                <a:spcPts val="0"/>
+              </a:spcAft>
+              <a:buClr>
+                <a:srgbClr val="000000"/>
+              </a:buClr>
+              <a:buSzPts val="1000"/>
+              <a:buFont typeface="Arial"/>
+              <a:buNone/>
+              <a:defRPr sz="1000" b="0" i="0" u="none" strike="noStrike" cap="none">
+                <a:solidFill>
+                  <a:schemeClr val="dk2"/>
+                </a:solidFill>
+                <a:latin typeface="Arial"/>
+                <a:ea typeface="Arial"/>
+                <a:cs typeface="Arial"/>
+                <a:sym typeface="Arial"/>
+              </a:defRPr>
+            </a:lvl3pPr>
+            <a:lvl4pPr marL="0" marR="0" lvl="3" indent="0" algn="r">
+              <a:lnSpc>
+                <a:spcPct val="100000"/>
+              </a:lnSpc>
+              <a:spcBef>
+                <a:spcPts val="0"/>
+              </a:spcBef>
+              <a:spcAft>
+                <a:spcPts val="0"/>
+              </a:spcAft>
+              <a:buClr>
+                <a:srgbClr val="000000"/>
+              </a:buClr>
+              <a:buSzPts val="1000"/>
+              <a:buFont typeface="Arial"/>
+              <a:buNone/>
+              <a:defRPr sz="1000" b="0" i="0" u="none" strike="noStrike" cap="none">
+                <a:solidFill>
+                  <a:schemeClr val="dk2"/>
+                </a:solidFill>
+                <a:latin typeface="Arial"/>
+                <a:ea typeface="Arial"/>
+                <a:cs typeface="Arial"/>
+                <a:sym typeface="Arial"/>
+              </a:defRPr>
+            </a:lvl4pPr>
+            <a:lvl5pPr marL="0" marR="0" lvl="4" indent="0" algn="r">
+              <a:lnSpc>
+                <a:spcPct val="100000"/>
+              </a:lnSpc>
+              <a:spcBef>
+                <a:spcPts val="0"/>
+              </a:spcBef>
+              <a:spcAft>
+                <a:spcPts val="0"/>
+              </a:spcAft>
+              <a:buClr>
+                <a:srgbClr val="000000"/>
+              </a:buClr>
+              <a:buSzPts val="1000"/>
+              <a:buFont typeface="Arial"/>
+              <a:buNone/>
+              <a:defRPr sz="1000" b="0" i="0" u="none" strike="noStrike" cap="none">
+                <a:solidFill>
+                  <a:schemeClr val="dk2"/>
+                </a:solidFill>
+                <a:latin typeface="Arial"/>
+                <a:ea typeface="Arial"/>
+                <a:cs typeface="Arial"/>
+                <a:sym typeface="Arial"/>
+              </a:defRPr>
+            </a:lvl5pPr>
+            <a:lvl6pPr marL="0" marR="0" lvl="5" indent="0" algn="r">
+              <a:lnSpc>
+                <a:spcPct val="100000"/>
+              </a:lnSpc>
+              <a:spcBef>
+                <a:spcPts val="0"/>
+              </a:spcBef>
+              <a:spcAft>
+                <a:spcPts val="0"/>
+              </a:spcAft>
+              <a:buClr>
+                <a:srgbClr val="000000"/>
+              </a:buClr>
+              <a:buSzPts val="1000"/>
+              <a:buFont typeface="Arial"/>
+              <a:buNone/>
+              <a:defRPr sz="1000" b="0" i="0" u="none" strike="noStrike" cap="none">
+                <a:solidFill>
+                  <a:schemeClr val="dk2"/>
+                </a:solidFill>
+                <a:latin typeface="Arial"/>
+                <a:ea typeface="Arial"/>
+                <a:cs typeface="Arial"/>
+                <a:sym typeface="Arial"/>
+              </a:defRPr>
+            </a:lvl6pPr>
+            <a:lvl7pPr marL="0" marR="0" lvl="6" indent="0" algn="r">
+              <a:lnSpc>
+                <a:spcPct val="100000"/>
+              </a:lnSpc>
+              <a:spcBef>
+                <a:spcPts val="0"/>
+              </a:spcBef>
+              <a:spcAft>
+                <a:spcPts val="0"/>
+              </a:spcAft>
+              <a:buClr>
+                <a:srgbClr val="000000"/>
+              </a:buClr>
+              <a:buSzPts val="1000"/>
+              <a:buFont typeface="Arial"/>
+              <a:buNone/>
+              <a:defRPr sz="1000" b="0" i="0" u="none" strike="noStrike" cap="none">
+                <a:solidFill>
+                  <a:schemeClr val="dk2"/>
+                </a:solidFill>
+                <a:latin typeface="Arial"/>
+                <a:ea typeface="Arial"/>
+                <a:cs typeface="Arial"/>
+                <a:sym typeface="Arial"/>
+              </a:defRPr>
+            </a:lvl7pPr>
+            <a:lvl8pPr marL="0" marR="0" lvl="7" indent="0" algn="r">
+              <a:lnSpc>
+                <a:spcPct val="100000"/>
+              </a:lnSpc>
+              <a:spcBef>
+                <a:spcPts val="0"/>
+              </a:spcBef>
+              <a:spcAft>
+                <a:spcPts val="0"/>
+              </a:spcAft>
+              <a:buClr>
+                <a:srgbClr val="000000"/>
+              </a:buClr>
+              <a:buSzPts val="1000"/>
+              <a:buFont typeface="Arial"/>
+              <a:buNone/>
+              <a:defRPr sz="1000" b="0" i="0" u="none" strike="noStrike" cap="none">
+                <a:solidFill>
+                  <a:schemeClr val="dk2"/>
+                </a:solidFill>
+                <a:latin typeface="Arial"/>
+                <a:ea typeface="Arial"/>
+                <a:cs typeface="Arial"/>
+                <a:sym typeface="Arial"/>
+              </a:defRPr>
+            </a:lvl8pPr>
+            <a:lvl9pPr marL="0" marR="0" lvl="8" indent="0" algn="r">
+              <a:lnSpc>
+                <a:spcPct val="100000"/>
+              </a:lnSpc>
+              <a:spcBef>
+                <a:spcPts val="0"/>
+              </a:spcBef>
+              <a:spcAft>
+                <a:spcPts val="0"/>
+              </a:spcAft>
+              <a:buClr>
+                <a:srgbClr val="000000"/>
+              </a:buClr>
+              <a:buSzPts val="1000"/>
+              <a:buFont typeface="Arial"/>
+              <a:buNone/>
+              <a:defRPr sz="1000" b="0" i="0" u="none" strike="noStrike" cap="none">
+                <a:solidFill>
+                  <a:schemeClr val="dk2"/>
+                </a:solidFill>
+                <a:latin typeface="Arial"/>
+                <a:ea typeface="Arial"/>
+                <a:cs typeface="Arial"/>
+                <a:sym typeface="Arial"/>
+              </a:defRPr>
+            </a:lvl9pPr>
+          </a:lstStyle>
+          <a:p>
+            <a:pPr marL="0" lvl="0" indent="0" algn="r" rtl="0">
+              <a:spcBef>
+                <a:spcPts val="0"/>
+              </a:spcBef>
+              <a:spcAft>
+                <a:spcPts val="0"/>
+              </a:spcAft>
+              <a:buNone/>
+            </a:pPr>
+            <a:fld id="{00000000-1234-1234-1234-123412341234}" type="slidenum">
+              <a:rPr lang="en-US"/>
+              <a:t>‹N›</a:t>
+            </a:fld>
+            <a:endParaRPr/>
+          </a:p>
+        </p:txBody>
+      </p:sp>
+    </p:spTree>
+  </p:cSld>
+  <p:clrMapOvr>
+    <a:masterClrMapping/>
+  </p:clrMapOvr>
+</p:sldLayout>
+</file>
+
+<file path=ppt/slideLayouts/slideLayout9.xml><?xml version="1.0" encoding="utf-8"?>
+<p:sldLayout xmlns:a="http://schemas.openxmlformats.org/drawingml/2006/main" xmlns:r="http://schemas.openxmlformats.org/officeDocument/2006/relationships" xmlns:p="http://schemas.openxmlformats.org/presentationml/2006/main" matchingName="Big number">
+  <p:cSld name="BIG_NUMBER">
+    <p:spTree>
+      <p:nvGrpSpPr>
+        <p:cNvPr id="1" name="Shape 68"/>
+        <p:cNvGrpSpPr/>
+        <p:nvPr/>
+      </p:nvGrpSpPr>
+      <p:grpSpPr>
+        <a:xfrm>
+          <a:off x="0" y="0"/>
+          <a:ext cx="0" cy="0"/>
+          <a:chOff x="0" y="0"/>
+          <a:chExt cx="0" cy="0"/>
+        </a:xfrm>
+      </p:grpSpPr>
+      <p:sp>
+        <p:nvSpPr>
+          <p:cNvPr id="69" name="Google Shape;69;p11"/>
+          <p:cNvSpPr txBox="1">
+            <a:spLocks noGrp="1"/>
+          </p:cNvSpPr>
+          <p:nvPr>
+            <p:ph type="title" hasCustomPrompt="1"/>
+          </p:nvPr>
+        </p:nvSpPr>
+        <p:spPr>
+          <a:xfrm>
+            <a:off x="311700" y="1106125"/>
+            <a:ext cx="8520600" cy="1963500"/>
+          </a:xfrm>
+          <a:prstGeom prst="rect">
+            <a:avLst/>
+          </a:prstGeom>
+          <a:solidFill>
+            <a:schemeClr val="lt1"/>
+          </a:solidFill>
+          <a:ln>
+            <a:noFill/>
+          </a:ln>
+        </p:spPr>
+        <p:txBody>
+          <a:bodyPr spcFirstLastPara="1" wrap="square" lIns="91425" tIns="91425" rIns="91425" bIns="91425" anchor="b" anchorCtr="0">
+            <a:noAutofit/>
+          </a:bodyPr>
+          <a:lstStyle>
+            <a:lvl1pPr lvl="0" algn="ctr">
+              <a:lnSpc>
+                <a:spcPct val="100000"/>
+              </a:lnSpc>
+              <a:spcBef>
+                <a:spcPts val="0"/>
+              </a:spcBef>
+              <a:spcAft>
+                <a:spcPts val="0"/>
+              </a:spcAft>
+              <a:buSzPts val="12000"/>
+              <a:buNone/>
+              <a:defRPr sz="12000"/>
+            </a:lvl1pPr>
+            <a:lvl2pPr lvl="1" algn="ctr">
+              <a:lnSpc>
+                <a:spcPct val="100000"/>
+              </a:lnSpc>
+              <a:spcBef>
+                <a:spcPts val="0"/>
+              </a:spcBef>
+              <a:spcAft>
+                <a:spcPts val="0"/>
+              </a:spcAft>
+              <a:buSzPts val="12000"/>
+              <a:buNone/>
+              <a:defRPr sz="12000"/>
+            </a:lvl2pPr>
+            <a:lvl3pPr lvl="2" algn="ctr">
+              <a:lnSpc>
+                <a:spcPct val="100000"/>
+              </a:lnSpc>
+              <a:spcBef>
+                <a:spcPts val="0"/>
+              </a:spcBef>
+              <a:spcAft>
+                <a:spcPts val="0"/>
+              </a:spcAft>
+              <a:buSzPts val="12000"/>
+              <a:buNone/>
+              <a:defRPr sz="12000"/>
+            </a:lvl3pPr>
+            <a:lvl4pPr lvl="3" algn="ctr">
+              <a:lnSpc>
+                <a:spcPct val="100000"/>
+              </a:lnSpc>
+              <a:spcBef>
+                <a:spcPts val="0"/>
+              </a:spcBef>
+              <a:spcAft>
+                <a:spcPts val="0"/>
+              </a:spcAft>
+              <a:buSzPts val="12000"/>
+              <a:buNone/>
+              <a:defRPr sz="12000"/>
+            </a:lvl4pPr>
+            <a:lvl5pPr lvl="4" algn="ctr">
+              <a:lnSpc>
+                <a:spcPct val="100000"/>
+              </a:lnSpc>
+              <a:spcBef>
+                <a:spcPts val="0"/>
+              </a:spcBef>
+              <a:spcAft>
+                <a:spcPts val="0"/>
+              </a:spcAft>
+              <a:buSzPts val="12000"/>
+              <a:buNone/>
+              <a:defRPr sz="12000"/>
+            </a:lvl5pPr>
+            <a:lvl6pPr lvl="5" algn="ctr">
+              <a:lnSpc>
+                <a:spcPct val="100000"/>
+              </a:lnSpc>
+              <a:spcBef>
+                <a:spcPts val="0"/>
+              </a:spcBef>
+              <a:spcAft>
+                <a:spcPts val="0"/>
+              </a:spcAft>
+              <a:buSzPts val="12000"/>
+              <a:buNone/>
+              <a:defRPr sz="12000"/>
+            </a:lvl6pPr>
+            <a:lvl7pPr lvl="6" algn="ctr">
+              <a:lnSpc>
+                <a:spcPct val="100000"/>
+              </a:lnSpc>
+              <a:spcBef>
+                <a:spcPts val="0"/>
+              </a:spcBef>
+              <a:spcAft>
+                <a:spcPts val="0"/>
+              </a:spcAft>
+              <a:buSzPts val="12000"/>
+              <a:buNone/>
+              <a:defRPr sz="12000"/>
+            </a:lvl7pPr>
+            <a:lvl8pPr lvl="7" algn="ctr">
+              <a:lnSpc>
+                <a:spcPct val="100000"/>
+              </a:lnSpc>
+              <a:spcBef>
+                <a:spcPts val="0"/>
+              </a:spcBef>
+              <a:spcAft>
+                <a:spcPts val="0"/>
+              </a:spcAft>
+              <a:buSzPts val="12000"/>
+              <a:buNone/>
+              <a:defRPr sz="12000"/>
+            </a:lvl8pPr>
+            <a:lvl9pPr lvl="8" algn="ctr">
+              <a:lnSpc>
+                <a:spcPct val="100000"/>
+              </a:lnSpc>
+              <a:spcBef>
+                <a:spcPts val="0"/>
+              </a:spcBef>
+              <a:spcAft>
+                <a:spcPts val="0"/>
+              </a:spcAft>
+              <a:buSzPts val="12000"/>
+              <a:buNone/>
+              <a:defRPr sz="12000"/>
+            </a:lvl9pPr>
+          </a:lstStyle>
+          <a:p>
+            <a:r>
+              <a:t>xx%</a:t>
+            </a:r>
+          </a:p>
+        </p:txBody>
+      </p:sp>
+      <p:sp>
+        <p:nvSpPr>
+          <p:cNvPr id="70" name="Google Shape;70;p11"/>
+          <p:cNvSpPr txBox="1">
+            <a:spLocks noGrp="1"/>
+          </p:cNvSpPr>
+          <p:nvPr>
+            <p:ph type="body" idx="1"/>
+          </p:nvPr>
+        </p:nvSpPr>
+        <p:spPr>
+          <a:xfrm>
+            <a:off x="311700" y="3152225"/>
+            <a:ext cx="8520600" cy="1300800"/>
+          </a:xfrm>
+          <a:prstGeom prst="rect">
+            <a:avLst/>
+          </a:prstGeom>
+          <a:noFill/>
+          <a:ln>
+            <a:noFill/>
+          </a:ln>
+        </p:spPr>
+        <p:txBody>
+          <a:bodyPr spcFirstLastPara="1" wrap="square" lIns="91425" tIns="91425" rIns="91425" bIns="91425" anchor="t" anchorCtr="0">
+            <a:noAutofit/>
+          </a:bodyPr>
+          <a:lstStyle>
+            <a:lvl1pPr marL="457200" lvl="0" indent="-342900" algn="ctr">
+              <a:lnSpc>
+                <a:spcPct val="115000"/>
+              </a:lnSpc>
+              <a:spcBef>
+                <a:spcPts val="0"/>
+              </a:spcBef>
+              <a:spcAft>
+                <a:spcPts val="0"/>
+              </a:spcAft>
+              <a:buSzPts val="1800"/>
+              <a:buChar char="●"/>
+              <a:defRPr/>
+            </a:lvl1pPr>
+            <a:lvl2pPr marL="914400" lvl="1" indent="-317500" algn="ctr">
+              <a:lnSpc>
+                <a:spcPct val="115000"/>
+              </a:lnSpc>
+              <a:spcBef>
+                <a:spcPts val="1600"/>
+              </a:spcBef>
+              <a:spcAft>
+                <a:spcPts val="0"/>
+              </a:spcAft>
+              <a:buSzPts val="1400"/>
+              <a:buChar char="○"/>
+              <a:defRPr/>
+            </a:lvl2pPr>
+            <a:lvl3pPr marL="1371600" lvl="2" indent="-317500" algn="ctr">
+              <a:lnSpc>
+                <a:spcPct val="115000"/>
+              </a:lnSpc>
+              <a:spcBef>
+                <a:spcPts val="1600"/>
+              </a:spcBef>
+              <a:spcAft>
+                <a:spcPts val="0"/>
+              </a:spcAft>
+              <a:buSzPts val="1400"/>
+              <a:buChar char="■"/>
+              <a:defRPr/>
+            </a:lvl3pPr>
+            <a:lvl4pPr marL="1828800" lvl="3" indent="-317500" algn="ctr">
+              <a:lnSpc>
+                <a:spcPct val="115000"/>
+              </a:lnSpc>
+              <a:spcBef>
+                <a:spcPts val="1600"/>
+              </a:spcBef>
+              <a:spcAft>
+                <a:spcPts val="0"/>
+              </a:spcAft>
+              <a:buSzPts val="1400"/>
+              <a:buChar char="●"/>
+              <a:defRPr/>
+            </a:lvl4pPr>
+            <a:lvl5pPr marL="2286000" lvl="4" indent="-317500" algn="ctr">
+              <a:lnSpc>
+                <a:spcPct val="115000"/>
+              </a:lnSpc>
+              <a:spcBef>
+                <a:spcPts val="1600"/>
+              </a:spcBef>
+              <a:spcAft>
+                <a:spcPts val="0"/>
+              </a:spcAft>
+              <a:buSzPts val="1400"/>
+              <a:buChar char="○"/>
+              <a:defRPr/>
+            </a:lvl5pPr>
+            <a:lvl6pPr marL="2743200" lvl="5" indent="-317500" algn="ctr">
+              <a:lnSpc>
+                <a:spcPct val="115000"/>
+              </a:lnSpc>
+              <a:spcBef>
+                <a:spcPts val="1600"/>
+              </a:spcBef>
+              <a:spcAft>
+                <a:spcPts val="0"/>
+              </a:spcAft>
+              <a:buSzPts val="1400"/>
+              <a:buChar char="■"/>
+              <a:defRPr/>
+            </a:lvl6pPr>
+            <a:lvl7pPr marL="3200400" lvl="6" indent="-317500" algn="ctr">
+              <a:lnSpc>
+                <a:spcPct val="115000"/>
+              </a:lnSpc>
+              <a:spcBef>
+                <a:spcPts val="1600"/>
+              </a:spcBef>
+              <a:spcAft>
+                <a:spcPts val="0"/>
+              </a:spcAft>
+              <a:buSzPts val="1400"/>
+              <a:buChar char="●"/>
+              <a:defRPr/>
+            </a:lvl7pPr>
+            <a:lvl8pPr marL="3657600" lvl="7" indent="-317500" algn="ctr">
+              <a:lnSpc>
+                <a:spcPct val="115000"/>
+              </a:lnSpc>
+              <a:spcBef>
+                <a:spcPts val="1600"/>
+              </a:spcBef>
+              <a:spcAft>
+                <a:spcPts val="0"/>
+              </a:spcAft>
+              <a:buSzPts val="1400"/>
+              <a:buChar char="○"/>
+              <a:defRPr/>
+            </a:lvl8pPr>
+            <a:lvl9pPr marL="4114800" lvl="8" indent="-317500" algn="ctr">
+              <a:lnSpc>
+                <a:spcPct val="115000"/>
+              </a:lnSpc>
+              <a:spcBef>
+                <a:spcPts val="1600"/>
+              </a:spcBef>
+              <a:spcAft>
+                <a:spcPts val="1600"/>
+              </a:spcAft>
+              <a:buSzPts val="1400"/>
+              <a:buChar char="■"/>
+              <a:defRPr/>
+            </a:lvl9pPr>
+          </a:lstStyle>
+          <a:p>
+            <a:endParaRPr/>
+          </a:p>
+        </p:txBody>
+      </p:sp>
+      <p:sp>
+        <p:nvSpPr>
+          <p:cNvPr id="71" name="Google Shape;71;p11"/>
           <p:cNvSpPr txBox="1">
             <a:spLocks noGrp="1"/>
           </p:cNvSpPr>
@@ -11758,16 +11242,15 @@
   <p:sldLayoutIdLst>
     <p:sldLayoutId id="2147483648" r:id="rId1"/>
     <p:sldLayoutId id="2147483649" r:id="rId2"/>
-    <p:sldLayoutId id="2147483650" r:id="rId3"/>
-    <p:sldLayoutId id="2147483651" r:id="rId4"/>
-    <p:sldLayoutId id="2147483652" r:id="rId5"/>
-    <p:sldLayoutId id="2147483653" r:id="rId6"/>
-    <p:sldLayoutId id="2147483654" r:id="rId7"/>
-    <p:sldLayoutId id="2147483655" r:id="rId8"/>
-    <p:sldLayoutId id="2147483656" r:id="rId9"/>
-    <p:sldLayoutId id="2147483657" r:id="rId10"/>
-    <p:sldLayoutId id="2147483658" r:id="rId11"/>
-    <p:sldLayoutId id="2147483659" r:id="rId12"/>
+    <p:sldLayoutId id="2147483651" r:id="rId3"/>
+    <p:sldLayoutId id="2147483652" r:id="rId4"/>
+    <p:sldLayoutId id="2147483653" r:id="rId5"/>
+    <p:sldLayoutId id="2147483654" r:id="rId6"/>
+    <p:sldLayoutId id="2147483655" r:id="rId7"/>
+    <p:sldLayoutId id="2147483656" r:id="rId8"/>
+    <p:sldLayoutId id="2147483657" r:id="rId9"/>
+    <p:sldLayoutId id="2147483658" r:id="rId10"/>
+    <p:sldLayoutId id="2147483659" r:id="rId11"/>
   </p:sldLayoutIdLst>
   <p:hf sldNum="0" hdr="0" ftr="0" dt="0"/>
   <p:txStyles>
@@ -12805,10 +12288,10 @@
               <a:buNone/>
             </a:pPr>
             <a:r>
-              <a:rPr lang="en-US"/>
-              <a:t>Introduction</a:t>
-            </a:r>
-            <a:endParaRPr/>
+              <a:rPr lang="en-US" dirty="0" err="1"/>
+              <a:t>Introduzione</a:t>
+            </a:r>
+            <a:endParaRPr dirty="0"/>
           </a:p>
         </p:txBody>
       </p:sp>
@@ -12824,8 +12307,8 @@
         </p:nvSpPr>
         <p:spPr>
           <a:xfrm>
-            <a:off x="311700" y="1301857"/>
-            <a:ext cx="8520600" cy="3267017"/>
+            <a:off x="311700" y="1301858"/>
+            <a:ext cx="8520600" cy="1374108"/>
           </a:xfrm>
           <a:prstGeom prst="rect">
             <a:avLst/>
@@ -12855,10 +12338,34 @@
               <a:buChar char="●"/>
             </a:pPr>
             <a:r>
-              <a:rPr lang="en-US"/>
-              <a:t>Supersballo bros inc. was created by Pippo and Pluto in 2002, and its growth is sponsored by uncle Scrooge, his employer.</a:t>
-            </a:r>
-            <a:endParaRPr/>
+              <a:rPr lang="en-US" dirty="0"/>
+              <a:t>Il </a:t>
+            </a:r>
+            <a:r>
+              <a:rPr lang="en-US" dirty="0" err="1"/>
+              <a:t>progetto</a:t>
+            </a:r>
+            <a:r>
+              <a:rPr lang="en-US" dirty="0"/>
+              <a:t> </a:t>
+            </a:r>
+            <a:r>
+              <a:rPr lang="it-IT" dirty="0"/>
+              <a:t>è costituito da un’applicazione creata nel framework Flutter, a cui è stato collegato un database di tipo </a:t>
+            </a:r>
+            <a:r>
+              <a:rPr lang="it-IT" dirty="0" err="1"/>
+              <a:t>SQLite</a:t>
+            </a:r>
+            <a:r>
+              <a:rPr lang="it-IT" dirty="0"/>
+              <a:t> </a:t>
+            </a:r>
+            <a:r>
+              <a:rPr lang="en-US" dirty="0"/>
+              <a:t>.</a:t>
+            </a:r>
+            <a:endParaRPr dirty="0"/>
           </a:p>
           <a:p>
             <a:pPr marL="457200" lvl="0" indent="-228600" algn="l" rtl="0">
@@ -12874,7 +12381,7 @@
               <a:buSzPts val="1800"/>
               <a:buNone/>
             </a:pPr>
-            <a:endParaRPr/>
+            <a:endParaRPr dirty="0"/>
           </a:p>
         </p:txBody>
       </p:sp>
@@ -12922,10 +12429,10 @@
               <a:buNone/>
             </a:pPr>
             <a:r>
-              <a:rPr lang="en-US"/>
-              <a:t>Supersballo project</a:t>
-            </a:r>
-            <a:endParaRPr/>
+              <a:rPr lang="en-US" dirty="0"/>
+              <a:t>SQLite e Flutter</a:t>
+            </a:r>
+            <a:endParaRPr dirty="0"/>
           </a:p>
         </p:txBody>
       </p:sp>
@@ -12957,6 +12464,66 @@
           </a:ln>
         </p:spPr>
       </p:pic>
+      <p:pic>
+        <p:nvPicPr>
+          <p:cNvPr id="3" name="Immagine 2">
+            <a:extLst>
+              <a:ext uri="{FF2B5EF4-FFF2-40B4-BE49-F238E27FC236}">
+                <a16:creationId xmlns:a16="http://schemas.microsoft.com/office/drawing/2014/main" id="{C680C11F-3DE2-4488-B08B-3F9536AB577D}"/>
+              </a:ext>
+            </a:extLst>
+          </p:cNvPr>
+          <p:cNvPicPr>
+            <a:picLocks noChangeAspect="1"/>
+          </p:cNvPicPr>
+          <p:nvPr/>
+        </p:nvPicPr>
+        <p:blipFill>
+          <a:blip r:embed="rId4"/>
+          <a:stretch>
+            <a:fillRect/>
+          </a:stretch>
+        </p:blipFill>
+        <p:spPr>
+          <a:xfrm>
+            <a:off x="7023153" y="3075246"/>
+            <a:ext cx="1809147" cy="1206098"/>
+          </a:xfrm>
+          <a:prstGeom prst="rect">
+            <a:avLst/>
+          </a:prstGeom>
+        </p:spPr>
+      </p:pic>
+      <p:pic>
+        <p:nvPicPr>
+          <p:cNvPr id="5" name="Immagine 4">
+            <a:extLst>
+              <a:ext uri="{FF2B5EF4-FFF2-40B4-BE49-F238E27FC236}">
+                <a16:creationId xmlns:a16="http://schemas.microsoft.com/office/drawing/2014/main" id="{12274F00-DFB5-491E-B8FB-E1627479B59F}"/>
+              </a:ext>
+            </a:extLst>
+          </p:cNvPr>
+          <p:cNvPicPr>
+            <a:picLocks noChangeAspect="1"/>
+          </p:cNvPicPr>
+          <p:nvPr/>
+        </p:nvPicPr>
+        <p:blipFill>
+          <a:blip r:embed="rId5"/>
+          <a:stretch>
+            <a:fillRect/>
+          </a:stretch>
+        </p:blipFill>
+        <p:spPr>
+          <a:xfrm>
+            <a:off x="4868262" y="2965495"/>
+            <a:ext cx="2154891" cy="1425600"/>
+          </a:xfrm>
+          <a:prstGeom prst="rect">
+            <a:avLst/>
+          </a:prstGeom>
+        </p:spPr>
+      </p:pic>
     </p:spTree>
   </p:cSld>
   <p:clrMapOvr>
@@ -12970,7 +12537,7 @@
   <p:cSld>
     <p:spTree>
       <p:nvGrpSpPr>
-        <p:cNvPr id="1" name="Shape 100"/>
+        <p:cNvPr id="1" name="Shape 92"/>
         <p:cNvGrpSpPr/>
         <p:nvPr/>
       </p:nvGrpSpPr>
@@ -12984,7 +12551,7 @@
       </p:grpSpPr>
       <p:sp>
         <p:nvSpPr>
-          <p:cNvPr id="101" name="Google Shape;101;p16"/>
+          <p:cNvPr id="93" name="Google Shape;93;p15"/>
           <p:cNvSpPr txBox="1">
             <a:spLocks noGrp="1"/>
           </p:cNvSpPr>
@@ -13027,21 +12594,21 @@
               <a:buNone/>
             </a:pPr>
             <a:r>
-              <a:rPr lang="en-US"/>
-              <a:t>Supersballo VS Supernoia</a:t>
-            </a:r>
-            <a:endParaRPr/>
+              <a:rPr lang="en-US" dirty="0" err="1"/>
+              <a:t>Schermate</a:t>
+            </a:r>
+            <a:endParaRPr dirty="0"/>
           </a:p>
         </p:txBody>
       </p:sp>
       <p:sp>
         <p:nvSpPr>
-          <p:cNvPr id="102" name="Google Shape;102;p16"/>
+          <p:cNvPr id="95" name="Google Shape;95;p15"/>
           <p:cNvSpPr txBox="1">
             <a:spLocks noGrp="1"/>
           </p:cNvSpPr>
           <p:nvPr>
-            <p:ph type="body" idx="1"/>
+            <p:ph type="body" idx="2"/>
           </p:nvPr>
         </p:nvSpPr>
         <p:spPr>
@@ -13078,499 +12645,16 @@
               <a:buNone/>
             </a:pPr>
             <a:r>
-              <a:rPr lang="en-US"/>
-              <a:t>Supersballo project</a:t>
-            </a:r>
-            <a:endParaRPr/>
+              <a:rPr lang="en-US" dirty="0"/>
+              <a:t>SQLite e Flutter</a:t>
+            </a:r>
+            <a:endParaRPr dirty="0"/>
           </a:p>
         </p:txBody>
       </p:sp>
-      <p:graphicFrame>
-        <p:nvGraphicFramePr>
-          <p:cNvPr id="103" name="Google Shape;103;p16"/>
-          <p:cNvGraphicFramePr/>
-          <p:nvPr/>
-        </p:nvGraphicFramePr>
-        <p:xfrm>
-          <a:off x="287078" y="1217405"/>
-          <a:ext cx="8563600" cy="3390230"/>
-        </p:xfrm>
-        <a:graphic>
-          <a:graphicData uri="http://schemas.openxmlformats.org/drawingml/2006/table">
-            <a:tbl>
-              <a:tblPr firstRow="1" bandRow="1">
-                <a:noFill/>
-                <a:tableStyleId>{86271F04-8770-49B5-BBF4-E984F93D554B}</a:tableStyleId>
-              </a:tblPr>
-              <a:tblGrid>
-                <a:gridCol w="4281800">
-                  <a:extLst>
-                    <a:ext uri="{9D8B030D-6E8A-4147-A177-3AD203B41FA5}">
-                      <a16:colId xmlns:a16="http://schemas.microsoft.com/office/drawing/2014/main" val="20000"/>
-                    </a:ext>
-                  </a:extLst>
-                </a:gridCol>
-                <a:gridCol w="4281800">
-                  <a:extLst>
-                    <a:ext uri="{9D8B030D-6E8A-4147-A177-3AD203B41FA5}">
-                      <a16:colId xmlns:a16="http://schemas.microsoft.com/office/drawing/2014/main" val="20001"/>
-                    </a:ext>
-                  </a:extLst>
-                </a:gridCol>
-              </a:tblGrid>
-              <a:tr h="394275">
-                <a:tc>
-                  <a:txBody>
-                    <a:bodyPr/>
-                    <a:lstStyle/>
-                    <a:p>
-                      <a:pPr marL="0" marR="0" lvl="0" indent="0" algn="ctr" rtl="0">
-                        <a:lnSpc>
-                          <a:spcPct val="100000"/>
-                        </a:lnSpc>
-                        <a:spcBef>
-                          <a:spcPts val="0"/>
-                        </a:spcBef>
-                        <a:spcAft>
-                          <a:spcPts val="0"/>
-                        </a:spcAft>
-                        <a:buNone/>
-                      </a:pPr>
-                      <a:r>
-                        <a:rPr lang="en-US" sz="1800"/>
-                        <a:t>Supersballo</a:t>
-                      </a:r>
-                      <a:endParaRPr sz="1800" u="none" strike="noStrike" cap="none">
-                        <a:latin typeface="Verdana"/>
-                        <a:ea typeface="Verdana"/>
-                        <a:cs typeface="Verdana"/>
-                        <a:sym typeface="Verdana"/>
-                      </a:endParaRPr>
-                    </a:p>
-                  </a:txBody>
-                  <a:tcPr marL="68575" marR="68575" marT="34275" marB="34275"/>
-                </a:tc>
-                <a:tc>
-                  <a:txBody>
-                    <a:bodyPr/>
-                    <a:lstStyle/>
-                    <a:p>
-                      <a:pPr marL="0" marR="0" lvl="0" indent="0" algn="ctr" rtl="0">
-                        <a:lnSpc>
-                          <a:spcPct val="100000"/>
-                        </a:lnSpc>
-                        <a:spcBef>
-                          <a:spcPts val="0"/>
-                        </a:spcBef>
-                        <a:spcAft>
-                          <a:spcPts val="0"/>
-                        </a:spcAft>
-                        <a:buNone/>
-                      </a:pPr>
-                      <a:r>
-                        <a:rPr lang="en-US" sz="1800"/>
-                        <a:t>Supernoia</a:t>
-                      </a:r>
-                      <a:endParaRPr sz="1800" u="none" strike="noStrike" cap="none">
-                        <a:latin typeface="Verdana"/>
-                        <a:ea typeface="Verdana"/>
-                        <a:cs typeface="Verdana"/>
-                        <a:sym typeface="Verdana"/>
-                      </a:endParaRPr>
-                    </a:p>
-                  </a:txBody>
-                  <a:tcPr marL="68575" marR="68575" marT="34275" marB="34275"/>
-                </a:tc>
-                <a:extLst>
-                  <a:ext uri="{0D108BD9-81ED-4DB2-BD59-A6C34878D82A}">
-                    <a16:rowId xmlns:a16="http://schemas.microsoft.com/office/drawing/2014/main" val="10000"/>
-                  </a:ext>
-                </a:extLst>
-              </a:tr>
-              <a:tr h="468825">
-                <a:tc>
-                  <a:txBody>
-                    <a:bodyPr/>
-                    <a:lstStyle/>
-                    <a:p>
-                      <a:pPr marL="0" marR="0" lvl="0" indent="0" algn="l" rtl="0">
-                        <a:lnSpc>
-                          <a:spcPct val="100000"/>
-                        </a:lnSpc>
-                        <a:spcBef>
-                          <a:spcPts val="0"/>
-                        </a:spcBef>
-                        <a:spcAft>
-                          <a:spcPts val="0"/>
-                        </a:spcAft>
-                        <a:buNone/>
-                      </a:pPr>
-                      <a:r>
-                        <a:rPr lang="en-US" sz="1600" u="none" strike="noStrike" cap="none"/>
-                        <a:t>Lock application / request with listener-workers threads</a:t>
-                      </a:r>
-                      <a:endParaRPr sz="1600" u="none" strike="noStrike" cap="none">
-                        <a:latin typeface="Verdana"/>
-                        <a:ea typeface="Verdana"/>
-                        <a:cs typeface="Verdana"/>
-                        <a:sym typeface="Verdana"/>
-                      </a:endParaRPr>
-                    </a:p>
-                  </a:txBody>
-                  <a:tcPr marL="68575" marR="68575" marT="34275" marB="34275"/>
-                </a:tc>
-                <a:tc>
-                  <a:txBody>
-                    <a:bodyPr/>
-                    <a:lstStyle/>
-                    <a:p>
-                      <a:pPr marL="0" marR="0" lvl="0" indent="0" algn="l" rtl="0">
-                        <a:lnSpc>
-                          <a:spcPct val="100000"/>
-                        </a:lnSpc>
-                        <a:spcBef>
-                          <a:spcPts val="0"/>
-                        </a:spcBef>
-                        <a:spcAft>
-                          <a:spcPts val="0"/>
-                        </a:spcAft>
-                        <a:buNone/>
-                      </a:pPr>
-                      <a:r>
-                        <a:rPr lang="en-US" sz="1600" u="none" strike="noStrike" cap="none"/>
-                        <a:t>only one thread, which repeatedly fetches an event</a:t>
-                      </a:r>
-                      <a:endParaRPr sz="1600" u="none" strike="noStrike" cap="none">
-                        <a:latin typeface="Verdana"/>
-                        <a:ea typeface="Verdana"/>
-                        <a:cs typeface="Verdana"/>
-                        <a:sym typeface="Verdana"/>
-                      </a:endParaRPr>
-                    </a:p>
-                  </a:txBody>
-                  <a:tcPr marL="68575" marR="68575" marT="34275" marB="34275"/>
-                </a:tc>
-                <a:extLst>
-                  <a:ext uri="{0D108BD9-81ED-4DB2-BD59-A6C34878D82A}">
-                    <a16:rowId xmlns:a16="http://schemas.microsoft.com/office/drawing/2014/main" val="10001"/>
-                  </a:ext>
-                </a:extLst>
-              </a:tr>
-              <a:tr h="414025">
-                <a:tc>
-                  <a:txBody>
-                    <a:bodyPr/>
-                    <a:lstStyle/>
-                    <a:p>
-                      <a:pPr marL="0" marR="0" lvl="0" indent="0" algn="l" rtl="0">
-                        <a:lnSpc>
-                          <a:spcPct val="100000"/>
-                        </a:lnSpc>
-                        <a:spcBef>
-                          <a:spcPts val="0"/>
-                        </a:spcBef>
-                        <a:spcAft>
-                          <a:spcPts val="0"/>
-                        </a:spcAft>
-                        <a:buNone/>
-                      </a:pPr>
-                      <a:r>
-                        <a:rPr lang="en-US" sz="1600" u="none" strike="noStrike" cap="none"/>
-                        <a:t>Using incoming-request model</a:t>
-                      </a:r>
-                      <a:endParaRPr sz="1600" u="none" strike="noStrike" cap="none">
-                        <a:latin typeface="Verdana"/>
-                        <a:ea typeface="Verdana"/>
-                        <a:cs typeface="Verdana"/>
-                        <a:sym typeface="Verdana"/>
-                      </a:endParaRPr>
-                    </a:p>
-                  </a:txBody>
-                  <a:tcPr marL="68575" marR="68575" marT="34275" marB="34275"/>
-                </a:tc>
-                <a:tc>
-                  <a:txBody>
-                    <a:bodyPr/>
-                    <a:lstStyle/>
-                    <a:p>
-                      <a:pPr marL="0" marR="0" lvl="0" indent="0" algn="l" rtl="0">
-                        <a:lnSpc>
-                          <a:spcPct val="100000"/>
-                        </a:lnSpc>
-                        <a:spcBef>
-                          <a:spcPts val="0"/>
-                        </a:spcBef>
-                        <a:spcAft>
-                          <a:spcPts val="0"/>
-                        </a:spcAft>
-                        <a:buNone/>
-                      </a:pPr>
-                      <a:r>
-                        <a:rPr lang="en-US" sz="1600" u="none" strike="noStrike" cap="none"/>
-                        <a:t>Using </a:t>
-                      </a:r>
-                      <a:r>
-                        <a:rPr lang="en-US" sz="1600" b="1" u="none" strike="noStrike" cap="none"/>
-                        <a:t>queue</a:t>
-                      </a:r>
-                      <a:r>
-                        <a:rPr lang="en-US" sz="1600" u="none" strike="noStrike" cap="none"/>
-                        <a:t> and then processes it</a:t>
-                      </a:r>
-                      <a:endParaRPr sz="1600" u="none" strike="noStrike" cap="none">
-                        <a:latin typeface="Verdana"/>
-                        <a:ea typeface="Verdana"/>
-                        <a:cs typeface="Verdana"/>
-                        <a:sym typeface="Verdana"/>
-                      </a:endParaRPr>
-                    </a:p>
-                  </a:txBody>
-                  <a:tcPr marL="68575" marR="68575" marT="34275" marB="34275"/>
-                </a:tc>
-                <a:extLst>
-                  <a:ext uri="{0D108BD9-81ED-4DB2-BD59-A6C34878D82A}">
-                    <a16:rowId xmlns:a16="http://schemas.microsoft.com/office/drawing/2014/main" val="10002"/>
-                  </a:ext>
-                </a:extLst>
-              </a:tr>
-              <a:tr h="665300">
-                <a:tc>
-                  <a:txBody>
-                    <a:bodyPr/>
-                    <a:lstStyle/>
-                    <a:p>
-                      <a:pPr marL="0" marR="0" lvl="0" indent="0" algn="l" rtl="0">
-                        <a:lnSpc>
-                          <a:spcPct val="100000"/>
-                        </a:lnSpc>
-                        <a:spcBef>
-                          <a:spcPts val="0"/>
-                        </a:spcBef>
-                        <a:spcAft>
-                          <a:spcPts val="0"/>
-                        </a:spcAft>
-                        <a:buNone/>
-                      </a:pPr>
-                      <a:r>
-                        <a:rPr lang="en-US" sz="1600" b="1" u="none" strike="noStrike" cap="none"/>
-                        <a:t>multithreaded server</a:t>
-                      </a:r>
-                      <a:r>
-                        <a:rPr lang="en-US" sz="1600" u="none" strike="noStrike" cap="none"/>
-                        <a:t> might block the request which might involve multiple events</a:t>
-                      </a:r>
-                      <a:endParaRPr sz="1600" u="none" strike="noStrike" cap="none">
-                        <a:latin typeface="Verdana"/>
-                        <a:ea typeface="Verdana"/>
-                        <a:cs typeface="Verdana"/>
-                        <a:sym typeface="Verdana"/>
-                      </a:endParaRPr>
-                    </a:p>
-                  </a:txBody>
-                  <a:tcPr marL="68575" marR="68575" marT="34275" marB="34275"/>
-                </a:tc>
-                <a:tc>
-                  <a:txBody>
-                    <a:bodyPr/>
-                    <a:lstStyle/>
-                    <a:p>
-                      <a:pPr marL="0" marR="0" lvl="0" indent="0" algn="l" rtl="0">
-                        <a:lnSpc>
-                          <a:spcPct val="100000"/>
-                        </a:lnSpc>
-                        <a:spcBef>
-                          <a:spcPts val="0"/>
-                        </a:spcBef>
-                        <a:spcAft>
-                          <a:spcPts val="0"/>
-                        </a:spcAft>
-                        <a:buNone/>
-                      </a:pPr>
-                      <a:r>
-                        <a:rPr lang="en-US" sz="1600" u="none" strike="noStrike" cap="none"/>
-                        <a:t>manually saves state and then goes on to process the next event</a:t>
-                      </a:r>
-                      <a:endParaRPr sz="1600" u="none" strike="noStrike" cap="none">
-                        <a:latin typeface="Verdana"/>
-                        <a:ea typeface="Verdana"/>
-                        <a:cs typeface="Verdana"/>
-                        <a:sym typeface="Verdana"/>
-                      </a:endParaRPr>
-                    </a:p>
-                  </a:txBody>
-                  <a:tcPr marL="68575" marR="68575" marT="34275" marB="34275"/>
-                </a:tc>
-                <a:extLst>
-                  <a:ext uri="{0D108BD9-81ED-4DB2-BD59-A6C34878D82A}">
-                    <a16:rowId xmlns:a16="http://schemas.microsoft.com/office/drawing/2014/main" val="10003"/>
-                  </a:ext>
-                </a:extLst>
-              </a:tr>
-              <a:tr h="414025">
-                <a:tc>
-                  <a:txBody>
-                    <a:bodyPr/>
-                    <a:lstStyle/>
-                    <a:p>
-                      <a:pPr marL="0" marR="0" lvl="0" indent="0" algn="l" rtl="0">
-                        <a:lnSpc>
-                          <a:spcPct val="100000"/>
-                        </a:lnSpc>
-                        <a:spcBef>
-                          <a:spcPts val="0"/>
-                        </a:spcBef>
-                        <a:spcAft>
-                          <a:spcPts val="0"/>
-                        </a:spcAft>
-                        <a:buNone/>
-                      </a:pPr>
-                      <a:r>
-                        <a:rPr lang="en-US" sz="1600" u="none" strike="noStrike" cap="none"/>
-                        <a:t>Using </a:t>
-                      </a:r>
-                      <a:r>
-                        <a:rPr lang="en-US" sz="1600" b="1" u="none" strike="noStrike" cap="none"/>
-                        <a:t>context switching</a:t>
-                      </a:r>
-                      <a:endParaRPr sz="1600" b="1" u="none" strike="noStrike" cap="none">
-                        <a:latin typeface="Verdana"/>
-                        <a:ea typeface="Verdana"/>
-                        <a:cs typeface="Verdana"/>
-                        <a:sym typeface="Verdana"/>
-                      </a:endParaRPr>
-                    </a:p>
-                  </a:txBody>
-                  <a:tcPr marL="68575" marR="68575" marT="34275" marB="34275"/>
-                </a:tc>
-                <a:tc>
-                  <a:txBody>
-                    <a:bodyPr/>
-                    <a:lstStyle/>
-                    <a:p>
-                      <a:pPr marL="0" marR="0" lvl="0" indent="0" algn="l" rtl="0">
-                        <a:lnSpc>
-                          <a:spcPct val="100000"/>
-                        </a:lnSpc>
-                        <a:spcBef>
-                          <a:spcPts val="0"/>
-                        </a:spcBef>
-                        <a:spcAft>
-                          <a:spcPts val="0"/>
-                        </a:spcAft>
-                        <a:buNone/>
-                      </a:pPr>
-                      <a:r>
-                        <a:rPr lang="en-US" sz="1600" u="none" strike="noStrike" cap="none"/>
-                        <a:t>no contention and no context switches</a:t>
-                      </a:r>
-                      <a:endParaRPr sz="1600" u="none" strike="noStrike" cap="none">
-                        <a:latin typeface="Verdana"/>
-                        <a:ea typeface="Verdana"/>
-                        <a:cs typeface="Verdana"/>
-                        <a:sym typeface="Verdana"/>
-                      </a:endParaRPr>
-                    </a:p>
-                  </a:txBody>
-                  <a:tcPr marL="68575" marR="68575" marT="34275" marB="34275"/>
-                </a:tc>
-                <a:extLst>
-                  <a:ext uri="{0D108BD9-81ED-4DB2-BD59-A6C34878D82A}">
-                    <a16:rowId xmlns:a16="http://schemas.microsoft.com/office/drawing/2014/main" val="10004"/>
-                  </a:ext>
-                </a:extLst>
-              </a:tr>
-              <a:tr h="946375">
-                <a:tc>
-                  <a:txBody>
-                    <a:bodyPr/>
-                    <a:lstStyle/>
-                    <a:p>
-                      <a:pPr marL="0" marR="0" lvl="0" indent="0" algn="l" rtl="0">
-                        <a:lnSpc>
-                          <a:spcPct val="100000"/>
-                        </a:lnSpc>
-                        <a:spcBef>
-                          <a:spcPts val="0"/>
-                        </a:spcBef>
-                        <a:spcAft>
-                          <a:spcPts val="0"/>
-                        </a:spcAft>
-                        <a:buNone/>
-                      </a:pPr>
-                      <a:r>
-                        <a:rPr lang="en-US" sz="1600" u="none" strike="noStrike" cap="none"/>
-                        <a:t>Using multithreading environments where listener and workers threads are used frequently to take an incoming-request lock</a:t>
-                      </a:r>
-                      <a:endParaRPr sz="1600" u="none" strike="noStrike" cap="none">
-                        <a:latin typeface="Verdana"/>
-                        <a:ea typeface="Verdana"/>
-                        <a:cs typeface="Verdana"/>
-                        <a:sym typeface="Verdana"/>
-                      </a:endParaRPr>
-                    </a:p>
-                  </a:txBody>
-                  <a:tcPr marL="68575" marR="68575" marT="34275" marB="34275"/>
-                </a:tc>
-                <a:tc>
-                  <a:txBody>
-                    <a:bodyPr/>
-                    <a:lstStyle/>
-                    <a:p>
-                      <a:pPr marL="0" marR="0" lvl="0" indent="0" algn="l" rtl="0">
-                        <a:lnSpc>
-                          <a:spcPct val="100000"/>
-                        </a:lnSpc>
-                        <a:spcBef>
-                          <a:spcPts val="0"/>
-                        </a:spcBef>
-                        <a:spcAft>
-                          <a:spcPts val="0"/>
-                        </a:spcAft>
-                        <a:buNone/>
-                      </a:pPr>
-                      <a:r>
-                        <a:rPr lang="en-US" sz="1600" u="none" strike="noStrike" cap="none"/>
-                        <a:t>Using </a:t>
-                      </a:r>
-                      <a:r>
-                        <a:rPr lang="en-US" sz="1600" b="1" u="none" strike="noStrike" cap="none"/>
-                        <a:t>asynchronous I/O</a:t>
-                      </a:r>
-                      <a:r>
-                        <a:rPr lang="en-US" sz="1600" u="none" strike="noStrike" cap="none"/>
-                        <a:t> facilities (</a:t>
-                      </a:r>
-                      <a:r>
-                        <a:rPr lang="en-US" sz="1600" b="1" u="none" strike="noStrike" cap="none"/>
-                        <a:t>callbacks</a:t>
-                      </a:r>
-                      <a:r>
-                        <a:rPr lang="en-US" sz="1600" u="none" strike="noStrike" cap="none"/>
-                        <a:t>, not poll/select or O_NONBLOCK) environments</a:t>
-                      </a:r>
-                      <a:endParaRPr sz="1600" u="none" strike="noStrike" cap="none">
-                        <a:latin typeface="Verdana"/>
-                        <a:ea typeface="Verdana"/>
-                        <a:cs typeface="Verdana"/>
-                        <a:sym typeface="Verdana"/>
-                      </a:endParaRPr>
-                    </a:p>
-                  </a:txBody>
-                  <a:tcPr marL="68575" marR="68575" marT="34275" marB="34275"/>
-                </a:tc>
-                <a:extLst>
-                  <a:ext uri="{0D108BD9-81ED-4DB2-BD59-A6C34878D82A}">
-                    <a16:rowId xmlns:a16="http://schemas.microsoft.com/office/drawing/2014/main" val="10005"/>
-                  </a:ext>
-                </a:extLst>
-              </a:tr>
-            </a:tbl>
-          </a:graphicData>
-        </a:graphic>
-      </p:graphicFrame>
       <p:pic>
         <p:nvPicPr>
-          <p:cNvPr id="104" name="Google Shape;104;p16"/>
+          <p:cNvPr id="96" name="Google Shape;96;p15"/>
           <p:cNvPicPr preferRelativeResize="0"/>
           <p:nvPr/>
         </p:nvPicPr>
@@ -13596,7 +12680,222 @@
           </a:ln>
         </p:spPr>
       </p:pic>
+      <p:pic>
+        <p:nvPicPr>
+          <p:cNvPr id="7" name="Immagine 6">
+            <a:extLst>
+              <a:ext uri="{FF2B5EF4-FFF2-40B4-BE49-F238E27FC236}">
+                <a16:creationId xmlns:a16="http://schemas.microsoft.com/office/drawing/2014/main" id="{6AA6C91B-60D1-4B76-9954-E3F60E827605}"/>
+              </a:ext>
+            </a:extLst>
+          </p:cNvPr>
+          <p:cNvPicPr>
+            <a:picLocks noChangeAspect="1"/>
+          </p:cNvPicPr>
+          <p:nvPr/>
+        </p:nvPicPr>
+        <p:blipFill>
+          <a:blip r:embed="rId4"/>
+          <a:stretch>
+            <a:fillRect/>
+          </a:stretch>
+        </p:blipFill>
+        <p:spPr>
+          <a:xfrm>
+            <a:off x="191788" y="1344706"/>
+            <a:ext cx="1715782" cy="2959102"/>
+          </a:xfrm>
+          <a:prstGeom prst="rect">
+            <a:avLst/>
+          </a:prstGeom>
+        </p:spPr>
+      </p:pic>
+      <p:pic>
+        <p:nvPicPr>
+          <p:cNvPr id="11" name="Immagine 10">
+            <a:extLst>
+              <a:ext uri="{FF2B5EF4-FFF2-40B4-BE49-F238E27FC236}">
+                <a16:creationId xmlns:a16="http://schemas.microsoft.com/office/drawing/2014/main" id="{B7DA9FFF-A16D-40BE-B537-0AEFB523EC47}"/>
+              </a:ext>
+            </a:extLst>
+          </p:cNvPr>
+          <p:cNvPicPr>
+            <a:picLocks noChangeAspect="1"/>
+          </p:cNvPicPr>
+          <p:nvPr/>
+        </p:nvPicPr>
+        <p:blipFill>
+          <a:blip r:embed="rId5"/>
+          <a:stretch>
+            <a:fillRect/>
+          </a:stretch>
+        </p:blipFill>
+        <p:spPr>
+          <a:xfrm>
+            <a:off x="1907570" y="2571750"/>
+            <a:ext cx="623562" cy="623562"/>
+          </a:xfrm>
+          <a:prstGeom prst="rect">
+            <a:avLst/>
+          </a:prstGeom>
+        </p:spPr>
+      </p:pic>
+      <p:pic>
+        <p:nvPicPr>
+          <p:cNvPr id="13" name="Immagine 12">
+            <a:extLst>
+              <a:ext uri="{FF2B5EF4-FFF2-40B4-BE49-F238E27FC236}">
+                <a16:creationId xmlns:a16="http://schemas.microsoft.com/office/drawing/2014/main" id="{1E9F044B-94A2-4DD9-B555-7F48D750B28D}"/>
+              </a:ext>
+            </a:extLst>
+          </p:cNvPr>
+          <p:cNvPicPr>
+            <a:picLocks noChangeAspect="1"/>
+          </p:cNvPicPr>
+          <p:nvPr/>
+        </p:nvPicPr>
+        <p:blipFill>
+          <a:blip r:embed="rId6"/>
+          <a:stretch>
+            <a:fillRect/>
+          </a:stretch>
+        </p:blipFill>
+        <p:spPr>
+          <a:xfrm>
+            <a:off x="2528024" y="1344706"/>
+            <a:ext cx="1718890" cy="2959102"/>
+          </a:xfrm>
+          <a:prstGeom prst="rect">
+            <a:avLst/>
+          </a:prstGeom>
+        </p:spPr>
+      </p:pic>
+      <p:pic>
+        <p:nvPicPr>
+          <p:cNvPr id="15" name="Immagine 14">
+            <a:extLst>
+              <a:ext uri="{FF2B5EF4-FFF2-40B4-BE49-F238E27FC236}">
+                <a16:creationId xmlns:a16="http://schemas.microsoft.com/office/drawing/2014/main" id="{CCD1A580-0710-42BA-BA57-8FC244C42925}"/>
+              </a:ext>
+            </a:extLst>
+          </p:cNvPr>
+          <p:cNvPicPr>
+            <a:picLocks noChangeAspect="1"/>
+          </p:cNvPicPr>
+          <p:nvPr/>
+        </p:nvPicPr>
+        <p:blipFill>
+          <a:blip r:embed="rId7"/>
+          <a:stretch>
+            <a:fillRect/>
+          </a:stretch>
+        </p:blipFill>
+        <p:spPr>
+          <a:xfrm>
+            <a:off x="4867368" y="1344706"/>
+            <a:ext cx="1729264" cy="2959102"/>
+          </a:xfrm>
+          <a:prstGeom prst="rect">
+            <a:avLst/>
+          </a:prstGeom>
+        </p:spPr>
+      </p:pic>
+      <p:pic>
+        <p:nvPicPr>
+          <p:cNvPr id="20" name="Immagine 19">
+            <a:extLst>
+              <a:ext uri="{FF2B5EF4-FFF2-40B4-BE49-F238E27FC236}">
+                <a16:creationId xmlns:a16="http://schemas.microsoft.com/office/drawing/2014/main" id="{C641AA0B-EF54-404F-86AE-B9024DA3C72E}"/>
+              </a:ext>
+            </a:extLst>
+          </p:cNvPr>
+          <p:cNvPicPr>
+            <a:picLocks noChangeAspect="1"/>
+          </p:cNvPicPr>
+          <p:nvPr/>
+        </p:nvPicPr>
+        <p:blipFill>
+          <a:blip r:embed="rId5"/>
+          <a:stretch>
+            <a:fillRect/>
+          </a:stretch>
+        </p:blipFill>
+        <p:spPr>
+          <a:xfrm>
+            <a:off x="4245360" y="2571750"/>
+            <a:ext cx="623562" cy="623562"/>
+          </a:xfrm>
+          <a:prstGeom prst="rect">
+            <a:avLst/>
+          </a:prstGeom>
+        </p:spPr>
+      </p:pic>
+      <p:pic>
+        <p:nvPicPr>
+          <p:cNvPr id="17" name="Immagine 16">
+            <a:extLst>
+              <a:ext uri="{FF2B5EF4-FFF2-40B4-BE49-F238E27FC236}">
+                <a16:creationId xmlns:a16="http://schemas.microsoft.com/office/drawing/2014/main" id="{3E790893-D008-49A5-A47D-5F8B1D2B1E77}"/>
+              </a:ext>
+            </a:extLst>
+          </p:cNvPr>
+          <p:cNvPicPr>
+            <a:picLocks noChangeAspect="1"/>
+          </p:cNvPicPr>
+          <p:nvPr/>
+        </p:nvPicPr>
+        <p:blipFill>
+          <a:blip r:embed="rId8"/>
+          <a:stretch>
+            <a:fillRect/>
+          </a:stretch>
+        </p:blipFill>
+        <p:spPr>
+          <a:xfrm>
+            <a:off x="7217086" y="1344706"/>
+            <a:ext cx="1718591" cy="2959102"/>
+          </a:xfrm>
+          <a:prstGeom prst="rect">
+            <a:avLst/>
+          </a:prstGeom>
+        </p:spPr>
+      </p:pic>
+      <p:pic>
+        <p:nvPicPr>
+          <p:cNvPr id="24" name="Immagine 23">
+            <a:extLst>
+              <a:ext uri="{FF2B5EF4-FFF2-40B4-BE49-F238E27FC236}">
+                <a16:creationId xmlns:a16="http://schemas.microsoft.com/office/drawing/2014/main" id="{04D8D180-2574-4FE7-B6E6-7721016A29FF}"/>
+              </a:ext>
+            </a:extLst>
+          </p:cNvPr>
+          <p:cNvPicPr>
+            <a:picLocks noChangeAspect="1"/>
+          </p:cNvPicPr>
+          <p:nvPr/>
+        </p:nvPicPr>
+        <p:blipFill>
+          <a:blip r:embed="rId5"/>
+          <a:stretch>
+            <a:fillRect/>
+          </a:stretch>
+        </p:blipFill>
+        <p:spPr>
+          <a:xfrm>
+            <a:off x="6593524" y="2571750"/>
+            <a:ext cx="623562" cy="623562"/>
+          </a:xfrm>
+          <a:prstGeom prst="rect">
+            <a:avLst/>
+          </a:prstGeom>
+        </p:spPr>
+      </p:pic>
     </p:spTree>
+    <p:extLst>
+      <p:ext uri="{BB962C8B-B14F-4D97-AF65-F5344CB8AC3E}">
+        <p14:creationId xmlns:p14="http://schemas.microsoft.com/office/powerpoint/2010/main" val="2518538500"/>
+      </p:ext>
+    </p:extLst>
   </p:cSld>
   <p:clrMapOvr>
     <a:masterClrMapping/>
@@ -13666,10 +12965,14 @@
               <a:buNone/>
             </a:pPr>
             <a:r>
-              <a:rPr lang="en-US"/>
-              <a:t>Autobot VS Decepticon</a:t>
-            </a:r>
-            <a:endParaRPr/>
+              <a:rPr lang="en-US" dirty="0" err="1"/>
+              <a:t>L’entità</a:t>
+            </a:r>
+            <a:r>
+              <a:rPr lang="en-US" dirty="0"/>
+              <a:t> Swimmer</a:t>
+            </a:r>
+            <a:endParaRPr dirty="0"/>
           </a:p>
         </p:txBody>
       </p:sp>
@@ -13717,10 +13020,14 @@
               <a:buNone/>
             </a:pPr>
             <a:r>
-              <a:rPr lang="en-US"/>
-              <a:t>Supersballo project</a:t>
-            </a:r>
-            <a:endParaRPr/>
+              <a:rPr lang="en-US" dirty="0"/>
+              <a:t>SQLite e </a:t>
+            </a:r>
+            <a:r>
+              <a:rPr lang="en-US" dirty="0" err="1"/>
+              <a:t>FLutter</a:t>
+            </a:r>
+            <a:endParaRPr dirty="0"/>
           </a:p>
         </p:txBody>
       </p:sp>
@@ -13736,8 +13043,8 @@
         </p:nvSpPr>
         <p:spPr>
           <a:xfrm>
-            <a:off x="277850" y="1776000"/>
-            <a:ext cx="8508000" cy="919500"/>
+            <a:off x="277850" y="1615192"/>
+            <a:ext cx="8508000" cy="1143000"/>
           </a:xfrm>
           <a:prstGeom prst="rect">
             <a:avLst/>
@@ -13755,171 +13062,380 @@
           </a:bodyPr>
           <a:lstStyle/>
           <a:p>
-            <a:pPr marL="0" lvl="0" indent="0" algn="l" rtl="0">
-              <a:lnSpc>
-                <a:spcPct val="133333"/>
-              </a:lnSpc>
-              <a:spcBef>
-                <a:spcPts val="0"/>
-              </a:spcBef>
-              <a:spcAft>
-                <a:spcPts val="0"/>
-              </a:spcAft>
-              <a:buClr>
-                <a:schemeClr val="dk1"/>
-              </a:buClr>
-              <a:buSzPts val="1100"/>
-              <a:buFont typeface="Arial"/>
+            <a:pPr marL="0" indent="0">
               <a:buNone/>
             </a:pPr>
             <a:r>
-              <a:rPr lang="en-US" sz="1800" dirty="0">
+              <a:rPr lang="it-IT" sz="1100" b="0" dirty="0">
                 <a:solidFill>
                   <a:srgbClr val="0000FF"/>
                 </a:solidFill>
-                <a:latin typeface="Courier New"/>
-                <a:ea typeface="Courier New"/>
-                <a:cs typeface="Courier New"/>
-                <a:sym typeface="Courier New"/>
-              </a:rPr>
-              <a:t>var</a:t>
-            </a:r>
-            <a:r>
-              <a:rPr lang="en-US" sz="1800" dirty="0">
-                <a:latin typeface="Courier New"/>
-                <a:ea typeface="Courier New"/>
-                <a:cs typeface="Courier New"/>
-                <a:sym typeface="Courier New"/>
+                <a:effectLst/>
+                <a:latin typeface="Consolas" panose="020B0609020204030204" pitchFamily="49" charset="0"/>
+              </a:rPr>
+              <a:t>class</a:t>
+            </a:r>
+            <a:r>
+              <a:rPr lang="it-IT" sz="1100" b="0" dirty="0">
+                <a:solidFill>
+                  <a:srgbClr val="000000"/>
+                </a:solidFill>
+                <a:effectLst/>
+                <a:latin typeface="Consolas" panose="020B0609020204030204" pitchFamily="49" charset="0"/>
               </a:rPr>
               <a:t> </a:t>
             </a:r>
             <a:r>
-              <a:rPr lang="en-US" sz="1800" dirty="0" err="1">
-                <a:latin typeface="Courier New"/>
-                <a:ea typeface="Courier New"/>
-                <a:cs typeface="Courier New"/>
-                <a:sym typeface="Courier New"/>
-              </a:rPr>
-              <a:t>cmd</a:t>
-            </a:r>
-            <a:r>
-              <a:rPr lang="en-US" sz="1800" dirty="0">
-                <a:latin typeface="Courier New"/>
-                <a:ea typeface="Courier New"/>
-                <a:cs typeface="Courier New"/>
-                <a:sym typeface="Courier New"/>
-              </a:rPr>
-              <a:t> = </a:t>
-            </a:r>
-            <a:r>
-              <a:rPr lang="en-US" sz="1800" dirty="0" err="1">
-                <a:latin typeface="Courier New"/>
-                <a:ea typeface="Courier New"/>
-                <a:cs typeface="Courier New"/>
-                <a:sym typeface="Courier New"/>
-              </a:rPr>
-              <a:t>getCommand</a:t>
-            </a:r>
-            <a:r>
-              <a:rPr lang="en-US" sz="1800" dirty="0">
-                <a:latin typeface="Courier New"/>
-                <a:ea typeface="Courier New"/>
-                <a:cs typeface="Courier New"/>
-                <a:sym typeface="Courier New"/>
-              </a:rPr>
-              <a:t>(</a:t>
-            </a:r>
-            <a:r>
-              <a:rPr lang="en-US" sz="1800" dirty="0" err="1">
-                <a:latin typeface="Courier New"/>
-                <a:ea typeface="Courier New"/>
-                <a:cs typeface="Courier New"/>
-                <a:sym typeface="Courier New"/>
-              </a:rPr>
-              <a:t>optimus</a:t>
-            </a:r>
-            <a:r>
-              <a:rPr lang="en-US" sz="1800" dirty="0">
-                <a:latin typeface="Courier New"/>
-                <a:ea typeface="Courier New"/>
-                <a:cs typeface="Courier New"/>
-                <a:sym typeface="Courier New"/>
-              </a:rPr>
-              <a:t>);</a:t>
-            </a:r>
-            <a:endParaRPr sz="1800" dirty="0">
-              <a:latin typeface="Courier New"/>
-              <a:ea typeface="Courier New"/>
-              <a:cs typeface="Courier New"/>
-              <a:sym typeface="Courier New"/>
-            </a:endParaRPr>
+              <a:rPr lang="it-IT" sz="1100" b="0" dirty="0" err="1">
+                <a:solidFill>
+                  <a:srgbClr val="267F99"/>
+                </a:solidFill>
+                <a:effectLst/>
+                <a:latin typeface="Consolas" panose="020B0609020204030204" pitchFamily="49" charset="0"/>
+              </a:rPr>
+              <a:t>Swimmer</a:t>
+            </a:r>
+            <a:r>
+              <a:rPr lang="it-IT" sz="1100" b="0" dirty="0">
+                <a:solidFill>
+                  <a:srgbClr val="000000"/>
+                </a:solidFill>
+                <a:effectLst/>
+                <a:latin typeface="Consolas" panose="020B0609020204030204" pitchFamily="49" charset="0"/>
+              </a:rPr>
+              <a:t> {</a:t>
+            </a:r>
+            <a:br>
+              <a:rPr lang="it-IT" sz="1100" b="0" dirty="0">
+                <a:solidFill>
+                  <a:srgbClr val="000000"/>
+                </a:solidFill>
+                <a:effectLst/>
+                <a:latin typeface="Consolas" panose="020B0609020204030204" pitchFamily="49" charset="0"/>
+              </a:rPr>
+            </a:br>
+            <a:r>
+              <a:rPr lang="en-US" sz="1100" b="0" dirty="0">
+                <a:solidFill>
+                  <a:srgbClr val="000000"/>
+                </a:solidFill>
+                <a:effectLst/>
+                <a:latin typeface="Consolas" panose="020B0609020204030204" pitchFamily="49" charset="0"/>
+              </a:rPr>
+              <a:t>  </a:t>
+            </a:r>
+            <a:r>
+              <a:rPr lang="en-US" sz="1100" b="0" dirty="0">
+                <a:solidFill>
+                  <a:srgbClr val="0000FF"/>
+                </a:solidFill>
+                <a:effectLst/>
+                <a:latin typeface="Consolas" panose="020B0609020204030204" pitchFamily="49" charset="0"/>
+              </a:rPr>
+              <a:t>final</a:t>
+            </a:r>
+            <a:r>
+              <a:rPr lang="en-US" sz="1100" b="0" dirty="0">
+                <a:solidFill>
+                  <a:srgbClr val="000000"/>
+                </a:solidFill>
+                <a:effectLst/>
+                <a:latin typeface="Consolas" panose="020B0609020204030204" pitchFamily="49" charset="0"/>
+              </a:rPr>
+              <a:t> </a:t>
+            </a:r>
+            <a:r>
+              <a:rPr lang="en-US" sz="1100" b="0" dirty="0">
+                <a:solidFill>
+                  <a:srgbClr val="267F99"/>
+                </a:solidFill>
+                <a:effectLst/>
+                <a:latin typeface="Consolas" panose="020B0609020204030204" pitchFamily="49" charset="0"/>
+              </a:rPr>
+              <a:t>int</a:t>
+            </a:r>
+            <a:r>
+              <a:rPr lang="en-US" sz="1100" b="0" dirty="0">
+                <a:solidFill>
+                  <a:srgbClr val="000000"/>
+                </a:solidFill>
+                <a:effectLst/>
+                <a:latin typeface="Consolas" panose="020B0609020204030204" pitchFamily="49" charset="0"/>
+              </a:rPr>
+              <a:t>? </a:t>
+            </a:r>
+            <a:r>
+              <a:rPr lang="en-US" sz="1100" b="0" dirty="0" err="1">
+                <a:solidFill>
+                  <a:srgbClr val="001080"/>
+                </a:solidFill>
+                <a:effectLst/>
+                <a:latin typeface="Consolas" panose="020B0609020204030204" pitchFamily="49" charset="0"/>
+              </a:rPr>
+              <a:t>id_swimmer</a:t>
+            </a:r>
+            <a:r>
+              <a:rPr lang="en-US" sz="1100" b="0" dirty="0">
+                <a:solidFill>
+                  <a:srgbClr val="000000"/>
+                </a:solidFill>
+                <a:effectLst/>
+                <a:latin typeface="Consolas" panose="020B0609020204030204" pitchFamily="49" charset="0"/>
+              </a:rPr>
+              <a:t>;</a:t>
+            </a:r>
+            <a:br>
+              <a:rPr lang="en-US" sz="1100" b="0" dirty="0">
+                <a:solidFill>
+                  <a:srgbClr val="000000"/>
+                </a:solidFill>
+                <a:effectLst/>
+                <a:latin typeface="Consolas" panose="020B0609020204030204" pitchFamily="49" charset="0"/>
+              </a:rPr>
+            </a:br>
+            <a:r>
+              <a:rPr lang="en-US" sz="1100" b="0" dirty="0">
+                <a:solidFill>
+                  <a:srgbClr val="000000"/>
+                </a:solidFill>
+                <a:effectLst/>
+                <a:latin typeface="Consolas" panose="020B0609020204030204" pitchFamily="49" charset="0"/>
+              </a:rPr>
+              <a:t>  </a:t>
+            </a:r>
+            <a:r>
+              <a:rPr lang="en-US" sz="1100" b="0" dirty="0">
+                <a:solidFill>
+                  <a:srgbClr val="0000FF"/>
+                </a:solidFill>
+                <a:effectLst/>
+                <a:latin typeface="Consolas" panose="020B0609020204030204" pitchFamily="49" charset="0"/>
+              </a:rPr>
+              <a:t>final</a:t>
+            </a:r>
+            <a:r>
+              <a:rPr lang="en-US" sz="1100" b="0" dirty="0">
+                <a:solidFill>
+                  <a:srgbClr val="000000"/>
+                </a:solidFill>
+                <a:effectLst/>
+                <a:latin typeface="Consolas" panose="020B0609020204030204" pitchFamily="49" charset="0"/>
+              </a:rPr>
+              <a:t> </a:t>
+            </a:r>
+            <a:r>
+              <a:rPr lang="en-US" sz="1100" b="0" dirty="0">
+                <a:solidFill>
+                  <a:srgbClr val="267F99"/>
+                </a:solidFill>
+                <a:effectLst/>
+                <a:latin typeface="Consolas" panose="020B0609020204030204" pitchFamily="49" charset="0"/>
+              </a:rPr>
+              <a:t>String</a:t>
+            </a:r>
+            <a:r>
+              <a:rPr lang="en-US" sz="1100" b="0" dirty="0">
+                <a:solidFill>
+                  <a:srgbClr val="000000"/>
+                </a:solidFill>
+                <a:effectLst/>
+                <a:latin typeface="Consolas" panose="020B0609020204030204" pitchFamily="49" charset="0"/>
+              </a:rPr>
+              <a:t> </a:t>
+            </a:r>
+            <a:r>
+              <a:rPr lang="en-US" sz="1100" b="0" dirty="0" err="1">
+                <a:solidFill>
+                  <a:srgbClr val="001080"/>
+                </a:solidFill>
+                <a:effectLst/>
+                <a:latin typeface="Consolas" panose="020B0609020204030204" pitchFamily="49" charset="0"/>
+              </a:rPr>
+              <a:t>swimmer_name</a:t>
+            </a:r>
+            <a:r>
+              <a:rPr lang="en-US" sz="1100" b="0" dirty="0">
+                <a:solidFill>
+                  <a:srgbClr val="000000"/>
+                </a:solidFill>
+                <a:effectLst/>
+                <a:latin typeface="Consolas" panose="020B0609020204030204" pitchFamily="49" charset="0"/>
+              </a:rPr>
+              <a:t>;</a:t>
+            </a:r>
+            <a:br>
+              <a:rPr lang="en-US" sz="1100" b="0" dirty="0">
+                <a:solidFill>
+                  <a:srgbClr val="000000"/>
+                </a:solidFill>
+                <a:effectLst/>
+                <a:latin typeface="Consolas" panose="020B0609020204030204" pitchFamily="49" charset="0"/>
+              </a:rPr>
+            </a:br>
+            <a:r>
+              <a:rPr lang="en-US" sz="1100" b="0" dirty="0">
+                <a:solidFill>
+                  <a:srgbClr val="000000"/>
+                </a:solidFill>
+                <a:effectLst/>
+                <a:latin typeface="Consolas" panose="020B0609020204030204" pitchFamily="49" charset="0"/>
+              </a:rPr>
+              <a:t>  </a:t>
+            </a:r>
+            <a:r>
+              <a:rPr lang="en-US" sz="1100" b="0" dirty="0">
+                <a:solidFill>
+                  <a:srgbClr val="0000FF"/>
+                </a:solidFill>
+                <a:effectLst/>
+                <a:latin typeface="Consolas" panose="020B0609020204030204" pitchFamily="49" charset="0"/>
+              </a:rPr>
+              <a:t>final</a:t>
+            </a:r>
+            <a:r>
+              <a:rPr lang="en-US" sz="1100" b="0" dirty="0">
+                <a:solidFill>
+                  <a:srgbClr val="000000"/>
+                </a:solidFill>
+                <a:effectLst/>
+                <a:latin typeface="Consolas" panose="020B0609020204030204" pitchFamily="49" charset="0"/>
+              </a:rPr>
+              <a:t> </a:t>
+            </a:r>
+            <a:r>
+              <a:rPr lang="en-US" sz="1100" b="0" dirty="0">
+                <a:solidFill>
+                  <a:srgbClr val="267F99"/>
+                </a:solidFill>
+                <a:effectLst/>
+                <a:latin typeface="Consolas" panose="020B0609020204030204" pitchFamily="49" charset="0"/>
+              </a:rPr>
+              <a:t>int</a:t>
+            </a:r>
+            <a:r>
+              <a:rPr lang="en-US" sz="1100" b="0" dirty="0">
+                <a:solidFill>
+                  <a:srgbClr val="000000"/>
+                </a:solidFill>
+                <a:effectLst/>
+                <a:latin typeface="Consolas" panose="020B0609020204030204" pitchFamily="49" charset="0"/>
+              </a:rPr>
+              <a:t> </a:t>
+            </a:r>
+            <a:r>
+              <a:rPr lang="en-US" sz="1100" b="0" dirty="0">
+                <a:solidFill>
+                  <a:srgbClr val="001080"/>
+                </a:solidFill>
+                <a:effectLst/>
+                <a:latin typeface="Consolas" panose="020B0609020204030204" pitchFamily="49" charset="0"/>
+              </a:rPr>
+              <a:t>age</a:t>
+            </a:r>
+            <a:r>
+              <a:rPr lang="en-US" sz="1100" b="0" dirty="0">
+                <a:solidFill>
+                  <a:srgbClr val="000000"/>
+                </a:solidFill>
+                <a:effectLst/>
+                <a:latin typeface="Consolas" panose="020B0609020204030204" pitchFamily="49" charset="0"/>
+              </a:rPr>
+              <a:t>;</a:t>
+            </a:r>
+            <a:br>
+              <a:rPr lang="en-US" sz="1100" b="0" dirty="0">
+                <a:solidFill>
+                  <a:srgbClr val="000000"/>
+                </a:solidFill>
+                <a:effectLst/>
+                <a:latin typeface="Consolas" panose="020B0609020204030204" pitchFamily="49" charset="0"/>
+              </a:rPr>
+            </a:br>
+            <a:r>
+              <a:rPr lang="en-US" sz="1100" b="0" dirty="0">
+                <a:solidFill>
+                  <a:srgbClr val="000000"/>
+                </a:solidFill>
+                <a:effectLst/>
+                <a:latin typeface="Consolas" panose="020B0609020204030204" pitchFamily="49" charset="0"/>
+              </a:rPr>
+              <a:t>  </a:t>
+            </a:r>
+            <a:r>
+              <a:rPr lang="en-US" sz="1100" b="0" dirty="0">
+                <a:solidFill>
+                  <a:srgbClr val="0000FF"/>
+                </a:solidFill>
+                <a:effectLst/>
+                <a:latin typeface="Consolas" panose="020B0609020204030204" pitchFamily="49" charset="0"/>
+              </a:rPr>
+              <a:t>final</a:t>
+            </a:r>
+            <a:r>
+              <a:rPr lang="en-US" sz="1100" b="0" dirty="0">
+                <a:solidFill>
+                  <a:srgbClr val="000000"/>
+                </a:solidFill>
+                <a:effectLst/>
+                <a:latin typeface="Consolas" panose="020B0609020204030204" pitchFamily="49" charset="0"/>
+              </a:rPr>
+              <a:t> </a:t>
+            </a:r>
+            <a:r>
+              <a:rPr lang="en-US" sz="1100" b="0" dirty="0">
+                <a:solidFill>
+                  <a:srgbClr val="267F99"/>
+                </a:solidFill>
+                <a:effectLst/>
+                <a:latin typeface="Consolas" panose="020B0609020204030204" pitchFamily="49" charset="0"/>
+              </a:rPr>
+              <a:t>String</a:t>
+            </a:r>
+            <a:r>
+              <a:rPr lang="en-US" sz="1100" b="0" dirty="0">
+                <a:solidFill>
+                  <a:srgbClr val="000000"/>
+                </a:solidFill>
+                <a:effectLst/>
+                <a:latin typeface="Consolas" panose="020B0609020204030204" pitchFamily="49" charset="0"/>
+              </a:rPr>
+              <a:t> </a:t>
+            </a:r>
+            <a:r>
+              <a:rPr lang="en-US" sz="1100" b="0" dirty="0">
+                <a:solidFill>
+                  <a:srgbClr val="001080"/>
+                </a:solidFill>
+                <a:effectLst/>
+                <a:latin typeface="Consolas" panose="020B0609020204030204" pitchFamily="49" charset="0"/>
+              </a:rPr>
+              <a:t>nation</a:t>
+            </a:r>
+            <a:r>
+              <a:rPr lang="en-US" sz="1100" b="0" dirty="0">
+                <a:solidFill>
+                  <a:srgbClr val="000000"/>
+                </a:solidFill>
+                <a:effectLst/>
+                <a:latin typeface="Consolas" panose="020B0609020204030204" pitchFamily="49" charset="0"/>
+              </a:rPr>
+              <a:t>;</a:t>
+            </a:r>
           </a:p>
           <a:p>
             <a:pPr marL="0" lvl="0" indent="0" algn="l" rtl="0">
               <a:lnSpc>
-                <a:spcPct val="133333"/>
-              </a:lnSpc>
-              <a:spcBef>
-                <a:spcPts val="0"/>
-              </a:spcBef>
-              <a:spcAft>
-                <a:spcPts val="0"/>
-              </a:spcAft>
-              <a:buClr>
-                <a:schemeClr val="dk1"/>
-              </a:buClr>
-              <a:buSzPts val="1100"/>
-              <a:buFont typeface="Arial"/>
+                <a:spcPct val="115000"/>
+              </a:lnSpc>
+              <a:spcBef>
+                <a:spcPts val="0"/>
+              </a:spcBef>
+              <a:spcAft>
+                <a:spcPts val="0"/>
+              </a:spcAft>
               <a:buNone/>
             </a:pPr>
-            <a:r>
-              <a:rPr lang="en-US" sz="1800" dirty="0">
-                <a:latin typeface="Courier New"/>
-                <a:ea typeface="Courier New"/>
-                <a:cs typeface="Courier New"/>
-                <a:sym typeface="Courier New"/>
-              </a:rPr>
-              <a:t>execute(</a:t>
-            </a:r>
-            <a:r>
-              <a:rPr lang="en-US" sz="1800" dirty="0" err="1">
-                <a:latin typeface="Courier New"/>
-                <a:ea typeface="Courier New"/>
-                <a:cs typeface="Courier New"/>
-                <a:sym typeface="Courier New"/>
-              </a:rPr>
-              <a:t>cmd</a:t>
-            </a:r>
-            <a:r>
-              <a:rPr lang="en-US" sz="1800" dirty="0">
-                <a:latin typeface="Courier New"/>
-                <a:ea typeface="Courier New"/>
-                <a:cs typeface="Courier New"/>
-                <a:sym typeface="Courier New"/>
-              </a:rPr>
-              <a:t>);</a:t>
-            </a:r>
-            <a:endParaRPr sz="1800" dirty="0">
-              <a:latin typeface="Courier New"/>
-              <a:ea typeface="Courier New"/>
-              <a:cs typeface="Courier New"/>
-              <a:sym typeface="Courier New"/>
-            </a:endParaRPr>
-          </a:p>
-          <a:p>
-            <a:pPr marL="0" lvl="0" indent="0" algn="l" rtl="0">
-              <a:lnSpc>
-                <a:spcPct val="115000"/>
-              </a:lnSpc>
-              <a:spcBef>
-                <a:spcPts val="0"/>
-              </a:spcBef>
-              <a:spcAft>
-                <a:spcPts val="0"/>
-              </a:spcAft>
-              <a:buNone/>
-            </a:pPr>
-            <a:endParaRPr sz="1800" dirty="0">
+            <a:endParaRPr lang="it-IT" sz="1200" dirty="0">
               <a:solidFill>
                 <a:srgbClr val="0000FF"/>
               </a:solidFill>
@@ -13943,8 +13459,8 @@
         </p:nvSpPr>
         <p:spPr>
           <a:xfrm>
-            <a:off x="277850" y="3376200"/>
-            <a:ext cx="8508000" cy="1153200"/>
+            <a:off x="277850" y="3168891"/>
+            <a:ext cx="8508000" cy="1445619"/>
           </a:xfrm>
           <a:prstGeom prst="rect">
             <a:avLst/>
@@ -13962,59 +13478,382 @@
           </a:bodyPr>
           <a:lstStyle/>
           <a:p>
-            <a:pPr marL="0" lvl="0" indent="0" algn="l" rtl="0">
-              <a:lnSpc>
-                <a:spcPct val="133333"/>
-              </a:lnSpc>
-              <a:spcBef>
-                <a:spcPts val="0"/>
-              </a:spcBef>
-              <a:spcAft>
-                <a:spcPts val="0"/>
-              </a:spcAft>
+            <a:pPr marL="114300" indent="0">
               <a:buNone/>
             </a:pPr>
             <a:r>
-              <a:rPr lang="en-US" sz="1800">
-                <a:latin typeface="Courier New"/>
-                <a:ea typeface="Courier New"/>
-                <a:cs typeface="Courier New"/>
-                <a:sym typeface="Courier New"/>
-              </a:rPr>
-              <a:t>getCommand(megatron, </a:t>
-            </a:r>
-            <a:r>
-              <a:rPr lang="en-US" sz="1800">
-                <a:solidFill>
-                  <a:srgbClr val="0000FF"/>
-                </a:solidFill>
-                <a:latin typeface="Courier New"/>
-                <a:ea typeface="Courier New"/>
-                <a:cs typeface="Courier New"/>
-                <a:sym typeface="Courier New"/>
-              </a:rPr>
-              <a:t>function</a:t>
-            </a:r>
-            <a:r>
-              <a:rPr lang="en-US" sz="1800">
-                <a:latin typeface="Courier New"/>
-                <a:ea typeface="Courier New"/>
-                <a:cs typeface="Courier New"/>
-                <a:sym typeface="Courier New"/>
-              </a:rPr>
-              <a:t>(data)    {  </a:t>
-            </a:r>
-            <a:endParaRPr sz="1800">
-              <a:latin typeface="Courier New"/>
-              <a:ea typeface="Courier New"/>
-              <a:cs typeface="Courier New"/>
-              <a:sym typeface="Courier New"/>
-            </a:endParaRPr>
+              <a:rPr lang="it-IT" sz="1100" b="0" dirty="0" err="1">
+                <a:solidFill>
+                  <a:srgbClr val="267F99"/>
+                </a:solidFill>
+                <a:effectLst/>
+                <a:latin typeface="Consolas" panose="020B0609020204030204" pitchFamily="49" charset="0"/>
+              </a:rPr>
+              <a:t>Map</a:t>
+            </a:r>
+            <a:r>
+              <a:rPr lang="it-IT" sz="1100" b="0" dirty="0">
+                <a:solidFill>
+                  <a:srgbClr val="000000"/>
+                </a:solidFill>
+                <a:effectLst/>
+                <a:latin typeface="Consolas" panose="020B0609020204030204" pitchFamily="49" charset="0"/>
+              </a:rPr>
+              <a:t>&lt;</a:t>
+            </a:r>
+            <a:r>
+              <a:rPr lang="it-IT" sz="1100" b="0" dirty="0" err="1">
+                <a:solidFill>
+                  <a:srgbClr val="267F99"/>
+                </a:solidFill>
+                <a:effectLst/>
+                <a:latin typeface="Consolas" panose="020B0609020204030204" pitchFamily="49" charset="0"/>
+              </a:rPr>
+              <a:t>String</a:t>
+            </a:r>
+            <a:r>
+              <a:rPr lang="it-IT" sz="1100" b="0" dirty="0">
+                <a:solidFill>
+                  <a:srgbClr val="000000"/>
+                </a:solidFill>
+                <a:effectLst/>
+                <a:latin typeface="Consolas" panose="020B0609020204030204" pitchFamily="49" charset="0"/>
+              </a:rPr>
+              <a:t>, </a:t>
+            </a:r>
+            <a:r>
+              <a:rPr lang="it-IT" sz="1100" b="0" dirty="0" err="1">
+                <a:solidFill>
+                  <a:srgbClr val="267F99"/>
+                </a:solidFill>
+                <a:effectLst/>
+                <a:latin typeface="Consolas" panose="020B0609020204030204" pitchFamily="49" charset="0"/>
+              </a:rPr>
+              <a:t>dynamic</a:t>
+            </a:r>
+            <a:r>
+              <a:rPr lang="it-IT" sz="1100" b="0" dirty="0">
+                <a:solidFill>
+                  <a:srgbClr val="000000"/>
+                </a:solidFill>
+                <a:effectLst/>
+                <a:latin typeface="Consolas" panose="020B0609020204030204" pitchFamily="49" charset="0"/>
+              </a:rPr>
+              <a:t>&gt; </a:t>
+            </a:r>
+            <a:r>
+              <a:rPr lang="it-IT" sz="1100" b="0" dirty="0" err="1">
+                <a:solidFill>
+                  <a:srgbClr val="795E26"/>
+                </a:solidFill>
+                <a:effectLst/>
+                <a:latin typeface="Consolas" panose="020B0609020204030204" pitchFamily="49" charset="0"/>
+              </a:rPr>
+              <a:t>toMap</a:t>
+            </a:r>
+            <a:r>
+              <a:rPr lang="it-IT" sz="1100" b="0" dirty="0">
+                <a:solidFill>
+                  <a:srgbClr val="000000"/>
+                </a:solidFill>
+                <a:effectLst/>
+                <a:latin typeface="Consolas" panose="020B0609020204030204" pitchFamily="49" charset="0"/>
+              </a:rPr>
+              <a:t>() {</a:t>
+            </a:r>
+          </a:p>
+          <a:p>
+            <a:pPr marL="114300" indent="0">
+              <a:buNone/>
+            </a:pPr>
+            <a:r>
+              <a:rPr lang="it-IT" sz="1100" b="0" dirty="0" err="1">
+                <a:solidFill>
+                  <a:srgbClr val="AF00DB"/>
+                </a:solidFill>
+                <a:effectLst/>
+                <a:latin typeface="Consolas" panose="020B0609020204030204" pitchFamily="49" charset="0"/>
+              </a:rPr>
+              <a:t>return</a:t>
+            </a:r>
+            <a:r>
+              <a:rPr lang="it-IT" sz="1100" b="0" dirty="0">
+                <a:solidFill>
+                  <a:srgbClr val="000000"/>
+                </a:solidFill>
+                <a:effectLst/>
+                <a:latin typeface="Consolas" panose="020B0609020204030204" pitchFamily="49" charset="0"/>
+              </a:rPr>
+              <a:t> {</a:t>
+            </a:r>
+            <a:br>
+              <a:rPr lang="it-IT" sz="1100" b="0" dirty="0">
+                <a:solidFill>
+                  <a:srgbClr val="000000"/>
+                </a:solidFill>
+                <a:effectLst/>
+                <a:latin typeface="Consolas" panose="020B0609020204030204" pitchFamily="49" charset="0"/>
+              </a:rPr>
+            </a:br>
+            <a:r>
+              <a:rPr lang="it-IT" sz="1100" b="0" dirty="0">
+                <a:solidFill>
+                  <a:srgbClr val="A31515"/>
+                </a:solidFill>
+                <a:effectLst/>
+                <a:latin typeface="Consolas" panose="020B0609020204030204" pitchFamily="49" charset="0"/>
+              </a:rPr>
+              <a:t>'</a:t>
+            </a:r>
+            <a:r>
+              <a:rPr lang="it-IT" sz="1100" b="0" dirty="0" err="1">
+                <a:solidFill>
+                  <a:srgbClr val="A31515"/>
+                </a:solidFill>
+                <a:effectLst/>
+                <a:latin typeface="Consolas" panose="020B0609020204030204" pitchFamily="49" charset="0"/>
+              </a:rPr>
+              <a:t>id_swimmer</a:t>
+            </a:r>
+            <a:r>
+              <a:rPr lang="it-IT" sz="1100" b="0" dirty="0">
+                <a:solidFill>
+                  <a:srgbClr val="A31515"/>
+                </a:solidFill>
+                <a:effectLst/>
+                <a:latin typeface="Consolas" panose="020B0609020204030204" pitchFamily="49" charset="0"/>
+              </a:rPr>
+              <a:t>'</a:t>
+            </a:r>
+            <a:r>
+              <a:rPr lang="it-IT" sz="1100" b="0" dirty="0">
+                <a:solidFill>
+                  <a:srgbClr val="000000"/>
+                </a:solidFill>
+                <a:effectLst/>
+                <a:latin typeface="Consolas" panose="020B0609020204030204" pitchFamily="49" charset="0"/>
+              </a:rPr>
+              <a:t>: </a:t>
+            </a:r>
+            <a:r>
+              <a:rPr lang="it-IT" sz="1100" b="0" dirty="0" err="1">
+                <a:solidFill>
+                  <a:srgbClr val="001080"/>
+                </a:solidFill>
+                <a:effectLst/>
+                <a:latin typeface="Consolas" panose="020B0609020204030204" pitchFamily="49" charset="0"/>
+              </a:rPr>
+              <a:t>id_swimmer</a:t>
+            </a:r>
+            <a:r>
+              <a:rPr lang="it-IT" sz="1100" b="0" dirty="0">
+                <a:solidFill>
+                  <a:srgbClr val="000000"/>
+                </a:solidFill>
+                <a:effectLst/>
+                <a:latin typeface="Consolas" panose="020B0609020204030204" pitchFamily="49" charset="0"/>
+              </a:rPr>
+              <a:t>,</a:t>
+            </a:r>
+            <a:br>
+              <a:rPr lang="it-IT" sz="1100" b="0" dirty="0">
+                <a:solidFill>
+                  <a:srgbClr val="000000"/>
+                </a:solidFill>
+                <a:effectLst/>
+                <a:latin typeface="Consolas" panose="020B0609020204030204" pitchFamily="49" charset="0"/>
+              </a:rPr>
+            </a:br>
+            <a:r>
+              <a:rPr lang="it-IT" sz="1100" b="0" dirty="0">
+                <a:solidFill>
+                  <a:srgbClr val="A31515"/>
+                </a:solidFill>
+                <a:effectLst/>
+                <a:latin typeface="Consolas" panose="020B0609020204030204" pitchFamily="49" charset="0"/>
+              </a:rPr>
+              <a:t>'</a:t>
+            </a:r>
+            <a:r>
+              <a:rPr lang="it-IT" sz="1100" b="0" dirty="0" err="1">
+                <a:solidFill>
+                  <a:srgbClr val="A31515"/>
+                </a:solidFill>
+                <a:effectLst/>
+                <a:latin typeface="Consolas" panose="020B0609020204030204" pitchFamily="49" charset="0"/>
+              </a:rPr>
+              <a:t>swimmer_name</a:t>
+            </a:r>
+            <a:r>
+              <a:rPr lang="it-IT" sz="1100" b="0" dirty="0">
+                <a:solidFill>
+                  <a:srgbClr val="A31515"/>
+                </a:solidFill>
+                <a:effectLst/>
+                <a:latin typeface="Consolas" panose="020B0609020204030204" pitchFamily="49" charset="0"/>
+              </a:rPr>
+              <a:t>'</a:t>
+            </a:r>
+            <a:r>
+              <a:rPr lang="it-IT" sz="1100" b="0" dirty="0">
+                <a:solidFill>
+                  <a:srgbClr val="000000"/>
+                </a:solidFill>
+                <a:effectLst/>
+                <a:latin typeface="Consolas" panose="020B0609020204030204" pitchFamily="49" charset="0"/>
+              </a:rPr>
+              <a:t>: </a:t>
+            </a:r>
+            <a:r>
+              <a:rPr lang="it-IT" sz="1100" b="0" dirty="0" err="1">
+                <a:solidFill>
+                  <a:srgbClr val="001080"/>
+                </a:solidFill>
+                <a:effectLst/>
+                <a:latin typeface="Consolas" panose="020B0609020204030204" pitchFamily="49" charset="0"/>
+              </a:rPr>
+              <a:t>swimmer_name</a:t>
+            </a:r>
+            <a:r>
+              <a:rPr lang="it-IT" sz="1100" b="0" dirty="0">
+                <a:solidFill>
+                  <a:srgbClr val="000000"/>
+                </a:solidFill>
+                <a:effectLst/>
+                <a:latin typeface="Consolas" panose="020B0609020204030204" pitchFamily="49" charset="0"/>
+              </a:rPr>
+              <a:t>,</a:t>
+            </a:r>
+          </a:p>
+          <a:p>
+            <a:pPr marL="114300" indent="0">
+              <a:buNone/>
+            </a:pPr>
+            <a:r>
+              <a:rPr lang="it-IT" sz="1100" b="0" dirty="0">
+                <a:solidFill>
+                  <a:srgbClr val="A31515"/>
+                </a:solidFill>
+                <a:effectLst/>
+                <a:latin typeface="Consolas" panose="020B0609020204030204" pitchFamily="49" charset="0"/>
+              </a:rPr>
+              <a:t>'age'</a:t>
+            </a:r>
+            <a:r>
+              <a:rPr lang="it-IT" sz="1100" b="0" dirty="0">
+                <a:solidFill>
+                  <a:srgbClr val="000000"/>
+                </a:solidFill>
+                <a:effectLst/>
+                <a:latin typeface="Consolas" panose="020B0609020204030204" pitchFamily="49" charset="0"/>
+              </a:rPr>
+              <a:t>: </a:t>
+            </a:r>
+            <a:r>
+              <a:rPr lang="it-IT" sz="1100" b="0" dirty="0">
+                <a:solidFill>
+                  <a:srgbClr val="001080"/>
+                </a:solidFill>
+                <a:effectLst/>
+                <a:latin typeface="Consolas" panose="020B0609020204030204" pitchFamily="49" charset="0"/>
+              </a:rPr>
+              <a:t>age</a:t>
+            </a:r>
+            <a:r>
+              <a:rPr lang="it-IT" sz="1100" b="0" dirty="0">
+                <a:solidFill>
+                  <a:srgbClr val="000000"/>
+                </a:solidFill>
+                <a:effectLst/>
+                <a:latin typeface="Consolas" panose="020B0609020204030204" pitchFamily="49" charset="0"/>
+              </a:rPr>
+              <a:t>,</a:t>
+            </a:r>
+          </a:p>
+          <a:p>
+            <a:pPr marL="114300" indent="0">
+              <a:buNone/>
+            </a:pPr>
+            <a:r>
+              <a:rPr lang="it-IT" sz="1100" b="0" dirty="0">
+                <a:solidFill>
+                  <a:srgbClr val="A31515"/>
+                </a:solidFill>
+                <a:effectLst/>
+                <a:latin typeface="Consolas" panose="020B0609020204030204" pitchFamily="49" charset="0"/>
+              </a:rPr>
+              <a:t>'</a:t>
+            </a:r>
+            <a:r>
+              <a:rPr lang="it-IT" sz="1100" b="0" dirty="0" err="1">
+                <a:solidFill>
+                  <a:srgbClr val="A31515"/>
+                </a:solidFill>
+                <a:effectLst/>
+                <a:latin typeface="Consolas" panose="020B0609020204030204" pitchFamily="49" charset="0"/>
+              </a:rPr>
+              <a:t>nation</a:t>
+            </a:r>
+            <a:r>
+              <a:rPr lang="it-IT" sz="1100" b="0" dirty="0">
+                <a:solidFill>
+                  <a:srgbClr val="A31515"/>
+                </a:solidFill>
+                <a:effectLst/>
+                <a:latin typeface="Consolas" panose="020B0609020204030204" pitchFamily="49" charset="0"/>
+              </a:rPr>
+              <a:t>'</a:t>
+            </a:r>
+            <a:r>
+              <a:rPr lang="it-IT" sz="1100" b="0" dirty="0">
+                <a:solidFill>
+                  <a:srgbClr val="000000"/>
+                </a:solidFill>
+                <a:effectLst/>
+                <a:latin typeface="Consolas" panose="020B0609020204030204" pitchFamily="49" charset="0"/>
+              </a:rPr>
+              <a:t>: </a:t>
+            </a:r>
+            <a:r>
+              <a:rPr lang="it-IT" sz="1100" b="0" dirty="0" err="1">
+                <a:solidFill>
+                  <a:srgbClr val="001080"/>
+                </a:solidFill>
+                <a:effectLst/>
+                <a:latin typeface="Consolas" panose="020B0609020204030204" pitchFamily="49" charset="0"/>
+              </a:rPr>
+              <a:t>nation</a:t>
+            </a:r>
+            <a:r>
+              <a:rPr lang="it-IT" sz="1100" b="0" dirty="0">
+                <a:solidFill>
+                  <a:srgbClr val="000000"/>
+                </a:solidFill>
+                <a:effectLst/>
+                <a:latin typeface="Consolas" panose="020B0609020204030204" pitchFamily="49" charset="0"/>
+              </a:rPr>
+              <a:t>,</a:t>
+            </a:r>
+          </a:p>
+          <a:p>
+            <a:pPr marL="114300" indent="0">
+              <a:buNone/>
+            </a:pPr>
+            <a:r>
+              <a:rPr lang="it-IT" sz="1100" b="0" dirty="0">
+                <a:solidFill>
+                  <a:srgbClr val="000000"/>
+                </a:solidFill>
+                <a:effectLst/>
+                <a:latin typeface="Consolas" panose="020B0609020204030204" pitchFamily="49" charset="0"/>
+              </a:rPr>
+              <a:t>};</a:t>
+            </a:r>
           </a:p>
           <a:p>
             <a:pPr marL="0" lvl="0" indent="0" algn="l" rtl="0">
               <a:lnSpc>
-                <a:spcPct val="133333"/>
+                <a:spcPct val="115000"/>
               </a:lnSpc>
               <a:spcBef>
                 <a:spcPts val="0"/>
@@ -14024,68 +13863,7 @@
               </a:spcAft>
               <a:buNone/>
             </a:pPr>
-            <a:r>
-              <a:rPr lang="en-US" sz="1800">
-                <a:latin typeface="Courier New"/>
-                <a:ea typeface="Courier New"/>
-                <a:cs typeface="Courier New"/>
-                <a:sym typeface="Courier New"/>
-              </a:rPr>
-              <a:t>    alert(data);</a:t>
-            </a:r>
-            <a:endParaRPr sz="1800">
-              <a:latin typeface="Courier New"/>
-              <a:ea typeface="Courier New"/>
-              <a:cs typeface="Courier New"/>
-              <a:sym typeface="Courier New"/>
-            </a:endParaRPr>
-          </a:p>
-          <a:p>
-            <a:pPr marL="0" lvl="0" indent="0" algn="l" rtl="0">
-              <a:lnSpc>
-                <a:spcPct val="133333"/>
-              </a:lnSpc>
-              <a:spcBef>
-                <a:spcPts val="0"/>
-              </a:spcBef>
-              <a:spcAft>
-                <a:spcPts val="0"/>
-              </a:spcAft>
-              <a:buNone/>
-            </a:pPr>
-            <a:r>
-              <a:rPr lang="en-US" sz="1800">
-                <a:latin typeface="Courier New"/>
-                <a:ea typeface="Courier New"/>
-                <a:cs typeface="Courier New"/>
-                <a:sym typeface="Courier New"/>
-              </a:rPr>
-              <a:t>});</a:t>
-            </a:r>
-            <a:endParaRPr sz="1800">
-              <a:solidFill>
-                <a:srgbClr val="0000FF"/>
-              </a:solidFill>
-              <a:latin typeface="Courier New"/>
-              <a:ea typeface="Courier New"/>
-              <a:cs typeface="Courier New"/>
-              <a:sym typeface="Courier New"/>
-            </a:endParaRPr>
-          </a:p>
-          <a:p>
-            <a:pPr marL="0" lvl="0" indent="0" algn="l" rtl="0">
-              <a:lnSpc>
-                <a:spcPct val="115000"/>
-              </a:lnSpc>
-              <a:spcBef>
-                <a:spcPts val="0"/>
-              </a:spcBef>
-              <a:spcAft>
-                <a:spcPts val="0"/>
-              </a:spcAft>
-              <a:buNone/>
-            </a:pPr>
-            <a:endParaRPr sz="1800">
+            <a:endParaRPr sz="1050" dirty="0">
               <a:solidFill>
                 <a:srgbClr val="0000FF"/>
               </a:solidFill>
@@ -14140,10 +13918,10 @@
               <a:buChar char="●"/>
             </a:pPr>
             <a:r>
-              <a:rPr lang="en-US"/>
-              <a:t>Autobot: wait for command by Optimus Prime</a:t>
-            </a:r>
-            <a:endParaRPr/>
+              <a:rPr lang="it-IT" sz="1800" dirty="0"/>
+              <a:t>Creazione dell’entità</a:t>
+            </a:r>
+            <a:endParaRPr sz="1800" dirty="0"/>
           </a:p>
         </p:txBody>
       </p:sp>
@@ -14160,7 +13938,7 @@
         <p:spPr>
           <a:xfrm>
             <a:off x="159300" y="2749650"/>
-            <a:ext cx="8984700" cy="571800"/>
+            <a:ext cx="8984700" cy="485354"/>
           </a:xfrm>
           <a:prstGeom prst="rect">
             <a:avLst/>
@@ -14190,10 +13968,10 @@
               <a:buChar char="●"/>
             </a:pPr>
             <a:r>
-              <a:rPr lang="en-US"/>
-              <a:t>Decepticon: execute a callback when in danger</a:t>
-            </a:r>
-            <a:endParaRPr/>
+              <a:rPr lang="it-IT" sz="1800" dirty="0"/>
+              <a:t>Mappatura dell’entità</a:t>
+            </a:r>
+            <a:endParaRPr sz="1800" dirty="0"/>
           </a:p>
         </p:txBody>
       </p:sp>
@@ -14226,6 +14004,2443 @@
         </p:spPr>
       </p:pic>
     </p:spTree>
+  </p:cSld>
+  <p:clrMapOvr>
+    <a:masterClrMapping/>
+  </p:clrMapOvr>
+</p:sld>
+</file>
+
+<file path=ppt/slides/slide5.xml><?xml version="1.0" encoding="utf-8"?>
+<p:sld xmlns:a="http://schemas.openxmlformats.org/drawingml/2006/main" xmlns:r="http://schemas.openxmlformats.org/officeDocument/2006/relationships" xmlns:p="http://schemas.openxmlformats.org/presentationml/2006/main">
+  <p:cSld>
+    <p:spTree>
+      <p:nvGrpSpPr>
+        <p:cNvPr id="1" name="Shape 108"/>
+        <p:cNvGrpSpPr/>
+        <p:nvPr/>
+      </p:nvGrpSpPr>
+      <p:grpSpPr>
+        <a:xfrm>
+          <a:off x="0" y="0"/>
+          <a:ext cx="0" cy="0"/>
+          <a:chOff x="0" y="0"/>
+          <a:chExt cx="0" cy="0"/>
+        </a:xfrm>
+      </p:grpSpPr>
+      <p:sp>
+        <p:nvSpPr>
+          <p:cNvPr id="109" name="Google Shape;109;p17"/>
+          <p:cNvSpPr txBox="1">
+            <a:spLocks noGrp="1"/>
+          </p:cNvSpPr>
+          <p:nvPr>
+            <p:ph type="title"/>
+          </p:nvPr>
+        </p:nvSpPr>
+        <p:spPr>
+          <a:xfrm>
+            <a:off x="0" y="-603"/>
+            <a:ext cx="9144000" cy="1153200"/>
+          </a:xfrm>
+          <a:prstGeom prst="rect">
+            <a:avLst/>
+          </a:prstGeom>
+          <a:solidFill>
+            <a:srgbClr val="777777"/>
+          </a:solidFill>
+          <a:ln>
+            <a:noFill/>
+          </a:ln>
+        </p:spPr>
+        <p:txBody>
+          <a:bodyPr spcFirstLastPara="1" wrap="square" lIns="540000" tIns="91425" rIns="360000" bIns="91425" anchor="ctr" anchorCtr="0">
+            <a:noAutofit/>
+          </a:bodyPr>
+          <a:lstStyle/>
+          <a:p>
+            <a:pPr marL="0" lvl="0" indent="0" algn="l" rtl="0">
+              <a:lnSpc>
+                <a:spcPct val="100000"/>
+              </a:lnSpc>
+              <a:spcBef>
+                <a:spcPts val="0"/>
+              </a:spcBef>
+              <a:spcAft>
+                <a:spcPts val="0"/>
+              </a:spcAft>
+              <a:buSzPts val="2800"/>
+              <a:buNone/>
+            </a:pPr>
+            <a:r>
+              <a:rPr lang="en-US" dirty="0"/>
+              <a:t>Main e </a:t>
+            </a:r>
+            <a:r>
+              <a:rPr lang="en-US" dirty="0" err="1"/>
+              <a:t>rotte</a:t>
+            </a:r>
+            <a:endParaRPr dirty="0"/>
+          </a:p>
+        </p:txBody>
+      </p:sp>
+      <p:sp>
+        <p:nvSpPr>
+          <p:cNvPr id="110" name="Google Shape;110;p17"/>
+          <p:cNvSpPr txBox="1">
+            <a:spLocks noGrp="1"/>
+          </p:cNvSpPr>
+          <p:nvPr>
+            <p:ph type="body" idx="2"/>
+          </p:nvPr>
+        </p:nvSpPr>
+        <p:spPr>
+          <a:xfrm>
+            <a:off x="1669312" y="4688958"/>
+            <a:ext cx="4455000" cy="447600"/>
+          </a:xfrm>
+          <a:prstGeom prst="rect">
+            <a:avLst/>
+          </a:prstGeom>
+          <a:noFill/>
+          <a:ln>
+            <a:noFill/>
+          </a:ln>
+        </p:spPr>
+        <p:txBody>
+          <a:bodyPr spcFirstLastPara="1" wrap="square" lIns="91425" tIns="0" rIns="91425" bIns="0" anchor="ctr" anchorCtr="0">
+            <a:noAutofit/>
+          </a:bodyPr>
+          <a:lstStyle/>
+          <a:p>
+            <a:pPr marL="114300" lvl="0" indent="0" algn="l" rtl="0">
+              <a:spcBef>
+                <a:spcPts val="0"/>
+              </a:spcBef>
+              <a:spcAft>
+                <a:spcPts val="0"/>
+              </a:spcAft>
+              <a:buClr>
+                <a:schemeClr val="dk1"/>
+              </a:buClr>
+              <a:buSzPts val="1800"/>
+              <a:buFont typeface="Arial"/>
+              <a:buNone/>
+            </a:pPr>
+            <a:r>
+              <a:rPr lang="en-US" dirty="0"/>
+              <a:t>SQLite e </a:t>
+            </a:r>
+            <a:r>
+              <a:rPr lang="en-US" dirty="0" err="1"/>
+              <a:t>FLutter</a:t>
+            </a:r>
+            <a:endParaRPr dirty="0"/>
+          </a:p>
+        </p:txBody>
+      </p:sp>
+      <p:sp>
+        <p:nvSpPr>
+          <p:cNvPr id="111" name="Google Shape;111;p17"/>
+          <p:cNvSpPr txBox="1">
+            <a:spLocks noGrp="1"/>
+          </p:cNvSpPr>
+          <p:nvPr>
+            <p:ph type="body" idx="1"/>
+          </p:nvPr>
+        </p:nvSpPr>
+        <p:spPr>
+          <a:xfrm>
+            <a:off x="277850" y="1615192"/>
+            <a:ext cx="8508000" cy="2788720"/>
+          </a:xfrm>
+          <a:prstGeom prst="rect">
+            <a:avLst/>
+          </a:prstGeom>
+          <a:solidFill>
+            <a:srgbClr val="EFEFEF"/>
+          </a:solidFill>
+          <a:ln>
+            <a:noFill/>
+          </a:ln>
+        </p:spPr>
+        <p:txBody>
+          <a:bodyPr spcFirstLastPara="1" wrap="square" lIns="91425" tIns="91425" rIns="91425" bIns="91425" anchor="t" anchorCtr="0">
+            <a:noAutofit/>
+          </a:bodyPr>
+          <a:lstStyle/>
+          <a:p>
+            <a:pPr marL="114300" indent="0">
+              <a:buNone/>
+            </a:pPr>
+            <a:r>
+              <a:rPr lang="it-IT" sz="1100" b="0" dirty="0">
+                <a:solidFill>
+                  <a:srgbClr val="001080"/>
+                </a:solidFill>
+                <a:effectLst/>
+                <a:latin typeface="Consolas" panose="020B0609020204030204" pitchFamily="49" charset="0"/>
+              </a:rPr>
+              <a:t>@override</a:t>
+            </a:r>
+            <a:endParaRPr lang="it-IT" sz="1100" b="0" dirty="0">
+              <a:solidFill>
+                <a:srgbClr val="000000"/>
+              </a:solidFill>
+              <a:effectLst/>
+              <a:latin typeface="Consolas" panose="020B0609020204030204" pitchFamily="49" charset="0"/>
+            </a:endParaRPr>
+          </a:p>
+          <a:p>
+            <a:pPr marL="114300" indent="0">
+              <a:buNone/>
+            </a:pPr>
+            <a:r>
+              <a:rPr lang="it-IT" sz="1100" b="0" dirty="0">
+                <a:solidFill>
+                  <a:srgbClr val="267F99"/>
+                </a:solidFill>
+                <a:effectLst/>
+                <a:latin typeface="Consolas" panose="020B0609020204030204" pitchFamily="49" charset="0"/>
+              </a:rPr>
+              <a:t>Widget</a:t>
+            </a:r>
+            <a:r>
+              <a:rPr lang="it-IT" sz="1100" b="0" dirty="0">
+                <a:solidFill>
+                  <a:srgbClr val="000000"/>
+                </a:solidFill>
+                <a:effectLst/>
+                <a:latin typeface="Consolas" panose="020B0609020204030204" pitchFamily="49" charset="0"/>
+              </a:rPr>
+              <a:t> </a:t>
+            </a:r>
+            <a:r>
+              <a:rPr lang="it-IT" sz="1100" b="0" dirty="0">
+                <a:solidFill>
+                  <a:srgbClr val="795E26"/>
+                </a:solidFill>
+                <a:effectLst/>
+                <a:latin typeface="Consolas" panose="020B0609020204030204" pitchFamily="49" charset="0"/>
+              </a:rPr>
+              <a:t>build</a:t>
+            </a:r>
+            <a:r>
+              <a:rPr lang="it-IT" sz="1100" b="0" dirty="0">
+                <a:solidFill>
+                  <a:srgbClr val="000000"/>
+                </a:solidFill>
+                <a:effectLst/>
+                <a:latin typeface="Consolas" panose="020B0609020204030204" pitchFamily="49" charset="0"/>
+              </a:rPr>
+              <a:t>(</a:t>
+            </a:r>
+            <a:r>
+              <a:rPr lang="it-IT" sz="1100" b="0" dirty="0" err="1">
+                <a:solidFill>
+                  <a:srgbClr val="267F99"/>
+                </a:solidFill>
+                <a:effectLst/>
+                <a:latin typeface="Consolas" panose="020B0609020204030204" pitchFamily="49" charset="0"/>
+              </a:rPr>
+              <a:t>BuildContext</a:t>
+            </a:r>
+            <a:r>
+              <a:rPr lang="it-IT" sz="1100" b="0" dirty="0">
+                <a:solidFill>
+                  <a:srgbClr val="000000"/>
+                </a:solidFill>
+                <a:effectLst/>
+                <a:latin typeface="Consolas" panose="020B0609020204030204" pitchFamily="49" charset="0"/>
+              </a:rPr>
+              <a:t> </a:t>
+            </a:r>
+            <a:r>
+              <a:rPr lang="it-IT" sz="1100" b="0" dirty="0" err="1">
+                <a:solidFill>
+                  <a:srgbClr val="001080"/>
+                </a:solidFill>
+                <a:effectLst/>
+                <a:latin typeface="Consolas" panose="020B0609020204030204" pitchFamily="49" charset="0"/>
+              </a:rPr>
+              <a:t>context</a:t>
+            </a:r>
+            <a:r>
+              <a:rPr lang="it-IT" sz="1100" b="0" dirty="0">
+                <a:solidFill>
+                  <a:srgbClr val="000000"/>
+                </a:solidFill>
+                <a:effectLst/>
+                <a:latin typeface="Consolas" panose="020B0609020204030204" pitchFamily="49" charset="0"/>
+              </a:rPr>
+              <a:t>) {</a:t>
+            </a:r>
+          </a:p>
+          <a:p>
+            <a:pPr marL="114300" indent="0">
+              <a:buNone/>
+            </a:pPr>
+            <a:r>
+              <a:rPr lang="it-IT" sz="1100" b="0" dirty="0" err="1">
+                <a:solidFill>
+                  <a:srgbClr val="AF00DB"/>
+                </a:solidFill>
+                <a:effectLst/>
+                <a:latin typeface="Consolas" panose="020B0609020204030204" pitchFamily="49" charset="0"/>
+              </a:rPr>
+              <a:t>return</a:t>
+            </a:r>
+            <a:r>
+              <a:rPr lang="it-IT" sz="1100" b="0" dirty="0">
+                <a:solidFill>
+                  <a:srgbClr val="000000"/>
+                </a:solidFill>
+                <a:effectLst/>
+                <a:latin typeface="Consolas" panose="020B0609020204030204" pitchFamily="49" charset="0"/>
+              </a:rPr>
+              <a:t> </a:t>
+            </a:r>
+            <a:r>
+              <a:rPr lang="it-IT" sz="1100" b="0" dirty="0" err="1">
+                <a:solidFill>
+                  <a:srgbClr val="267F99"/>
+                </a:solidFill>
+                <a:effectLst/>
+                <a:latin typeface="Consolas" panose="020B0609020204030204" pitchFamily="49" charset="0"/>
+              </a:rPr>
+              <a:t>MaterialApp</a:t>
+            </a:r>
+            <a:r>
+              <a:rPr lang="it-IT" sz="1100" b="0" dirty="0">
+                <a:solidFill>
+                  <a:srgbClr val="000000"/>
+                </a:solidFill>
+                <a:effectLst/>
+                <a:latin typeface="Consolas" panose="020B0609020204030204" pitchFamily="49" charset="0"/>
+              </a:rPr>
+              <a:t>(</a:t>
+            </a:r>
+            <a:br>
+              <a:rPr lang="it-IT" sz="1100" b="0" dirty="0">
+                <a:solidFill>
+                  <a:srgbClr val="000000"/>
+                </a:solidFill>
+                <a:effectLst/>
+                <a:latin typeface="Consolas" panose="020B0609020204030204" pitchFamily="49" charset="0"/>
+              </a:rPr>
+            </a:br>
+            <a:r>
+              <a:rPr lang="it-IT" sz="1100" b="0" dirty="0" err="1">
+                <a:solidFill>
+                  <a:srgbClr val="001080"/>
+                </a:solidFill>
+                <a:effectLst/>
+                <a:latin typeface="Consolas" panose="020B0609020204030204" pitchFamily="49" charset="0"/>
+              </a:rPr>
+              <a:t>title</a:t>
+            </a:r>
+            <a:r>
+              <a:rPr lang="it-IT" sz="1100" b="0" dirty="0">
+                <a:solidFill>
+                  <a:srgbClr val="000000"/>
+                </a:solidFill>
+                <a:effectLst/>
+                <a:latin typeface="Consolas" panose="020B0609020204030204" pitchFamily="49" charset="0"/>
+              </a:rPr>
+              <a:t>: </a:t>
+            </a:r>
+            <a:r>
+              <a:rPr lang="it-IT" sz="1100" b="0" dirty="0">
+                <a:solidFill>
+                  <a:srgbClr val="A31515"/>
+                </a:solidFill>
+                <a:effectLst/>
+                <a:latin typeface="Consolas" panose="020B0609020204030204" pitchFamily="49" charset="0"/>
+              </a:rPr>
+              <a:t>'Flutter Demo’</a:t>
+            </a:r>
+            <a:r>
+              <a:rPr lang="it-IT" sz="1100" b="0" dirty="0">
+                <a:solidFill>
+                  <a:srgbClr val="000000"/>
+                </a:solidFill>
+                <a:effectLst/>
+                <a:latin typeface="Consolas" panose="020B0609020204030204" pitchFamily="49" charset="0"/>
+              </a:rPr>
+              <a:t>,</a:t>
+            </a:r>
+          </a:p>
+          <a:p>
+            <a:pPr marL="114300" indent="0">
+              <a:buNone/>
+            </a:pPr>
+            <a:r>
+              <a:rPr lang="it-IT" sz="1100" b="0" dirty="0" err="1">
+                <a:solidFill>
+                  <a:srgbClr val="001080"/>
+                </a:solidFill>
+                <a:effectLst/>
+                <a:latin typeface="Consolas" panose="020B0609020204030204" pitchFamily="49" charset="0"/>
+              </a:rPr>
+              <a:t>theme</a:t>
+            </a:r>
+            <a:r>
+              <a:rPr lang="it-IT" sz="1100" b="0" dirty="0">
+                <a:solidFill>
+                  <a:srgbClr val="000000"/>
+                </a:solidFill>
+                <a:effectLst/>
+                <a:latin typeface="Consolas" panose="020B0609020204030204" pitchFamily="49" charset="0"/>
+              </a:rPr>
+              <a:t>: </a:t>
+            </a:r>
+            <a:r>
+              <a:rPr lang="it-IT" sz="1100" b="0" dirty="0" err="1">
+                <a:solidFill>
+                  <a:srgbClr val="267F99"/>
+                </a:solidFill>
+                <a:effectLst/>
+                <a:latin typeface="Consolas" panose="020B0609020204030204" pitchFamily="49" charset="0"/>
+              </a:rPr>
+              <a:t>ThemeData</a:t>
+            </a:r>
+            <a:r>
+              <a:rPr lang="it-IT" sz="1100" b="0" dirty="0">
+                <a:solidFill>
+                  <a:srgbClr val="000000"/>
+                </a:solidFill>
+                <a:effectLst/>
+                <a:latin typeface="Consolas" panose="020B0609020204030204" pitchFamily="49" charset="0"/>
+              </a:rPr>
+              <a:t>(</a:t>
+            </a:r>
+            <a:br>
+              <a:rPr lang="it-IT" sz="1100" b="0" dirty="0">
+                <a:solidFill>
+                  <a:srgbClr val="000000"/>
+                </a:solidFill>
+                <a:effectLst/>
+                <a:latin typeface="Consolas" panose="020B0609020204030204" pitchFamily="49" charset="0"/>
+              </a:rPr>
+            </a:br>
+            <a:r>
+              <a:rPr lang="it-IT" sz="1100" b="0" dirty="0" err="1">
+                <a:solidFill>
+                  <a:srgbClr val="001080"/>
+                </a:solidFill>
+                <a:effectLst/>
+                <a:latin typeface="Consolas" panose="020B0609020204030204" pitchFamily="49" charset="0"/>
+              </a:rPr>
+              <a:t>primarySwatch</a:t>
+            </a:r>
+            <a:r>
+              <a:rPr lang="it-IT" sz="1100" b="0" dirty="0">
+                <a:solidFill>
+                  <a:srgbClr val="000000"/>
+                </a:solidFill>
+                <a:effectLst/>
+                <a:latin typeface="Consolas" panose="020B0609020204030204" pitchFamily="49" charset="0"/>
+              </a:rPr>
+              <a:t>: </a:t>
+            </a:r>
+            <a:r>
+              <a:rPr lang="it-IT" sz="1100" b="0" dirty="0" err="1">
+                <a:solidFill>
+                  <a:srgbClr val="267F99"/>
+                </a:solidFill>
+                <a:effectLst/>
+                <a:latin typeface="Consolas" panose="020B0609020204030204" pitchFamily="49" charset="0"/>
+              </a:rPr>
+              <a:t>Colors</a:t>
+            </a:r>
+            <a:r>
+              <a:rPr lang="it-IT" sz="1100" b="0" dirty="0" err="1">
+                <a:solidFill>
+                  <a:srgbClr val="000000"/>
+                </a:solidFill>
+                <a:effectLst/>
+                <a:latin typeface="Consolas" panose="020B0609020204030204" pitchFamily="49" charset="0"/>
+              </a:rPr>
+              <a:t>.</a:t>
+            </a:r>
+            <a:r>
+              <a:rPr lang="it-IT" sz="1100" b="0" dirty="0" err="1">
+                <a:solidFill>
+                  <a:srgbClr val="001080"/>
+                </a:solidFill>
+                <a:effectLst/>
+                <a:latin typeface="Consolas" panose="020B0609020204030204" pitchFamily="49" charset="0"/>
+              </a:rPr>
+              <a:t>amber</a:t>
+            </a:r>
+            <a:r>
+              <a:rPr lang="it-IT" sz="1100" b="0" dirty="0">
+                <a:solidFill>
+                  <a:srgbClr val="000000"/>
+                </a:solidFill>
+                <a:effectLst/>
+                <a:latin typeface="Consolas" panose="020B0609020204030204" pitchFamily="49" charset="0"/>
+              </a:rPr>
+              <a:t>,),</a:t>
+            </a:r>
+          </a:p>
+          <a:p>
+            <a:pPr marL="114300" indent="0">
+              <a:buNone/>
+            </a:pPr>
+            <a:r>
+              <a:rPr lang="it-IT" sz="1100" b="0" dirty="0">
+                <a:solidFill>
+                  <a:srgbClr val="001080"/>
+                </a:solidFill>
+                <a:effectLst/>
+                <a:latin typeface="Consolas" panose="020B0609020204030204" pitchFamily="49" charset="0"/>
+              </a:rPr>
+              <a:t>home</a:t>
+            </a:r>
+            <a:r>
+              <a:rPr lang="it-IT" sz="1100" b="0" dirty="0">
+                <a:solidFill>
+                  <a:srgbClr val="000000"/>
+                </a:solidFill>
+                <a:effectLst/>
+                <a:latin typeface="Consolas" panose="020B0609020204030204" pitchFamily="49" charset="0"/>
+              </a:rPr>
+              <a:t>: </a:t>
+            </a:r>
+            <a:r>
+              <a:rPr lang="it-IT" sz="1100" b="0" dirty="0" err="1">
+                <a:solidFill>
+                  <a:srgbClr val="267F99"/>
+                </a:solidFill>
+                <a:effectLst/>
+                <a:latin typeface="Consolas" panose="020B0609020204030204" pitchFamily="49" charset="0"/>
+              </a:rPr>
+              <a:t>HomePage</a:t>
+            </a:r>
+            <a:r>
+              <a:rPr lang="it-IT" sz="1100" b="0" dirty="0">
+                <a:solidFill>
+                  <a:srgbClr val="000000"/>
+                </a:solidFill>
+                <a:effectLst/>
+                <a:latin typeface="Consolas" panose="020B0609020204030204" pitchFamily="49" charset="0"/>
+              </a:rPr>
+              <a:t>(),</a:t>
+            </a:r>
+            <a:br>
+              <a:rPr lang="it-IT" sz="1100" b="0" dirty="0">
+                <a:solidFill>
+                  <a:srgbClr val="000000"/>
+                </a:solidFill>
+                <a:effectLst/>
+                <a:latin typeface="Consolas" panose="020B0609020204030204" pitchFamily="49" charset="0"/>
+              </a:rPr>
+            </a:br>
+            <a:r>
+              <a:rPr lang="it-IT" sz="1100" b="0" dirty="0">
+                <a:solidFill>
+                  <a:srgbClr val="008000"/>
+                </a:solidFill>
+                <a:effectLst/>
+                <a:latin typeface="Consolas" panose="020B0609020204030204" pitchFamily="49" charset="0"/>
+              </a:rPr>
+              <a:t>//mappa delle rotte</a:t>
+            </a:r>
+            <a:endParaRPr lang="it-IT" sz="1100" b="0" dirty="0">
+              <a:solidFill>
+                <a:srgbClr val="000000"/>
+              </a:solidFill>
+              <a:effectLst/>
+              <a:latin typeface="Consolas" panose="020B0609020204030204" pitchFamily="49" charset="0"/>
+            </a:endParaRPr>
+          </a:p>
+          <a:p>
+            <a:pPr marL="114300" indent="0">
+              <a:buNone/>
+            </a:pPr>
+            <a:r>
+              <a:rPr lang="it-IT" sz="1100" b="0" dirty="0" err="1">
+                <a:solidFill>
+                  <a:srgbClr val="001080"/>
+                </a:solidFill>
+                <a:effectLst/>
+                <a:latin typeface="Consolas" panose="020B0609020204030204" pitchFamily="49" charset="0"/>
+              </a:rPr>
+              <a:t>routes</a:t>
+            </a:r>
+            <a:r>
+              <a:rPr lang="it-IT" sz="1100" b="0" dirty="0">
+                <a:solidFill>
+                  <a:srgbClr val="000000"/>
+                </a:solidFill>
+                <a:effectLst/>
+                <a:latin typeface="Consolas" panose="020B0609020204030204" pitchFamily="49" charset="0"/>
+              </a:rPr>
+              <a:t>: {</a:t>
+            </a:r>
+          </a:p>
+          <a:p>
+            <a:pPr marL="114300" indent="0">
+              <a:buNone/>
+            </a:pPr>
+            <a:r>
+              <a:rPr lang="it-IT" sz="1100" b="0" dirty="0">
+                <a:solidFill>
+                  <a:srgbClr val="000000"/>
+                </a:solidFill>
+                <a:effectLst/>
+                <a:latin typeface="Consolas" panose="020B0609020204030204" pitchFamily="49" charset="0"/>
+              </a:rPr>
+              <a:t>	</a:t>
+            </a:r>
+            <a:r>
+              <a:rPr lang="it-IT" sz="1100" b="0" dirty="0">
+                <a:solidFill>
+                  <a:srgbClr val="A31515"/>
+                </a:solidFill>
+                <a:effectLst/>
+                <a:latin typeface="Consolas" panose="020B0609020204030204" pitchFamily="49" charset="0"/>
+              </a:rPr>
+              <a:t>'/</a:t>
+            </a:r>
+            <a:r>
+              <a:rPr lang="it-IT" sz="1100" b="0" dirty="0" err="1">
+                <a:solidFill>
+                  <a:srgbClr val="A31515"/>
+                </a:solidFill>
+                <a:effectLst/>
+                <a:latin typeface="Consolas" panose="020B0609020204030204" pitchFamily="49" charset="0"/>
+              </a:rPr>
+              <a:t>screenVisualizza</a:t>
+            </a:r>
+            <a:r>
+              <a:rPr lang="it-IT" sz="1100" b="0" dirty="0">
+                <a:solidFill>
+                  <a:srgbClr val="A31515"/>
+                </a:solidFill>
+                <a:effectLst/>
+                <a:latin typeface="Consolas" panose="020B0609020204030204" pitchFamily="49" charset="0"/>
+              </a:rPr>
+              <a:t>'</a:t>
+            </a:r>
+            <a:r>
+              <a:rPr lang="it-IT" sz="1100" b="0" dirty="0">
+                <a:solidFill>
+                  <a:srgbClr val="000000"/>
+                </a:solidFill>
+                <a:effectLst/>
+                <a:latin typeface="Consolas" panose="020B0609020204030204" pitchFamily="49" charset="0"/>
+              </a:rPr>
+              <a:t>: (</a:t>
+            </a:r>
+            <a:r>
+              <a:rPr lang="it-IT" sz="1100" b="0" dirty="0">
+                <a:solidFill>
+                  <a:srgbClr val="001080"/>
+                </a:solidFill>
+                <a:effectLst/>
+                <a:latin typeface="Consolas" panose="020B0609020204030204" pitchFamily="49" charset="0"/>
+              </a:rPr>
+              <a:t>_</a:t>
+            </a:r>
+            <a:r>
+              <a:rPr lang="it-IT" sz="1100" b="0" dirty="0">
+                <a:solidFill>
+                  <a:srgbClr val="000000"/>
+                </a:solidFill>
+                <a:effectLst/>
+                <a:latin typeface="Consolas" panose="020B0609020204030204" pitchFamily="49" charset="0"/>
+              </a:rPr>
+              <a:t>) =&gt; </a:t>
+            </a:r>
+            <a:r>
+              <a:rPr lang="it-IT" sz="1100" b="0" dirty="0" err="1">
+                <a:solidFill>
+                  <a:srgbClr val="267F99"/>
+                </a:solidFill>
+                <a:effectLst/>
+                <a:latin typeface="Consolas" panose="020B0609020204030204" pitchFamily="49" charset="0"/>
+              </a:rPr>
+              <a:t>ScreenVisual</a:t>
+            </a:r>
+            <a:r>
+              <a:rPr lang="it-IT" sz="1100" b="0" dirty="0">
+                <a:solidFill>
+                  <a:srgbClr val="000000"/>
+                </a:solidFill>
+                <a:effectLst/>
+                <a:latin typeface="Consolas" panose="020B0609020204030204" pitchFamily="49" charset="0"/>
+              </a:rPr>
+              <a:t>()</a:t>
+            </a:r>
+            <a:br>
+              <a:rPr lang="it-IT" sz="1100" b="0" dirty="0">
+                <a:solidFill>
+                  <a:srgbClr val="000000"/>
+                </a:solidFill>
+                <a:effectLst/>
+                <a:latin typeface="Consolas" panose="020B0609020204030204" pitchFamily="49" charset="0"/>
+              </a:rPr>
+            </a:br>
+            <a:r>
+              <a:rPr lang="it-IT" sz="1100" b="0" dirty="0">
+                <a:solidFill>
+                  <a:srgbClr val="000000"/>
+                </a:solidFill>
+                <a:effectLst/>
+                <a:latin typeface="Consolas" panose="020B0609020204030204" pitchFamily="49" charset="0"/>
+              </a:rPr>
+              <a:t>	</a:t>
+            </a:r>
+            <a:r>
+              <a:rPr lang="it-IT" sz="1100" b="0" dirty="0">
+                <a:solidFill>
+                  <a:srgbClr val="A31515"/>
+                </a:solidFill>
+                <a:effectLst/>
+                <a:latin typeface="Consolas" panose="020B0609020204030204" pitchFamily="49" charset="0"/>
+              </a:rPr>
+              <a:t>'/</a:t>
+            </a:r>
+            <a:r>
+              <a:rPr lang="it-IT" sz="1100" b="0" dirty="0" err="1">
+                <a:solidFill>
+                  <a:srgbClr val="A31515"/>
+                </a:solidFill>
+                <a:effectLst/>
+                <a:latin typeface="Consolas" panose="020B0609020204030204" pitchFamily="49" charset="0"/>
+              </a:rPr>
+              <a:t>screenInserisci</a:t>
+            </a:r>
+            <a:r>
+              <a:rPr lang="it-IT" sz="1100" b="0" dirty="0">
+                <a:solidFill>
+                  <a:srgbClr val="A31515"/>
+                </a:solidFill>
+                <a:effectLst/>
+                <a:latin typeface="Consolas" panose="020B0609020204030204" pitchFamily="49" charset="0"/>
+              </a:rPr>
+              <a:t>'</a:t>
+            </a:r>
+            <a:r>
+              <a:rPr lang="it-IT" sz="1100" b="0" dirty="0">
+                <a:solidFill>
+                  <a:srgbClr val="000000"/>
+                </a:solidFill>
+                <a:effectLst/>
+                <a:latin typeface="Consolas" panose="020B0609020204030204" pitchFamily="49" charset="0"/>
+              </a:rPr>
+              <a:t>: (</a:t>
+            </a:r>
+            <a:r>
+              <a:rPr lang="it-IT" sz="1100" b="0" dirty="0">
+                <a:solidFill>
+                  <a:srgbClr val="001080"/>
+                </a:solidFill>
+                <a:effectLst/>
+                <a:latin typeface="Consolas" panose="020B0609020204030204" pitchFamily="49" charset="0"/>
+              </a:rPr>
+              <a:t>_</a:t>
+            </a:r>
+            <a:r>
+              <a:rPr lang="it-IT" sz="1100" b="0" dirty="0">
+                <a:solidFill>
+                  <a:srgbClr val="000000"/>
+                </a:solidFill>
+                <a:effectLst/>
+                <a:latin typeface="Consolas" panose="020B0609020204030204" pitchFamily="49" charset="0"/>
+              </a:rPr>
+              <a:t>) =&gt; </a:t>
+            </a:r>
+            <a:r>
+              <a:rPr lang="it-IT" sz="1100" b="0" dirty="0" err="1">
+                <a:solidFill>
+                  <a:srgbClr val="267F99"/>
+                </a:solidFill>
+                <a:effectLst/>
+                <a:latin typeface="Consolas" panose="020B0609020204030204" pitchFamily="49" charset="0"/>
+              </a:rPr>
+              <a:t>ScreenInserisci</a:t>
+            </a:r>
+            <a:r>
+              <a:rPr lang="it-IT" sz="1100" b="0" dirty="0">
+                <a:solidFill>
+                  <a:srgbClr val="000000"/>
+                </a:solidFill>
+                <a:effectLst/>
+                <a:latin typeface="Consolas" panose="020B0609020204030204" pitchFamily="49" charset="0"/>
+              </a:rPr>
+              <a:t>(),</a:t>
+            </a:r>
+          </a:p>
+          <a:p>
+            <a:pPr marL="114300" indent="0">
+              <a:buNone/>
+            </a:pPr>
+            <a:r>
+              <a:rPr lang="it-IT" sz="1100" dirty="0">
+                <a:solidFill>
+                  <a:srgbClr val="000000"/>
+                </a:solidFill>
+                <a:latin typeface="Consolas" panose="020B0609020204030204" pitchFamily="49" charset="0"/>
+              </a:rPr>
+              <a:t>	</a:t>
+            </a:r>
+            <a:r>
+              <a:rPr lang="it-IT" sz="1100" b="0" dirty="0">
+                <a:solidFill>
+                  <a:srgbClr val="A31515"/>
+                </a:solidFill>
+                <a:effectLst/>
+                <a:latin typeface="Consolas" panose="020B0609020204030204" pitchFamily="49" charset="0"/>
+              </a:rPr>
+              <a:t>'/</a:t>
+            </a:r>
+            <a:r>
+              <a:rPr lang="it-IT" sz="1100" b="0" dirty="0" err="1">
+                <a:solidFill>
+                  <a:srgbClr val="A31515"/>
+                </a:solidFill>
+                <a:effectLst/>
+                <a:latin typeface="Consolas" panose="020B0609020204030204" pitchFamily="49" charset="0"/>
+              </a:rPr>
+              <a:t>screenCancella</a:t>
+            </a:r>
+            <a:r>
+              <a:rPr lang="it-IT" sz="1100" b="0" dirty="0">
+                <a:solidFill>
+                  <a:srgbClr val="A31515"/>
+                </a:solidFill>
+                <a:effectLst/>
+                <a:latin typeface="Consolas" panose="020B0609020204030204" pitchFamily="49" charset="0"/>
+              </a:rPr>
+              <a:t>'</a:t>
+            </a:r>
+            <a:r>
+              <a:rPr lang="it-IT" sz="1100" b="0" dirty="0">
+                <a:solidFill>
+                  <a:srgbClr val="000000"/>
+                </a:solidFill>
+                <a:effectLst/>
+                <a:latin typeface="Consolas" panose="020B0609020204030204" pitchFamily="49" charset="0"/>
+              </a:rPr>
+              <a:t>: (</a:t>
+            </a:r>
+            <a:r>
+              <a:rPr lang="it-IT" sz="1100" b="0" dirty="0">
+                <a:solidFill>
+                  <a:srgbClr val="001080"/>
+                </a:solidFill>
+                <a:effectLst/>
+                <a:latin typeface="Consolas" panose="020B0609020204030204" pitchFamily="49" charset="0"/>
+              </a:rPr>
+              <a:t>_</a:t>
+            </a:r>
+            <a:r>
+              <a:rPr lang="it-IT" sz="1100" b="0" dirty="0">
+                <a:solidFill>
+                  <a:srgbClr val="000000"/>
+                </a:solidFill>
+                <a:effectLst/>
+                <a:latin typeface="Consolas" panose="020B0609020204030204" pitchFamily="49" charset="0"/>
+              </a:rPr>
+              <a:t>) =&gt; </a:t>
+            </a:r>
+            <a:r>
+              <a:rPr lang="it-IT" sz="1100" b="0" dirty="0" err="1">
+                <a:solidFill>
+                  <a:srgbClr val="267F99"/>
+                </a:solidFill>
+                <a:effectLst/>
+                <a:latin typeface="Consolas" panose="020B0609020204030204" pitchFamily="49" charset="0"/>
+              </a:rPr>
+              <a:t>ScreenCancella</a:t>
+            </a:r>
+            <a:r>
+              <a:rPr lang="it-IT" sz="1100" b="0" dirty="0">
+                <a:solidFill>
+                  <a:srgbClr val="000000"/>
+                </a:solidFill>
+                <a:effectLst/>
+                <a:latin typeface="Consolas" panose="020B0609020204030204" pitchFamily="49" charset="0"/>
+              </a:rPr>
+              <a:t>(),</a:t>
+            </a:r>
+            <a:br>
+              <a:rPr lang="it-IT" sz="1100" b="0" dirty="0">
+                <a:solidFill>
+                  <a:srgbClr val="000000"/>
+                </a:solidFill>
+                <a:effectLst/>
+                <a:latin typeface="Consolas" panose="020B0609020204030204" pitchFamily="49" charset="0"/>
+              </a:rPr>
+            </a:br>
+            <a:r>
+              <a:rPr lang="it-IT" sz="1100" b="0" dirty="0">
+                <a:solidFill>
+                  <a:srgbClr val="000000"/>
+                </a:solidFill>
+                <a:effectLst/>
+                <a:latin typeface="Consolas" panose="020B0609020204030204" pitchFamily="49" charset="0"/>
+              </a:rPr>
+              <a:t>         },</a:t>
+            </a:r>
+            <a:br>
+              <a:rPr lang="it-IT" sz="1100" b="0" dirty="0">
+                <a:solidFill>
+                  <a:srgbClr val="000000"/>
+                </a:solidFill>
+                <a:effectLst/>
+                <a:latin typeface="Consolas" panose="020B0609020204030204" pitchFamily="49" charset="0"/>
+              </a:rPr>
+            </a:br>
+            <a:r>
+              <a:rPr lang="it-IT" sz="1100" b="0" dirty="0">
+                <a:solidFill>
+                  <a:srgbClr val="000000"/>
+                </a:solidFill>
+                <a:effectLst/>
+                <a:latin typeface="Consolas" panose="020B0609020204030204" pitchFamily="49" charset="0"/>
+              </a:rPr>
+              <a:t>);</a:t>
+            </a:r>
+          </a:p>
+          <a:p>
+            <a:pPr marL="0" lvl="0" indent="0" algn="l" rtl="0">
+              <a:lnSpc>
+                <a:spcPct val="115000"/>
+              </a:lnSpc>
+              <a:spcBef>
+                <a:spcPts val="0"/>
+              </a:spcBef>
+              <a:spcAft>
+                <a:spcPts val="0"/>
+              </a:spcAft>
+              <a:buNone/>
+            </a:pPr>
+            <a:endParaRPr lang="it-IT" sz="1200" dirty="0">
+              <a:solidFill>
+                <a:srgbClr val="0000FF"/>
+              </a:solidFill>
+              <a:latin typeface="Courier New"/>
+              <a:ea typeface="Courier New"/>
+              <a:cs typeface="Courier New"/>
+              <a:sym typeface="Courier New"/>
+            </a:endParaRPr>
+          </a:p>
+        </p:txBody>
+      </p:sp>
+      <p:sp>
+        <p:nvSpPr>
+          <p:cNvPr id="113" name="Google Shape;113;p17"/>
+          <p:cNvSpPr txBox="1">
+            <a:spLocks noGrp="1"/>
+          </p:cNvSpPr>
+          <p:nvPr>
+            <p:ph type="body" idx="1"/>
+          </p:nvPr>
+        </p:nvSpPr>
+        <p:spPr>
+          <a:xfrm>
+            <a:off x="159300" y="1225650"/>
+            <a:ext cx="8984700" cy="571800"/>
+          </a:xfrm>
+          <a:prstGeom prst="rect">
+            <a:avLst/>
+          </a:prstGeom>
+          <a:noFill/>
+          <a:ln>
+            <a:noFill/>
+          </a:ln>
+        </p:spPr>
+        <p:txBody>
+          <a:bodyPr spcFirstLastPara="1" wrap="square" lIns="91425" tIns="91425" rIns="91425" bIns="91425" anchor="t" anchorCtr="0">
+            <a:noAutofit/>
+          </a:bodyPr>
+          <a:lstStyle/>
+          <a:p>
+            <a:pPr marL="457200" lvl="0" indent="-342900" algn="l" rtl="0">
+              <a:lnSpc>
+                <a:spcPct val="115000"/>
+              </a:lnSpc>
+              <a:spcBef>
+                <a:spcPts val="0"/>
+              </a:spcBef>
+              <a:spcAft>
+                <a:spcPts val="0"/>
+              </a:spcAft>
+              <a:buSzPts val="1800"/>
+              <a:buChar char="●"/>
+            </a:pPr>
+            <a:r>
+              <a:rPr lang="it-IT" sz="1800" dirty="0"/>
+              <a:t>Rotte nominali e home</a:t>
+            </a:r>
+            <a:endParaRPr sz="1800" dirty="0"/>
+          </a:p>
+        </p:txBody>
+      </p:sp>
+      <p:pic>
+        <p:nvPicPr>
+          <p:cNvPr id="115" name="Google Shape;115;p17"/>
+          <p:cNvPicPr preferRelativeResize="0"/>
+          <p:nvPr/>
+        </p:nvPicPr>
+        <p:blipFill>
+          <a:blip r:embed="rId3">
+            <a:alphaModFix/>
+          </a:blip>
+          <a:stretch>
+            <a:fillRect/>
+          </a:stretch>
+        </p:blipFill>
+        <p:spPr>
+          <a:xfrm>
+            <a:off x="89025" y="4680625"/>
+            <a:ext cx="447575" cy="447575"/>
+          </a:xfrm>
+          <a:prstGeom prst="rect">
+            <a:avLst/>
+          </a:prstGeom>
+          <a:noFill/>
+          <a:ln>
+            <a:noFill/>
+          </a:ln>
+        </p:spPr>
+      </p:pic>
+    </p:spTree>
+    <p:extLst>
+      <p:ext uri="{BB962C8B-B14F-4D97-AF65-F5344CB8AC3E}">
+        <p14:creationId xmlns:p14="http://schemas.microsoft.com/office/powerpoint/2010/main" val="2115509014"/>
+      </p:ext>
+    </p:extLst>
+  </p:cSld>
+  <p:clrMapOvr>
+    <a:masterClrMapping/>
+  </p:clrMapOvr>
+</p:sld>
+</file>
+
+<file path=ppt/slides/slide6.xml><?xml version="1.0" encoding="utf-8"?>
+<p:sld xmlns:a="http://schemas.openxmlformats.org/drawingml/2006/main" xmlns:r="http://schemas.openxmlformats.org/officeDocument/2006/relationships" xmlns:p="http://schemas.openxmlformats.org/presentationml/2006/main">
+  <p:cSld>
+    <p:spTree>
+      <p:nvGrpSpPr>
+        <p:cNvPr id="1" name="Shape 108"/>
+        <p:cNvGrpSpPr/>
+        <p:nvPr/>
+      </p:nvGrpSpPr>
+      <p:grpSpPr>
+        <a:xfrm>
+          <a:off x="0" y="0"/>
+          <a:ext cx="0" cy="0"/>
+          <a:chOff x="0" y="0"/>
+          <a:chExt cx="0" cy="0"/>
+        </a:xfrm>
+      </p:grpSpPr>
+      <p:sp>
+        <p:nvSpPr>
+          <p:cNvPr id="109" name="Google Shape;109;p17"/>
+          <p:cNvSpPr txBox="1">
+            <a:spLocks noGrp="1"/>
+          </p:cNvSpPr>
+          <p:nvPr>
+            <p:ph type="title"/>
+          </p:nvPr>
+        </p:nvSpPr>
+        <p:spPr>
+          <a:xfrm>
+            <a:off x="0" y="-603"/>
+            <a:ext cx="9144000" cy="1153200"/>
+          </a:xfrm>
+          <a:prstGeom prst="rect">
+            <a:avLst/>
+          </a:prstGeom>
+          <a:solidFill>
+            <a:srgbClr val="777777"/>
+          </a:solidFill>
+          <a:ln>
+            <a:noFill/>
+          </a:ln>
+        </p:spPr>
+        <p:txBody>
+          <a:bodyPr spcFirstLastPara="1" wrap="square" lIns="540000" tIns="91425" rIns="360000" bIns="91425" anchor="ctr" anchorCtr="0">
+            <a:noAutofit/>
+          </a:bodyPr>
+          <a:lstStyle/>
+          <a:p>
+            <a:pPr marL="0" lvl="0" indent="0" algn="l" rtl="0">
+              <a:lnSpc>
+                <a:spcPct val="100000"/>
+              </a:lnSpc>
+              <a:spcBef>
+                <a:spcPts val="0"/>
+              </a:spcBef>
+              <a:spcAft>
+                <a:spcPts val="0"/>
+              </a:spcAft>
+              <a:buSzPts val="2800"/>
+              <a:buNone/>
+            </a:pPr>
+            <a:r>
+              <a:rPr lang="en-US" dirty="0" err="1"/>
+              <a:t>Operazioni</a:t>
+            </a:r>
+            <a:r>
+              <a:rPr lang="en-US" dirty="0"/>
+              <a:t> </a:t>
+            </a:r>
+            <a:r>
+              <a:rPr lang="en-US" dirty="0" err="1"/>
+              <a:t>sul</a:t>
+            </a:r>
+            <a:r>
+              <a:rPr lang="en-US" dirty="0"/>
+              <a:t> database</a:t>
+            </a:r>
+            <a:endParaRPr dirty="0"/>
+          </a:p>
+        </p:txBody>
+      </p:sp>
+      <p:sp>
+        <p:nvSpPr>
+          <p:cNvPr id="110" name="Google Shape;110;p17"/>
+          <p:cNvSpPr txBox="1">
+            <a:spLocks noGrp="1"/>
+          </p:cNvSpPr>
+          <p:nvPr>
+            <p:ph type="body" idx="2"/>
+          </p:nvPr>
+        </p:nvSpPr>
+        <p:spPr>
+          <a:xfrm>
+            <a:off x="1669312" y="4688958"/>
+            <a:ext cx="4455000" cy="447600"/>
+          </a:xfrm>
+          <a:prstGeom prst="rect">
+            <a:avLst/>
+          </a:prstGeom>
+          <a:noFill/>
+          <a:ln>
+            <a:noFill/>
+          </a:ln>
+        </p:spPr>
+        <p:txBody>
+          <a:bodyPr spcFirstLastPara="1" wrap="square" lIns="91425" tIns="0" rIns="91425" bIns="0" anchor="ctr" anchorCtr="0">
+            <a:noAutofit/>
+          </a:bodyPr>
+          <a:lstStyle/>
+          <a:p>
+            <a:pPr marL="114300" lvl="0" indent="0" algn="l" rtl="0">
+              <a:spcBef>
+                <a:spcPts val="0"/>
+              </a:spcBef>
+              <a:spcAft>
+                <a:spcPts val="0"/>
+              </a:spcAft>
+              <a:buClr>
+                <a:schemeClr val="dk1"/>
+              </a:buClr>
+              <a:buSzPts val="1800"/>
+              <a:buFont typeface="Arial"/>
+              <a:buNone/>
+            </a:pPr>
+            <a:r>
+              <a:rPr lang="en-US" dirty="0"/>
+              <a:t>SQLite e </a:t>
+            </a:r>
+            <a:r>
+              <a:rPr lang="en-US" dirty="0" err="1"/>
+              <a:t>FLutter</a:t>
+            </a:r>
+            <a:endParaRPr dirty="0"/>
+          </a:p>
+        </p:txBody>
+      </p:sp>
+      <p:sp>
+        <p:nvSpPr>
+          <p:cNvPr id="111" name="Google Shape;111;p17"/>
+          <p:cNvSpPr txBox="1">
+            <a:spLocks noGrp="1"/>
+          </p:cNvSpPr>
+          <p:nvPr>
+            <p:ph type="body" idx="1"/>
+          </p:nvPr>
+        </p:nvSpPr>
+        <p:spPr>
+          <a:xfrm>
+            <a:off x="277850" y="1615192"/>
+            <a:ext cx="8508000" cy="956558"/>
+          </a:xfrm>
+          <a:prstGeom prst="rect">
+            <a:avLst/>
+          </a:prstGeom>
+          <a:solidFill>
+            <a:srgbClr val="EFEFEF"/>
+          </a:solidFill>
+          <a:ln>
+            <a:noFill/>
+          </a:ln>
+        </p:spPr>
+        <p:txBody>
+          <a:bodyPr spcFirstLastPara="1" wrap="square" lIns="91425" tIns="91425" rIns="91425" bIns="91425" anchor="t" anchorCtr="0">
+            <a:noAutofit/>
+          </a:bodyPr>
+          <a:lstStyle/>
+          <a:p>
+            <a:pPr marL="114300" indent="0">
+              <a:buNone/>
+            </a:pPr>
+            <a:r>
+              <a:rPr lang="it-IT" sz="1100" b="0" dirty="0" err="1">
+                <a:solidFill>
+                  <a:srgbClr val="0000FF"/>
+                </a:solidFill>
+                <a:effectLst/>
+                <a:latin typeface="Consolas" panose="020B0609020204030204" pitchFamily="49" charset="0"/>
+              </a:rPr>
+              <a:t>static</a:t>
+            </a:r>
+            <a:r>
+              <a:rPr lang="it-IT" sz="1100" b="0" dirty="0">
+                <a:solidFill>
+                  <a:srgbClr val="000000"/>
+                </a:solidFill>
+                <a:effectLst/>
+                <a:latin typeface="Consolas" panose="020B0609020204030204" pitchFamily="49" charset="0"/>
+              </a:rPr>
+              <a:t> </a:t>
+            </a:r>
+            <a:r>
+              <a:rPr lang="it-IT" sz="1100" b="0" dirty="0" err="1">
+                <a:solidFill>
+                  <a:srgbClr val="0000FF"/>
+                </a:solidFill>
+                <a:effectLst/>
+                <a:latin typeface="Consolas" panose="020B0609020204030204" pitchFamily="49" charset="0"/>
+              </a:rPr>
+              <a:t>void</a:t>
+            </a:r>
+            <a:r>
+              <a:rPr lang="it-IT" sz="1100" b="0" dirty="0">
+                <a:solidFill>
+                  <a:srgbClr val="000000"/>
+                </a:solidFill>
+                <a:effectLst/>
+                <a:latin typeface="Consolas" panose="020B0609020204030204" pitchFamily="49" charset="0"/>
+              </a:rPr>
+              <a:t> </a:t>
+            </a:r>
+            <a:r>
+              <a:rPr lang="it-IT" sz="1100" b="0" dirty="0" err="1">
+                <a:solidFill>
+                  <a:srgbClr val="795E26"/>
+                </a:solidFill>
+                <a:effectLst/>
+                <a:latin typeface="Consolas" panose="020B0609020204030204" pitchFamily="49" charset="0"/>
+              </a:rPr>
+              <a:t>createDB</a:t>
+            </a:r>
+            <a:r>
+              <a:rPr lang="it-IT" sz="1100" b="0" dirty="0">
+                <a:solidFill>
+                  <a:srgbClr val="000000"/>
+                </a:solidFill>
+                <a:effectLst/>
+                <a:latin typeface="Consolas" panose="020B0609020204030204" pitchFamily="49" charset="0"/>
+              </a:rPr>
+              <a:t>() </a:t>
+            </a:r>
+            <a:r>
+              <a:rPr lang="it-IT" sz="1100" b="0" dirty="0" err="1">
+                <a:solidFill>
+                  <a:srgbClr val="AF00DB"/>
+                </a:solidFill>
+                <a:effectLst/>
+                <a:latin typeface="Consolas" panose="020B0609020204030204" pitchFamily="49" charset="0"/>
+              </a:rPr>
+              <a:t>async</a:t>
+            </a:r>
+            <a:r>
+              <a:rPr lang="it-IT" sz="1100" b="0" dirty="0">
+                <a:solidFill>
+                  <a:srgbClr val="000000"/>
+                </a:solidFill>
+                <a:effectLst/>
+                <a:latin typeface="Consolas" panose="020B0609020204030204" pitchFamily="49" charset="0"/>
+              </a:rPr>
+              <a:t> {</a:t>
+            </a:r>
+          </a:p>
+          <a:p>
+            <a:pPr marL="114300" indent="0">
+              <a:buNone/>
+            </a:pPr>
+            <a:r>
+              <a:rPr lang="it-IT" sz="1100" b="0" dirty="0" err="1">
+                <a:solidFill>
+                  <a:srgbClr val="0000FF"/>
+                </a:solidFill>
+                <a:effectLst/>
+                <a:latin typeface="Consolas" panose="020B0609020204030204" pitchFamily="49" charset="0"/>
+              </a:rPr>
+              <a:t>final</a:t>
+            </a:r>
+            <a:r>
+              <a:rPr lang="it-IT" sz="1100" b="0" dirty="0">
+                <a:solidFill>
+                  <a:srgbClr val="000000"/>
+                </a:solidFill>
+                <a:effectLst/>
+                <a:latin typeface="Consolas" panose="020B0609020204030204" pitchFamily="49" charset="0"/>
+              </a:rPr>
+              <a:t> </a:t>
+            </a:r>
+            <a:r>
+              <a:rPr lang="it-IT" sz="1100" b="0" dirty="0">
+                <a:solidFill>
+                  <a:srgbClr val="001080"/>
+                </a:solidFill>
+                <a:effectLst/>
+                <a:latin typeface="Consolas" panose="020B0609020204030204" pitchFamily="49" charset="0"/>
+              </a:rPr>
+              <a:t>database</a:t>
+            </a:r>
+            <a:r>
+              <a:rPr lang="it-IT" sz="1100" b="0" dirty="0">
+                <a:solidFill>
+                  <a:srgbClr val="000000"/>
+                </a:solidFill>
+                <a:effectLst/>
+                <a:latin typeface="Consolas" panose="020B0609020204030204" pitchFamily="49" charset="0"/>
+              </a:rPr>
+              <a:t> = </a:t>
+            </a:r>
+            <a:r>
+              <a:rPr lang="it-IT" sz="1100" b="0" dirty="0" err="1">
+                <a:solidFill>
+                  <a:srgbClr val="795E26"/>
+                </a:solidFill>
+                <a:effectLst/>
+                <a:latin typeface="Consolas" panose="020B0609020204030204" pitchFamily="49" charset="0"/>
+              </a:rPr>
+              <a:t>openDatabase</a:t>
+            </a:r>
+            <a:r>
+              <a:rPr lang="it-IT" sz="1100" b="0" dirty="0">
+                <a:solidFill>
+                  <a:srgbClr val="000000"/>
+                </a:solidFill>
+                <a:effectLst/>
+                <a:latin typeface="Consolas" panose="020B0609020204030204" pitchFamily="49" charset="0"/>
+              </a:rPr>
+              <a:t>(</a:t>
+            </a:r>
+            <a:br>
+              <a:rPr lang="it-IT" sz="1100" b="0" dirty="0">
+                <a:solidFill>
+                  <a:srgbClr val="000000"/>
+                </a:solidFill>
+                <a:effectLst/>
+                <a:latin typeface="Consolas" panose="020B0609020204030204" pitchFamily="49" charset="0"/>
+              </a:rPr>
+            </a:br>
+            <a:r>
+              <a:rPr lang="it-IT" sz="1100" b="0" dirty="0">
+                <a:solidFill>
+                  <a:srgbClr val="008000"/>
+                </a:solidFill>
+                <a:effectLst/>
+                <a:latin typeface="Consolas" panose="020B0609020204030204" pitchFamily="49" charset="0"/>
+              </a:rPr>
+              <a:t>//Localizza il Database</a:t>
+            </a:r>
+            <a:endParaRPr lang="it-IT" sz="1100" b="0" dirty="0">
+              <a:solidFill>
+                <a:srgbClr val="000000"/>
+              </a:solidFill>
+              <a:effectLst/>
+              <a:latin typeface="Consolas" panose="020B0609020204030204" pitchFamily="49" charset="0"/>
+            </a:endParaRPr>
+          </a:p>
+          <a:p>
+            <a:pPr marL="114300" indent="0">
+              <a:buNone/>
+            </a:pPr>
+            <a:r>
+              <a:rPr lang="it-IT" sz="1100" b="0" dirty="0">
+                <a:solidFill>
+                  <a:srgbClr val="795E26"/>
+                </a:solidFill>
+                <a:effectLst/>
+                <a:latin typeface="Consolas" panose="020B0609020204030204" pitchFamily="49" charset="0"/>
+              </a:rPr>
+              <a:t>join</a:t>
+            </a:r>
+            <a:r>
+              <a:rPr lang="it-IT" sz="1100" b="0" dirty="0">
+                <a:solidFill>
+                  <a:srgbClr val="000000"/>
+                </a:solidFill>
+                <a:effectLst/>
+                <a:latin typeface="Consolas" panose="020B0609020204030204" pitchFamily="49" charset="0"/>
+              </a:rPr>
+              <a:t>(</a:t>
+            </a:r>
+            <a:r>
+              <a:rPr lang="it-IT" sz="1100" b="0" dirty="0" err="1">
+                <a:solidFill>
+                  <a:srgbClr val="AF00DB"/>
+                </a:solidFill>
+                <a:effectLst/>
+                <a:latin typeface="Consolas" panose="020B0609020204030204" pitchFamily="49" charset="0"/>
+              </a:rPr>
+              <a:t>await</a:t>
+            </a:r>
+            <a:r>
+              <a:rPr lang="it-IT" sz="1100" b="0" dirty="0">
+                <a:solidFill>
+                  <a:srgbClr val="000000"/>
+                </a:solidFill>
+                <a:effectLst/>
+                <a:latin typeface="Consolas" panose="020B0609020204030204" pitchFamily="49" charset="0"/>
+              </a:rPr>
+              <a:t> </a:t>
+            </a:r>
+            <a:r>
+              <a:rPr lang="it-IT" sz="1100" b="0" dirty="0" err="1">
+                <a:solidFill>
+                  <a:srgbClr val="795E26"/>
+                </a:solidFill>
+                <a:effectLst/>
+                <a:latin typeface="Consolas" panose="020B0609020204030204" pitchFamily="49" charset="0"/>
+              </a:rPr>
+              <a:t>getDatabasesPath</a:t>
+            </a:r>
+            <a:r>
+              <a:rPr lang="it-IT" sz="1100" b="0" dirty="0">
+                <a:solidFill>
+                  <a:srgbClr val="000000"/>
+                </a:solidFill>
+                <a:effectLst/>
+                <a:latin typeface="Consolas" panose="020B0609020204030204" pitchFamily="49" charset="0"/>
+              </a:rPr>
+              <a:t>(), </a:t>
+            </a:r>
+            <a:r>
+              <a:rPr lang="it-IT" sz="1100" b="0" dirty="0">
+                <a:solidFill>
+                  <a:srgbClr val="A31515"/>
+                </a:solidFill>
+                <a:effectLst/>
+                <a:latin typeface="Consolas" panose="020B0609020204030204" pitchFamily="49" charset="0"/>
+              </a:rPr>
+              <a:t>'</a:t>
+            </a:r>
+            <a:r>
+              <a:rPr lang="it-IT" sz="1100" b="0" dirty="0" err="1">
+                <a:solidFill>
+                  <a:srgbClr val="A31515"/>
+                </a:solidFill>
+                <a:effectLst/>
+                <a:latin typeface="Consolas" panose="020B0609020204030204" pitchFamily="49" charset="0"/>
+              </a:rPr>
+              <a:t>swimmersDB.db</a:t>
+            </a:r>
+            <a:r>
+              <a:rPr lang="it-IT" sz="1100" b="0" dirty="0">
+                <a:solidFill>
+                  <a:srgbClr val="A31515"/>
+                </a:solidFill>
+                <a:effectLst/>
+                <a:latin typeface="Consolas" panose="020B0609020204030204" pitchFamily="49" charset="0"/>
+              </a:rPr>
+              <a:t>'</a:t>
+            </a:r>
+            <a:r>
+              <a:rPr lang="it-IT" sz="1100" b="0" dirty="0">
+                <a:solidFill>
+                  <a:srgbClr val="000000"/>
+                </a:solidFill>
+                <a:effectLst/>
+                <a:latin typeface="Consolas" panose="020B0609020204030204" pitchFamily="49" charset="0"/>
+              </a:rPr>
+              <a:t>)</a:t>
+            </a:r>
+          </a:p>
+          <a:p>
+            <a:pPr marL="0" lvl="0" indent="0" algn="l" rtl="0">
+              <a:lnSpc>
+                <a:spcPct val="115000"/>
+              </a:lnSpc>
+              <a:spcBef>
+                <a:spcPts val="0"/>
+              </a:spcBef>
+              <a:spcAft>
+                <a:spcPts val="0"/>
+              </a:spcAft>
+              <a:buNone/>
+            </a:pPr>
+            <a:endParaRPr lang="it-IT" sz="1200" dirty="0">
+              <a:solidFill>
+                <a:srgbClr val="0000FF"/>
+              </a:solidFill>
+              <a:latin typeface="Courier New"/>
+              <a:ea typeface="Courier New"/>
+              <a:cs typeface="Courier New"/>
+              <a:sym typeface="Courier New"/>
+            </a:endParaRPr>
+          </a:p>
+        </p:txBody>
+      </p:sp>
+      <p:sp>
+        <p:nvSpPr>
+          <p:cNvPr id="113" name="Google Shape;113;p17"/>
+          <p:cNvSpPr txBox="1">
+            <a:spLocks noGrp="1"/>
+          </p:cNvSpPr>
+          <p:nvPr>
+            <p:ph type="body" idx="1"/>
+          </p:nvPr>
+        </p:nvSpPr>
+        <p:spPr>
+          <a:xfrm>
+            <a:off x="159300" y="1225650"/>
+            <a:ext cx="8984700" cy="571800"/>
+          </a:xfrm>
+          <a:prstGeom prst="rect">
+            <a:avLst/>
+          </a:prstGeom>
+          <a:noFill/>
+          <a:ln>
+            <a:noFill/>
+          </a:ln>
+        </p:spPr>
+        <p:txBody>
+          <a:bodyPr spcFirstLastPara="1" wrap="square" lIns="91425" tIns="91425" rIns="91425" bIns="91425" anchor="t" anchorCtr="0">
+            <a:noAutofit/>
+          </a:bodyPr>
+          <a:lstStyle/>
+          <a:p>
+            <a:pPr marL="457200" lvl="0" indent="-342900" algn="l" rtl="0">
+              <a:lnSpc>
+                <a:spcPct val="115000"/>
+              </a:lnSpc>
+              <a:spcBef>
+                <a:spcPts val="0"/>
+              </a:spcBef>
+              <a:spcAft>
+                <a:spcPts val="0"/>
+              </a:spcAft>
+              <a:buSzPts val="1800"/>
+              <a:buChar char="●"/>
+            </a:pPr>
+            <a:r>
+              <a:rPr lang="it-IT" sz="1800" dirty="0"/>
+              <a:t>Creazione del database</a:t>
+            </a:r>
+            <a:endParaRPr sz="1800" dirty="0"/>
+          </a:p>
+        </p:txBody>
+      </p:sp>
+      <p:pic>
+        <p:nvPicPr>
+          <p:cNvPr id="115" name="Google Shape;115;p17"/>
+          <p:cNvPicPr preferRelativeResize="0"/>
+          <p:nvPr/>
+        </p:nvPicPr>
+        <p:blipFill>
+          <a:blip r:embed="rId3">
+            <a:alphaModFix/>
+          </a:blip>
+          <a:stretch>
+            <a:fillRect/>
+          </a:stretch>
+        </p:blipFill>
+        <p:spPr>
+          <a:xfrm>
+            <a:off x="89025" y="4680625"/>
+            <a:ext cx="447575" cy="447575"/>
+          </a:xfrm>
+          <a:prstGeom prst="rect">
+            <a:avLst/>
+          </a:prstGeom>
+          <a:noFill/>
+          <a:ln>
+            <a:noFill/>
+          </a:ln>
+        </p:spPr>
+      </p:pic>
+      <p:sp>
+        <p:nvSpPr>
+          <p:cNvPr id="7" name="Google Shape;113;p17">
+            <a:extLst>
+              <a:ext uri="{FF2B5EF4-FFF2-40B4-BE49-F238E27FC236}">
+                <a16:creationId xmlns:a16="http://schemas.microsoft.com/office/drawing/2014/main" id="{CBEB9FE7-ABDE-476A-8B64-BF3378CD0B6B}"/>
+              </a:ext>
+            </a:extLst>
+          </p:cNvPr>
+          <p:cNvSpPr txBox="1">
+            <a:spLocks/>
+          </p:cNvSpPr>
+          <p:nvPr/>
+        </p:nvSpPr>
+        <p:spPr>
+          <a:xfrm>
+            <a:off x="273544" y="2630711"/>
+            <a:ext cx="8984700" cy="447575"/>
+          </a:xfrm>
+          <a:prstGeom prst="rect">
+            <a:avLst/>
+          </a:prstGeom>
+          <a:noFill/>
+          <a:ln>
+            <a:noFill/>
+          </a:ln>
+        </p:spPr>
+        <p:txBody>
+          <a:bodyPr spcFirstLastPara="1" wrap="square" lIns="91425" tIns="91425" rIns="91425" bIns="91425" anchor="t" anchorCtr="0">
+            <a:noAutofit/>
+          </a:bodyPr>
+          <a:lstStyle>
+            <a:defPPr marR="0" lvl="0" algn="l" rtl="0">
+              <a:lnSpc>
+                <a:spcPct val="100000"/>
+              </a:lnSpc>
+              <a:spcBef>
+                <a:spcPts val="0"/>
+              </a:spcBef>
+              <a:spcAft>
+                <a:spcPts val="0"/>
+              </a:spcAft>
+            </a:defPPr>
+            <a:lvl1pPr marL="457200" marR="0" lvl="0" indent="-342900" algn="l" rtl="0">
+              <a:lnSpc>
+                <a:spcPct val="115000"/>
+              </a:lnSpc>
+              <a:spcBef>
+                <a:spcPts val="0"/>
+              </a:spcBef>
+              <a:spcAft>
+                <a:spcPts val="0"/>
+              </a:spcAft>
+              <a:buClr>
+                <a:schemeClr val="dk2"/>
+              </a:buClr>
+              <a:buSzPts val="1800"/>
+              <a:buFont typeface="Arial"/>
+              <a:buChar char="●"/>
+              <a:defRPr sz="2400" b="0" i="0" u="none" strike="noStrike" cap="none">
+                <a:solidFill>
+                  <a:schemeClr val="dk1"/>
+                </a:solidFill>
+                <a:latin typeface="Verdana"/>
+                <a:ea typeface="Verdana"/>
+                <a:cs typeface="Verdana"/>
+                <a:sym typeface="Verdana"/>
+              </a:defRPr>
+            </a:lvl1pPr>
+            <a:lvl2pPr marL="914400" marR="0" lvl="1" indent="-317500" algn="l" rtl="0">
+              <a:lnSpc>
+                <a:spcPct val="115000"/>
+              </a:lnSpc>
+              <a:spcBef>
+                <a:spcPts val="1600"/>
+              </a:spcBef>
+              <a:spcAft>
+                <a:spcPts val="0"/>
+              </a:spcAft>
+              <a:buClr>
+                <a:schemeClr val="dk2"/>
+              </a:buClr>
+              <a:buSzPts val="1400"/>
+              <a:buFont typeface="Arial"/>
+              <a:buChar char="○"/>
+              <a:defRPr sz="2200" b="0" i="0" u="none" strike="noStrike" cap="none">
+                <a:solidFill>
+                  <a:schemeClr val="dk1"/>
+                </a:solidFill>
+                <a:latin typeface="Verdana"/>
+                <a:ea typeface="Verdana"/>
+                <a:cs typeface="Verdana"/>
+                <a:sym typeface="Verdana"/>
+              </a:defRPr>
+            </a:lvl2pPr>
+            <a:lvl3pPr marL="1371600" marR="0" lvl="2" indent="-317500" algn="l" rtl="0">
+              <a:lnSpc>
+                <a:spcPct val="115000"/>
+              </a:lnSpc>
+              <a:spcBef>
+                <a:spcPts val="1600"/>
+              </a:spcBef>
+              <a:spcAft>
+                <a:spcPts val="0"/>
+              </a:spcAft>
+              <a:buClr>
+                <a:schemeClr val="dk2"/>
+              </a:buClr>
+              <a:buSzPts val="1400"/>
+              <a:buFont typeface="Arial"/>
+              <a:buChar char="■"/>
+              <a:defRPr sz="2000" b="0" i="0" u="none" strike="noStrike" cap="none">
+                <a:solidFill>
+                  <a:schemeClr val="dk1"/>
+                </a:solidFill>
+                <a:latin typeface="Verdana"/>
+                <a:ea typeface="Verdana"/>
+                <a:cs typeface="Verdana"/>
+                <a:sym typeface="Verdana"/>
+              </a:defRPr>
+            </a:lvl3pPr>
+            <a:lvl4pPr marL="1828800" marR="0" lvl="3" indent="-317500" algn="l" rtl="0">
+              <a:lnSpc>
+                <a:spcPct val="115000"/>
+              </a:lnSpc>
+              <a:spcBef>
+                <a:spcPts val="1600"/>
+              </a:spcBef>
+              <a:spcAft>
+                <a:spcPts val="0"/>
+              </a:spcAft>
+              <a:buClr>
+                <a:schemeClr val="dk2"/>
+              </a:buClr>
+              <a:buSzPts val="1400"/>
+              <a:buFont typeface="Arial"/>
+              <a:buChar char="●"/>
+              <a:defRPr sz="1800" b="0" i="0" u="none" strike="noStrike" cap="none">
+                <a:solidFill>
+                  <a:schemeClr val="dk1"/>
+                </a:solidFill>
+                <a:latin typeface="Verdana"/>
+                <a:ea typeface="Verdana"/>
+                <a:cs typeface="Verdana"/>
+                <a:sym typeface="Verdana"/>
+              </a:defRPr>
+            </a:lvl4pPr>
+            <a:lvl5pPr marL="2286000" marR="0" lvl="4" indent="-317500" algn="l" rtl="0">
+              <a:lnSpc>
+                <a:spcPct val="115000"/>
+              </a:lnSpc>
+              <a:spcBef>
+                <a:spcPts val="1600"/>
+              </a:spcBef>
+              <a:spcAft>
+                <a:spcPts val="0"/>
+              </a:spcAft>
+              <a:buClr>
+                <a:schemeClr val="dk2"/>
+              </a:buClr>
+              <a:buSzPts val="1400"/>
+              <a:buFont typeface="Arial"/>
+              <a:buChar char="○"/>
+              <a:defRPr sz="1600" b="0" i="0" u="none" strike="noStrike" cap="none">
+                <a:solidFill>
+                  <a:schemeClr val="dk1"/>
+                </a:solidFill>
+                <a:latin typeface="Verdana"/>
+                <a:ea typeface="Verdana"/>
+                <a:cs typeface="Verdana"/>
+                <a:sym typeface="Verdana"/>
+              </a:defRPr>
+            </a:lvl5pPr>
+            <a:lvl6pPr marL="2743200" marR="0" lvl="5" indent="-317500" algn="l" rtl="0">
+              <a:lnSpc>
+                <a:spcPct val="115000"/>
+              </a:lnSpc>
+              <a:spcBef>
+                <a:spcPts val="1600"/>
+              </a:spcBef>
+              <a:spcAft>
+                <a:spcPts val="0"/>
+              </a:spcAft>
+              <a:buClr>
+                <a:schemeClr val="dk2"/>
+              </a:buClr>
+              <a:buSzPts val="1400"/>
+              <a:buFont typeface="Arial"/>
+              <a:buChar char="■"/>
+              <a:defRPr sz="1400" b="0" i="0" u="none" strike="noStrike" cap="none">
+                <a:solidFill>
+                  <a:schemeClr val="dk1"/>
+                </a:solidFill>
+                <a:latin typeface="Verdana"/>
+                <a:ea typeface="Verdana"/>
+                <a:cs typeface="Verdana"/>
+                <a:sym typeface="Verdana"/>
+              </a:defRPr>
+            </a:lvl6pPr>
+            <a:lvl7pPr marL="3200400" marR="0" lvl="6" indent="-317500" algn="l" rtl="0">
+              <a:lnSpc>
+                <a:spcPct val="115000"/>
+              </a:lnSpc>
+              <a:spcBef>
+                <a:spcPts val="1600"/>
+              </a:spcBef>
+              <a:spcAft>
+                <a:spcPts val="0"/>
+              </a:spcAft>
+              <a:buClr>
+                <a:schemeClr val="dk2"/>
+              </a:buClr>
+              <a:buSzPts val="1400"/>
+              <a:buFont typeface="Arial"/>
+              <a:buChar char="●"/>
+              <a:defRPr sz="1400" b="0" i="0" u="none" strike="noStrike" cap="none">
+                <a:solidFill>
+                  <a:schemeClr val="dk2"/>
+                </a:solidFill>
+                <a:latin typeface="Arial"/>
+                <a:ea typeface="Arial"/>
+                <a:cs typeface="Arial"/>
+                <a:sym typeface="Arial"/>
+              </a:defRPr>
+            </a:lvl7pPr>
+            <a:lvl8pPr marL="3657600" marR="0" lvl="7" indent="-317500" algn="l" rtl="0">
+              <a:lnSpc>
+                <a:spcPct val="115000"/>
+              </a:lnSpc>
+              <a:spcBef>
+                <a:spcPts val="1600"/>
+              </a:spcBef>
+              <a:spcAft>
+                <a:spcPts val="0"/>
+              </a:spcAft>
+              <a:buClr>
+                <a:schemeClr val="dk2"/>
+              </a:buClr>
+              <a:buSzPts val="1400"/>
+              <a:buFont typeface="Arial"/>
+              <a:buChar char="○"/>
+              <a:defRPr sz="1400" b="0" i="0" u="none" strike="noStrike" cap="none">
+                <a:solidFill>
+                  <a:schemeClr val="dk2"/>
+                </a:solidFill>
+                <a:latin typeface="Arial"/>
+                <a:ea typeface="Arial"/>
+                <a:cs typeface="Arial"/>
+                <a:sym typeface="Arial"/>
+              </a:defRPr>
+            </a:lvl8pPr>
+            <a:lvl9pPr marL="4114800" marR="0" lvl="8" indent="-317500" algn="l" rtl="0">
+              <a:lnSpc>
+                <a:spcPct val="115000"/>
+              </a:lnSpc>
+              <a:spcBef>
+                <a:spcPts val="1600"/>
+              </a:spcBef>
+              <a:spcAft>
+                <a:spcPts val="1600"/>
+              </a:spcAft>
+              <a:buClr>
+                <a:schemeClr val="dk2"/>
+              </a:buClr>
+              <a:buSzPts val="1400"/>
+              <a:buFont typeface="Arial"/>
+              <a:buChar char="■"/>
+              <a:defRPr sz="1400" b="0" i="0" u="none" strike="noStrike" cap="none">
+                <a:solidFill>
+                  <a:schemeClr val="dk2"/>
+                </a:solidFill>
+                <a:latin typeface="Arial"/>
+                <a:ea typeface="Arial"/>
+                <a:cs typeface="Arial"/>
+                <a:sym typeface="Arial"/>
+              </a:defRPr>
+            </a:lvl9pPr>
+          </a:lstStyle>
+          <a:p>
+            <a:r>
+              <a:rPr lang="it-IT" sz="1800" dirty="0"/>
+              <a:t>Creazione della tabella</a:t>
+            </a:r>
+          </a:p>
+        </p:txBody>
+      </p:sp>
+      <p:sp>
+        <p:nvSpPr>
+          <p:cNvPr id="8" name="Google Shape;111;p17">
+            <a:extLst>
+              <a:ext uri="{FF2B5EF4-FFF2-40B4-BE49-F238E27FC236}">
+                <a16:creationId xmlns:a16="http://schemas.microsoft.com/office/drawing/2014/main" id="{7C82090C-4F8E-450B-AB58-7F5FF6A81676}"/>
+              </a:ext>
+            </a:extLst>
+          </p:cNvPr>
+          <p:cNvSpPr txBox="1">
+            <a:spLocks/>
+          </p:cNvSpPr>
+          <p:nvPr/>
+        </p:nvSpPr>
+        <p:spPr>
+          <a:xfrm>
+            <a:off x="273544" y="3085886"/>
+            <a:ext cx="8508000" cy="1470514"/>
+          </a:xfrm>
+          <a:prstGeom prst="rect">
+            <a:avLst/>
+          </a:prstGeom>
+          <a:solidFill>
+            <a:srgbClr val="EFEFEF"/>
+          </a:solidFill>
+          <a:ln>
+            <a:noFill/>
+          </a:ln>
+        </p:spPr>
+        <p:txBody>
+          <a:bodyPr spcFirstLastPara="1" wrap="square" lIns="91425" tIns="91425" rIns="91425" bIns="91425" anchor="t" anchorCtr="0">
+            <a:noAutofit/>
+          </a:bodyPr>
+          <a:lstStyle>
+            <a:defPPr marR="0" lvl="0" algn="l" rtl="0">
+              <a:lnSpc>
+                <a:spcPct val="100000"/>
+              </a:lnSpc>
+              <a:spcBef>
+                <a:spcPts val="0"/>
+              </a:spcBef>
+              <a:spcAft>
+                <a:spcPts val="0"/>
+              </a:spcAft>
+            </a:defPPr>
+            <a:lvl1pPr marL="457200" marR="0" lvl="0" indent="-342900" algn="l" rtl="0">
+              <a:lnSpc>
+                <a:spcPct val="115000"/>
+              </a:lnSpc>
+              <a:spcBef>
+                <a:spcPts val="0"/>
+              </a:spcBef>
+              <a:spcAft>
+                <a:spcPts val="0"/>
+              </a:spcAft>
+              <a:buClr>
+                <a:schemeClr val="dk2"/>
+              </a:buClr>
+              <a:buSzPts val="1800"/>
+              <a:buFont typeface="Arial"/>
+              <a:buChar char="●"/>
+              <a:defRPr sz="2400" b="0" i="0" u="none" strike="noStrike" cap="none">
+                <a:solidFill>
+                  <a:schemeClr val="dk1"/>
+                </a:solidFill>
+                <a:latin typeface="Verdana"/>
+                <a:ea typeface="Verdana"/>
+                <a:cs typeface="Verdana"/>
+                <a:sym typeface="Verdana"/>
+              </a:defRPr>
+            </a:lvl1pPr>
+            <a:lvl2pPr marL="914400" marR="0" lvl="1" indent="-317500" algn="l" rtl="0">
+              <a:lnSpc>
+                <a:spcPct val="115000"/>
+              </a:lnSpc>
+              <a:spcBef>
+                <a:spcPts val="1600"/>
+              </a:spcBef>
+              <a:spcAft>
+                <a:spcPts val="0"/>
+              </a:spcAft>
+              <a:buClr>
+                <a:schemeClr val="dk2"/>
+              </a:buClr>
+              <a:buSzPts val="1400"/>
+              <a:buFont typeface="Arial"/>
+              <a:buChar char="○"/>
+              <a:defRPr sz="2200" b="0" i="0" u="none" strike="noStrike" cap="none">
+                <a:solidFill>
+                  <a:schemeClr val="dk1"/>
+                </a:solidFill>
+                <a:latin typeface="Verdana"/>
+                <a:ea typeface="Verdana"/>
+                <a:cs typeface="Verdana"/>
+                <a:sym typeface="Verdana"/>
+              </a:defRPr>
+            </a:lvl2pPr>
+            <a:lvl3pPr marL="1371600" marR="0" lvl="2" indent="-317500" algn="l" rtl="0">
+              <a:lnSpc>
+                <a:spcPct val="115000"/>
+              </a:lnSpc>
+              <a:spcBef>
+                <a:spcPts val="1600"/>
+              </a:spcBef>
+              <a:spcAft>
+                <a:spcPts val="0"/>
+              </a:spcAft>
+              <a:buClr>
+                <a:schemeClr val="dk2"/>
+              </a:buClr>
+              <a:buSzPts val="1400"/>
+              <a:buFont typeface="Arial"/>
+              <a:buChar char="■"/>
+              <a:defRPr sz="2000" b="0" i="0" u="none" strike="noStrike" cap="none">
+                <a:solidFill>
+                  <a:schemeClr val="dk1"/>
+                </a:solidFill>
+                <a:latin typeface="Verdana"/>
+                <a:ea typeface="Verdana"/>
+                <a:cs typeface="Verdana"/>
+                <a:sym typeface="Verdana"/>
+              </a:defRPr>
+            </a:lvl3pPr>
+            <a:lvl4pPr marL="1828800" marR="0" lvl="3" indent="-317500" algn="l" rtl="0">
+              <a:lnSpc>
+                <a:spcPct val="115000"/>
+              </a:lnSpc>
+              <a:spcBef>
+                <a:spcPts val="1600"/>
+              </a:spcBef>
+              <a:spcAft>
+                <a:spcPts val="0"/>
+              </a:spcAft>
+              <a:buClr>
+                <a:schemeClr val="dk2"/>
+              </a:buClr>
+              <a:buSzPts val="1400"/>
+              <a:buFont typeface="Arial"/>
+              <a:buChar char="●"/>
+              <a:defRPr sz="1800" b="0" i="0" u="none" strike="noStrike" cap="none">
+                <a:solidFill>
+                  <a:schemeClr val="dk1"/>
+                </a:solidFill>
+                <a:latin typeface="Verdana"/>
+                <a:ea typeface="Verdana"/>
+                <a:cs typeface="Verdana"/>
+                <a:sym typeface="Verdana"/>
+              </a:defRPr>
+            </a:lvl4pPr>
+            <a:lvl5pPr marL="2286000" marR="0" lvl="4" indent="-317500" algn="l" rtl="0">
+              <a:lnSpc>
+                <a:spcPct val="115000"/>
+              </a:lnSpc>
+              <a:spcBef>
+                <a:spcPts val="1600"/>
+              </a:spcBef>
+              <a:spcAft>
+                <a:spcPts val="0"/>
+              </a:spcAft>
+              <a:buClr>
+                <a:schemeClr val="dk2"/>
+              </a:buClr>
+              <a:buSzPts val="1400"/>
+              <a:buFont typeface="Arial"/>
+              <a:buChar char="○"/>
+              <a:defRPr sz="1600" b="0" i="0" u="none" strike="noStrike" cap="none">
+                <a:solidFill>
+                  <a:schemeClr val="dk1"/>
+                </a:solidFill>
+                <a:latin typeface="Verdana"/>
+                <a:ea typeface="Verdana"/>
+                <a:cs typeface="Verdana"/>
+                <a:sym typeface="Verdana"/>
+              </a:defRPr>
+            </a:lvl5pPr>
+            <a:lvl6pPr marL="2743200" marR="0" lvl="5" indent="-317500" algn="l" rtl="0">
+              <a:lnSpc>
+                <a:spcPct val="115000"/>
+              </a:lnSpc>
+              <a:spcBef>
+                <a:spcPts val="1600"/>
+              </a:spcBef>
+              <a:spcAft>
+                <a:spcPts val="0"/>
+              </a:spcAft>
+              <a:buClr>
+                <a:schemeClr val="dk2"/>
+              </a:buClr>
+              <a:buSzPts val="1400"/>
+              <a:buFont typeface="Arial"/>
+              <a:buChar char="■"/>
+              <a:defRPr sz="1400" b="0" i="0" u="none" strike="noStrike" cap="none">
+                <a:solidFill>
+                  <a:schemeClr val="dk1"/>
+                </a:solidFill>
+                <a:latin typeface="Verdana"/>
+                <a:ea typeface="Verdana"/>
+                <a:cs typeface="Verdana"/>
+                <a:sym typeface="Verdana"/>
+              </a:defRPr>
+            </a:lvl6pPr>
+            <a:lvl7pPr marL="3200400" marR="0" lvl="6" indent="-317500" algn="l" rtl="0">
+              <a:lnSpc>
+                <a:spcPct val="115000"/>
+              </a:lnSpc>
+              <a:spcBef>
+                <a:spcPts val="1600"/>
+              </a:spcBef>
+              <a:spcAft>
+                <a:spcPts val="0"/>
+              </a:spcAft>
+              <a:buClr>
+                <a:schemeClr val="dk2"/>
+              </a:buClr>
+              <a:buSzPts val="1400"/>
+              <a:buFont typeface="Arial"/>
+              <a:buChar char="●"/>
+              <a:defRPr sz="1400" b="0" i="0" u="none" strike="noStrike" cap="none">
+                <a:solidFill>
+                  <a:schemeClr val="dk2"/>
+                </a:solidFill>
+                <a:latin typeface="Arial"/>
+                <a:ea typeface="Arial"/>
+                <a:cs typeface="Arial"/>
+                <a:sym typeface="Arial"/>
+              </a:defRPr>
+            </a:lvl7pPr>
+            <a:lvl8pPr marL="3657600" marR="0" lvl="7" indent="-317500" algn="l" rtl="0">
+              <a:lnSpc>
+                <a:spcPct val="115000"/>
+              </a:lnSpc>
+              <a:spcBef>
+                <a:spcPts val="1600"/>
+              </a:spcBef>
+              <a:spcAft>
+                <a:spcPts val="0"/>
+              </a:spcAft>
+              <a:buClr>
+                <a:schemeClr val="dk2"/>
+              </a:buClr>
+              <a:buSzPts val="1400"/>
+              <a:buFont typeface="Arial"/>
+              <a:buChar char="○"/>
+              <a:defRPr sz="1400" b="0" i="0" u="none" strike="noStrike" cap="none">
+                <a:solidFill>
+                  <a:schemeClr val="dk2"/>
+                </a:solidFill>
+                <a:latin typeface="Arial"/>
+                <a:ea typeface="Arial"/>
+                <a:cs typeface="Arial"/>
+                <a:sym typeface="Arial"/>
+              </a:defRPr>
+            </a:lvl8pPr>
+            <a:lvl9pPr marL="4114800" marR="0" lvl="8" indent="-317500" algn="l" rtl="0">
+              <a:lnSpc>
+                <a:spcPct val="115000"/>
+              </a:lnSpc>
+              <a:spcBef>
+                <a:spcPts val="1600"/>
+              </a:spcBef>
+              <a:spcAft>
+                <a:spcPts val="1600"/>
+              </a:spcAft>
+              <a:buClr>
+                <a:schemeClr val="dk2"/>
+              </a:buClr>
+              <a:buSzPts val="1400"/>
+              <a:buFont typeface="Arial"/>
+              <a:buChar char="■"/>
+              <a:defRPr sz="1400" b="0" i="0" u="none" strike="noStrike" cap="none">
+                <a:solidFill>
+                  <a:schemeClr val="dk2"/>
+                </a:solidFill>
+                <a:latin typeface="Arial"/>
+                <a:ea typeface="Arial"/>
+                <a:cs typeface="Arial"/>
+                <a:sym typeface="Arial"/>
+              </a:defRPr>
+            </a:lvl9pPr>
+          </a:lstStyle>
+          <a:p>
+            <a:pPr marL="114300" indent="0">
+              <a:buNone/>
+            </a:pPr>
+            <a:r>
+              <a:rPr lang="it-IT" sz="1100" b="0" dirty="0" err="1">
+                <a:solidFill>
+                  <a:srgbClr val="001080"/>
+                </a:solidFill>
+                <a:effectLst/>
+                <a:latin typeface="Consolas" panose="020B0609020204030204" pitchFamily="49" charset="0"/>
+              </a:rPr>
+              <a:t>onCreate</a:t>
+            </a:r>
+            <a:r>
+              <a:rPr lang="it-IT" sz="1100" b="0" dirty="0">
+                <a:solidFill>
+                  <a:srgbClr val="000000"/>
+                </a:solidFill>
+                <a:effectLst/>
+                <a:latin typeface="Consolas" panose="020B0609020204030204" pitchFamily="49" charset="0"/>
+              </a:rPr>
+              <a:t>: (</a:t>
+            </a:r>
+            <a:r>
+              <a:rPr lang="it-IT" sz="1100" b="0" dirty="0" err="1">
+                <a:solidFill>
+                  <a:srgbClr val="001080"/>
+                </a:solidFill>
+                <a:effectLst/>
+                <a:latin typeface="Consolas" panose="020B0609020204030204" pitchFamily="49" charset="0"/>
+              </a:rPr>
+              <a:t>db</a:t>
+            </a:r>
+            <a:r>
+              <a:rPr lang="it-IT" sz="1100" b="0" dirty="0">
+                <a:solidFill>
+                  <a:srgbClr val="000000"/>
+                </a:solidFill>
+                <a:effectLst/>
+                <a:latin typeface="Consolas" panose="020B0609020204030204" pitchFamily="49" charset="0"/>
+              </a:rPr>
+              <a:t>, </a:t>
+            </a:r>
+            <a:r>
+              <a:rPr lang="it-IT" sz="1100" b="0" dirty="0" err="1">
+                <a:solidFill>
+                  <a:srgbClr val="001080"/>
+                </a:solidFill>
+                <a:effectLst/>
+                <a:latin typeface="Consolas" panose="020B0609020204030204" pitchFamily="49" charset="0"/>
+              </a:rPr>
+              <a:t>version</a:t>
+            </a:r>
+            <a:r>
+              <a:rPr lang="it-IT" sz="1100" b="0" dirty="0">
+                <a:solidFill>
+                  <a:srgbClr val="000000"/>
+                </a:solidFill>
+                <a:effectLst/>
+                <a:latin typeface="Consolas" panose="020B0609020204030204" pitchFamily="49" charset="0"/>
+              </a:rPr>
+              <a:t>) {</a:t>
+            </a:r>
+            <a:br>
+              <a:rPr lang="it-IT" sz="1100" b="0" dirty="0">
+                <a:solidFill>
+                  <a:srgbClr val="000000"/>
+                </a:solidFill>
+                <a:effectLst/>
+                <a:latin typeface="Consolas" panose="020B0609020204030204" pitchFamily="49" charset="0"/>
+              </a:rPr>
+            </a:br>
+            <a:r>
+              <a:rPr lang="it-IT" sz="1100" b="0" dirty="0">
+                <a:solidFill>
+                  <a:srgbClr val="008000"/>
+                </a:solidFill>
+                <a:effectLst/>
+                <a:latin typeface="Consolas" panose="020B0609020204030204" pitchFamily="49" charset="0"/>
+              </a:rPr>
+              <a:t>//Esegue la query SQL per creare la tabella</a:t>
+            </a:r>
+            <a:endParaRPr lang="it-IT" sz="1100" b="0" dirty="0">
+              <a:solidFill>
+                <a:srgbClr val="000000"/>
+              </a:solidFill>
+              <a:effectLst/>
+              <a:latin typeface="Consolas" panose="020B0609020204030204" pitchFamily="49" charset="0"/>
+            </a:endParaRPr>
+          </a:p>
+          <a:p>
+            <a:pPr marL="114300" indent="0">
+              <a:buNone/>
+            </a:pPr>
+            <a:r>
+              <a:rPr lang="it-IT" sz="1100" b="0" dirty="0" err="1">
+                <a:solidFill>
+                  <a:srgbClr val="AF00DB"/>
+                </a:solidFill>
+                <a:effectLst/>
+                <a:latin typeface="Consolas" panose="020B0609020204030204" pitchFamily="49" charset="0"/>
+              </a:rPr>
+              <a:t>return</a:t>
+            </a:r>
+            <a:r>
+              <a:rPr lang="it-IT" sz="1100" b="0" dirty="0">
+                <a:solidFill>
+                  <a:srgbClr val="000000"/>
+                </a:solidFill>
+                <a:effectLst/>
+                <a:latin typeface="Consolas" panose="020B0609020204030204" pitchFamily="49" charset="0"/>
+              </a:rPr>
+              <a:t> </a:t>
+            </a:r>
+            <a:r>
+              <a:rPr lang="it-IT" sz="1100" b="0" dirty="0" err="1">
+                <a:solidFill>
+                  <a:srgbClr val="001080"/>
+                </a:solidFill>
+                <a:effectLst/>
+                <a:latin typeface="Consolas" panose="020B0609020204030204" pitchFamily="49" charset="0"/>
+              </a:rPr>
+              <a:t>db</a:t>
+            </a:r>
+            <a:r>
+              <a:rPr lang="it-IT" sz="1100" b="0" dirty="0" err="1">
+                <a:solidFill>
+                  <a:srgbClr val="000000"/>
+                </a:solidFill>
+                <a:effectLst/>
+                <a:latin typeface="Consolas" panose="020B0609020204030204" pitchFamily="49" charset="0"/>
+              </a:rPr>
+              <a:t>.</a:t>
+            </a:r>
+            <a:r>
+              <a:rPr lang="it-IT" sz="1100" b="0" dirty="0" err="1">
+                <a:solidFill>
+                  <a:srgbClr val="795E26"/>
+                </a:solidFill>
+                <a:effectLst/>
+                <a:latin typeface="Consolas" panose="020B0609020204030204" pitchFamily="49" charset="0"/>
+              </a:rPr>
+              <a:t>execute</a:t>
+            </a:r>
+            <a:r>
+              <a:rPr lang="it-IT" sz="1100" b="0" dirty="0">
+                <a:solidFill>
+                  <a:srgbClr val="000000"/>
+                </a:solidFill>
+                <a:effectLst/>
+                <a:latin typeface="Consolas" panose="020B0609020204030204" pitchFamily="49" charset="0"/>
+              </a:rPr>
+              <a:t>(</a:t>
+            </a:r>
+          </a:p>
+          <a:p>
+            <a:pPr marL="114300" indent="0">
+              <a:buNone/>
+            </a:pPr>
+            <a:r>
+              <a:rPr lang="it-IT" sz="1100" b="0" dirty="0">
+                <a:solidFill>
+                  <a:srgbClr val="A31515"/>
+                </a:solidFill>
+                <a:effectLst/>
+                <a:latin typeface="Consolas" panose="020B0609020204030204" pitchFamily="49" charset="0"/>
+              </a:rPr>
+              <a:t>'CREATE TABLE </a:t>
+            </a:r>
+            <a:r>
+              <a:rPr lang="it-IT" sz="1100" b="0" dirty="0" err="1">
+                <a:solidFill>
+                  <a:srgbClr val="A31515"/>
+                </a:solidFill>
+                <a:effectLst/>
+                <a:latin typeface="Consolas" panose="020B0609020204030204" pitchFamily="49" charset="0"/>
+              </a:rPr>
+              <a:t>swimmers</a:t>
+            </a:r>
+            <a:r>
+              <a:rPr lang="it-IT" sz="1100" b="0" dirty="0">
+                <a:solidFill>
+                  <a:srgbClr val="A31515"/>
+                </a:solidFill>
+                <a:effectLst/>
+                <a:latin typeface="Consolas" panose="020B0609020204030204" pitchFamily="49" charset="0"/>
+              </a:rPr>
+              <a:t>(</a:t>
+            </a:r>
+            <a:r>
+              <a:rPr lang="it-IT" sz="1100" b="0" dirty="0" err="1">
+                <a:solidFill>
+                  <a:srgbClr val="A31515"/>
+                </a:solidFill>
+                <a:effectLst/>
+                <a:latin typeface="Consolas" panose="020B0609020204030204" pitchFamily="49" charset="0"/>
+              </a:rPr>
+              <a:t>id_swimmer</a:t>
+            </a:r>
+            <a:r>
+              <a:rPr lang="it-IT" sz="1100" b="0" dirty="0">
+                <a:solidFill>
+                  <a:srgbClr val="A31515"/>
+                </a:solidFill>
+                <a:effectLst/>
+                <a:latin typeface="Consolas" panose="020B0609020204030204" pitchFamily="49" charset="0"/>
+              </a:rPr>
+              <a:t> INTEGER PRIMARY KEY AUTOINCREMENT, </a:t>
+            </a:r>
+            <a:r>
+              <a:rPr lang="it-IT" sz="1100" b="0" dirty="0" err="1">
+                <a:solidFill>
+                  <a:srgbClr val="A31515"/>
+                </a:solidFill>
+                <a:effectLst/>
+                <a:latin typeface="Consolas" panose="020B0609020204030204" pitchFamily="49" charset="0"/>
+              </a:rPr>
+              <a:t>swimmer_name</a:t>
+            </a:r>
+            <a:r>
+              <a:rPr lang="it-IT" sz="1100" b="0" dirty="0">
+                <a:solidFill>
+                  <a:srgbClr val="A31515"/>
+                </a:solidFill>
+                <a:effectLst/>
+                <a:latin typeface="Consolas" panose="020B0609020204030204" pitchFamily="49" charset="0"/>
+              </a:rPr>
+              <a:t> TEXT, age 	INTEGER, </a:t>
+            </a:r>
+            <a:r>
+              <a:rPr lang="it-IT" sz="1100" b="0" dirty="0" err="1">
+                <a:solidFill>
+                  <a:srgbClr val="A31515"/>
+                </a:solidFill>
+                <a:effectLst/>
+                <a:latin typeface="Consolas" panose="020B0609020204030204" pitchFamily="49" charset="0"/>
+              </a:rPr>
+              <a:t>nation</a:t>
+            </a:r>
+            <a:r>
+              <a:rPr lang="it-IT" sz="1100" b="0" dirty="0">
+                <a:solidFill>
+                  <a:srgbClr val="A31515"/>
+                </a:solidFill>
+                <a:effectLst/>
+                <a:latin typeface="Consolas" panose="020B0609020204030204" pitchFamily="49" charset="0"/>
+              </a:rPr>
+              <a:t> TEXT)’</a:t>
+            </a:r>
+            <a:r>
+              <a:rPr lang="it-IT" sz="1100" b="0" dirty="0">
+                <a:solidFill>
+                  <a:srgbClr val="000000"/>
+                </a:solidFill>
+                <a:effectLst/>
+                <a:latin typeface="Consolas" panose="020B0609020204030204" pitchFamily="49" charset="0"/>
+              </a:rPr>
+              <a:t>,);</a:t>
+            </a:r>
+            <a:br>
+              <a:rPr lang="it-IT" sz="1100" b="0" dirty="0">
+                <a:solidFill>
+                  <a:srgbClr val="000000"/>
+                </a:solidFill>
+                <a:effectLst/>
+                <a:latin typeface="Consolas" panose="020B0609020204030204" pitchFamily="49" charset="0"/>
+              </a:rPr>
+            </a:br>
+            <a:r>
+              <a:rPr lang="it-IT" sz="1100" b="0" dirty="0">
+                <a:solidFill>
+                  <a:srgbClr val="000000"/>
+                </a:solidFill>
+                <a:effectLst/>
+                <a:latin typeface="Consolas" panose="020B0609020204030204" pitchFamily="49" charset="0"/>
+              </a:rPr>
+              <a:t>}</a:t>
+            </a:r>
+          </a:p>
+          <a:p>
+            <a:pPr marL="0" indent="0">
+              <a:buFont typeface="Arial"/>
+              <a:buNone/>
+            </a:pPr>
+            <a:endParaRPr lang="it-IT" sz="1200" dirty="0">
+              <a:solidFill>
+                <a:srgbClr val="0000FF"/>
+              </a:solidFill>
+              <a:latin typeface="Courier New"/>
+              <a:ea typeface="Courier New"/>
+              <a:cs typeface="Courier New"/>
+              <a:sym typeface="Courier New"/>
+            </a:endParaRPr>
+          </a:p>
+        </p:txBody>
+      </p:sp>
+    </p:spTree>
+    <p:extLst>
+      <p:ext uri="{BB962C8B-B14F-4D97-AF65-F5344CB8AC3E}">
+        <p14:creationId xmlns:p14="http://schemas.microsoft.com/office/powerpoint/2010/main" val="4054323308"/>
+      </p:ext>
+    </p:extLst>
   </p:cSld>
   <p:clrMapOvr>
     <a:masterClrMapping/>

--- a/Santarossa_Slides.pptx
+++ b/Santarossa_Slides.pptx
@@ -5,15 +5,20 @@
     <p:sldMasterId id="2147483660" r:id="rId1"/>
   </p:sldMasterIdLst>
   <p:notesMasterIdLst>
-    <p:notesMasterId r:id="rId8"/>
+    <p:notesMasterId r:id="rId13"/>
   </p:notesMasterIdLst>
   <p:sldIdLst>
     <p:sldId id="256" r:id="rId2"/>
     <p:sldId id="257" r:id="rId3"/>
-    <p:sldId id="261" r:id="rId4"/>
-    <p:sldId id="259" r:id="rId5"/>
+    <p:sldId id="266" r:id="rId4"/>
+    <p:sldId id="261" r:id="rId5"/>
     <p:sldId id="262" r:id="rId6"/>
-    <p:sldId id="263" r:id="rId7"/>
+    <p:sldId id="259" r:id="rId7"/>
+    <p:sldId id="268" r:id="rId8"/>
+    <p:sldId id="263" r:id="rId9"/>
+    <p:sldId id="264" r:id="rId10"/>
+    <p:sldId id="265" r:id="rId11"/>
+    <p:sldId id="267" r:id="rId12"/>
   </p:sldIdLst>
   <p:sldSz cx="9144000" cy="5143500" type="screen16x9"/>
   <p:notesSz cx="6858000" cy="9144000"/>
@@ -948,6 +953,224 @@
 </p:notes>
 </file>
 
+<file path=ppt/notesSlides/notesSlide10.xml><?xml version="1.0" encoding="utf-8"?>
+<p:notes xmlns:a="http://schemas.openxmlformats.org/drawingml/2006/main" xmlns:r="http://schemas.openxmlformats.org/officeDocument/2006/relationships" xmlns:p="http://schemas.openxmlformats.org/presentationml/2006/main" showMasterSp="0" showMasterPhAnim="0">
+  <p:cSld>
+    <p:spTree>
+      <p:nvGrpSpPr>
+        <p:cNvPr id="1" name="Shape 105"/>
+        <p:cNvGrpSpPr/>
+        <p:nvPr/>
+      </p:nvGrpSpPr>
+      <p:grpSpPr>
+        <a:xfrm>
+          <a:off x="0" y="0"/>
+          <a:ext cx="0" cy="0"/>
+          <a:chOff x="0" y="0"/>
+          <a:chExt cx="0" cy="0"/>
+        </a:xfrm>
+      </p:grpSpPr>
+      <p:sp>
+        <p:nvSpPr>
+          <p:cNvPr id="106" name="Google Shape;106;gf8540ad0cb_0_0:notes"/>
+          <p:cNvSpPr txBox="1">
+            <a:spLocks noGrp="1"/>
+          </p:cNvSpPr>
+          <p:nvPr>
+            <p:ph type="body" idx="1"/>
+          </p:nvPr>
+        </p:nvSpPr>
+        <p:spPr>
+          <a:xfrm>
+            <a:off x="685800" y="4343400"/>
+            <a:ext cx="5486400" cy="4114800"/>
+          </a:xfrm>
+          <a:prstGeom prst="rect">
+            <a:avLst/>
+          </a:prstGeom>
+        </p:spPr>
+        <p:txBody>
+          <a:bodyPr spcFirstLastPara="1" wrap="square" lIns="91425" tIns="91425" rIns="91425" bIns="91425" anchor="t" anchorCtr="0">
+            <a:noAutofit/>
+          </a:bodyPr>
+          <a:lstStyle/>
+          <a:p>
+            <a:pPr marL="0" lvl="0" indent="0" algn="l" rtl="0">
+              <a:spcBef>
+                <a:spcPts val="0"/>
+              </a:spcBef>
+              <a:spcAft>
+                <a:spcPts val="0"/>
+              </a:spcAft>
+              <a:buNone/>
+            </a:pPr>
+            <a:endParaRPr dirty="0"/>
+          </a:p>
+        </p:txBody>
+      </p:sp>
+      <p:sp>
+        <p:nvSpPr>
+          <p:cNvPr id="107" name="Google Shape;107;gf8540ad0cb_0_0:notes"/>
+          <p:cNvSpPr>
+            <a:spLocks noGrp="1" noRot="1" noChangeAspect="1"/>
+          </p:cNvSpPr>
+          <p:nvPr>
+            <p:ph type="sldImg" idx="2"/>
+          </p:nvPr>
+        </p:nvSpPr>
+        <p:spPr>
+          <a:xfrm>
+            <a:off x="381000" y="685800"/>
+            <a:ext cx="6096000" cy="3429000"/>
+          </a:xfrm>
+          <a:custGeom>
+            <a:avLst/>
+            <a:gdLst/>
+            <a:ahLst/>
+            <a:cxnLst/>
+            <a:rect l="l" t="t" r="r" b="b"/>
+            <a:pathLst>
+              <a:path w="120000" h="120000" extrusionOk="0">
+                <a:moveTo>
+                  <a:pt x="0" y="0"/>
+                </a:moveTo>
+                <a:lnTo>
+                  <a:pt x="120000" y="0"/>
+                </a:lnTo>
+                <a:lnTo>
+                  <a:pt x="120000" y="120000"/>
+                </a:lnTo>
+                <a:lnTo>
+                  <a:pt x="0" y="120000"/>
+                </a:lnTo>
+                <a:close/>
+              </a:path>
+            </a:pathLst>
+          </a:custGeom>
+        </p:spPr>
+      </p:sp>
+    </p:spTree>
+    <p:extLst>
+      <p:ext uri="{BB962C8B-B14F-4D97-AF65-F5344CB8AC3E}">
+        <p14:creationId xmlns:p14="http://schemas.microsoft.com/office/powerpoint/2010/main" val="4042780344"/>
+      </p:ext>
+    </p:extLst>
+  </p:cSld>
+  <p:clrMapOvr>
+    <a:masterClrMapping/>
+  </p:clrMapOvr>
+</p:notes>
+</file>
+
+<file path=ppt/notesSlides/notesSlide11.xml><?xml version="1.0" encoding="utf-8"?>
+<p:notes xmlns:a="http://schemas.openxmlformats.org/drawingml/2006/main" xmlns:r="http://schemas.openxmlformats.org/officeDocument/2006/relationships" xmlns:p="http://schemas.openxmlformats.org/presentationml/2006/main" showMasterSp="0" showMasterPhAnim="0">
+  <p:cSld>
+    <p:spTree>
+      <p:nvGrpSpPr>
+        <p:cNvPr id="1" name="Shape 105"/>
+        <p:cNvGrpSpPr/>
+        <p:nvPr/>
+      </p:nvGrpSpPr>
+      <p:grpSpPr>
+        <a:xfrm>
+          <a:off x="0" y="0"/>
+          <a:ext cx="0" cy="0"/>
+          <a:chOff x="0" y="0"/>
+          <a:chExt cx="0" cy="0"/>
+        </a:xfrm>
+      </p:grpSpPr>
+      <p:sp>
+        <p:nvSpPr>
+          <p:cNvPr id="106" name="Google Shape;106;gf8540ad0cb_0_0:notes"/>
+          <p:cNvSpPr txBox="1">
+            <a:spLocks noGrp="1"/>
+          </p:cNvSpPr>
+          <p:nvPr>
+            <p:ph type="body" idx="1"/>
+          </p:nvPr>
+        </p:nvSpPr>
+        <p:spPr>
+          <a:xfrm>
+            <a:off x="685800" y="4343400"/>
+            <a:ext cx="5486400" cy="4114800"/>
+          </a:xfrm>
+          <a:prstGeom prst="rect">
+            <a:avLst/>
+          </a:prstGeom>
+        </p:spPr>
+        <p:txBody>
+          <a:bodyPr spcFirstLastPara="1" wrap="square" lIns="91425" tIns="91425" rIns="91425" bIns="91425" anchor="t" anchorCtr="0">
+            <a:noAutofit/>
+          </a:bodyPr>
+          <a:lstStyle/>
+          <a:p>
+            <a:pPr marL="0" lvl="0" indent="0" algn="l" rtl="0">
+              <a:spcBef>
+                <a:spcPts val="0"/>
+              </a:spcBef>
+              <a:spcAft>
+                <a:spcPts val="0"/>
+              </a:spcAft>
+              <a:buNone/>
+            </a:pPr>
+            <a:endParaRPr dirty="0"/>
+          </a:p>
+        </p:txBody>
+      </p:sp>
+      <p:sp>
+        <p:nvSpPr>
+          <p:cNvPr id="107" name="Google Shape;107;gf8540ad0cb_0_0:notes"/>
+          <p:cNvSpPr>
+            <a:spLocks noGrp="1" noRot="1" noChangeAspect="1"/>
+          </p:cNvSpPr>
+          <p:nvPr>
+            <p:ph type="sldImg" idx="2"/>
+          </p:nvPr>
+        </p:nvSpPr>
+        <p:spPr>
+          <a:xfrm>
+            <a:off x="381000" y="685800"/>
+            <a:ext cx="6096000" cy="3429000"/>
+          </a:xfrm>
+          <a:custGeom>
+            <a:avLst/>
+            <a:gdLst/>
+            <a:ahLst/>
+            <a:cxnLst/>
+            <a:rect l="l" t="t" r="r" b="b"/>
+            <a:pathLst>
+              <a:path w="120000" h="120000" extrusionOk="0">
+                <a:moveTo>
+                  <a:pt x="0" y="0"/>
+                </a:moveTo>
+                <a:lnTo>
+                  <a:pt x="120000" y="0"/>
+                </a:lnTo>
+                <a:lnTo>
+                  <a:pt x="120000" y="120000"/>
+                </a:lnTo>
+                <a:lnTo>
+                  <a:pt x="0" y="120000"/>
+                </a:lnTo>
+                <a:close/>
+              </a:path>
+            </a:pathLst>
+          </a:custGeom>
+        </p:spPr>
+      </p:sp>
+    </p:spTree>
+    <p:extLst>
+      <p:ext uri="{BB962C8B-B14F-4D97-AF65-F5344CB8AC3E}">
+        <p14:creationId xmlns:p14="http://schemas.microsoft.com/office/powerpoint/2010/main" val="317369787"/>
+      </p:ext>
+    </p:extLst>
+  </p:cSld>
+  <p:clrMapOvr>
+    <a:masterClrMapping/>
+  </p:clrMapOvr>
+</p:notes>
+</file>
+
 <file path=ppt/notesSlides/notesSlide2.xml><?xml version="1.0" encoding="utf-8"?>
 <p:notes xmlns:a="http://schemas.openxmlformats.org/drawingml/2006/main" xmlns:r="http://schemas.openxmlformats.org/officeDocument/2006/relationships" xmlns:p="http://schemas.openxmlformats.org/presentationml/2006/main" showMasterSp="0" showMasterPhAnim="0">
   <p:cSld>
@@ -1151,7 +1374,7 @@
     </p:spTree>
     <p:extLst>
       <p:ext uri="{BB962C8B-B14F-4D97-AF65-F5344CB8AC3E}">
-        <p14:creationId xmlns:p14="http://schemas.microsoft.com/office/powerpoint/2010/main" val="3169349662"/>
+        <p14:creationId xmlns:p14="http://schemas.microsoft.com/office/powerpoint/2010/main" val="162106033"/>
       </p:ext>
     </p:extLst>
   </p:cSld>
@@ -1166,7 +1389,7 @@
   <p:cSld>
     <p:spTree>
       <p:nvGrpSpPr>
-        <p:cNvPr id="1" name="Shape 105"/>
+        <p:cNvPr id="1" name="Shape 89"/>
         <p:cNvGrpSpPr/>
         <p:nvPr/>
       </p:nvGrpSpPr>
@@ -1180,7 +1403,7 @@
       </p:grpSpPr>
       <p:sp>
         <p:nvSpPr>
-          <p:cNvPr id="106" name="Google Shape;106;gf8540ad0cb_0_0:notes"/>
+          <p:cNvPr id="90" name="Google Shape;90;p2:notes"/>
           <p:cNvSpPr txBox="1">
             <a:spLocks noGrp="1"/>
           </p:cNvSpPr>
@@ -1212,13 +1435,13 @@
               </a:spcAft>
               <a:buNone/>
             </a:pPr>
-            <a:endParaRPr dirty="0"/>
+            <a:endParaRPr/>
           </a:p>
         </p:txBody>
       </p:sp>
       <p:sp>
         <p:nvSpPr>
-          <p:cNvPr id="107" name="Google Shape;107;gf8540ad0cb_0_0:notes"/>
+          <p:cNvPr id="91" name="Google Shape;91;p2:notes"/>
           <p:cNvSpPr>
             <a:spLocks noGrp="1" noRot="1" noChangeAspect="1"/>
           </p:cNvSpPr>
@@ -1258,6 +1481,11 @@
         </p:spPr>
       </p:sp>
     </p:spTree>
+    <p:extLst>
+      <p:ext uri="{BB962C8B-B14F-4D97-AF65-F5344CB8AC3E}">
+        <p14:creationId xmlns:p14="http://schemas.microsoft.com/office/powerpoint/2010/main" val="3169349662"/>
+      </p:ext>
+    </p:extLst>
   </p:cSld>
   <p:clrMapOvr>
     <a:masterClrMapping/>
@@ -1471,9 +1699,331 @@
         </p:spPr>
       </p:sp>
     </p:spTree>
+  </p:cSld>
+  <p:clrMapOvr>
+    <a:masterClrMapping/>
+  </p:clrMapOvr>
+</p:notes>
+</file>
+
+<file path=ppt/notesSlides/notesSlide7.xml><?xml version="1.0" encoding="utf-8"?>
+<p:notes xmlns:a="http://schemas.openxmlformats.org/drawingml/2006/main" xmlns:r="http://schemas.openxmlformats.org/officeDocument/2006/relationships" xmlns:p="http://schemas.openxmlformats.org/presentationml/2006/main" showMasterSp="0" showMasterPhAnim="0">
+  <p:cSld>
+    <p:spTree>
+      <p:nvGrpSpPr>
+        <p:cNvPr id="1" name="Shape 105"/>
+        <p:cNvGrpSpPr/>
+        <p:nvPr/>
+      </p:nvGrpSpPr>
+      <p:grpSpPr>
+        <a:xfrm>
+          <a:off x="0" y="0"/>
+          <a:ext cx="0" cy="0"/>
+          <a:chOff x="0" y="0"/>
+          <a:chExt cx="0" cy="0"/>
+        </a:xfrm>
+      </p:grpSpPr>
+      <p:sp>
+        <p:nvSpPr>
+          <p:cNvPr id="106" name="Google Shape;106;gf8540ad0cb_0_0:notes"/>
+          <p:cNvSpPr txBox="1">
+            <a:spLocks noGrp="1"/>
+          </p:cNvSpPr>
+          <p:nvPr>
+            <p:ph type="body" idx="1"/>
+          </p:nvPr>
+        </p:nvSpPr>
+        <p:spPr>
+          <a:xfrm>
+            <a:off x="685800" y="4343400"/>
+            <a:ext cx="5486400" cy="4114800"/>
+          </a:xfrm>
+          <a:prstGeom prst="rect">
+            <a:avLst/>
+          </a:prstGeom>
+        </p:spPr>
+        <p:txBody>
+          <a:bodyPr spcFirstLastPara="1" wrap="square" lIns="91425" tIns="91425" rIns="91425" bIns="91425" anchor="t" anchorCtr="0">
+            <a:noAutofit/>
+          </a:bodyPr>
+          <a:lstStyle/>
+          <a:p>
+            <a:pPr marL="0" lvl="0" indent="0" algn="l" rtl="0">
+              <a:spcBef>
+                <a:spcPts val="0"/>
+              </a:spcBef>
+              <a:spcAft>
+                <a:spcPts val="0"/>
+              </a:spcAft>
+              <a:buNone/>
+            </a:pPr>
+            <a:endParaRPr dirty="0"/>
+          </a:p>
+        </p:txBody>
+      </p:sp>
+      <p:sp>
+        <p:nvSpPr>
+          <p:cNvPr id="107" name="Google Shape;107;gf8540ad0cb_0_0:notes"/>
+          <p:cNvSpPr>
+            <a:spLocks noGrp="1" noRot="1" noChangeAspect="1"/>
+          </p:cNvSpPr>
+          <p:nvPr>
+            <p:ph type="sldImg" idx="2"/>
+          </p:nvPr>
+        </p:nvSpPr>
+        <p:spPr>
+          <a:xfrm>
+            <a:off x="381000" y="685800"/>
+            <a:ext cx="6096000" cy="3429000"/>
+          </a:xfrm>
+          <a:custGeom>
+            <a:avLst/>
+            <a:gdLst/>
+            <a:ahLst/>
+            <a:cxnLst/>
+            <a:rect l="l" t="t" r="r" b="b"/>
+            <a:pathLst>
+              <a:path w="120000" h="120000" extrusionOk="0">
+                <a:moveTo>
+                  <a:pt x="0" y="0"/>
+                </a:moveTo>
+                <a:lnTo>
+                  <a:pt x="120000" y="0"/>
+                </a:lnTo>
+                <a:lnTo>
+                  <a:pt x="120000" y="120000"/>
+                </a:lnTo>
+                <a:lnTo>
+                  <a:pt x="0" y="120000"/>
+                </a:lnTo>
+                <a:close/>
+              </a:path>
+            </a:pathLst>
+          </a:custGeom>
+        </p:spPr>
+      </p:sp>
+    </p:spTree>
+    <p:extLst>
+      <p:ext uri="{BB962C8B-B14F-4D97-AF65-F5344CB8AC3E}">
+        <p14:creationId xmlns:p14="http://schemas.microsoft.com/office/powerpoint/2010/main" val="897011670"/>
+      </p:ext>
+    </p:extLst>
+  </p:cSld>
+  <p:clrMapOvr>
+    <a:masterClrMapping/>
+  </p:clrMapOvr>
+</p:notes>
+</file>
+
+<file path=ppt/notesSlides/notesSlide8.xml><?xml version="1.0" encoding="utf-8"?>
+<p:notes xmlns:a="http://schemas.openxmlformats.org/drawingml/2006/main" xmlns:r="http://schemas.openxmlformats.org/officeDocument/2006/relationships" xmlns:p="http://schemas.openxmlformats.org/presentationml/2006/main" showMasterSp="0" showMasterPhAnim="0">
+  <p:cSld>
+    <p:spTree>
+      <p:nvGrpSpPr>
+        <p:cNvPr id="1" name="Shape 105"/>
+        <p:cNvGrpSpPr/>
+        <p:nvPr/>
+      </p:nvGrpSpPr>
+      <p:grpSpPr>
+        <a:xfrm>
+          <a:off x="0" y="0"/>
+          <a:ext cx="0" cy="0"/>
+          <a:chOff x="0" y="0"/>
+          <a:chExt cx="0" cy="0"/>
+        </a:xfrm>
+      </p:grpSpPr>
+      <p:sp>
+        <p:nvSpPr>
+          <p:cNvPr id="106" name="Google Shape;106;gf8540ad0cb_0_0:notes"/>
+          <p:cNvSpPr txBox="1">
+            <a:spLocks noGrp="1"/>
+          </p:cNvSpPr>
+          <p:nvPr>
+            <p:ph type="body" idx="1"/>
+          </p:nvPr>
+        </p:nvSpPr>
+        <p:spPr>
+          <a:xfrm>
+            <a:off x="685800" y="4343400"/>
+            <a:ext cx="5486400" cy="4114800"/>
+          </a:xfrm>
+          <a:prstGeom prst="rect">
+            <a:avLst/>
+          </a:prstGeom>
+        </p:spPr>
+        <p:txBody>
+          <a:bodyPr spcFirstLastPara="1" wrap="square" lIns="91425" tIns="91425" rIns="91425" bIns="91425" anchor="t" anchorCtr="0">
+            <a:noAutofit/>
+          </a:bodyPr>
+          <a:lstStyle/>
+          <a:p>
+            <a:pPr marL="0" lvl="0" indent="0" algn="l" rtl="0">
+              <a:spcBef>
+                <a:spcPts val="0"/>
+              </a:spcBef>
+              <a:spcAft>
+                <a:spcPts val="0"/>
+              </a:spcAft>
+              <a:buNone/>
+            </a:pPr>
+            <a:endParaRPr dirty="0"/>
+          </a:p>
+        </p:txBody>
+      </p:sp>
+      <p:sp>
+        <p:nvSpPr>
+          <p:cNvPr id="107" name="Google Shape;107;gf8540ad0cb_0_0:notes"/>
+          <p:cNvSpPr>
+            <a:spLocks noGrp="1" noRot="1" noChangeAspect="1"/>
+          </p:cNvSpPr>
+          <p:nvPr>
+            <p:ph type="sldImg" idx="2"/>
+          </p:nvPr>
+        </p:nvSpPr>
+        <p:spPr>
+          <a:xfrm>
+            <a:off x="381000" y="685800"/>
+            <a:ext cx="6096000" cy="3429000"/>
+          </a:xfrm>
+          <a:custGeom>
+            <a:avLst/>
+            <a:gdLst/>
+            <a:ahLst/>
+            <a:cxnLst/>
+            <a:rect l="l" t="t" r="r" b="b"/>
+            <a:pathLst>
+              <a:path w="120000" h="120000" extrusionOk="0">
+                <a:moveTo>
+                  <a:pt x="0" y="0"/>
+                </a:moveTo>
+                <a:lnTo>
+                  <a:pt x="120000" y="0"/>
+                </a:lnTo>
+                <a:lnTo>
+                  <a:pt x="120000" y="120000"/>
+                </a:lnTo>
+                <a:lnTo>
+                  <a:pt x="0" y="120000"/>
+                </a:lnTo>
+                <a:close/>
+              </a:path>
+            </a:pathLst>
+          </a:custGeom>
+        </p:spPr>
+      </p:sp>
+    </p:spTree>
     <p:extLst>
       <p:ext uri="{BB962C8B-B14F-4D97-AF65-F5344CB8AC3E}">
         <p14:creationId xmlns:p14="http://schemas.microsoft.com/office/powerpoint/2010/main" val="3716976225"/>
+      </p:ext>
+    </p:extLst>
+  </p:cSld>
+  <p:clrMapOvr>
+    <a:masterClrMapping/>
+  </p:clrMapOvr>
+</p:notes>
+</file>
+
+<file path=ppt/notesSlides/notesSlide9.xml><?xml version="1.0" encoding="utf-8"?>
+<p:notes xmlns:a="http://schemas.openxmlformats.org/drawingml/2006/main" xmlns:r="http://schemas.openxmlformats.org/officeDocument/2006/relationships" xmlns:p="http://schemas.openxmlformats.org/presentationml/2006/main" showMasterSp="0" showMasterPhAnim="0">
+  <p:cSld>
+    <p:spTree>
+      <p:nvGrpSpPr>
+        <p:cNvPr id="1" name="Shape 105"/>
+        <p:cNvGrpSpPr/>
+        <p:nvPr/>
+      </p:nvGrpSpPr>
+      <p:grpSpPr>
+        <a:xfrm>
+          <a:off x="0" y="0"/>
+          <a:ext cx="0" cy="0"/>
+          <a:chOff x="0" y="0"/>
+          <a:chExt cx="0" cy="0"/>
+        </a:xfrm>
+      </p:grpSpPr>
+      <p:sp>
+        <p:nvSpPr>
+          <p:cNvPr id="106" name="Google Shape;106;gf8540ad0cb_0_0:notes"/>
+          <p:cNvSpPr txBox="1">
+            <a:spLocks noGrp="1"/>
+          </p:cNvSpPr>
+          <p:nvPr>
+            <p:ph type="body" idx="1"/>
+          </p:nvPr>
+        </p:nvSpPr>
+        <p:spPr>
+          <a:xfrm>
+            <a:off x="685800" y="4343400"/>
+            <a:ext cx="5486400" cy="4114800"/>
+          </a:xfrm>
+          <a:prstGeom prst="rect">
+            <a:avLst/>
+          </a:prstGeom>
+        </p:spPr>
+        <p:txBody>
+          <a:bodyPr spcFirstLastPara="1" wrap="square" lIns="91425" tIns="91425" rIns="91425" bIns="91425" anchor="t" anchorCtr="0">
+            <a:noAutofit/>
+          </a:bodyPr>
+          <a:lstStyle/>
+          <a:p>
+            <a:pPr marL="0" lvl="0" indent="0" algn="l" rtl="0">
+              <a:spcBef>
+                <a:spcPts val="0"/>
+              </a:spcBef>
+              <a:spcAft>
+                <a:spcPts val="0"/>
+              </a:spcAft>
+              <a:buNone/>
+            </a:pPr>
+            <a:endParaRPr dirty="0"/>
+          </a:p>
+        </p:txBody>
+      </p:sp>
+      <p:sp>
+        <p:nvSpPr>
+          <p:cNvPr id="107" name="Google Shape;107;gf8540ad0cb_0_0:notes"/>
+          <p:cNvSpPr>
+            <a:spLocks noGrp="1" noRot="1" noChangeAspect="1"/>
+          </p:cNvSpPr>
+          <p:nvPr>
+            <p:ph type="sldImg" idx="2"/>
+          </p:nvPr>
+        </p:nvSpPr>
+        <p:spPr>
+          <a:xfrm>
+            <a:off x="381000" y="685800"/>
+            <a:ext cx="6096000" cy="3429000"/>
+          </a:xfrm>
+          <a:custGeom>
+            <a:avLst/>
+            <a:gdLst/>
+            <a:ahLst/>
+            <a:cxnLst/>
+            <a:rect l="l" t="t" r="r" b="b"/>
+            <a:pathLst>
+              <a:path w="120000" h="120000" extrusionOk="0">
+                <a:moveTo>
+                  <a:pt x="0" y="0"/>
+                </a:moveTo>
+                <a:lnTo>
+                  <a:pt x="120000" y="0"/>
+                </a:lnTo>
+                <a:lnTo>
+                  <a:pt x="120000" y="120000"/>
+                </a:lnTo>
+                <a:lnTo>
+                  <a:pt x="0" y="120000"/>
+                </a:lnTo>
+                <a:close/>
+              </a:path>
+            </a:pathLst>
+          </a:custGeom>
+        </p:spPr>
+      </p:sp>
+    </p:spTree>
+    <p:extLst>
+      <p:ext uri="{BB962C8B-B14F-4D97-AF65-F5344CB8AC3E}">
+        <p14:creationId xmlns:p14="http://schemas.microsoft.com/office/powerpoint/2010/main" val="3563079764"/>
       </p:ext>
     </p:extLst>
   </p:cSld>
@@ -12226,6 +12776,2078 @@
 </p:sld>
 </file>
 
+<file path=ppt/slides/slide10.xml><?xml version="1.0" encoding="utf-8"?>
+<p:sld xmlns:a="http://schemas.openxmlformats.org/drawingml/2006/main" xmlns:r="http://schemas.openxmlformats.org/officeDocument/2006/relationships" xmlns:p="http://schemas.openxmlformats.org/presentationml/2006/main">
+  <p:cSld>
+    <p:spTree>
+      <p:nvGrpSpPr>
+        <p:cNvPr id="1" name="Shape 108"/>
+        <p:cNvGrpSpPr/>
+        <p:nvPr/>
+      </p:nvGrpSpPr>
+      <p:grpSpPr>
+        <a:xfrm>
+          <a:off x="0" y="0"/>
+          <a:ext cx="0" cy="0"/>
+          <a:chOff x="0" y="0"/>
+          <a:chExt cx="0" cy="0"/>
+        </a:xfrm>
+      </p:grpSpPr>
+      <p:sp>
+        <p:nvSpPr>
+          <p:cNvPr id="109" name="Google Shape;109;p17"/>
+          <p:cNvSpPr txBox="1">
+            <a:spLocks noGrp="1"/>
+          </p:cNvSpPr>
+          <p:nvPr>
+            <p:ph type="title"/>
+          </p:nvPr>
+        </p:nvSpPr>
+        <p:spPr>
+          <a:xfrm>
+            <a:off x="0" y="-603"/>
+            <a:ext cx="9144000" cy="1153200"/>
+          </a:xfrm>
+          <a:prstGeom prst="rect">
+            <a:avLst/>
+          </a:prstGeom>
+          <a:solidFill>
+            <a:srgbClr val="777777"/>
+          </a:solidFill>
+          <a:ln>
+            <a:noFill/>
+          </a:ln>
+        </p:spPr>
+        <p:txBody>
+          <a:bodyPr spcFirstLastPara="1" wrap="square" lIns="540000" tIns="91425" rIns="360000" bIns="91425" anchor="ctr" anchorCtr="0">
+            <a:noAutofit/>
+          </a:bodyPr>
+          <a:lstStyle/>
+          <a:p>
+            <a:pPr marL="0" lvl="0" indent="0" algn="l" rtl="0">
+              <a:lnSpc>
+                <a:spcPct val="100000"/>
+              </a:lnSpc>
+              <a:spcBef>
+                <a:spcPts val="0"/>
+              </a:spcBef>
+              <a:spcAft>
+                <a:spcPts val="0"/>
+              </a:spcAft>
+              <a:buSzPts val="2800"/>
+              <a:buNone/>
+            </a:pPr>
+            <a:r>
+              <a:rPr lang="en-US" dirty="0" err="1"/>
+              <a:t>Operazioni</a:t>
+            </a:r>
+            <a:r>
+              <a:rPr lang="en-US" dirty="0"/>
+              <a:t> </a:t>
+            </a:r>
+            <a:r>
+              <a:rPr lang="en-US" dirty="0" err="1"/>
+              <a:t>sul</a:t>
+            </a:r>
+            <a:r>
+              <a:rPr lang="en-US" dirty="0"/>
+              <a:t> database</a:t>
+            </a:r>
+            <a:endParaRPr dirty="0"/>
+          </a:p>
+        </p:txBody>
+      </p:sp>
+      <p:sp>
+        <p:nvSpPr>
+          <p:cNvPr id="110" name="Google Shape;110;p17"/>
+          <p:cNvSpPr txBox="1">
+            <a:spLocks noGrp="1"/>
+          </p:cNvSpPr>
+          <p:nvPr>
+            <p:ph type="body" idx="2"/>
+          </p:nvPr>
+        </p:nvSpPr>
+        <p:spPr>
+          <a:xfrm>
+            <a:off x="1669312" y="4688958"/>
+            <a:ext cx="4455000" cy="447600"/>
+          </a:xfrm>
+          <a:prstGeom prst="rect">
+            <a:avLst/>
+          </a:prstGeom>
+          <a:noFill/>
+          <a:ln>
+            <a:noFill/>
+          </a:ln>
+        </p:spPr>
+        <p:txBody>
+          <a:bodyPr spcFirstLastPara="1" wrap="square" lIns="91425" tIns="0" rIns="91425" bIns="0" anchor="ctr" anchorCtr="0">
+            <a:noAutofit/>
+          </a:bodyPr>
+          <a:lstStyle/>
+          <a:p>
+            <a:pPr marL="114300" lvl="0" indent="0" algn="l" rtl="0">
+              <a:spcBef>
+                <a:spcPts val="0"/>
+              </a:spcBef>
+              <a:spcAft>
+                <a:spcPts val="0"/>
+              </a:spcAft>
+              <a:buClr>
+                <a:schemeClr val="dk1"/>
+              </a:buClr>
+              <a:buSzPts val="1800"/>
+              <a:buFont typeface="Arial"/>
+              <a:buNone/>
+            </a:pPr>
+            <a:r>
+              <a:rPr lang="en-US" dirty="0"/>
+              <a:t>SQLite e Flutter</a:t>
+            </a:r>
+            <a:endParaRPr dirty="0"/>
+          </a:p>
+        </p:txBody>
+      </p:sp>
+      <p:sp>
+        <p:nvSpPr>
+          <p:cNvPr id="111" name="Google Shape;111;p17"/>
+          <p:cNvSpPr txBox="1">
+            <a:spLocks noGrp="1"/>
+          </p:cNvSpPr>
+          <p:nvPr>
+            <p:ph type="body" idx="1"/>
+          </p:nvPr>
+        </p:nvSpPr>
+        <p:spPr>
+          <a:xfrm>
+            <a:off x="277850" y="1615192"/>
+            <a:ext cx="8508000" cy="2788720"/>
+          </a:xfrm>
+          <a:prstGeom prst="rect">
+            <a:avLst/>
+          </a:prstGeom>
+          <a:solidFill>
+            <a:srgbClr val="EFEFEF"/>
+          </a:solidFill>
+          <a:ln>
+            <a:noFill/>
+          </a:ln>
+        </p:spPr>
+        <p:txBody>
+          <a:bodyPr spcFirstLastPara="1" wrap="square" lIns="91425" tIns="91425" rIns="91425" bIns="91425" anchor="t" anchorCtr="0">
+            <a:noAutofit/>
+          </a:bodyPr>
+          <a:lstStyle/>
+          <a:p>
+            <a:pPr marL="0" indent="0">
+              <a:buNone/>
+            </a:pPr>
+            <a:r>
+              <a:rPr lang="en-US" sz="1100" b="0" dirty="0">
+                <a:solidFill>
+                  <a:srgbClr val="0000FF"/>
+                </a:solidFill>
+                <a:effectLst/>
+                <a:latin typeface="Consolas" panose="020B0609020204030204" pitchFamily="49" charset="0"/>
+              </a:rPr>
+              <a:t>static</a:t>
+            </a:r>
+            <a:r>
+              <a:rPr lang="en-US" sz="1100" b="0" dirty="0">
+                <a:solidFill>
+                  <a:srgbClr val="000000"/>
+                </a:solidFill>
+                <a:effectLst/>
+                <a:latin typeface="Consolas" panose="020B0609020204030204" pitchFamily="49" charset="0"/>
+              </a:rPr>
+              <a:t> Future&lt;List&lt;Swimmer&gt;&gt; </a:t>
+            </a:r>
+            <a:r>
+              <a:rPr lang="en-US" sz="1100" b="0" dirty="0" err="1">
+                <a:solidFill>
+                  <a:srgbClr val="000000"/>
+                </a:solidFill>
+                <a:effectLst/>
+                <a:latin typeface="Consolas" panose="020B0609020204030204" pitchFamily="49" charset="0"/>
+              </a:rPr>
+              <a:t>generateRecords</a:t>
+            </a:r>
+            <a:r>
+              <a:rPr lang="en-US" sz="1100" b="0" dirty="0">
+                <a:solidFill>
+                  <a:srgbClr val="000000"/>
+                </a:solidFill>
+                <a:effectLst/>
+                <a:latin typeface="Consolas" panose="020B0609020204030204" pitchFamily="49" charset="0"/>
+              </a:rPr>
+              <a:t>() </a:t>
+            </a:r>
+            <a:r>
+              <a:rPr lang="en-US" sz="1100" b="0" dirty="0">
+                <a:solidFill>
+                  <a:srgbClr val="0000FF"/>
+                </a:solidFill>
+                <a:effectLst/>
+                <a:latin typeface="Consolas" panose="020B0609020204030204" pitchFamily="49" charset="0"/>
+              </a:rPr>
+              <a:t>async</a:t>
+            </a:r>
+            <a:r>
+              <a:rPr lang="en-US" sz="1100" b="0" dirty="0">
+                <a:solidFill>
+                  <a:srgbClr val="000000"/>
+                </a:solidFill>
+                <a:effectLst/>
+                <a:latin typeface="Consolas" panose="020B0609020204030204" pitchFamily="49" charset="0"/>
+              </a:rPr>
+              <a:t> {</a:t>
+            </a:r>
+            <a:br>
+              <a:rPr lang="en-US" sz="1100" b="0" dirty="0">
+                <a:solidFill>
+                  <a:srgbClr val="000000"/>
+                </a:solidFill>
+                <a:effectLst/>
+                <a:latin typeface="Consolas" panose="020B0609020204030204" pitchFamily="49" charset="0"/>
+              </a:rPr>
+            </a:br>
+            <a:r>
+              <a:rPr lang="it-IT" sz="1400" dirty="0">
+                <a:solidFill>
+                  <a:schemeClr val="tx1"/>
+                </a:solidFill>
+                <a:latin typeface="Courier New"/>
+                <a:ea typeface="Courier New"/>
+                <a:cs typeface="Courier New"/>
+                <a:sym typeface="Courier New"/>
+              </a:rPr>
+              <a:t>…</a:t>
+            </a:r>
+            <a:br>
+              <a:rPr lang="it-IT" sz="1400" dirty="0">
+                <a:solidFill>
+                  <a:schemeClr val="tx1"/>
+                </a:solidFill>
+                <a:latin typeface="Courier New"/>
+                <a:ea typeface="Courier New"/>
+                <a:cs typeface="Courier New"/>
+                <a:sym typeface="Courier New"/>
+              </a:rPr>
+            </a:br>
+            <a:r>
+              <a:rPr lang="it-IT" sz="1100" b="0" dirty="0">
+                <a:solidFill>
+                  <a:srgbClr val="008000"/>
+                </a:solidFill>
+                <a:effectLst/>
+                <a:latin typeface="Consolas" panose="020B0609020204030204" pitchFamily="49" charset="0"/>
+              </a:rPr>
+              <a:t>//Viene creata una lista di tutti i record presenti nella </a:t>
+            </a:r>
+            <a:r>
+              <a:rPr lang="it-IT" sz="1100" b="0" dirty="0" err="1">
+                <a:solidFill>
+                  <a:srgbClr val="008000"/>
+                </a:solidFill>
+                <a:effectLst/>
+                <a:latin typeface="Consolas" panose="020B0609020204030204" pitchFamily="49" charset="0"/>
+              </a:rPr>
+              <a:t>tabella,data.query</a:t>
+            </a:r>
+            <a:r>
+              <a:rPr lang="it-IT" sz="1100" b="0" dirty="0">
+                <a:solidFill>
+                  <a:srgbClr val="008000"/>
+                </a:solidFill>
+                <a:effectLst/>
+                <a:latin typeface="Consolas" panose="020B0609020204030204" pitchFamily="49" charset="0"/>
+              </a:rPr>
+              <a:t> esegue una SELECT *</a:t>
+            </a:r>
+            <a:br>
+              <a:rPr lang="it-IT" sz="1400" dirty="0">
+                <a:solidFill>
+                  <a:schemeClr val="tx1"/>
+                </a:solidFill>
+                <a:latin typeface="Courier New"/>
+                <a:ea typeface="Courier New"/>
+                <a:cs typeface="Courier New"/>
+                <a:sym typeface="Courier New"/>
+              </a:rPr>
+            </a:br>
+            <a:r>
+              <a:rPr lang="it-IT" sz="1100" b="0" dirty="0" err="1">
+                <a:solidFill>
+                  <a:srgbClr val="0000FF"/>
+                </a:solidFill>
+                <a:effectLst/>
+                <a:latin typeface="Consolas" panose="020B0609020204030204" pitchFamily="49" charset="0"/>
+              </a:rPr>
+              <a:t>final</a:t>
+            </a:r>
+            <a:r>
+              <a:rPr lang="it-IT" sz="1100" b="0" dirty="0">
+                <a:solidFill>
+                  <a:srgbClr val="000000"/>
+                </a:solidFill>
+                <a:effectLst/>
+                <a:latin typeface="Consolas" panose="020B0609020204030204" pitchFamily="49" charset="0"/>
+              </a:rPr>
+              <a:t> List&lt;</a:t>
+            </a:r>
+            <a:r>
+              <a:rPr lang="it-IT" sz="1100" b="0" dirty="0" err="1">
+                <a:solidFill>
+                  <a:srgbClr val="000000"/>
+                </a:solidFill>
+                <a:effectLst/>
+                <a:latin typeface="Consolas" panose="020B0609020204030204" pitchFamily="49" charset="0"/>
+              </a:rPr>
+              <a:t>Map</a:t>
+            </a:r>
+            <a:r>
+              <a:rPr lang="it-IT" sz="1100" b="0" dirty="0">
+                <a:solidFill>
+                  <a:srgbClr val="000000"/>
+                </a:solidFill>
+                <a:effectLst/>
+                <a:latin typeface="Consolas" panose="020B0609020204030204" pitchFamily="49" charset="0"/>
+              </a:rPr>
+              <a:t>&lt;</a:t>
+            </a:r>
+            <a:r>
+              <a:rPr lang="it-IT" sz="1100" b="0" dirty="0" err="1">
+                <a:solidFill>
+                  <a:srgbClr val="000000"/>
+                </a:solidFill>
+                <a:effectLst/>
+                <a:latin typeface="Consolas" panose="020B0609020204030204" pitchFamily="49" charset="0"/>
+              </a:rPr>
+              <a:t>String</a:t>
+            </a:r>
+            <a:r>
+              <a:rPr lang="it-IT" sz="1100" b="0" dirty="0">
+                <a:solidFill>
+                  <a:srgbClr val="000000"/>
+                </a:solidFill>
+                <a:effectLst/>
+                <a:latin typeface="Consolas" panose="020B0609020204030204" pitchFamily="49" charset="0"/>
+              </a:rPr>
+              <a:t>, </a:t>
+            </a:r>
+            <a:r>
+              <a:rPr lang="it-IT" sz="1100" b="0" dirty="0" err="1">
+                <a:solidFill>
+                  <a:srgbClr val="000000"/>
+                </a:solidFill>
+                <a:effectLst/>
+                <a:latin typeface="Consolas" panose="020B0609020204030204" pitchFamily="49" charset="0"/>
+              </a:rPr>
+              <a:t>dynamic</a:t>
+            </a:r>
+            <a:r>
+              <a:rPr lang="it-IT" sz="1100" b="0" dirty="0">
+                <a:solidFill>
+                  <a:srgbClr val="000000"/>
+                </a:solidFill>
+                <a:effectLst/>
+                <a:latin typeface="Consolas" panose="020B0609020204030204" pitchFamily="49" charset="0"/>
+              </a:rPr>
+              <a:t>&gt;&gt; record = </a:t>
+            </a:r>
+            <a:r>
+              <a:rPr lang="it-IT" sz="1100" b="0" dirty="0" err="1">
+                <a:solidFill>
+                  <a:srgbClr val="0000FF"/>
+                </a:solidFill>
+                <a:effectLst/>
+                <a:latin typeface="Consolas" panose="020B0609020204030204" pitchFamily="49" charset="0"/>
+              </a:rPr>
+              <a:t>await</a:t>
+            </a:r>
+            <a:r>
+              <a:rPr lang="it-IT" sz="1100" b="0" dirty="0">
+                <a:solidFill>
+                  <a:srgbClr val="000000"/>
+                </a:solidFill>
+                <a:effectLst/>
+                <a:latin typeface="Consolas" panose="020B0609020204030204" pitchFamily="49" charset="0"/>
+              </a:rPr>
+              <a:t> </a:t>
+            </a:r>
+            <a:r>
+              <a:rPr lang="it-IT" sz="1100" b="0" dirty="0" err="1">
+                <a:solidFill>
+                  <a:srgbClr val="000000"/>
+                </a:solidFill>
+                <a:effectLst/>
+                <a:latin typeface="Consolas" panose="020B0609020204030204" pitchFamily="49" charset="0"/>
+              </a:rPr>
+              <a:t>data.query</a:t>
+            </a:r>
+            <a:r>
+              <a:rPr lang="it-IT" sz="1100" b="0" dirty="0">
+                <a:solidFill>
+                  <a:srgbClr val="000000"/>
+                </a:solidFill>
+                <a:effectLst/>
+                <a:latin typeface="Consolas" panose="020B0609020204030204" pitchFamily="49" charset="0"/>
+              </a:rPr>
+              <a:t>(</a:t>
+            </a:r>
+            <a:r>
+              <a:rPr lang="it-IT" sz="1100" b="0" dirty="0">
+                <a:solidFill>
+                  <a:srgbClr val="A31515"/>
+                </a:solidFill>
+                <a:effectLst/>
+                <a:latin typeface="Consolas" panose="020B0609020204030204" pitchFamily="49" charset="0"/>
+              </a:rPr>
+              <a:t>'</a:t>
+            </a:r>
+            <a:r>
+              <a:rPr lang="it-IT" sz="1100" b="0" dirty="0" err="1">
+                <a:solidFill>
+                  <a:srgbClr val="A31515"/>
+                </a:solidFill>
+                <a:effectLst/>
+                <a:latin typeface="Consolas" panose="020B0609020204030204" pitchFamily="49" charset="0"/>
+              </a:rPr>
+              <a:t>swimmers</a:t>
+            </a:r>
+            <a:r>
+              <a:rPr lang="it-IT" sz="1100" b="0" dirty="0">
+                <a:solidFill>
+                  <a:srgbClr val="A31515"/>
+                </a:solidFill>
+                <a:effectLst/>
+                <a:latin typeface="Consolas" panose="020B0609020204030204" pitchFamily="49" charset="0"/>
+              </a:rPr>
+              <a:t>’</a:t>
+            </a:r>
+            <a:r>
+              <a:rPr lang="it-IT" sz="1100" b="0" dirty="0">
+                <a:solidFill>
+                  <a:srgbClr val="000000"/>
+                </a:solidFill>
+                <a:effectLst/>
+                <a:latin typeface="Consolas" panose="020B0609020204030204" pitchFamily="49" charset="0"/>
+              </a:rPr>
+              <a:t>);</a:t>
+            </a:r>
+            <a:br>
+              <a:rPr lang="it-IT" sz="1100" b="0" dirty="0">
+                <a:solidFill>
+                  <a:srgbClr val="000000"/>
+                </a:solidFill>
+                <a:effectLst/>
+                <a:latin typeface="Consolas" panose="020B0609020204030204" pitchFamily="49" charset="0"/>
+              </a:rPr>
+            </a:br>
+            <a:endParaRPr lang="it-IT" sz="1100" b="0" dirty="0">
+              <a:solidFill>
+                <a:srgbClr val="000000"/>
+              </a:solidFill>
+              <a:effectLst/>
+              <a:latin typeface="Consolas" panose="020B0609020204030204" pitchFamily="49" charset="0"/>
+            </a:endParaRPr>
+          </a:p>
+          <a:p>
+            <a:pPr marL="0" indent="0">
+              <a:buNone/>
+            </a:pPr>
+            <a:r>
+              <a:rPr lang="it-IT" sz="1100" b="0" dirty="0" err="1">
+                <a:solidFill>
+                  <a:srgbClr val="0000FF"/>
+                </a:solidFill>
+                <a:effectLst/>
+                <a:latin typeface="Consolas" panose="020B0609020204030204" pitchFamily="49" charset="0"/>
+              </a:rPr>
+              <a:t>return</a:t>
+            </a:r>
+            <a:r>
+              <a:rPr lang="it-IT" sz="1100" b="0" dirty="0">
+                <a:solidFill>
+                  <a:srgbClr val="000000"/>
+                </a:solidFill>
+                <a:effectLst/>
+                <a:latin typeface="Consolas" panose="020B0609020204030204" pitchFamily="49" charset="0"/>
+              </a:rPr>
+              <a:t> </a:t>
+            </a:r>
+            <a:r>
+              <a:rPr lang="it-IT" sz="1100" b="0" dirty="0" err="1">
+                <a:solidFill>
+                  <a:srgbClr val="000000"/>
+                </a:solidFill>
+                <a:effectLst/>
+                <a:latin typeface="Consolas" panose="020B0609020204030204" pitchFamily="49" charset="0"/>
+              </a:rPr>
+              <a:t>List.generate</a:t>
+            </a:r>
+            <a:r>
+              <a:rPr lang="it-IT" sz="1100" b="0" dirty="0">
+                <a:solidFill>
+                  <a:srgbClr val="000000"/>
+                </a:solidFill>
+                <a:effectLst/>
+                <a:latin typeface="Consolas" panose="020B0609020204030204" pitchFamily="49" charset="0"/>
+              </a:rPr>
+              <a:t>(</a:t>
+            </a:r>
+            <a:r>
+              <a:rPr lang="it-IT" sz="1100" b="0" dirty="0" err="1">
+                <a:solidFill>
+                  <a:srgbClr val="000000"/>
+                </a:solidFill>
+                <a:effectLst/>
+                <a:latin typeface="Consolas" panose="020B0609020204030204" pitchFamily="49" charset="0"/>
+              </a:rPr>
+              <a:t>record.length</a:t>
+            </a:r>
+            <a:r>
+              <a:rPr lang="it-IT" sz="1100" b="0" dirty="0">
+                <a:solidFill>
+                  <a:srgbClr val="000000"/>
+                </a:solidFill>
+                <a:effectLst/>
+                <a:latin typeface="Consolas" panose="020B0609020204030204" pitchFamily="49" charset="0"/>
+              </a:rPr>
+              <a:t>, (index) {</a:t>
+            </a:r>
+            <a:br>
+              <a:rPr lang="it-IT" sz="1100" b="0" dirty="0">
+                <a:solidFill>
+                  <a:srgbClr val="000000"/>
+                </a:solidFill>
+                <a:effectLst/>
+                <a:latin typeface="Consolas" panose="020B0609020204030204" pitchFamily="49" charset="0"/>
+              </a:rPr>
+            </a:br>
+            <a:r>
+              <a:rPr lang="it-IT" sz="1100" b="0" dirty="0">
+                <a:solidFill>
+                  <a:srgbClr val="000000"/>
+                </a:solidFill>
+                <a:effectLst/>
+                <a:latin typeface="Consolas" panose="020B0609020204030204" pitchFamily="49" charset="0"/>
+              </a:rPr>
+              <a:t>	</a:t>
+            </a:r>
+            <a:r>
+              <a:rPr lang="it-IT" sz="1050" b="0" dirty="0">
+                <a:solidFill>
+                  <a:srgbClr val="008000"/>
+                </a:solidFill>
+                <a:effectLst/>
+                <a:latin typeface="Consolas" panose="020B0609020204030204" pitchFamily="49" charset="0"/>
+              </a:rPr>
+              <a:t>//Associa ad ogni campo il rispettivo valore</a:t>
+            </a:r>
+            <a:br>
+              <a:rPr lang="it-IT" sz="1100" b="0" dirty="0">
+                <a:solidFill>
+                  <a:srgbClr val="000000"/>
+                </a:solidFill>
+                <a:effectLst/>
+                <a:latin typeface="Consolas" panose="020B0609020204030204" pitchFamily="49" charset="0"/>
+              </a:rPr>
+            </a:br>
+            <a:r>
+              <a:rPr lang="it-IT" sz="1100" b="0" dirty="0">
+                <a:solidFill>
+                  <a:srgbClr val="000000"/>
+                </a:solidFill>
+                <a:effectLst/>
+                <a:latin typeface="Consolas" panose="020B0609020204030204" pitchFamily="49" charset="0"/>
+              </a:rPr>
+              <a:t>	</a:t>
+            </a:r>
+            <a:r>
+              <a:rPr lang="it-IT" sz="1100" b="0" dirty="0" err="1">
+                <a:solidFill>
+                  <a:srgbClr val="0000FF"/>
+                </a:solidFill>
+                <a:effectLst/>
+                <a:latin typeface="Consolas" panose="020B0609020204030204" pitchFamily="49" charset="0"/>
+              </a:rPr>
+              <a:t>return</a:t>
+            </a:r>
+            <a:r>
+              <a:rPr lang="it-IT" sz="1100" b="0" dirty="0">
+                <a:solidFill>
+                  <a:srgbClr val="000000"/>
+                </a:solidFill>
+                <a:effectLst/>
+                <a:latin typeface="Consolas" panose="020B0609020204030204" pitchFamily="49" charset="0"/>
+              </a:rPr>
+              <a:t> </a:t>
+            </a:r>
+            <a:r>
+              <a:rPr lang="it-IT" sz="1100" b="0" dirty="0" err="1">
+                <a:solidFill>
+                  <a:srgbClr val="000000"/>
+                </a:solidFill>
+                <a:effectLst/>
+                <a:latin typeface="Consolas" panose="020B0609020204030204" pitchFamily="49" charset="0"/>
+              </a:rPr>
+              <a:t>Swimmer</a:t>
+            </a:r>
+            <a:r>
+              <a:rPr lang="it-IT" sz="1100" b="0" dirty="0">
+                <a:solidFill>
+                  <a:srgbClr val="000000"/>
+                </a:solidFill>
+                <a:effectLst/>
+                <a:latin typeface="Consolas" panose="020B0609020204030204" pitchFamily="49" charset="0"/>
+              </a:rPr>
+              <a:t>(</a:t>
+            </a:r>
+          </a:p>
+          <a:p>
+            <a:pPr marL="114300" indent="0">
+              <a:buNone/>
+            </a:pPr>
+            <a:r>
+              <a:rPr lang="it-IT" sz="1100" dirty="0">
+                <a:solidFill>
+                  <a:srgbClr val="000000"/>
+                </a:solidFill>
+                <a:latin typeface="Consolas" panose="020B0609020204030204" pitchFamily="49" charset="0"/>
+              </a:rPr>
+              <a:t>	</a:t>
+            </a:r>
+            <a:r>
+              <a:rPr lang="it-IT" sz="1100" b="0" dirty="0" err="1">
+                <a:solidFill>
+                  <a:srgbClr val="000000"/>
+                </a:solidFill>
+                <a:effectLst/>
+                <a:latin typeface="Consolas" panose="020B0609020204030204" pitchFamily="49" charset="0"/>
+              </a:rPr>
+              <a:t>id_swimmer</a:t>
+            </a:r>
+            <a:r>
+              <a:rPr lang="it-IT" sz="1100" b="0" dirty="0">
+                <a:solidFill>
+                  <a:srgbClr val="000000"/>
+                </a:solidFill>
+                <a:effectLst/>
+                <a:latin typeface="Consolas" panose="020B0609020204030204" pitchFamily="49" charset="0"/>
+              </a:rPr>
+              <a:t>: record[index][</a:t>
+            </a:r>
+            <a:r>
+              <a:rPr lang="it-IT" sz="1100" b="0" dirty="0">
+                <a:solidFill>
+                  <a:srgbClr val="A31515"/>
+                </a:solidFill>
+                <a:effectLst/>
+                <a:latin typeface="Consolas" panose="020B0609020204030204" pitchFamily="49" charset="0"/>
+              </a:rPr>
+              <a:t>'</a:t>
+            </a:r>
+            <a:r>
+              <a:rPr lang="it-IT" sz="1100" b="0" dirty="0" err="1">
+                <a:solidFill>
+                  <a:srgbClr val="A31515"/>
+                </a:solidFill>
+                <a:effectLst/>
+                <a:latin typeface="Consolas" panose="020B0609020204030204" pitchFamily="49" charset="0"/>
+              </a:rPr>
+              <a:t>id_swimmer</a:t>
+            </a:r>
+            <a:r>
+              <a:rPr lang="it-IT" sz="1100" b="0" dirty="0">
+                <a:solidFill>
+                  <a:srgbClr val="A31515"/>
+                </a:solidFill>
+                <a:effectLst/>
+                <a:latin typeface="Consolas" panose="020B0609020204030204" pitchFamily="49" charset="0"/>
+              </a:rPr>
+              <a:t>’</a:t>
+            </a:r>
+            <a:r>
+              <a:rPr lang="it-IT" sz="1100" b="0" dirty="0">
+                <a:solidFill>
+                  <a:srgbClr val="000000"/>
+                </a:solidFill>
+                <a:effectLst/>
+                <a:latin typeface="Consolas" panose="020B0609020204030204" pitchFamily="49" charset="0"/>
+              </a:rPr>
+              <a:t>],</a:t>
+            </a:r>
+          </a:p>
+          <a:p>
+            <a:pPr marL="114300" indent="0">
+              <a:buNone/>
+            </a:pPr>
+            <a:r>
+              <a:rPr lang="it-IT" sz="1100" dirty="0">
+                <a:solidFill>
+                  <a:srgbClr val="000000"/>
+                </a:solidFill>
+                <a:latin typeface="Consolas" panose="020B0609020204030204" pitchFamily="49" charset="0"/>
+              </a:rPr>
+              <a:t>	</a:t>
+            </a:r>
+            <a:r>
+              <a:rPr lang="it-IT" sz="1100" b="0" dirty="0" err="1">
+                <a:solidFill>
+                  <a:srgbClr val="000000"/>
+                </a:solidFill>
+                <a:effectLst/>
+                <a:latin typeface="Consolas" panose="020B0609020204030204" pitchFamily="49" charset="0"/>
+              </a:rPr>
+              <a:t>swimmer_name</a:t>
+            </a:r>
+            <a:r>
+              <a:rPr lang="it-IT" sz="1100" b="0" dirty="0">
+                <a:solidFill>
+                  <a:srgbClr val="000000"/>
+                </a:solidFill>
+                <a:effectLst/>
+                <a:latin typeface="Consolas" panose="020B0609020204030204" pitchFamily="49" charset="0"/>
+              </a:rPr>
+              <a:t>: record[index][</a:t>
+            </a:r>
+            <a:r>
+              <a:rPr lang="it-IT" sz="1100" b="0" dirty="0">
+                <a:solidFill>
+                  <a:srgbClr val="A31515"/>
+                </a:solidFill>
+                <a:effectLst/>
+                <a:latin typeface="Consolas" panose="020B0609020204030204" pitchFamily="49" charset="0"/>
+              </a:rPr>
+              <a:t>'</a:t>
+            </a:r>
+            <a:r>
+              <a:rPr lang="it-IT" sz="1100" b="0" dirty="0" err="1">
+                <a:solidFill>
+                  <a:srgbClr val="A31515"/>
+                </a:solidFill>
+                <a:effectLst/>
+                <a:latin typeface="Consolas" panose="020B0609020204030204" pitchFamily="49" charset="0"/>
+              </a:rPr>
+              <a:t>swimmer_name</a:t>
+            </a:r>
+            <a:r>
+              <a:rPr lang="it-IT" sz="1100" b="0" dirty="0">
+                <a:solidFill>
+                  <a:srgbClr val="A31515"/>
+                </a:solidFill>
+                <a:effectLst/>
+                <a:latin typeface="Consolas" panose="020B0609020204030204" pitchFamily="49" charset="0"/>
+              </a:rPr>
+              <a:t>’</a:t>
+            </a:r>
+            <a:r>
+              <a:rPr lang="it-IT" sz="1100" b="0" dirty="0">
+                <a:solidFill>
+                  <a:srgbClr val="000000"/>
+                </a:solidFill>
+                <a:effectLst/>
+                <a:latin typeface="Consolas" panose="020B0609020204030204" pitchFamily="49" charset="0"/>
+              </a:rPr>
+              <a:t>],</a:t>
+            </a:r>
+          </a:p>
+          <a:p>
+            <a:pPr marL="114300" indent="0">
+              <a:buNone/>
+            </a:pPr>
+            <a:r>
+              <a:rPr lang="it-IT" sz="1100" dirty="0">
+                <a:solidFill>
+                  <a:srgbClr val="000000"/>
+                </a:solidFill>
+                <a:latin typeface="Consolas" panose="020B0609020204030204" pitchFamily="49" charset="0"/>
+              </a:rPr>
+              <a:t>	</a:t>
+            </a:r>
+            <a:r>
+              <a:rPr lang="it-IT" sz="1100" b="0" dirty="0">
+                <a:solidFill>
+                  <a:srgbClr val="000000"/>
+                </a:solidFill>
+                <a:effectLst/>
+                <a:latin typeface="Consolas" panose="020B0609020204030204" pitchFamily="49" charset="0"/>
+              </a:rPr>
+              <a:t>age: record[index][</a:t>
+            </a:r>
+            <a:r>
+              <a:rPr lang="it-IT" sz="1100" b="0" dirty="0">
+                <a:solidFill>
+                  <a:srgbClr val="A31515"/>
+                </a:solidFill>
+                <a:effectLst/>
+                <a:latin typeface="Consolas" panose="020B0609020204030204" pitchFamily="49" charset="0"/>
+              </a:rPr>
+              <a:t>'age’</a:t>
+            </a:r>
+            <a:r>
+              <a:rPr lang="it-IT" sz="1100" b="0" dirty="0">
+                <a:solidFill>
+                  <a:srgbClr val="000000"/>
+                </a:solidFill>
+                <a:effectLst/>
+                <a:latin typeface="Consolas" panose="020B0609020204030204" pitchFamily="49" charset="0"/>
+              </a:rPr>
+              <a:t>],</a:t>
+            </a:r>
+          </a:p>
+          <a:p>
+            <a:pPr marL="114300" indent="0">
+              <a:buNone/>
+            </a:pPr>
+            <a:r>
+              <a:rPr lang="it-IT" sz="1100" dirty="0">
+                <a:solidFill>
+                  <a:srgbClr val="000000"/>
+                </a:solidFill>
+                <a:latin typeface="Consolas" panose="020B0609020204030204" pitchFamily="49" charset="0"/>
+              </a:rPr>
+              <a:t>	</a:t>
+            </a:r>
+            <a:r>
+              <a:rPr lang="it-IT" sz="1100" b="0" dirty="0" err="1">
+                <a:solidFill>
+                  <a:srgbClr val="000000"/>
+                </a:solidFill>
+                <a:effectLst/>
+                <a:latin typeface="Consolas" panose="020B0609020204030204" pitchFamily="49" charset="0"/>
+              </a:rPr>
+              <a:t>nation</a:t>
+            </a:r>
+            <a:r>
+              <a:rPr lang="it-IT" sz="1100" b="0" dirty="0">
+                <a:solidFill>
+                  <a:srgbClr val="000000"/>
+                </a:solidFill>
+                <a:effectLst/>
+                <a:latin typeface="Consolas" panose="020B0609020204030204" pitchFamily="49" charset="0"/>
+              </a:rPr>
+              <a:t>: record[index][</a:t>
+            </a:r>
+            <a:r>
+              <a:rPr lang="it-IT" sz="1100" b="0" dirty="0">
+                <a:solidFill>
+                  <a:srgbClr val="A31515"/>
+                </a:solidFill>
+                <a:effectLst/>
+                <a:latin typeface="Consolas" panose="020B0609020204030204" pitchFamily="49" charset="0"/>
+              </a:rPr>
+              <a:t>'</a:t>
+            </a:r>
+            <a:r>
+              <a:rPr lang="it-IT" sz="1100" b="0" dirty="0" err="1">
+                <a:solidFill>
+                  <a:srgbClr val="A31515"/>
+                </a:solidFill>
+                <a:effectLst/>
+                <a:latin typeface="Consolas" panose="020B0609020204030204" pitchFamily="49" charset="0"/>
+              </a:rPr>
+              <a:t>nation</a:t>
+            </a:r>
+            <a:r>
+              <a:rPr lang="it-IT" sz="1100" b="0" dirty="0">
+                <a:solidFill>
+                  <a:srgbClr val="A31515"/>
+                </a:solidFill>
+                <a:effectLst/>
+                <a:latin typeface="Consolas" panose="020B0609020204030204" pitchFamily="49" charset="0"/>
+              </a:rPr>
+              <a:t>’</a:t>
+            </a:r>
+            <a:r>
+              <a:rPr lang="it-IT" sz="1100" b="0" dirty="0">
+                <a:solidFill>
+                  <a:srgbClr val="000000"/>
+                </a:solidFill>
+                <a:effectLst/>
+                <a:latin typeface="Consolas" panose="020B0609020204030204" pitchFamily="49" charset="0"/>
+              </a:rPr>
+              <a:t>]</a:t>
+            </a:r>
+            <a:br>
+              <a:rPr lang="it-IT" sz="1100" b="0" dirty="0">
+                <a:solidFill>
+                  <a:srgbClr val="000000"/>
+                </a:solidFill>
+                <a:effectLst/>
+                <a:latin typeface="Consolas" panose="020B0609020204030204" pitchFamily="49" charset="0"/>
+              </a:rPr>
+            </a:br>
+            <a:r>
+              <a:rPr lang="it-IT" sz="1100" b="0" dirty="0">
+                <a:solidFill>
+                  <a:srgbClr val="000000"/>
+                </a:solidFill>
+                <a:effectLst/>
+                <a:latin typeface="Consolas" panose="020B0609020204030204" pitchFamily="49" charset="0"/>
+              </a:rPr>
+              <a:t>);</a:t>
+            </a:r>
+          </a:p>
+          <a:p>
+            <a:pPr marL="0" lvl="0" indent="0" algn="l" rtl="0">
+              <a:lnSpc>
+                <a:spcPct val="115000"/>
+              </a:lnSpc>
+              <a:spcBef>
+                <a:spcPts val="0"/>
+              </a:spcBef>
+              <a:spcAft>
+                <a:spcPts val="0"/>
+              </a:spcAft>
+              <a:buNone/>
+            </a:pPr>
+            <a:endParaRPr lang="it-IT" sz="1200" dirty="0">
+              <a:solidFill>
+                <a:schemeClr val="tx1"/>
+              </a:solidFill>
+              <a:latin typeface="Courier New"/>
+              <a:ea typeface="Courier New"/>
+              <a:cs typeface="Courier New"/>
+              <a:sym typeface="Courier New"/>
+            </a:endParaRPr>
+          </a:p>
+        </p:txBody>
+      </p:sp>
+      <p:sp>
+        <p:nvSpPr>
+          <p:cNvPr id="113" name="Google Shape;113;p17"/>
+          <p:cNvSpPr txBox="1">
+            <a:spLocks noGrp="1"/>
+          </p:cNvSpPr>
+          <p:nvPr>
+            <p:ph type="body" idx="1"/>
+          </p:nvPr>
+        </p:nvSpPr>
+        <p:spPr>
+          <a:xfrm>
+            <a:off x="159300" y="1225650"/>
+            <a:ext cx="8984700" cy="571800"/>
+          </a:xfrm>
+          <a:prstGeom prst="rect">
+            <a:avLst/>
+          </a:prstGeom>
+          <a:noFill/>
+          <a:ln>
+            <a:noFill/>
+          </a:ln>
+        </p:spPr>
+        <p:txBody>
+          <a:bodyPr spcFirstLastPara="1" wrap="square" lIns="91425" tIns="91425" rIns="91425" bIns="91425" anchor="t" anchorCtr="0">
+            <a:noAutofit/>
+          </a:bodyPr>
+          <a:lstStyle/>
+          <a:p>
+            <a:pPr marL="457200" lvl="0" indent="-342900" algn="l" rtl="0">
+              <a:lnSpc>
+                <a:spcPct val="115000"/>
+              </a:lnSpc>
+              <a:spcBef>
+                <a:spcPts val="0"/>
+              </a:spcBef>
+              <a:spcAft>
+                <a:spcPts val="0"/>
+              </a:spcAft>
+              <a:buSzPts val="1800"/>
+              <a:buChar char="●"/>
+            </a:pPr>
+            <a:r>
+              <a:rPr lang="it-IT" sz="1800" dirty="0"/>
+              <a:t>Generazione della lista di record</a:t>
+            </a:r>
+            <a:endParaRPr sz="1800" dirty="0"/>
+          </a:p>
+        </p:txBody>
+      </p:sp>
+      <p:pic>
+        <p:nvPicPr>
+          <p:cNvPr id="115" name="Google Shape;115;p17"/>
+          <p:cNvPicPr preferRelativeResize="0"/>
+          <p:nvPr/>
+        </p:nvPicPr>
+        <p:blipFill>
+          <a:blip r:embed="rId3">
+            <a:alphaModFix/>
+          </a:blip>
+          <a:stretch>
+            <a:fillRect/>
+          </a:stretch>
+        </p:blipFill>
+        <p:spPr>
+          <a:xfrm>
+            <a:off x="89025" y="4680625"/>
+            <a:ext cx="447575" cy="447575"/>
+          </a:xfrm>
+          <a:prstGeom prst="rect">
+            <a:avLst/>
+          </a:prstGeom>
+          <a:noFill/>
+          <a:ln>
+            <a:noFill/>
+          </a:ln>
+        </p:spPr>
+      </p:pic>
+    </p:spTree>
+    <p:extLst>
+      <p:ext uri="{BB962C8B-B14F-4D97-AF65-F5344CB8AC3E}">
+        <p14:creationId xmlns:p14="http://schemas.microsoft.com/office/powerpoint/2010/main" val="3627018551"/>
+      </p:ext>
+    </p:extLst>
+  </p:cSld>
+  <p:clrMapOvr>
+    <a:masterClrMapping/>
+  </p:clrMapOvr>
+</p:sld>
+</file>
+
+<file path=ppt/slides/slide11.xml><?xml version="1.0" encoding="utf-8"?>
+<p:sld xmlns:a="http://schemas.openxmlformats.org/drawingml/2006/main" xmlns:r="http://schemas.openxmlformats.org/officeDocument/2006/relationships" xmlns:p="http://schemas.openxmlformats.org/presentationml/2006/main">
+  <p:cSld>
+    <p:spTree>
+      <p:nvGrpSpPr>
+        <p:cNvPr id="1" name="Shape 108"/>
+        <p:cNvGrpSpPr/>
+        <p:nvPr/>
+      </p:nvGrpSpPr>
+      <p:grpSpPr>
+        <a:xfrm>
+          <a:off x="0" y="0"/>
+          <a:ext cx="0" cy="0"/>
+          <a:chOff x="0" y="0"/>
+          <a:chExt cx="0" cy="0"/>
+        </a:xfrm>
+      </p:grpSpPr>
+      <p:sp>
+        <p:nvSpPr>
+          <p:cNvPr id="109" name="Google Shape;109;p17"/>
+          <p:cNvSpPr txBox="1">
+            <a:spLocks noGrp="1"/>
+          </p:cNvSpPr>
+          <p:nvPr>
+            <p:ph type="title"/>
+          </p:nvPr>
+        </p:nvSpPr>
+        <p:spPr>
+          <a:xfrm>
+            <a:off x="0" y="-603"/>
+            <a:ext cx="9144000" cy="1153200"/>
+          </a:xfrm>
+          <a:prstGeom prst="rect">
+            <a:avLst/>
+          </a:prstGeom>
+          <a:solidFill>
+            <a:srgbClr val="777777"/>
+          </a:solidFill>
+          <a:ln>
+            <a:noFill/>
+          </a:ln>
+        </p:spPr>
+        <p:txBody>
+          <a:bodyPr spcFirstLastPara="1" wrap="square" lIns="540000" tIns="91425" rIns="360000" bIns="91425" anchor="ctr" anchorCtr="0">
+            <a:noAutofit/>
+          </a:bodyPr>
+          <a:lstStyle/>
+          <a:p>
+            <a:pPr marL="0" lvl="0" indent="0" algn="l" rtl="0">
+              <a:lnSpc>
+                <a:spcPct val="100000"/>
+              </a:lnSpc>
+              <a:spcBef>
+                <a:spcPts val="0"/>
+              </a:spcBef>
+              <a:spcAft>
+                <a:spcPts val="0"/>
+              </a:spcAft>
+              <a:buSzPts val="2800"/>
+              <a:buNone/>
+            </a:pPr>
+            <a:r>
+              <a:rPr lang="en-US" dirty="0" err="1"/>
+              <a:t>Interfaccia</a:t>
+            </a:r>
+            <a:r>
+              <a:rPr lang="en-US" dirty="0"/>
+              <a:t> di </a:t>
+            </a:r>
+            <a:r>
+              <a:rPr lang="en-US" dirty="0" err="1"/>
+              <a:t>visualizzazione</a:t>
+            </a:r>
+            <a:endParaRPr dirty="0"/>
+          </a:p>
+        </p:txBody>
+      </p:sp>
+      <p:sp>
+        <p:nvSpPr>
+          <p:cNvPr id="110" name="Google Shape;110;p17"/>
+          <p:cNvSpPr txBox="1">
+            <a:spLocks noGrp="1"/>
+          </p:cNvSpPr>
+          <p:nvPr>
+            <p:ph type="body" idx="2"/>
+          </p:nvPr>
+        </p:nvSpPr>
+        <p:spPr>
+          <a:xfrm>
+            <a:off x="1669312" y="4688958"/>
+            <a:ext cx="4455000" cy="447600"/>
+          </a:xfrm>
+          <a:prstGeom prst="rect">
+            <a:avLst/>
+          </a:prstGeom>
+          <a:noFill/>
+          <a:ln>
+            <a:noFill/>
+          </a:ln>
+        </p:spPr>
+        <p:txBody>
+          <a:bodyPr spcFirstLastPara="1" wrap="square" lIns="91425" tIns="0" rIns="91425" bIns="0" anchor="ctr" anchorCtr="0">
+            <a:noAutofit/>
+          </a:bodyPr>
+          <a:lstStyle/>
+          <a:p>
+            <a:pPr marL="114300" lvl="0" indent="0" algn="l" rtl="0">
+              <a:spcBef>
+                <a:spcPts val="0"/>
+              </a:spcBef>
+              <a:spcAft>
+                <a:spcPts val="0"/>
+              </a:spcAft>
+              <a:buClr>
+                <a:schemeClr val="dk1"/>
+              </a:buClr>
+              <a:buSzPts val="1800"/>
+              <a:buFont typeface="Arial"/>
+              <a:buNone/>
+            </a:pPr>
+            <a:r>
+              <a:rPr lang="en-US" dirty="0"/>
+              <a:t>SQLite e Flutter</a:t>
+            </a:r>
+            <a:endParaRPr dirty="0"/>
+          </a:p>
+        </p:txBody>
+      </p:sp>
+      <p:sp>
+        <p:nvSpPr>
+          <p:cNvPr id="111" name="Google Shape;111;p17"/>
+          <p:cNvSpPr txBox="1">
+            <a:spLocks noGrp="1"/>
+          </p:cNvSpPr>
+          <p:nvPr>
+            <p:ph type="body" idx="1"/>
+          </p:nvPr>
+        </p:nvSpPr>
+        <p:spPr>
+          <a:xfrm>
+            <a:off x="312812" y="1655534"/>
+            <a:ext cx="8508000" cy="2943360"/>
+          </a:xfrm>
+          <a:prstGeom prst="rect">
+            <a:avLst/>
+          </a:prstGeom>
+          <a:solidFill>
+            <a:srgbClr val="EFEFEF"/>
+          </a:solidFill>
+          <a:ln>
+            <a:noFill/>
+          </a:ln>
+        </p:spPr>
+        <p:txBody>
+          <a:bodyPr spcFirstLastPara="1" wrap="square" lIns="91425" tIns="91425" rIns="91425" bIns="91425" anchor="t" anchorCtr="0">
+            <a:noAutofit/>
+          </a:bodyPr>
+          <a:lstStyle/>
+          <a:p>
+            <a:pPr marL="114300" indent="0">
+              <a:buNone/>
+            </a:pPr>
+            <a:r>
+              <a:rPr lang="it-IT" sz="1050" b="0" dirty="0" err="1">
+                <a:solidFill>
+                  <a:srgbClr val="000000"/>
+                </a:solidFill>
+                <a:effectLst/>
+                <a:latin typeface="Consolas" panose="020B0609020204030204" pitchFamily="49" charset="0"/>
+              </a:rPr>
+              <a:t>FutureBuilder</a:t>
+            </a:r>
+            <a:r>
+              <a:rPr lang="it-IT" sz="1050" b="0" dirty="0">
+                <a:solidFill>
+                  <a:srgbClr val="000000"/>
+                </a:solidFill>
+                <a:effectLst/>
+                <a:latin typeface="Consolas" panose="020B0609020204030204" pitchFamily="49" charset="0"/>
+              </a:rPr>
+              <a:t>&lt;List&lt;</a:t>
+            </a:r>
+            <a:r>
+              <a:rPr lang="it-IT" sz="1050" b="0" dirty="0" err="1">
+                <a:solidFill>
+                  <a:srgbClr val="000000"/>
+                </a:solidFill>
+                <a:effectLst/>
+                <a:latin typeface="Consolas" panose="020B0609020204030204" pitchFamily="49" charset="0"/>
+              </a:rPr>
+              <a:t>Swimmer</a:t>
+            </a:r>
+            <a:r>
+              <a:rPr lang="it-IT" sz="1050" b="0" dirty="0">
+                <a:solidFill>
+                  <a:srgbClr val="000000"/>
+                </a:solidFill>
+                <a:effectLst/>
+                <a:latin typeface="Consolas" panose="020B0609020204030204" pitchFamily="49" charset="0"/>
+              </a:rPr>
+              <a:t>&gt;&gt;(</a:t>
+            </a:r>
+          </a:p>
+          <a:p>
+            <a:pPr marL="114300" indent="0">
+              <a:buNone/>
+            </a:pPr>
+            <a:r>
+              <a:rPr lang="it-IT" sz="1050" dirty="0">
+                <a:solidFill>
+                  <a:srgbClr val="000000"/>
+                </a:solidFill>
+                <a:latin typeface="Consolas" panose="020B0609020204030204" pitchFamily="49" charset="0"/>
+              </a:rPr>
+              <a:t>	</a:t>
+            </a:r>
+            <a:r>
+              <a:rPr lang="it-IT" sz="1050" dirty="0">
+                <a:solidFill>
+                  <a:srgbClr val="008000"/>
+                </a:solidFill>
+                <a:latin typeface="Consolas" panose="020B0609020204030204" pitchFamily="49" charset="0"/>
+              </a:rPr>
+              <a:t>/</a:t>
+            </a:r>
+            <a:r>
+              <a:rPr lang="it-IT" sz="1050" b="0" dirty="0">
+                <a:solidFill>
+                  <a:srgbClr val="008000"/>
+                </a:solidFill>
+                <a:effectLst/>
+                <a:latin typeface="Consolas" panose="020B0609020204030204" pitchFamily="49" charset="0"/>
+              </a:rPr>
+              <a:t>/Acquisisco l'output della funzione che genera i record</a:t>
+            </a:r>
+            <a:endParaRPr lang="it-IT" sz="1050" b="0" dirty="0">
+              <a:solidFill>
+                <a:srgbClr val="000000"/>
+              </a:solidFill>
+              <a:effectLst/>
+              <a:latin typeface="Consolas" panose="020B0609020204030204" pitchFamily="49" charset="0"/>
+            </a:endParaRPr>
+          </a:p>
+          <a:p>
+            <a:pPr marL="114300" indent="0">
+              <a:buNone/>
+            </a:pPr>
+            <a:r>
+              <a:rPr lang="it-IT" sz="1050" dirty="0">
+                <a:solidFill>
+                  <a:srgbClr val="000000"/>
+                </a:solidFill>
+                <a:latin typeface="Consolas" panose="020B0609020204030204" pitchFamily="49" charset="0"/>
+              </a:rPr>
+              <a:t>	</a:t>
+            </a:r>
+            <a:r>
+              <a:rPr lang="it-IT" sz="1050" b="0" dirty="0">
+                <a:solidFill>
+                  <a:srgbClr val="000000"/>
+                </a:solidFill>
+                <a:effectLst/>
+                <a:latin typeface="Consolas" panose="020B0609020204030204" pitchFamily="49" charset="0"/>
+              </a:rPr>
+              <a:t>future: </a:t>
+            </a:r>
+            <a:r>
+              <a:rPr lang="it-IT" sz="1050" b="0" dirty="0" err="1">
+                <a:solidFill>
+                  <a:srgbClr val="000000"/>
+                </a:solidFill>
+                <a:effectLst/>
+                <a:latin typeface="Consolas" panose="020B0609020204030204" pitchFamily="49" charset="0"/>
+              </a:rPr>
+              <a:t>dbOperations.generateRecords</a:t>
+            </a:r>
+            <a:r>
+              <a:rPr lang="it-IT" sz="1050" b="0" dirty="0">
+                <a:solidFill>
+                  <a:srgbClr val="000000"/>
+                </a:solidFill>
+                <a:effectLst/>
+                <a:latin typeface="Consolas" panose="020B0609020204030204" pitchFamily="49" charset="0"/>
+              </a:rPr>
+              <a:t>(),</a:t>
+            </a:r>
+          </a:p>
+          <a:p>
+            <a:pPr marL="114300" indent="0">
+              <a:buNone/>
+            </a:pPr>
+            <a:r>
+              <a:rPr lang="it-IT" sz="1050" dirty="0">
+                <a:solidFill>
+                  <a:srgbClr val="000000"/>
+                </a:solidFill>
+                <a:latin typeface="Consolas" panose="020B0609020204030204" pitchFamily="49" charset="0"/>
+              </a:rPr>
+              <a:t>	</a:t>
+            </a:r>
+            <a:r>
+              <a:rPr lang="it-IT" sz="1050" b="0" dirty="0">
+                <a:solidFill>
+                  <a:srgbClr val="000000"/>
+                </a:solidFill>
+                <a:effectLst/>
+                <a:latin typeface="Consolas" panose="020B0609020204030204" pitchFamily="49" charset="0"/>
+              </a:rPr>
+              <a:t>builder: (</a:t>
+            </a:r>
+            <a:r>
+              <a:rPr lang="it-IT" sz="1050" b="0" dirty="0" err="1">
+                <a:solidFill>
+                  <a:srgbClr val="000000"/>
+                </a:solidFill>
+                <a:effectLst/>
+                <a:latin typeface="Consolas" panose="020B0609020204030204" pitchFamily="49" charset="0"/>
+              </a:rPr>
+              <a:t>context</a:t>
+            </a:r>
+            <a:r>
+              <a:rPr lang="it-IT" sz="1050" b="0" dirty="0">
+                <a:solidFill>
+                  <a:srgbClr val="000000"/>
+                </a:solidFill>
+                <a:effectLst/>
+                <a:latin typeface="Consolas" panose="020B0609020204030204" pitchFamily="49" charset="0"/>
+              </a:rPr>
+              <a:t>, future) {</a:t>
+            </a:r>
+          </a:p>
+          <a:p>
+            <a:pPr marL="114300" indent="0">
+              <a:buNone/>
+            </a:pPr>
+            <a:r>
+              <a:rPr lang="it-IT" sz="1050" dirty="0">
+                <a:solidFill>
+                  <a:srgbClr val="000000"/>
+                </a:solidFill>
+                <a:latin typeface="Consolas" panose="020B0609020204030204" pitchFamily="49" charset="0"/>
+              </a:rPr>
+              <a:t>	</a:t>
+            </a:r>
+            <a:r>
+              <a:rPr lang="it-IT" sz="1050" b="0" dirty="0">
+                <a:solidFill>
+                  <a:srgbClr val="008000"/>
+                </a:solidFill>
+                <a:effectLst/>
+                <a:latin typeface="Consolas" panose="020B0609020204030204" pitchFamily="49" charset="0"/>
+              </a:rPr>
+              <a:t>//Se la lista è vuota non stampo nulla, ma faccio solo il container vuoto</a:t>
+            </a:r>
+            <a:endParaRPr lang="it-IT" sz="1050" b="0" dirty="0">
+              <a:solidFill>
+                <a:srgbClr val="000000"/>
+              </a:solidFill>
+              <a:effectLst/>
+              <a:latin typeface="Consolas" panose="020B0609020204030204" pitchFamily="49" charset="0"/>
+            </a:endParaRPr>
+          </a:p>
+          <a:p>
+            <a:pPr marL="114300" indent="0">
+              <a:buNone/>
+            </a:pPr>
+            <a:r>
+              <a:rPr lang="it-IT" sz="1050" dirty="0">
+                <a:solidFill>
+                  <a:srgbClr val="000000"/>
+                </a:solidFill>
+                <a:latin typeface="Consolas" panose="020B0609020204030204" pitchFamily="49" charset="0"/>
+              </a:rPr>
+              <a:t>	</a:t>
+            </a:r>
+            <a:r>
+              <a:rPr lang="it-IT" sz="1050" b="0" dirty="0" err="1">
+                <a:solidFill>
+                  <a:srgbClr val="0000FF"/>
+                </a:solidFill>
+                <a:effectLst/>
+                <a:latin typeface="Consolas" panose="020B0609020204030204" pitchFamily="49" charset="0"/>
+              </a:rPr>
+              <a:t>if</a:t>
+            </a:r>
+            <a:r>
+              <a:rPr lang="it-IT" sz="1050" b="0" dirty="0">
+                <a:solidFill>
+                  <a:srgbClr val="000000"/>
+                </a:solidFill>
+                <a:effectLst/>
+                <a:latin typeface="Consolas" panose="020B0609020204030204" pitchFamily="49" charset="0"/>
+              </a:rPr>
+              <a:t> (!</a:t>
+            </a:r>
+            <a:r>
+              <a:rPr lang="it-IT" sz="1050" b="0" dirty="0" err="1">
+                <a:solidFill>
+                  <a:srgbClr val="000000"/>
+                </a:solidFill>
+                <a:effectLst/>
+                <a:latin typeface="Consolas" panose="020B0609020204030204" pitchFamily="49" charset="0"/>
+              </a:rPr>
+              <a:t>future.hasData</a:t>
+            </a:r>
+            <a:r>
+              <a:rPr lang="it-IT" sz="1050" b="0" dirty="0">
+                <a:solidFill>
+                  <a:srgbClr val="000000"/>
+                </a:solidFill>
+                <a:effectLst/>
+                <a:latin typeface="Consolas" panose="020B0609020204030204" pitchFamily="49" charset="0"/>
+              </a:rPr>
+              <a:t>)</a:t>
+            </a:r>
+          </a:p>
+          <a:p>
+            <a:pPr marL="114300" indent="0">
+              <a:buNone/>
+            </a:pPr>
+            <a:r>
+              <a:rPr lang="it-IT" sz="1050" dirty="0">
+                <a:solidFill>
+                  <a:srgbClr val="000000"/>
+                </a:solidFill>
+                <a:latin typeface="Consolas" panose="020B0609020204030204" pitchFamily="49" charset="0"/>
+              </a:rPr>
+              <a:t>	      </a:t>
+            </a:r>
+            <a:r>
+              <a:rPr lang="it-IT" sz="1050" b="0" dirty="0" err="1">
+                <a:solidFill>
+                  <a:srgbClr val="0000FF"/>
+                </a:solidFill>
+                <a:effectLst/>
+                <a:latin typeface="Consolas" panose="020B0609020204030204" pitchFamily="49" charset="0"/>
+              </a:rPr>
+              <a:t>return</a:t>
+            </a:r>
+            <a:r>
+              <a:rPr lang="it-IT" sz="1050" b="0" dirty="0">
+                <a:solidFill>
+                  <a:srgbClr val="000000"/>
+                </a:solidFill>
+                <a:effectLst/>
+                <a:latin typeface="Consolas" panose="020B0609020204030204" pitchFamily="49" charset="0"/>
+              </a:rPr>
+              <a:t> Container();</a:t>
+            </a:r>
+            <a:br>
+              <a:rPr lang="it-IT" sz="1050" b="0" dirty="0">
+                <a:solidFill>
+                  <a:srgbClr val="000000"/>
+                </a:solidFill>
+                <a:effectLst/>
+                <a:latin typeface="Consolas" panose="020B0609020204030204" pitchFamily="49" charset="0"/>
+              </a:rPr>
+            </a:br>
+            <a:r>
+              <a:rPr lang="it-IT" sz="1050" b="0" dirty="0">
+                <a:solidFill>
+                  <a:srgbClr val="000000"/>
+                </a:solidFill>
+                <a:effectLst/>
+                <a:latin typeface="Consolas" panose="020B0609020204030204" pitchFamily="49" charset="0"/>
+              </a:rPr>
+              <a:t>	</a:t>
+            </a:r>
+            <a:r>
+              <a:rPr lang="it-IT" sz="1050" b="0" dirty="0">
+                <a:solidFill>
+                  <a:srgbClr val="0000FF"/>
+                </a:solidFill>
+                <a:effectLst/>
+                <a:latin typeface="Consolas" panose="020B0609020204030204" pitchFamily="49" charset="0"/>
+              </a:rPr>
+              <a:t>else</a:t>
+            </a:r>
+            <a:r>
+              <a:rPr lang="it-IT" sz="1050" b="0" dirty="0">
+                <a:solidFill>
+                  <a:srgbClr val="000000"/>
+                </a:solidFill>
+                <a:effectLst/>
+                <a:latin typeface="Consolas" panose="020B0609020204030204" pitchFamily="49" charset="0"/>
+              </a:rPr>
+              <a:t> {</a:t>
+            </a:r>
+          </a:p>
+          <a:p>
+            <a:pPr marL="114300" indent="0">
+              <a:buNone/>
+            </a:pPr>
+            <a:r>
+              <a:rPr lang="it-IT" sz="1050" dirty="0">
+                <a:solidFill>
+                  <a:srgbClr val="000000"/>
+                </a:solidFill>
+                <a:latin typeface="Consolas" panose="020B0609020204030204" pitchFamily="49" charset="0"/>
+              </a:rPr>
+              <a:t>	</a:t>
+            </a:r>
+            <a:r>
+              <a:rPr lang="it-IT" sz="1050" b="0" dirty="0">
+                <a:solidFill>
+                  <a:srgbClr val="008000"/>
+                </a:solidFill>
+                <a:effectLst/>
+                <a:latin typeface="Consolas" panose="020B0609020204030204" pitchFamily="49" charset="0"/>
+              </a:rPr>
+              <a:t>//Acquisisco i dati della lista (che sono di tipo Future)</a:t>
+            </a:r>
+            <a:endParaRPr lang="it-IT" sz="1050" b="0" dirty="0">
+              <a:solidFill>
+                <a:srgbClr val="000000"/>
+              </a:solidFill>
+              <a:effectLst/>
+              <a:latin typeface="Consolas" panose="020B0609020204030204" pitchFamily="49" charset="0"/>
+            </a:endParaRPr>
+          </a:p>
+          <a:p>
+            <a:pPr marL="114300" indent="0">
+              <a:buNone/>
+            </a:pPr>
+            <a:r>
+              <a:rPr lang="it-IT" sz="1050" dirty="0">
+                <a:solidFill>
+                  <a:srgbClr val="000000"/>
+                </a:solidFill>
+                <a:latin typeface="Consolas" panose="020B0609020204030204" pitchFamily="49" charset="0"/>
+              </a:rPr>
+              <a:t>	</a:t>
+            </a:r>
+            <a:r>
+              <a:rPr lang="it-IT" sz="1050" b="0" dirty="0">
+                <a:solidFill>
+                  <a:srgbClr val="000000"/>
+                </a:solidFill>
+                <a:effectLst/>
+                <a:latin typeface="Consolas" panose="020B0609020204030204" pitchFamily="49" charset="0"/>
+              </a:rPr>
+              <a:t>List&lt;</a:t>
+            </a:r>
+            <a:r>
+              <a:rPr lang="it-IT" sz="1050" b="0" dirty="0" err="1">
+                <a:solidFill>
+                  <a:srgbClr val="000000"/>
+                </a:solidFill>
+                <a:effectLst/>
+                <a:latin typeface="Consolas" panose="020B0609020204030204" pitchFamily="49" charset="0"/>
+              </a:rPr>
+              <a:t>Swimmer</a:t>
+            </a:r>
+            <a:r>
+              <a:rPr lang="it-IT" sz="1050" b="0" dirty="0">
+                <a:solidFill>
+                  <a:srgbClr val="000000"/>
+                </a:solidFill>
+                <a:effectLst/>
+                <a:latin typeface="Consolas" panose="020B0609020204030204" pitchFamily="49" charset="0"/>
+              </a:rPr>
+              <a:t>&gt;? </a:t>
+            </a:r>
+            <a:r>
+              <a:rPr lang="it-IT" sz="1050" b="0" dirty="0" err="1">
+                <a:solidFill>
+                  <a:srgbClr val="000000"/>
+                </a:solidFill>
+                <a:effectLst/>
+                <a:latin typeface="Consolas" panose="020B0609020204030204" pitchFamily="49" charset="0"/>
+              </a:rPr>
+              <a:t>displayList</a:t>
+            </a:r>
+            <a:r>
+              <a:rPr lang="it-IT" sz="1050" b="0" dirty="0">
+                <a:solidFill>
+                  <a:srgbClr val="000000"/>
+                </a:solidFill>
+                <a:effectLst/>
+                <a:latin typeface="Consolas" panose="020B0609020204030204" pitchFamily="49" charset="0"/>
+              </a:rPr>
+              <a:t> = </a:t>
+            </a:r>
+            <a:r>
+              <a:rPr lang="it-IT" sz="1050" b="0" dirty="0" err="1">
+                <a:solidFill>
+                  <a:srgbClr val="000000"/>
+                </a:solidFill>
+                <a:effectLst/>
+                <a:latin typeface="Consolas" panose="020B0609020204030204" pitchFamily="49" charset="0"/>
+              </a:rPr>
+              <a:t>future.data</a:t>
+            </a:r>
+            <a:r>
+              <a:rPr lang="it-IT" sz="1050" b="0" dirty="0">
+                <a:solidFill>
+                  <a:srgbClr val="000000"/>
+                </a:solidFill>
+                <a:effectLst/>
+                <a:latin typeface="Consolas" panose="020B0609020204030204" pitchFamily="49" charset="0"/>
+              </a:rPr>
+              <a:t>;</a:t>
+            </a:r>
+          </a:p>
+          <a:p>
+            <a:pPr marL="114300" indent="0">
+              <a:buNone/>
+            </a:pPr>
+            <a:r>
+              <a:rPr lang="it-IT" sz="1050" dirty="0">
+                <a:solidFill>
+                  <a:srgbClr val="000000"/>
+                </a:solidFill>
+                <a:latin typeface="Consolas" panose="020B0609020204030204" pitchFamily="49" charset="0"/>
+              </a:rPr>
+              <a:t>	</a:t>
+            </a:r>
+            <a:r>
+              <a:rPr lang="it-IT" sz="1050" b="0" dirty="0">
+                <a:solidFill>
+                  <a:srgbClr val="008000"/>
+                </a:solidFill>
+                <a:effectLst/>
+                <a:latin typeface="Consolas" panose="020B0609020204030204" pitchFamily="49" charset="0"/>
+              </a:rPr>
+              <a:t>//Costruisco la </a:t>
+            </a:r>
+            <a:r>
+              <a:rPr lang="it-IT" sz="1050" b="0" dirty="0" err="1">
+                <a:solidFill>
+                  <a:srgbClr val="008000"/>
+                </a:solidFill>
+                <a:effectLst/>
+                <a:latin typeface="Consolas" panose="020B0609020204030204" pitchFamily="49" charset="0"/>
+              </a:rPr>
+              <a:t>ListView</a:t>
+            </a:r>
+            <a:endParaRPr lang="it-IT" sz="1050" b="0" dirty="0">
+              <a:solidFill>
+                <a:srgbClr val="000000"/>
+              </a:solidFill>
+              <a:effectLst/>
+              <a:latin typeface="Consolas" panose="020B0609020204030204" pitchFamily="49" charset="0"/>
+            </a:endParaRPr>
+          </a:p>
+          <a:p>
+            <a:pPr marL="114300" indent="0">
+              <a:buNone/>
+            </a:pPr>
+            <a:r>
+              <a:rPr lang="it-IT" sz="1050" dirty="0">
+                <a:solidFill>
+                  <a:srgbClr val="000000"/>
+                </a:solidFill>
+                <a:latin typeface="Consolas" panose="020B0609020204030204" pitchFamily="49" charset="0"/>
+              </a:rPr>
+              <a:t>	</a:t>
+            </a:r>
+            <a:r>
+              <a:rPr lang="it-IT" sz="1050" b="0" dirty="0" err="1">
+                <a:solidFill>
+                  <a:srgbClr val="0000FF"/>
+                </a:solidFill>
+                <a:effectLst/>
+                <a:latin typeface="Consolas" panose="020B0609020204030204" pitchFamily="49" charset="0"/>
+              </a:rPr>
+              <a:t>return</a:t>
+            </a:r>
+            <a:r>
+              <a:rPr lang="it-IT" sz="1050" b="0" dirty="0">
+                <a:solidFill>
+                  <a:srgbClr val="000000"/>
+                </a:solidFill>
+                <a:effectLst/>
+                <a:latin typeface="Consolas" panose="020B0609020204030204" pitchFamily="49" charset="0"/>
+              </a:rPr>
+              <a:t> </a:t>
+            </a:r>
+            <a:r>
+              <a:rPr lang="it-IT" sz="1050" b="0" dirty="0" err="1">
+                <a:solidFill>
+                  <a:srgbClr val="000000"/>
+                </a:solidFill>
+                <a:effectLst/>
+                <a:latin typeface="Consolas" panose="020B0609020204030204" pitchFamily="49" charset="0"/>
+              </a:rPr>
+              <a:t>ListView.builder</a:t>
+            </a:r>
+            <a:r>
+              <a:rPr lang="it-IT" sz="1050" b="0" dirty="0">
+                <a:solidFill>
+                  <a:srgbClr val="000000"/>
+                </a:solidFill>
+                <a:effectLst/>
+                <a:latin typeface="Consolas" panose="020B0609020204030204" pitchFamily="49" charset="0"/>
+              </a:rPr>
+              <a:t>(</a:t>
+            </a:r>
+          </a:p>
+          <a:p>
+            <a:pPr marL="114300" indent="0">
+              <a:buNone/>
+            </a:pPr>
+            <a:r>
+              <a:rPr lang="it-IT" sz="1050" dirty="0">
+                <a:solidFill>
+                  <a:srgbClr val="000000"/>
+                </a:solidFill>
+                <a:latin typeface="Consolas" panose="020B0609020204030204" pitchFamily="49" charset="0"/>
+              </a:rPr>
+              <a:t>	          </a:t>
+            </a:r>
+            <a:r>
+              <a:rPr lang="it-IT" sz="1050" b="0" dirty="0" err="1">
+                <a:solidFill>
+                  <a:srgbClr val="000000"/>
+                </a:solidFill>
+                <a:effectLst/>
+                <a:latin typeface="Consolas" panose="020B0609020204030204" pitchFamily="49" charset="0"/>
+              </a:rPr>
+              <a:t>itemCount</a:t>
+            </a:r>
+            <a:r>
+              <a:rPr lang="it-IT" sz="1050" b="0" dirty="0">
+                <a:solidFill>
+                  <a:srgbClr val="000000"/>
+                </a:solidFill>
+                <a:effectLst/>
+                <a:latin typeface="Consolas" panose="020B0609020204030204" pitchFamily="49" charset="0"/>
+              </a:rPr>
+              <a:t>: </a:t>
+            </a:r>
+            <a:r>
+              <a:rPr lang="it-IT" sz="1050" b="0" dirty="0" err="1">
+                <a:solidFill>
+                  <a:srgbClr val="000000"/>
+                </a:solidFill>
+                <a:effectLst/>
+                <a:latin typeface="Consolas" panose="020B0609020204030204" pitchFamily="49" charset="0"/>
+              </a:rPr>
+              <a:t>displayList</a:t>
+            </a:r>
+            <a:r>
+              <a:rPr lang="it-IT" sz="1050" b="0" dirty="0">
+                <a:solidFill>
+                  <a:srgbClr val="000000"/>
+                </a:solidFill>
+                <a:effectLst/>
+                <a:latin typeface="Consolas" panose="020B0609020204030204" pitchFamily="49" charset="0"/>
+              </a:rPr>
+              <a:t>!.</a:t>
+            </a:r>
+            <a:r>
+              <a:rPr lang="it-IT" sz="1050" b="0" dirty="0" err="1">
+                <a:solidFill>
+                  <a:srgbClr val="000000"/>
+                </a:solidFill>
+                <a:effectLst/>
+                <a:latin typeface="Consolas" panose="020B0609020204030204" pitchFamily="49" charset="0"/>
+              </a:rPr>
+              <a:t>length</a:t>
+            </a:r>
+            <a:r>
+              <a:rPr lang="it-IT" sz="1050" b="0" dirty="0">
+                <a:solidFill>
+                  <a:srgbClr val="000000"/>
+                </a:solidFill>
+                <a:effectLst/>
+                <a:latin typeface="Consolas" panose="020B0609020204030204" pitchFamily="49" charset="0"/>
+              </a:rPr>
+              <a:t>,</a:t>
+            </a:r>
+            <a:br>
+              <a:rPr lang="it-IT" sz="1050" b="0" dirty="0">
+                <a:solidFill>
+                  <a:srgbClr val="000000"/>
+                </a:solidFill>
+                <a:effectLst/>
+                <a:latin typeface="Consolas" panose="020B0609020204030204" pitchFamily="49" charset="0"/>
+              </a:rPr>
+            </a:br>
+            <a:r>
+              <a:rPr lang="it-IT" sz="1050" b="0" dirty="0">
+                <a:solidFill>
+                  <a:srgbClr val="000000"/>
+                </a:solidFill>
+                <a:effectLst/>
+                <a:latin typeface="Consolas" panose="020B0609020204030204" pitchFamily="49" charset="0"/>
+              </a:rPr>
+              <a:t>	          </a:t>
+            </a:r>
+            <a:r>
+              <a:rPr lang="it-IT" sz="1050" b="0" dirty="0" err="1">
+                <a:solidFill>
+                  <a:srgbClr val="000000"/>
+                </a:solidFill>
+                <a:effectLst/>
+                <a:latin typeface="Consolas" panose="020B0609020204030204" pitchFamily="49" charset="0"/>
+              </a:rPr>
+              <a:t>itemBuilder</a:t>
+            </a:r>
+            <a:r>
+              <a:rPr lang="it-IT" sz="1050" b="0" dirty="0">
+                <a:solidFill>
+                  <a:srgbClr val="000000"/>
+                </a:solidFill>
+                <a:effectLst/>
+                <a:latin typeface="Consolas" panose="020B0609020204030204" pitchFamily="49" charset="0"/>
+              </a:rPr>
+              <a:t>: (</a:t>
+            </a:r>
+            <a:r>
+              <a:rPr lang="it-IT" sz="1050" b="0" dirty="0" err="1">
+                <a:solidFill>
+                  <a:srgbClr val="000000"/>
+                </a:solidFill>
+                <a:effectLst/>
+                <a:latin typeface="Consolas" panose="020B0609020204030204" pitchFamily="49" charset="0"/>
+              </a:rPr>
+              <a:t>context</a:t>
+            </a:r>
+            <a:r>
+              <a:rPr lang="it-IT" sz="1050" b="0" dirty="0">
+                <a:solidFill>
+                  <a:srgbClr val="000000"/>
+                </a:solidFill>
+                <a:effectLst/>
+                <a:latin typeface="Consolas" panose="020B0609020204030204" pitchFamily="49" charset="0"/>
+              </a:rPr>
+              <a:t>, index) {</a:t>
+            </a:r>
+          </a:p>
+          <a:p>
+            <a:pPr marL="114300" indent="0">
+              <a:buNone/>
+            </a:pPr>
+            <a:r>
+              <a:rPr lang="it-IT" sz="1050" dirty="0">
+                <a:solidFill>
+                  <a:srgbClr val="000000"/>
+                </a:solidFill>
+                <a:latin typeface="Consolas" panose="020B0609020204030204" pitchFamily="49" charset="0"/>
+              </a:rPr>
+              <a:t>	          </a:t>
+            </a:r>
+            <a:r>
+              <a:rPr lang="it-IT" sz="1050" b="0" dirty="0" err="1">
+                <a:solidFill>
+                  <a:srgbClr val="0000FF"/>
+                </a:solidFill>
+                <a:effectLst/>
+                <a:latin typeface="Consolas" panose="020B0609020204030204" pitchFamily="49" charset="0"/>
+              </a:rPr>
+              <a:t>return</a:t>
+            </a:r>
+            <a:r>
+              <a:rPr lang="it-IT" sz="1050" b="0" dirty="0">
+                <a:solidFill>
+                  <a:srgbClr val="000000"/>
+                </a:solidFill>
+                <a:effectLst/>
+                <a:latin typeface="Consolas" panose="020B0609020204030204" pitchFamily="49" charset="0"/>
+              </a:rPr>
+              <a:t> Container(</a:t>
+            </a:r>
+            <a:r>
+              <a:rPr lang="it-IT" sz="1050" b="0" dirty="0" err="1">
+                <a:solidFill>
+                  <a:srgbClr val="000000"/>
+                </a:solidFill>
+                <a:effectLst/>
+                <a:latin typeface="Consolas" panose="020B0609020204030204" pitchFamily="49" charset="0"/>
+              </a:rPr>
+              <a:t>child</a:t>
+            </a:r>
+            <a:r>
+              <a:rPr lang="it-IT" sz="1050" b="0" dirty="0">
+                <a:solidFill>
+                  <a:srgbClr val="000000"/>
+                </a:solidFill>
+                <a:effectLst/>
+                <a:latin typeface="Consolas" panose="020B0609020204030204" pitchFamily="49" charset="0"/>
+              </a:rPr>
+              <a:t>: Text(</a:t>
+            </a:r>
+            <a:r>
+              <a:rPr lang="it-IT" sz="1050" b="0" dirty="0" err="1">
+                <a:solidFill>
+                  <a:srgbClr val="000000"/>
+                </a:solidFill>
+                <a:effectLst/>
+                <a:latin typeface="Consolas" panose="020B0609020204030204" pitchFamily="49" charset="0"/>
+              </a:rPr>
+              <a:t>displayList</a:t>
+            </a:r>
+            <a:r>
+              <a:rPr lang="it-IT" sz="1050" b="0" dirty="0">
+                <a:solidFill>
+                  <a:srgbClr val="000000"/>
+                </a:solidFill>
+                <a:effectLst/>
+                <a:latin typeface="Consolas" panose="020B0609020204030204" pitchFamily="49" charset="0"/>
+              </a:rPr>
+              <a:t>[index].</a:t>
+            </a:r>
+            <a:r>
+              <a:rPr lang="it-IT" sz="1050" b="0" dirty="0" err="1">
+                <a:solidFill>
+                  <a:srgbClr val="000000"/>
+                </a:solidFill>
+                <a:effectLst/>
+                <a:latin typeface="Consolas" panose="020B0609020204030204" pitchFamily="49" charset="0"/>
+              </a:rPr>
+              <a:t>toString</a:t>
+            </a:r>
+            <a:r>
+              <a:rPr lang="it-IT" sz="1050" b="0" dirty="0">
+                <a:solidFill>
+                  <a:srgbClr val="000000"/>
+                </a:solidFill>
+                <a:effectLst/>
+                <a:latin typeface="Consolas" panose="020B0609020204030204" pitchFamily="49" charset="0"/>
+              </a:rPr>
+              <a:t>()));};</a:t>
+            </a:r>
+          </a:p>
+          <a:p>
+            <a:pPr marL="0" lvl="0" indent="0" algn="l" rtl="0">
+              <a:lnSpc>
+                <a:spcPct val="115000"/>
+              </a:lnSpc>
+              <a:spcBef>
+                <a:spcPts val="0"/>
+              </a:spcBef>
+              <a:spcAft>
+                <a:spcPts val="0"/>
+              </a:spcAft>
+              <a:buNone/>
+            </a:pPr>
+            <a:endParaRPr lang="it-IT" sz="1200" dirty="0">
+              <a:solidFill>
+                <a:schemeClr val="tx1"/>
+              </a:solidFill>
+              <a:latin typeface="Courier New"/>
+              <a:ea typeface="Courier New"/>
+              <a:cs typeface="Courier New"/>
+              <a:sym typeface="Courier New"/>
+            </a:endParaRPr>
+          </a:p>
+        </p:txBody>
+      </p:sp>
+      <p:sp>
+        <p:nvSpPr>
+          <p:cNvPr id="113" name="Google Shape;113;p17"/>
+          <p:cNvSpPr txBox="1">
+            <a:spLocks noGrp="1"/>
+          </p:cNvSpPr>
+          <p:nvPr>
+            <p:ph type="body" idx="1"/>
+          </p:nvPr>
+        </p:nvSpPr>
+        <p:spPr>
+          <a:xfrm>
+            <a:off x="159300" y="1225650"/>
+            <a:ext cx="8984700" cy="571800"/>
+          </a:xfrm>
+          <a:prstGeom prst="rect">
+            <a:avLst/>
+          </a:prstGeom>
+          <a:noFill/>
+          <a:ln>
+            <a:noFill/>
+          </a:ln>
+        </p:spPr>
+        <p:txBody>
+          <a:bodyPr spcFirstLastPara="1" wrap="square" lIns="91425" tIns="91425" rIns="91425" bIns="91425" anchor="t" anchorCtr="0">
+            <a:noAutofit/>
+          </a:bodyPr>
+          <a:lstStyle/>
+          <a:p>
+            <a:pPr marL="457200" lvl="0" indent="-342900" algn="l" rtl="0">
+              <a:lnSpc>
+                <a:spcPct val="115000"/>
+              </a:lnSpc>
+              <a:spcBef>
+                <a:spcPts val="0"/>
+              </a:spcBef>
+              <a:spcAft>
+                <a:spcPts val="0"/>
+              </a:spcAft>
+              <a:buSzPts val="1800"/>
+              <a:buChar char="●"/>
+            </a:pPr>
+            <a:r>
+              <a:rPr lang="it-IT" sz="1800" dirty="0"/>
+              <a:t>Visualizzazione della lista di record</a:t>
+            </a:r>
+            <a:endParaRPr sz="1800" dirty="0"/>
+          </a:p>
+        </p:txBody>
+      </p:sp>
+      <p:pic>
+        <p:nvPicPr>
+          <p:cNvPr id="115" name="Google Shape;115;p17"/>
+          <p:cNvPicPr preferRelativeResize="0"/>
+          <p:nvPr/>
+        </p:nvPicPr>
+        <p:blipFill>
+          <a:blip r:embed="rId3">
+            <a:alphaModFix/>
+          </a:blip>
+          <a:stretch>
+            <a:fillRect/>
+          </a:stretch>
+        </p:blipFill>
+        <p:spPr>
+          <a:xfrm>
+            <a:off x="89025" y="4680625"/>
+            <a:ext cx="447575" cy="447575"/>
+          </a:xfrm>
+          <a:prstGeom prst="rect">
+            <a:avLst/>
+          </a:prstGeom>
+          <a:noFill/>
+          <a:ln>
+            <a:noFill/>
+          </a:ln>
+        </p:spPr>
+      </p:pic>
+    </p:spTree>
+    <p:extLst>
+      <p:ext uri="{BB962C8B-B14F-4D97-AF65-F5344CB8AC3E}">
+        <p14:creationId xmlns:p14="http://schemas.microsoft.com/office/powerpoint/2010/main" val="2054445745"/>
+      </p:ext>
+    </p:extLst>
+  </p:cSld>
+  <p:clrMapOvr>
+    <a:masterClrMapping/>
+  </p:clrMapOvr>
+</p:sld>
+</file>
+
 <file path=ppt/slides/slide2.xml><?xml version="1.0" encoding="utf-8"?>
 <p:sld xmlns:a="http://schemas.openxmlformats.org/drawingml/2006/main" xmlns:r="http://schemas.openxmlformats.org/officeDocument/2006/relationships" xmlns:p="http://schemas.openxmlformats.org/presentationml/2006/main">
   <p:cSld>
@@ -12533,6 +15155,892 @@
 </file>
 
 <file path=ppt/slides/slide3.xml><?xml version="1.0" encoding="utf-8"?>
+<p:sld xmlns:a="http://schemas.openxmlformats.org/drawingml/2006/main" xmlns:r="http://schemas.openxmlformats.org/officeDocument/2006/relationships" xmlns:p="http://schemas.openxmlformats.org/presentationml/2006/main">
+  <p:cSld>
+    <p:spTree>
+      <p:nvGrpSpPr>
+        <p:cNvPr id="1" name="Shape 92"/>
+        <p:cNvGrpSpPr/>
+        <p:nvPr/>
+      </p:nvGrpSpPr>
+      <p:grpSpPr>
+        <a:xfrm>
+          <a:off x="0" y="0"/>
+          <a:ext cx="0" cy="0"/>
+          <a:chOff x="0" y="0"/>
+          <a:chExt cx="0" cy="0"/>
+        </a:xfrm>
+      </p:grpSpPr>
+      <p:sp>
+        <p:nvSpPr>
+          <p:cNvPr id="93" name="Google Shape;93;p15"/>
+          <p:cNvSpPr txBox="1">
+            <a:spLocks noGrp="1"/>
+          </p:cNvSpPr>
+          <p:nvPr>
+            <p:ph type="title"/>
+          </p:nvPr>
+        </p:nvSpPr>
+        <p:spPr>
+          <a:xfrm>
+            <a:off x="0" y="-603"/>
+            <a:ext cx="9144000" cy="1153079"/>
+          </a:xfrm>
+          <a:prstGeom prst="rect">
+            <a:avLst/>
+          </a:prstGeom>
+          <a:solidFill>
+            <a:srgbClr val="777777"/>
+          </a:solidFill>
+          <a:ln>
+            <a:noFill/>
+          </a:ln>
+        </p:spPr>
+        <p:txBody>
+          <a:bodyPr spcFirstLastPara="1" wrap="square" lIns="540000" tIns="91425" rIns="360000" bIns="91425" anchor="ctr" anchorCtr="0">
+            <a:noAutofit/>
+          </a:bodyPr>
+          <a:lstStyle/>
+          <a:p>
+            <a:pPr marL="0" lvl="0" indent="0" algn="l" rtl="0">
+              <a:lnSpc>
+                <a:spcPct val="100000"/>
+              </a:lnSpc>
+              <a:spcBef>
+                <a:spcPts val="0"/>
+              </a:spcBef>
+              <a:spcAft>
+                <a:spcPts val="0"/>
+              </a:spcAft>
+              <a:buSzPts val="2800"/>
+              <a:buNone/>
+            </a:pPr>
+            <a:r>
+              <a:rPr lang="en-US" dirty="0" err="1"/>
+              <a:t>Librerie</a:t>
+            </a:r>
+            <a:r>
+              <a:rPr lang="en-US" dirty="0"/>
+              <a:t> </a:t>
+            </a:r>
+            <a:r>
+              <a:rPr lang="en-US" dirty="0" err="1"/>
+              <a:t>necessarie</a:t>
+            </a:r>
+            <a:endParaRPr dirty="0"/>
+          </a:p>
+        </p:txBody>
+      </p:sp>
+      <p:sp>
+        <p:nvSpPr>
+          <p:cNvPr id="94" name="Google Shape;94;p15"/>
+          <p:cNvSpPr txBox="1">
+            <a:spLocks noGrp="1"/>
+          </p:cNvSpPr>
+          <p:nvPr>
+            <p:ph type="body" idx="1"/>
+          </p:nvPr>
+        </p:nvSpPr>
+        <p:spPr>
+          <a:xfrm>
+            <a:off x="311700" y="1301858"/>
+            <a:ext cx="8520600" cy="1374108"/>
+          </a:xfrm>
+          <a:prstGeom prst="rect">
+            <a:avLst/>
+          </a:prstGeom>
+          <a:noFill/>
+          <a:ln>
+            <a:noFill/>
+          </a:ln>
+        </p:spPr>
+        <p:txBody>
+          <a:bodyPr spcFirstLastPara="1" wrap="square" lIns="91425" tIns="91425" rIns="91425" bIns="91425" anchor="t" anchorCtr="0">
+            <a:noAutofit/>
+          </a:bodyPr>
+          <a:lstStyle/>
+          <a:p>
+            <a:pPr marL="457200" lvl="0" indent="-342900" algn="l" rtl="0">
+              <a:lnSpc>
+                <a:spcPct val="115000"/>
+              </a:lnSpc>
+              <a:spcBef>
+                <a:spcPts val="0"/>
+              </a:spcBef>
+              <a:spcAft>
+                <a:spcPts val="0"/>
+              </a:spcAft>
+              <a:buSzPts val="1800"/>
+              <a:buChar char="●"/>
+            </a:pPr>
+            <a:r>
+              <a:rPr lang="it-IT" dirty="0"/>
+              <a:t>Per interfacciare un’applicazione Flutter ad un DB </a:t>
+            </a:r>
+            <a:r>
+              <a:rPr lang="it-IT" dirty="0" err="1"/>
+              <a:t>SQLite</a:t>
+            </a:r>
+            <a:r>
+              <a:rPr lang="it-IT" dirty="0"/>
+              <a:t> sono necessarie le librerie </a:t>
+            </a:r>
+            <a:r>
+              <a:rPr lang="it-IT" dirty="0" err="1"/>
+              <a:t>path</a:t>
+            </a:r>
+            <a:r>
+              <a:rPr lang="it-IT" dirty="0"/>
+              <a:t>, </a:t>
+            </a:r>
+            <a:r>
+              <a:rPr lang="it-IT" dirty="0" err="1"/>
+              <a:t>async</a:t>
+            </a:r>
+            <a:r>
+              <a:rPr lang="it-IT" dirty="0"/>
+              <a:t> e </a:t>
+            </a:r>
+            <a:r>
+              <a:rPr lang="it-IT" dirty="0" err="1"/>
+              <a:t>sqflite</a:t>
+            </a:r>
+            <a:r>
+              <a:rPr lang="it-IT" dirty="0"/>
+              <a:t> </a:t>
+            </a:r>
+            <a:r>
+              <a:rPr lang="en-US" dirty="0"/>
+              <a:t>.</a:t>
+            </a:r>
+            <a:endParaRPr dirty="0"/>
+          </a:p>
+          <a:p>
+            <a:pPr marL="457200" lvl="0" indent="-228600" algn="l" rtl="0">
+              <a:lnSpc>
+                <a:spcPct val="115000"/>
+              </a:lnSpc>
+              <a:spcBef>
+                <a:spcPts val="0"/>
+              </a:spcBef>
+              <a:spcAft>
+                <a:spcPts val="0"/>
+              </a:spcAft>
+              <a:buSzPts val="1800"/>
+              <a:buNone/>
+            </a:pPr>
+            <a:endParaRPr dirty="0"/>
+          </a:p>
+        </p:txBody>
+      </p:sp>
+      <p:sp>
+        <p:nvSpPr>
+          <p:cNvPr id="95" name="Google Shape;95;p15"/>
+          <p:cNvSpPr txBox="1">
+            <a:spLocks noGrp="1"/>
+          </p:cNvSpPr>
+          <p:nvPr>
+            <p:ph type="body" idx="2"/>
+          </p:nvPr>
+        </p:nvSpPr>
+        <p:spPr>
+          <a:xfrm>
+            <a:off x="1669312" y="4688958"/>
+            <a:ext cx="4455041" cy="447565"/>
+          </a:xfrm>
+          <a:prstGeom prst="rect">
+            <a:avLst/>
+          </a:prstGeom>
+          <a:noFill/>
+          <a:ln>
+            <a:noFill/>
+          </a:ln>
+        </p:spPr>
+        <p:txBody>
+          <a:bodyPr spcFirstLastPara="1" wrap="square" lIns="91425" tIns="0" rIns="91425" bIns="0" anchor="ctr" anchorCtr="0">
+            <a:noAutofit/>
+          </a:bodyPr>
+          <a:lstStyle/>
+          <a:p>
+            <a:pPr marL="114300" lvl="0" indent="0" algn="l" rtl="0">
+              <a:spcBef>
+                <a:spcPts val="0"/>
+              </a:spcBef>
+              <a:spcAft>
+                <a:spcPts val="0"/>
+              </a:spcAft>
+              <a:buClr>
+                <a:schemeClr val="dk1"/>
+              </a:buClr>
+              <a:buSzPts val="1800"/>
+              <a:buFont typeface="Arial"/>
+              <a:buNone/>
+            </a:pPr>
+            <a:r>
+              <a:rPr lang="en-US" dirty="0"/>
+              <a:t>SQLite e Flutter</a:t>
+            </a:r>
+            <a:endParaRPr dirty="0"/>
+          </a:p>
+        </p:txBody>
+      </p:sp>
+      <p:pic>
+        <p:nvPicPr>
+          <p:cNvPr id="96" name="Google Shape;96;p15"/>
+          <p:cNvPicPr preferRelativeResize="0"/>
+          <p:nvPr/>
+        </p:nvPicPr>
+        <p:blipFill>
+          <a:blip r:embed="rId3">
+            <a:alphaModFix/>
+          </a:blip>
+          <a:stretch>
+            <a:fillRect/>
+          </a:stretch>
+        </p:blipFill>
+        <p:spPr>
+          <a:xfrm>
+            <a:off x="89025" y="4680625"/>
+            <a:ext cx="447575" cy="447575"/>
+          </a:xfrm>
+          <a:prstGeom prst="rect">
+            <a:avLst/>
+          </a:prstGeom>
+          <a:noFill/>
+          <a:ln>
+            <a:noFill/>
+          </a:ln>
+        </p:spPr>
+      </p:pic>
+      <p:pic>
+        <p:nvPicPr>
+          <p:cNvPr id="3" name="Immagine 2">
+            <a:extLst>
+              <a:ext uri="{FF2B5EF4-FFF2-40B4-BE49-F238E27FC236}">
+                <a16:creationId xmlns:a16="http://schemas.microsoft.com/office/drawing/2014/main" id="{C680C11F-3DE2-4488-B08B-3F9536AB577D}"/>
+              </a:ext>
+            </a:extLst>
+          </p:cNvPr>
+          <p:cNvPicPr>
+            <a:picLocks noChangeAspect="1"/>
+          </p:cNvPicPr>
+          <p:nvPr/>
+        </p:nvPicPr>
+        <p:blipFill>
+          <a:blip r:embed="rId4"/>
+          <a:stretch>
+            <a:fillRect/>
+          </a:stretch>
+        </p:blipFill>
+        <p:spPr>
+          <a:xfrm>
+            <a:off x="7023153" y="3075246"/>
+            <a:ext cx="1809147" cy="1206098"/>
+          </a:xfrm>
+          <a:prstGeom prst="rect">
+            <a:avLst/>
+          </a:prstGeom>
+        </p:spPr>
+      </p:pic>
+      <p:pic>
+        <p:nvPicPr>
+          <p:cNvPr id="5" name="Immagine 4">
+            <a:extLst>
+              <a:ext uri="{FF2B5EF4-FFF2-40B4-BE49-F238E27FC236}">
+                <a16:creationId xmlns:a16="http://schemas.microsoft.com/office/drawing/2014/main" id="{12274F00-DFB5-491E-B8FB-E1627479B59F}"/>
+              </a:ext>
+            </a:extLst>
+          </p:cNvPr>
+          <p:cNvPicPr>
+            <a:picLocks noChangeAspect="1"/>
+          </p:cNvPicPr>
+          <p:nvPr/>
+        </p:nvPicPr>
+        <p:blipFill>
+          <a:blip r:embed="rId5"/>
+          <a:stretch>
+            <a:fillRect/>
+          </a:stretch>
+        </p:blipFill>
+        <p:spPr>
+          <a:xfrm>
+            <a:off x="4868262" y="2965495"/>
+            <a:ext cx="2154891" cy="1425600"/>
+          </a:xfrm>
+          <a:prstGeom prst="rect">
+            <a:avLst/>
+          </a:prstGeom>
+        </p:spPr>
+      </p:pic>
+      <p:sp>
+        <p:nvSpPr>
+          <p:cNvPr id="8" name="Google Shape;112;p17">
+            <a:extLst>
+              <a:ext uri="{FF2B5EF4-FFF2-40B4-BE49-F238E27FC236}">
+                <a16:creationId xmlns:a16="http://schemas.microsoft.com/office/drawing/2014/main" id="{4733FA2D-0395-49E3-8271-4EBD4D0F239A}"/>
+              </a:ext>
+            </a:extLst>
+          </p:cNvPr>
+          <p:cNvSpPr txBox="1">
+            <a:spLocks/>
+          </p:cNvSpPr>
+          <p:nvPr/>
+        </p:nvSpPr>
+        <p:spPr>
+          <a:xfrm>
+            <a:off x="861775" y="2835725"/>
+            <a:ext cx="2929041" cy="1445619"/>
+          </a:xfrm>
+          <a:prstGeom prst="rect">
+            <a:avLst/>
+          </a:prstGeom>
+          <a:solidFill>
+            <a:srgbClr val="EFEFEF"/>
+          </a:solidFill>
+          <a:ln>
+            <a:noFill/>
+          </a:ln>
+        </p:spPr>
+        <p:txBody>
+          <a:bodyPr spcFirstLastPara="1" wrap="square" lIns="91425" tIns="91425" rIns="91425" bIns="91425" anchor="t" anchorCtr="0">
+            <a:noAutofit/>
+          </a:bodyPr>
+          <a:lstStyle>
+            <a:defPPr marR="0" lvl="0" algn="l" rtl="0">
+              <a:lnSpc>
+                <a:spcPct val="100000"/>
+              </a:lnSpc>
+              <a:spcBef>
+                <a:spcPts val="0"/>
+              </a:spcBef>
+              <a:spcAft>
+                <a:spcPts val="0"/>
+              </a:spcAft>
+            </a:defPPr>
+            <a:lvl1pPr marL="457200" marR="0" lvl="0" indent="-342900" algn="l" rtl="0">
+              <a:lnSpc>
+                <a:spcPct val="115000"/>
+              </a:lnSpc>
+              <a:spcBef>
+                <a:spcPts val="0"/>
+              </a:spcBef>
+              <a:spcAft>
+                <a:spcPts val="0"/>
+              </a:spcAft>
+              <a:buClr>
+                <a:schemeClr val="dk2"/>
+              </a:buClr>
+              <a:buSzPts val="1800"/>
+              <a:buFont typeface="Arial"/>
+              <a:buChar char="●"/>
+              <a:defRPr sz="2400" b="0" i="0" u="none" strike="noStrike" cap="none">
+                <a:solidFill>
+                  <a:schemeClr val="dk1"/>
+                </a:solidFill>
+                <a:latin typeface="Verdana"/>
+                <a:ea typeface="Verdana"/>
+                <a:cs typeface="Verdana"/>
+                <a:sym typeface="Verdana"/>
+              </a:defRPr>
+            </a:lvl1pPr>
+            <a:lvl2pPr marL="914400" marR="0" lvl="1" indent="-317500" algn="l" rtl="0">
+              <a:lnSpc>
+                <a:spcPct val="115000"/>
+              </a:lnSpc>
+              <a:spcBef>
+                <a:spcPts val="1600"/>
+              </a:spcBef>
+              <a:spcAft>
+                <a:spcPts val="0"/>
+              </a:spcAft>
+              <a:buClr>
+                <a:schemeClr val="dk2"/>
+              </a:buClr>
+              <a:buSzPts val="1400"/>
+              <a:buFont typeface="Arial"/>
+              <a:buChar char="○"/>
+              <a:defRPr sz="2200" b="0" i="0" u="none" strike="noStrike" cap="none">
+                <a:solidFill>
+                  <a:schemeClr val="dk1"/>
+                </a:solidFill>
+                <a:latin typeface="Verdana"/>
+                <a:ea typeface="Verdana"/>
+                <a:cs typeface="Verdana"/>
+                <a:sym typeface="Verdana"/>
+              </a:defRPr>
+            </a:lvl2pPr>
+            <a:lvl3pPr marL="1371600" marR="0" lvl="2" indent="-317500" algn="l" rtl="0">
+              <a:lnSpc>
+                <a:spcPct val="115000"/>
+              </a:lnSpc>
+              <a:spcBef>
+                <a:spcPts val="1600"/>
+              </a:spcBef>
+              <a:spcAft>
+                <a:spcPts val="0"/>
+              </a:spcAft>
+              <a:buClr>
+                <a:schemeClr val="dk2"/>
+              </a:buClr>
+              <a:buSzPts val="1400"/>
+              <a:buFont typeface="Arial"/>
+              <a:buChar char="■"/>
+              <a:defRPr sz="2000" b="0" i="0" u="none" strike="noStrike" cap="none">
+                <a:solidFill>
+                  <a:schemeClr val="dk1"/>
+                </a:solidFill>
+                <a:latin typeface="Verdana"/>
+                <a:ea typeface="Verdana"/>
+                <a:cs typeface="Verdana"/>
+                <a:sym typeface="Verdana"/>
+              </a:defRPr>
+            </a:lvl3pPr>
+            <a:lvl4pPr marL="1828800" marR="0" lvl="3" indent="-317500" algn="l" rtl="0">
+              <a:lnSpc>
+                <a:spcPct val="115000"/>
+              </a:lnSpc>
+              <a:spcBef>
+                <a:spcPts val="1600"/>
+              </a:spcBef>
+              <a:spcAft>
+                <a:spcPts val="0"/>
+              </a:spcAft>
+              <a:buClr>
+                <a:schemeClr val="dk2"/>
+              </a:buClr>
+              <a:buSzPts val="1400"/>
+              <a:buFont typeface="Arial"/>
+              <a:buChar char="●"/>
+              <a:defRPr sz="1800" b="0" i="0" u="none" strike="noStrike" cap="none">
+                <a:solidFill>
+                  <a:schemeClr val="dk1"/>
+                </a:solidFill>
+                <a:latin typeface="Verdana"/>
+                <a:ea typeface="Verdana"/>
+                <a:cs typeface="Verdana"/>
+                <a:sym typeface="Verdana"/>
+              </a:defRPr>
+            </a:lvl4pPr>
+            <a:lvl5pPr marL="2286000" marR="0" lvl="4" indent="-317500" algn="l" rtl="0">
+              <a:lnSpc>
+                <a:spcPct val="115000"/>
+              </a:lnSpc>
+              <a:spcBef>
+                <a:spcPts val="1600"/>
+              </a:spcBef>
+              <a:spcAft>
+                <a:spcPts val="0"/>
+              </a:spcAft>
+              <a:buClr>
+                <a:schemeClr val="dk2"/>
+              </a:buClr>
+              <a:buSzPts val="1400"/>
+              <a:buFont typeface="Arial"/>
+              <a:buChar char="○"/>
+              <a:defRPr sz="1600" b="0" i="0" u="none" strike="noStrike" cap="none">
+                <a:solidFill>
+                  <a:schemeClr val="dk1"/>
+                </a:solidFill>
+                <a:latin typeface="Verdana"/>
+                <a:ea typeface="Verdana"/>
+                <a:cs typeface="Verdana"/>
+                <a:sym typeface="Verdana"/>
+              </a:defRPr>
+            </a:lvl5pPr>
+            <a:lvl6pPr marL="2743200" marR="0" lvl="5" indent="-317500" algn="l" rtl="0">
+              <a:lnSpc>
+                <a:spcPct val="115000"/>
+              </a:lnSpc>
+              <a:spcBef>
+                <a:spcPts val="1600"/>
+              </a:spcBef>
+              <a:spcAft>
+                <a:spcPts val="0"/>
+              </a:spcAft>
+              <a:buClr>
+                <a:schemeClr val="dk2"/>
+              </a:buClr>
+              <a:buSzPts val="1400"/>
+              <a:buFont typeface="Arial"/>
+              <a:buChar char="■"/>
+              <a:defRPr sz="1400" b="0" i="0" u="none" strike="noStrike" cap="none">
+                <a:solidFill>
+                  <a:schemeClr val="dk1"/>
+                </a:solidFill>
+                <a:latin typeface="Verdana"/>
+                <a:ea typeface="Verdana"/>
+                <a:cs typeface="Verdana"/>
+                <a:sym typeface="Verdana"/>
+              </a:defRPr>
+            </a:lvl6pPr>
+            <a:lvl7pPr marL="3200400" marR="0" lvl="6" indent="-317500" algn="l" rtl="0">
+              <a:lnSpc>
+                <a:spcPct val="115000"/>
+              </a:lnSpc>
+              <a:spcBef>
+                <a:spcPts val="1600"/>
+              </a:spcBef>
+              <a:spcAft>
+                <a:spcPts val="0"/>
+              </a:spcAft>
+              <a:buClr>
+                <a:schemeClr val="dk2"/>
+              </a:buClr>
+              <a:buSzPts val="1400"/>
+              <a:buFont typeface="Arial"/>
+              <a:buChar char="●"/>
+              <a:defRPr sz="1400" b="0" i="0" u="none" strike="noStrike" cap="none">
+                <a:solidFill>
+                  <a:schemeClr val="dk2"/>
+                </a:solidFill>
+                <a:latin typeface="Arial"/>
+                <a:ea typeface="Arial"/>
+                <a:cs typeface="Arial"/>
+                <a:sym typeface="Arial"/>
+              </a:defRPr>
+            </a:lvl7pPr>
+            <a:lvl8pPr marL="3657600" marR="0" lvl="7" indent="-317500" algn="l" rtl="0">
+              <a:lnSpc>
+                <a:spcPct val="115000"/>
+              </a:lnSpc>
+              <a:spcBef>
+                <a:spcPts val="1600"/>
+              </a:spcBef>
+              <a:spcAft>
+                <a:spcPts val="0"/>
+              </a:spcAft>
+              <a:buClr>
+                <a:schemeClr val="dk2"/>
+              </a:buClr>
+              <a:buSzPts val="1400"/>
+              <a:buFont typeface="Arial"/>
+              <a:buChar char="○"/>
+              <a:defRPr sz="1400" b="0" i="0" u="none" strike="noStrike" cap="none">
+                <a:solidFill>
+                  <a:schemeClr val="dk2"/>
+                </a:solidFill>
+                <a:latin typeface="Arial"/>
+                <a:ea typeface="Arial"/>
+                <a:cs typeface="Arial"/>
+                <a:sym typeface="Arial"/>
+              </a:defRPr>
+            </a:lvl8pPr>
+            <a:lvl9pPr marL="4114800" marR="0" lvl="8" indent="-317500" algn="l" rtl="0">
+              <a:lnSpc>
+                <a:spcPct val="115000"/>
+              </a:lnSpc>
+              <a:spcBef>
+                <a:spcPts val="1600"/>
+              </a:spcBef>
+              <a:spcAft>
+                <a:spcPts val="1600"/>
+              </a:spcAft>
+              <a:buClr>
+                <a:schemeClr val="dk2"/>
+              </a:buClr>
+              <a:buSzPts val="1400"/>
+              <a:buFont typeface="Arial"/>
+              <a:buChar char="■"/>
+              <a:defRPr sz="1400" b="0" i="0" u="none" strike="noStrike" cap="none">
+                <a:solidFill>
+                  <a:schemeClr val="dk2"/>
+                </a:solidFill>
+                <a:latin typeface="Arial"/>
+                <a:ea typeface="Arial"/>
+                <a:cs typeface="Arial"/>
+                <a:sym typeface="Arial"/>
+              </a:defRPr>
+            </a:lvl9pPr>
+          </a:lstStyle>
+          <a:p>
+            <a:pPr marL="0" indent="0">
+              <a:buNone/>
+            </a:pPr>
+            <a:endParaRPr lang="it-IT" sz="900" b="0" dirty="0">
+              <a:solidFill>
+                <a:srgbClr val="0000FF"/>
+              </a:solidFill>
+              <a:effectLst/>
+              <a:latin typeface="Consolas" panose="020B0609020204030204" pitchFamily="49" charset="0"/>
+            </a:endParaRPr>
+          </a:p>
+          <a:p>
+            <a:pPr marL="0" indent="0">
+              <a:buNone/>
+            </a:pPr>
+            <a:endParaRPr lang="it-IT" sz="900" dirty="0">
+              <a:solidFill>
+                <a:srgbClr val="0000FF"/>
+              </a:solidFill>
+              <a:latin typeface="Consolas" panose="020B0609020204030204" pitchFamily="49" charset="0"/>
+            </a:endParaRPr>
+          </a:p>
+          <a:p>
+            <a:pPr marL="0" indent="0">
+              <a:buNone/>
+            </a:pPr>
+            <a:r>
+              <a:rPr lang="it-IT" sz="1000" b="0" dirty="0">
+                <a:solidFill>
+                  <a:srgbClr val="0000FF"/>
+                </a:solidFill>
+                <a:effectLst/>
+                <a:latin typeface="Consolas" panose="020B0609020204030204" pitchFamily="49" charset="0"/>
+              </a:rPr>
+              <a:t>import</a:t>
+            </a:r>
+            <a:r>
+              <a:rPr lang="it-IT" sz="1000" b="0" dirty="0">
+                <a:solidFill>
+                  <a:srgbClr val="000000"/>
+                </a:solidFill>
+                <a:effectLst/>
+                <a:latin typeface="Consolas" panose="020B0609020204030204" pitchFamily="49" charset="0"/>
+              </a:rPr>
+              <a:t> </a:t>
+            </a:r>
+            <a:r>
+              <a:rPr lang="it-IT" sz="1000" b="0" dirty="0">
+                <a:solidFill>
+                  <a:srgbClr val="A31515"/>
+                </a:solidFill>
+                <a:effectLst/>
+                <a:latin typeface="Consolas" panose="020B0609020204030204" pitchFamily="49" charset="0"/>
+              </a:rPr>
+              <a:t>'</a:t>
+            </a:r>
+            <a:r>
+              <a:rPr lang="it-IT" sz="1000" b="0" dirty="0" err="1">
+                <a:solidFill>
+                  <a:srgbClr val="A31515"/>
+                </a:solidFill>
+                <a:effectLst/>
+                <a:latin typeface="Consolas" panose="020B0609020204030204" pitchFamily="49" charset="0"/>
+              </a:rPr>
+              <a:t>package:path</a:t>
+            </a:r>
+            <a:r>
+              <a:rPr lang="it-IT" sz="1000" b="0" dirty="0">
+                <a:solidFill>
+                  <a:srgbClr val="A31515"/>
+                </a:solidFill>
+                <a:effectLst/>
+                <a:latin typeface="Consolas" panose="020B0609020204030204" pitchFamily="49" charset="0"/>
+              </a:rPr>
+              <a:t>/</a:t>
+            </a:r>
+            <a:r>
+              <a:rPr lang="it-IT" sz="1000" b="0" dirty="0" err="1">
+                <a:solidFill>
+                  <a:srgbClr val="A31515"/>
+                </a:solidFill>
+                <a:effectLst/>
+                <a:latin typeface="Consolas" panose="020B0609020204030204" pitchFamily="49" charset="0"/>
+              </a:rPr>
+              <a:t>path.dart</a:t>
+            </a:r>
+            <a:r>
+              <a:rPr lang="it-IT" sz="1000" b="0" dirty="0">
+                <a:solidFill>
+                  <a:srgbClr val="A31515"/>
+                </a:solidFill>
+                <a:effectLst/>
+                <a:latin typeface="Consolas" panose="020B0609020204030204" pitchFamily="49" charset="0"/>
+              </a:rPr>
+              <a:t>'</a:t>
+            </a:r>
+            <a:r>
+              <a:rPr lang="it-IT" sz="1000" b="0" dirty="0">
+                <a:solidFill>
+                  <a:srgbClr val="000000"/>
+                </a:solidFill>
+                <a:effectLst/>
+                <a:latin typeface="Consolas" panose="020B0609020204030204" pitchFamily="49" charset="0"/>
+              </a:rPr>
+              <a:t>;</a:t>
+            </a:r>
+          </a:p>
+          <a:p>
+            <a:pPr marL="0" indent="0">
+              <a:buNone/>
+            </a:pPr>
+            <a:r>
+              <a:rPr lang="it-IT" sz="1000" b="0" dirty="0">
+                <a:solidFill>
+                  <a:srgbClr val="0000FF"/>
+                </a:solidFill>
+                <a:effectLst/>
+                <a:latin typeface="Consolas" panose="020B0609020204030204" pitchFamily="49" charset="0"/>
+              </a:rPr>
+              <a:t>import</a:t>
+            </a:r>
+            <a:r>
+              <a:rPr lang="it-IT" sz="1000" b="0" dirty="0">
+                <a:solidFill>
+                  <a:srgbClr val="000000"/>
+                </a:solidFill>
+                <a:effectLst/>
+                <a:latin typeface="Consolas" panose="020B0609020204030204" pitchFamily="49" charset="0"/>
+              </a:rPr>
+              <a:t> </a:t>
+            </a:r>
+            <a:r>
+              <a:rPr lang="it-IT" sz="1000" b="0" dirty="0">
+                <a:solidFill>
+                  <a:srgbClr val="A31515"/>
+                </a:solidFill>
+                <a:effectLst/>
+                <a:latin typeface="Consolas" panose="020B0609020204030204" pitchFamily="49" charset="0"/>
+              </a:rPr>
+              <a:t>'</a:t>
+            </a:r>
+            <a:r>
+              <a:rPr lang="it-IT" sz="1000" b="0" dirty="0" err="1">
+                <a:solidFill>
+                  <a:srgbClr val="A31515"/>
+                </a:solidFill>
+                <a:effectLst/>
+                <a:latin typeface="Consolas" panose="020B0609020204030204" pitchFamily="49" charset="0"/>
+              </a:rPr>
+              <a:t>package:sqflite</a:t>
+            </a:r>
+            <a:r>
+              <a:rPr lang="it-IT" sz="1000" b="0" dirty="0">
+                <a:solidFill>
+                  <a:srgbClr val="A31515"/>
+                </a:solidFill>
+                <a:effectLst/>
+                <a:latin typeface="Consolas" panose="020B0609020204030204" pitchFamily="49" charset="0"/>
+              </a:rPr>
+              <a:t>/</a:t>
+            </a:r>
+            <a:r>
+              <a:rPr lang="it-IT" sz="1000" b="0" dirty="0" err="1">
+                <a:solidFill>
+                  <a:srgbClr val="A31515"/>
+                </a:solidFill>
+                <a:effectLst/>
+                <a:latin typeface="Consolas" panose="020B0609020204030204" pitchFamily="49" charset="0"/>
+              </a:rPr>
+              <a:t>sqflite.dart</a:t>
+            </a:r>
+            <a:r>
+              <a:rPr lang="it-IT" sz="1000" b="0" dirty="0">
+                <a:solidFill>
+                  <a:srgbClr val="A31515"/>
+                </a:solidFill>
+                <a:effectLst/>
+                <a:latin typeface="Consolas" panose="020B0609020204030204" pitchFamily="49" charset="0"/>
+              </a:rPr>
+              <a:t>'</a:t>
+            </a:r>
+            <a:r>
+              <a:rPr lang="it-IT" sz="1000" b="0" dirty="0">
+                <a:solidFill>
+                  <a:srgbClr val="000000"/>
+                </a:solidFill>
+                <a:effectLst/>
+                <a:latin typeface="Consolas" panose="020B0609020204030204" pitchFamily="49" charset="0"/>
+              </a:rPr>
+              <a:t>;</a:t>
+            </a:r>
+          </a:p>
+          <a:p>
+            <a:pPr marL="0" indent="0">
+              <a:buNone/>
+            </a:pPr>
+            <a:r>
+              <a:rPr lang="it-IT" sz="1000" b="0" dirty="0">
+                <a:solidFill>
+                  <a:srgbClr val="0000FF"/>
+                </a:solidFill>
+                <a:effectLst/>
+                <a:latin typeface="Consolas" panose="020B0609020204030204" pitchFamily="49" charset="0"/>
+              </a:rPr>
+              <a:t>import</a:t>
+            </a:r>
+            <a:r>
+              <a:rPr lang="it-IT" sz="1000" b="0" dirty="0">
+                <a:solidFill>
+                  <a:srgbClr val="000000"/>
+                </a:solidFill>
+                <a:effectLst/>
+                <a:latin typeface="Consolas" panose="020B0609020204030204" pitchFamily="49" charset="0"/>
+              </a:rPr>
+              <a:t> </a:t>
+            </a:r>
+            <a:r>
+              <a:rPr lang="it-IT" sz="1000" b="0" dirty="0">
+                <a:solidFill>
+                  <a:srgbClr val="A31515"/>
+                </a:solidFill>
+                <a:effectLst/>
+                <a:latin typeface="Consolas" panose="020B0609020204030204" pitchFamily="49" charset="0"/>
+              </a:rPr>
+              <a:t>'</a:t>
+            </a:r>
+            <a:r>
+              <a:rPr lang="it-IT" sz="1000" b="0" dirty="0" err="1">
+                <a:solidFill>
+                  <a:srgbClr val="A31515"/>
+                </a:solidFill>
+                <a:effectLst/>
+                <a:latin typeface="Consolas" panose="020B0609020204030204" pitchFamily="49" charset="0"/>
+              </a:rPr>
+              <a:t>dart:async</a:t>
+            </a:r>
+            <a:r>
+              <a:rPr lang="it-IT" sz="1000" b="0" dirty="0">
+                <a:solidFill>
+                  <a:srgbClr val="A31515"/>
+                </a:solidFill>
+                <a:effectLst/>
+                <a:latin typeface="Consolas" panose="020B0609020204030204" pitchFamily="49" charset="0"/>
+              </a:rPr>
+              <a:t>'</a:t>
+            </a:r>
+            <a:r>
+              <a:rPr lang="it-IT" sz="1000" b="0" dirty="0">
+                <a:solidFill>
+                  <a:srgbClr val="000000"/>
+                </a:solidFill>
+                <a:effectLst/>
+                <a:latin typeface="Consolas" panose="020B0609020204030204" pitchFamily="49" charset="0"/>
+              </a:rPr>
+              <a:t>;</a:t>
+            </a:r>
+          </a:p>
+          <a:p>
+            <a:pPr marL="0" indent="0">
+              <a:buFont typeface="Arial"/>
+              <a:buNone/>
+            </a:pPr>
+            <a:endParaRPr lang="it-IT" sz="1050" dirty="0">
+              <a:solidFill>
+                <a:srgbClr val="0000FF"/>
+              </a:solidFill>
+              <a:latin typeface="Courier New"/>
+              <a:ea typeface="Courier New"/>
+              <a:cs typeface="Courier New"/>
+              <a:sym typeface="Courier New"/>
+            </a:endParaRPr>
+          </a:p>
+        </p:txBody>
+      </p:sp>
+    </p:spTree>
+    <p:extLst>
+      <p:ext uri="{BB962C8B-B14F-4D97-AF65-F5344CB8AC3E}">
+        <p14:creationId xmlns:p14="http://schemas.microsoft.com/office/powerpoint/2010/main" val="3347881187"/>
+      </p:ext>
+    </p:extLst>
+  </p:cSld>
+  <p:clrMapOvr>
+    <a:masterClrMapping/>
+  </p:clrMapOvr>
+</p:sld>
+</file>
+
+<file path=ppt/slides/slide4.xml><?xml version="1.0" encoding="utf-8"?>
 <p:sld xmlns:a="http://schemas.openxmlformats.org/drawingml/2006/main" xmlns:r="http://schemas.openxmlformats.org/officeDocument/2006/relationships" xmlns:p="http://schemas.openxmlformats.org/presentationml/2006/main">
   <p:cSld>
     <p:spTree>
@@ -12903,1114 +16411,6 @@
 </p:sld>
 </file>
 
-<file path=ppt/slides/slide4.xml><?xml version="1.0" encoding="utf-8"?>
-<p:sld xmlns:a="http://schemas.openxmlformats.org/drawingml/2006/main" xmlns:r="http://schemas.openxmlformats.org/officeDocument/2006/relationships" xmlns:p="http://schemas.openxmlformats.org/presentationml/2006/main">
-  <p:cSld>
-    <p:spTree>
-      <p:nvGrpSpPr>
-        <p:cNvPr id="1" name="Shape 108"/>
-        <p:cNvGrpSpPr/>
-        <p:nvPr/>
-      </p:nvGrpSpPr>
-      <p:grpSpPr>
-        <a:xfrm>
-          <a:off x="0" y="0"/>
-          <a:ext cx="0" cy="0"/>
-          <a:chOff x="0" y="0"/>
-          <a:chExt cx="0" cy="0"/>
-        </a:xfrm>
-      </p:grpSpPr>
-      <p:sp>
-        <p:nvSpPr>
-          <p:cNvPr id="109" name="Google Shape;109;p17"/>
-          <p:cNvSpPr txBox="1">
-            <a:spLocks noGrp="1"/>
-          </p:cNvSpPr>
-          <p:nvPr>
-            <p:ph type="title"/>
-          </p:nvPr>
-        </p:nvSpPr>
-        <p:spPr>
-          <a:xfrm>
-            <a:off x="0" y="-603"/>
-            <a:ext cx="9144000" cy="1153200"/>
-          </a:xfrm>
-          <a:prstGeom prst="rect">
-            <a:avLst/>
-          </a:prstGeom>
-          <a:solidFill>
-            <a:srgbClr val="777777"/>
-          </a:solidFill>
-          <a:ln>
-            <a:noFill/>
-          </a:ln>
-        </p:spPr>
-        <p:txBody>
-          <a:bodyPr spcFirstLastPara="1" wrap="square" lIns="540000" tIns="91425" rIns="360000" bIns="91425" anchor="ctr" anchorCtr="0">
-            <a:noAutofit/>
-          </a:bodyPr>
-          <a:lstStyle/>
-          <a:p>
-            <a:pPr marL="0" lvl="0" indent="0" algn="l" rtl="0">
-              <a:lnSpc>
-                <a:spcPct val="100000"/>
-              </a:lnSpc>
-              <a:spcBef>
-                <a:spcPts val="0"/>
-              </a:spcBef>
-              <a:spcAft>
-                <a:spcPts val="0"/>
-              </a:spcAft>
-              <a:buSzPts val="2800"/>
-              <a:buNone/>
-            </a:pPr>
-            <a:r>
-              <a:rPr lang="en-US" dirty="0" err="1"/>
-              <a:t>L’entità</a:t>
-            </a:r>
-            <a:r>
-              <a:rPr lang="en-US" dirty="0"/>
-              <a:t> Swimmer</a:t>
-            </a:r>
-            <a:endParaRPr dirty="0"/>
-          </a:p>
-        </p:txBody>
-      </p:sp>
-      <p:sp>
-        <p:nvSpPr>
-          <p:cNvPr id="110" name="Google Shape;110;p17"/>
-          <p:cNvSpPr txBox="1">
-            <a:spLocks noGrp="1"/>
-          </p:cNvSpPr>
-          <p:nvPr>
-            <p:ph type="body" idx="2"/>
-          </p:nvPr>
-        </p:nvSpPr>
-        <p:spPr>
-          <a:xfrm>
-            <a:off x="1669312" y="4688958"/>
-            <a:ext cx="4455000" cy="447600"/>
-          </a:xfrm>
-          <a:prstGeom prst="rect">
-            <a:avLst/>
-          </a:prstGeom>
-          <a:noFill/>
-          <a:ln>
-            <a:noFill/>
-          </a:ln>
-        </p:spPr>
-        <p:txBody>
-          <a:bodyPr spcFirstLastPara="1" wrap="square" lIns="91425" tIns="0" rIns="91425" bIns="0" anchor="ctr" anchorCtr="0">
-            <a:noAutofit/>
-          </a:bodyPr>
-          <a:lstStyle/>
-          <a:p>
-            <a:pPr marL="114300" lvl="0" indent="0" algn="l" rtl="0">
-              <a:spcBef>
-                <a:spcPts val="0"/>
-              </a:spcBef>
-              <a:spcAft>
-                <a:spcPts val="0"/>
-              </a:spcAft>
-              <a:buClr>
-                <a:schemeClr val="dk1"/>
-              </a:buClr>
-              <a:buSzPts val="1800"/>
-              <a:buFont typeface="Arial"/>
-              <a:buNone/>
-            </a:pPr>
-            <a:r>
-              <a:rPr lang="en-US" dirty="0"/>
-              <a:t>SQLite e </a:t>
-            </a:r>
-            <a:r>
-              <a:rPr lang="en-US" dirty="0" err="1"/>
-              <a:t>FLutter</a:t>
-            </a:r>
-            <a:endParaRPr dirty="0"/>
-          </a:p>
-        </p:txBody>
-      </p:sp>
-      <p:sp>
-        <p:nvSpPr>
-          <p:cNvPr id="111" name="Google Shape;111;p17"/>
-          <p:cNvSpPr txBox="1">
-            <a:spLocks noGrp="1"/>
-          </p:cNvSpPr>
-          <p:nvPr>
-            <p:ph type="body" idx="1"/>
-          </p:nvPr>
-        </p:nvSpPr>
-        <p:spPr>
-          <a:xfrm>
-            <a:off x="277850" y="1615192"/>
-            <a:ext cx="8508000" cy="1143000"/>
-          </a:xfrm>
-          <a:prstGeom prst="rect">
-            <a:avLst/>
-          </a:prstGeom>
-          <a:solidFill>
-            <a:srgbClr val="EFEFEF"/>
-          </a:solidFill>
-          <a:ln>
-            <a:noFill/>
-          </a:ln>
-        </p:spPr>
-        <p:txBody>
-          <a:bodyPr spcFirstLastPara="1" wrap="square" lIns="91425" tIns="91425" rIns="91425" bIns="91425" anchor="t" anchorCtr="0">
-            <a:noAutofit/>
-          </a:bodyPr>
-          <a:lstStyle/>
-          <a:p>
-            <a:pPr marL="0" indent="0">
-              <a:buNone/>
-            </a:pPr>
-            <a:r>
-              <a:rPr lang="it-IT" sz="1100" b="0" dirty="0">
-                <a:solidFill>
-                  <a:srgbClr val="0000FF"/>
-                </a:solidFill>
-                <a:effectLst/>
-                <a:latin typeface="Consolas" panose="020B0609020204030204" pitchFamily="49" charset="0"/>
-              </a:rPr>
-              <a:t>class</a:t>
-            </a:r>
-            <a:r>
-              <a:rPr lang="it-IT" sz="1100" b="0" dirty="0">
-                <a:solidFill>
-                  <a:srgbClr val="000000"/>
-                </a:solidFill>
-                <a:effectLst/>
-                <a:latin typeface="Consolas" panose="020B0609020204030204" pitchFamily="49" charset="0"/>
-              </a:rPr>
-              <a:t> </a:t>
-            </a:r>
-            <a:r>
-              <a:rPr lang="it-IT" sz="1100" b="0" dirty="0" err="1">
-                <a:solidFill>
-                  <a:srgbClr val="267F99"/>
-                </a:solidFill>
-                <a:effectLst/>
-                <a:latin typeface="Consolas" panose="020B0609020204030204" pitchFamily="49" charset="0"/>
-              </a:rPr>
-              <a:t>Swimmer</a:t>
-            </a:r>
-            <a:r>
-              <a:rPr lang="it-IT" sz="1100" b="0" dirty="0">
-                <a:solidFill>
-                  <a:srgbClr val="000000"/>
-                </a:solidFill>
-                <a:effectLst/>
-                <a:latin typeface="Consolas" panose="020B0609020204030204" pitchFamily="49" charset="0"/>
-              </a:rPr>
-              <a:t> {</a:t>
-            </a:r>
-            <a:br>
-              <a:rPr lang="it-IT" sz="1100" b="0" dirty="0">
-                <a:solidFill>
-                  <a:srgbClr val="000000"/>
-                </a:solidFill>
-                <a:effectLst/>
-                <a:latin typeface="Consolas" panose="020B0609020204030204" pitchFamily="49" charset="0"/>
-              </a:rPr>
-            </a:br>
-            <a:r>
-              <a:rPr lang="en-US" sz="1100" b="0" dirty="0">
-                <a:solidFill>
-                  <a:srgbClr val="000000"/>
-                </a:solidFill>
-                <a:effectLst/>
-                <a:latin typeface="Consolas" panose="020B0609020204030204" pitchFamily="49" charset="0"/>
-              </a:rPr>
-              <a:t>  </a:t>
-            </a:r>
-            <a:r>
-              <a:rPr lang="en-US" sz="1100" b="0" dirty="0">
-                <a:solidFill>
-                  <a:srgbClr val="0000FF"/>
-                </a:solidFill>
-                <a:effectLst/>
-                <a:latin typeface="Consolas" panose="020B0609020204030204" pitchFamily="49" charset="0"/>
-              </a:rPr>
-              <a:t>final</a:t>
-            </a:r>
-            <a:r>
-              <a:rPr lang="en-US" sz="1100" b="0" dirty="0">
-                <a:solidFill>
-                  <a:srgbClr val="000000"/>
-                </a:solidFill>
-                <a:effectLst/>
-                <a:latin typeface="Consolas" panose="020B0609020204030204" pitchFamily="49" charset="0"/>
-              </a:rPr>
-              <a:t> </a:t>
-            </a:r>
-            <a:r>
-              <a:rPr lang="en-US" sz="1100" b="0" dirty="0">
-                <a:solidFill>
-                  <a:srgbClr val="267F99"/>
-                </a:solidFill>
-                <a:effectLst/>
-                <a:latin typeface="Consolas" panose="020B0609020204030204" pitchFamily="49" charset="0"/>
-              </a:rPr>
-              <a:t>int</a:t>
-            </a:r>
-            <a:r>
-              <a:rPr lang="en-US" sz="1100" b="0" dirty="0">
-                <a:solidFill>
-                  <a:srgbClr val="000000"/>
-                </a:solidFill>
-                <a:effectLst/>
-                <a:latin typeface="Consolas" panose="020B0609020204030204" pitchFamily="49" charset="0"/>
-              </a:rPr>
-              <a:t>? </a:t>
-            </a:r>
-            <a:r>
-              <a:rPr lang="en-US" sz="1100" b="0" dirty="0" err="1">
-                <a:solidFill>
-                  <a:srgbClr val="001080"/>
-                </a:solidFill>
-                <a:effectLst/>
-                <a:latin typeface="Consolas" panose="020B0609020204030204" pitchFamily="49" charset="0"/>
-              </a:rPr>
-              <a:t>id_swimmer</a:t>
-            </a:r>
-            <a:r>
-              <a:rPr lang="en-US" sz="1100" b="0" dirty="0">
-                <a:solidFill>
-                  <a:srgbClr val="000000"/>
-                </a:solidFill>
-                <a:effectLst/>
-                <a:latin typeface="Consolas" panose="020B0609020204030204" pitchFamily="49" charset="0"/>
-              </a:rPr>
-              <a:t>;</a:t>
-            </a:r>
-            <a:br>
-              <a:rPr lang="en-US" sz="1100" b="0" dirty="0">
-                <a:solidFill>
-                  <a:srgbClr val="000000"/>
-                </a:solidFill>
-                <a:effectLst/>
-                <a:latin typeface="Consolas" panose="020B0609020204030204" pitchFamily="49" charset="0"/>
-              </a:rPr>
-            </a:br>
-            <a:r>
-              <a:rPr lang="en-US" sz="1100" b="0" dirty="0">
-                <a:solidFill>
-                  <a:srgbClr val="000000"/>
-                </a:solidFill>
-                <a:effectLst/>
-                <a:latin typeface="Consolas" panose="020B0609020204030204" pitchFamily="49" charset="0"/>
-              </a:rPr>
-              <a:t>  </a:t>
-            </a:r>
-            <a:r>
-              <a:rPr lang="en-US" sz="1100" b="0" dirty="0">
-                <a:solidFill>
-                  <a:srgbClr val="0000FF"/>
-                </a:solidFill>
-                <a:effectLst/>
-                <a:latin typeface="Consolas" panose="020B0609020204030204" pitchFamily="49" charset="0"/>
-              </a:rPr>
-              <a:t>final</a:t>
-            </a:r>
-            <a:r>
-              <a:rPr lang="en-US" sz="1100" b="0" dirty="0">
-                <a:solidFill>
-                  <a:srgbClr val="000000"/>
-                </a:solidFill>
-                <a:effectLst/>
-                <a:latin typeface="Consolas" panose="020B0609020204030204" pitchFamily="49" charset="0"/>
-              </a:rPr>
-              <a:t> </a:t>
-            </a:r>
-            <a:r>
-              <a:rPr lang="en-US" sz="1100" b="0" dirty="0">
-                <a:solidFill>
-                  <a:srgbClr val="267F99"/>
-                </a:solidFill>
-                <a:effectLst/>
-                <a:latin typeface="Consolas" panose="020B0609020204030204" pitchFamily="49" charset="0"/>
-              </a:rPr>
-              <a:t>String</a:t>
-            </a:r>
-            <a:r>
-              <a:rPr lang="en-US" sz="1100" b="0" dirty="0">
-                <a:solidFill>
-                  <a:srgbClr val="000000"/>
-                </a:solidFill>
-                <a:effectLst/>
-                <a:latin typeface="Consolas" panose="020B0609020204030204" pitchFamily="49" charset="0"/>
-              </a:rPr>
-              <a:t> </a:t>
-            </a:r>
-            <a:r>
-              <a:rPr lang="en-US" sz="1100" b="0" dirty="0" err="1">
-                <a:solidFill>
-                  <a:srgbClr val="001080"/>
-                </a:solidFill>
-                <a:effectLst/>
-                <a:latin typeface="Consolas" panose="020B0609020204030204" pitchFamily="49" charset="0"/>
-              </a:rPr>
-              <a:t>swimmer_name</a:t>
-            </a:r>
-            <a:r>
-              <a:rPr lang="en-US" sz="1100" b="0" dirty="0">
-                <a:solidFill>
-                  <a:srgbClr val="000000"/>
-                </a:solidFill>
-                <a:effectLst/>
-                <a:latin typeface="Consolas" panose="020B0609020204030204" pitchFamily="49" charset="0"/>
-              </a:rPr>
-              <a:t>;</a:t>
-            </a:r>
-            <a:br>
-              <a:rPr lang="en-US" sz="1100" b="0" dirty="0">
-                <a:solidFill>
-                  <a:srgbClr val="000000"/>
-                </a:solidFill>
-                <a:effectLst/>
-                <a:latin typeface="Consolas" panose="020B0609020204030204" pitchFamily="49" charset="0"/>
-              </a:rPr>
-            </a:br>
-            <a:r>
-              <a:rPr lang="en-US" sz="1100" b="0" dirty="0">
-                <a:solidFill>
-                  <a:srgbClr val="000000"/>
-                </a:solidFill>
-                <a:effectLst/>
-                <a:latin typeface="Consolas" panose="020B0609020204030204" pitchFamily="49" charset="0"/>
-              </a:rPr>
-              <a:t>  </a:t>
-            </a:r>
-            <a:r>
-              <a:rPr lang="en-US" sz="1100" b="0" dirty="0">
-                <a:solidFill>
-                  <a:srgbClr val="0000FF"/>
-                </a:solidFill>
-                <a:effectLst/>
-                <a:latin typeface="Consolas" panose="020B0609020204030204" pitchFamily="49" charset="0"/>
-              </a:rPr>
-              <a:t>final</a:t>
-            </a:r>
-            <a:r>
-              <a:rPr lang="en-US" sz="1100" b="0" dirty="0">
-                <a:solidFill>
-                  <a:srgbClr val="000000"/>
-                </a:solidFill>
-                <a:effectLst/>
-                <a:latin typeface="Consolas" panose="020B0609020204030204" pitchFamily="49" charset="0"/>
-              </a:rPr>
-              <a:t> </a:t>
-            </a:r>
-            <a:r>
-              <a:rPr lang="en-US" sz="1100" b="0" dirty="0">
-                <a:solidFill>
-                  <a:srgbClr val="267F99"/>
-                </a:solidFill>
-                <a:effectLst/>
-                <a:latin typeface="Consolas" panose="020B0609020204030204" pitchFamily="49" charset="0"/>
-              </a:rPr>
-              <a:t>int</a:t>
-            </a:r>
-            <a:r>
-              <a:rPr lang="en-US" sz="1100" b="0" dirty="0">
-                <a:solidFill>
-                  <a:srgbClr val="000000"/>
-                </a:solidFill>
-                <a:effectLst/>
-                <a:latin typeface="Consolas" panose="020B0609020204030204" pitchFamily="49" charset="0"/>
-              </a:rPr>
-              <a:t> </a:t>
-            </a:r>
-            <a:r>
-              <a:rPr lang="en-US" sz="1100" b="0" dirty="0">
-                <a:solidFill>
-                  <a:srgbClr val="001080"/>
-                </a:solidFill>
-                <a:effectLst/>
-                <a:latin typeface="Consolas" panose="020B0609020204030204" pitchFamily="49" charset="0"/>
-              </a:rPr>
-              <a:t>age</a:t>
-            </a:r>
-            <a:r>
-              <a:rPr lang="en-US" sz="1100" b="0" dirty="0">
-                <a:solidFill>
-                  <a:srgbClr val="000000"/>
-                </a:solidFill>
-                <a:effectLst/>
-                <a:latin typeface="Consolas" panose="020B0609020204030204" pitchFamily="49" charset="0"/>
-              </a:rPr>
-              <a:t>;</a:t>
-            </a:r>
-            <a:br>
-              <a:rPr lang="en-US" sz="1100" b="0" dirty="0">
-                <a:solidFill>
-                  <a:srgbClr val="000000"/>
-                </a:solidFill>
-                <a:effectLst/>
-                <a:latin typeface="Consolas" panose="020B0609020204030204" pitchFamily="49" charset="0"/>
-              </a:rPr>
-            </a:br>
-            <a:r>
-              <a:rPr lang="en-US" sz="1100" b="0" dirty="0">
-                <a:solidFill>
-                  <a:srgbClr val="000000"/>
-                </a:solidFill>
-                <a:effectLst/>
-                <a:latin typeface="Consolas" panose="020B0609020204030204" pitchFamily="49" charset="0"/>
-              </a:rPr>
-              <a:t>  </a:t>
-            </a:r>
-            <a:r>
-              <a:rPr lang="en-US" sz="1100" b="0" dirty="0">
-                <a:solidFill>
-                  <a:srgbClr val="0000FF"/>
-                </a:solidFill>
-                <a:effectLst/>
-                <a:latin typeface="Consolas" panose="020B0609020204030204" pitchFamily="49" charset="0"/>
-              </a:rPr>
-              <a:t>final</a:t>
-            </a:r>
-            <a:r>
-              <a:rPr lang="en-US" sz="1100" b="0" dirty="0">
-                <a:solidFill>
-                  <a:srgbClr val="000000"/>
-                </a:solidFill>
-                <a:effectLst/>
-                <a:latin typeface="Consolas" panose="020B0609020204030204" pitchFamily="49" charset="0"/>
-              </a:rPr>
-              <a:t> </a:t>
-            </a:r>
-            <a:r>
-              <a:rPr lang="en-US" sz="1100" b="0" dirty="0">
-                <a:solidFill>
-                  <a:srgbClr val="267F99"/>
-                </a:solidFill>
-                <a:effectLst/>
-                <a:latin typeface="Consolas" panose="020B0609020204030204" pitchFamily="49" charset="0"/>
-              </a:rPr>
-              <a:t>String</a:t>
-            </a:r>
-            <a:r>
-              <a:rPr lang="en-US" sz="1100" b="0" dirty="0">
-                <a:solidFill>
-                  <a:srgbClr val="000000"/>
-                </a:solidFill>
-                <a:effectLst/>
-                <a:latin typeface="Consolas" panose="020B0609020204030204" pitchFamily="49" charset="0"/>
-              </a:rPr>
-              <a:t> </a:t>
-            </a:r>
-            <a:r>
-              <a:rPr lang="en-US" sz="1100" b="0" dirty="0">
-                <a:solidFill>
-                  <a:srgbClr val="001080"/>
-                </a:solidFill>
-                <a:effectLst/>
-                <a:latin typeface="Consolas" panose="020B0609020204030204" pitchFamily="49" charset="0"/>
-              </a:rPr>
-              <a:t>nation</a:t>
-            </a:r>
-            <a:r>
-              <a:rPr lang="en-US" sz="1100" b="0" dirty="0">
-                <a:solidFill>
-                  <a:srgbClr val="000000"/>
-                </a:solidFill>
-                <a:effectLst/>
-                <a:latin typeface="Consolas" panose="020B0609020204030204" pitchFamily="49" charset="0"/>
-              </a:rPr>
-              <a:t>;</a:t>
-            </a:r>
-          </a:p>
-          <a:p>
-            <a:pPr marL="0" lvl="0" indent="0" algn="l" rtl="0">
-              <a:lnSpc>
-                <a:spcPct val="115000"/>
-              </a:lnSpc>
-              <a:spcBef>
-                <a:spcPts val="0"/>
-              </a:spcBef>
-              <a:spcAft>
-                <a:spcPts val="0"/>
-              </a:spcAft>
-              <a:buNone/>
-            </a:pPr>
-            <a:endParaRPr lang="it-IT" sz="1200" dirty="0">
-              <a:solidFill>
-                <a:srgbClr val="0000FF"/>
-              </a:solidFill>
-              <a:latin typeface="Courier New"/>
-              <a:ea typeface="Courier New"/>
-              <a:cs typeface="Courier New"/>
-              <a:sym typeface="Courier New"/>
-            </a:endParaRPr>
-          </a:p>
-        </p:txBody>
-      </p:sp>
-      <p:sp>
-        <p:nvSpPr>
-          <p:cNvPr id="112" name="Google Shape;112;p17"/>
-          <p:cNvSpPr txBox="1">
-            <a:spLocks noGrp="1"/>
-          </p:cNvSpPr>
-          <p:nvPr>
-            <p:ph type="body" idx="1"/>
-          </p:nvPr>
-        </p:nvSpPr>
-        <p:spPr>
-          <a:xfrm>
-            <a:off x="277850" y="3168891"/>
-            <a:ext cx="8508000" cy="1445619"/>
-          </a:xfrm>
-          <a:prstGeom prst="rect">
-            <a:avLst/>
-          </a:prstGeom>
-          <a:solidFill>
-            <a:srgbClr val="EFEFEF"/>
-          </a:solidFill>
-          <a:ln>
-            <a:noFill/>
-          </a:ln>
-        </p:spPr>
-        <p:txBody>
-          <a:bodyPr spcFirstLastPara="1" wrap="square" lIns="91425" tIns="91425" rIns="91425" bIns="91425" anchor="t" anchorCtr="0">
-            <a:noAutofit/>
-          </a:bodyPr>
-          <a:lstStyle/>
-          <a:p>
-            <a:pPr marL="114300" indent="0">
-              <a:buNone/>
-            </a:pPr>
-            <a:r>
-              <a:rPr lang="it-IT" sz="1100" b="0" dirty="0" err="1">
-                <a:solidFill>
-                  <a:srgbClr val="267F99"/>
-                </a:solidFill>
-                <a:effectLst/>
-                <a:latin typeface="Consolas" panose="020B0609020204030204" pitchFamily="49" charset="0"/>
-              </a:rPr>
-              <a:t>Map</a:t>
-            </a:r>
-            <a:r>
-              <a:rPr lang="it-IT" sz="1100" b="0" dirty="0">
-                <a:solidFill>
-                  <a:srgbClr val="000000"/>
-                </a:solidFill>
-                <a:effectLst/>
-                <a:latin typeface="Consolas" panose="020B0609020204030204" pitchFamily="49" charset="0"/>
-              </a:rPr>
-              <a:t>&lt;</a:t>
-            </a:r>
-            <a:r>
-              <a:rPr lang="it-IT" sz="1100" b="0" dirty="0" err="1">
-                <a:solidFill>
-                  <a:srgbClr val="267F99"/>
-                </a:solidFill>
-                <a:effectLst/>
-                <a:latin typeface="Consolas" panose="020B0609020204030204" pitchFamily="49" charset="0"/>
-              </a:rPr>
-              <a:t>String</a:t>
-            </a:r>
-            <a:r>
-              <a:rPr lang="it-IT" sz="1100" b="0" dirty="0">
-                <a:solidFill>
-                  <a:srgbClr val="000000"/>
-                </a:solidFill>
-                <a:effectLst/>
-                <a:latin typeface="Consolas" panose="020B0609020204030204" pitchFamily="49" charset="0"/>
-              </a:rPr>
-              <a:t>, </a:t>
-            </a:r>
-            <a:r>
-              <a:rPr lang="it-IT" sz="1100" b="0" dirty="0" err="1">
-                <a:solidFill>
-                  <a:srgbClr val="267F99"/>
-                </a:solidFill>
-                <a:effectLst/>
-                <a:latin typeface="Consolas" panose="020B0609020204030204" pitchFamily="49" charset="0"/>
-              </a:rPr>
-              <a:t>dynamic</a:t>
-            </a:r>
-            <a:r>
-              <a:rPr lang="it-IT" sz="1100" b="0" dirty="0">
-                <a:solidFill>
-                  <a:srgbClr val="000000"/>
-                </a:solidFill>
-                <a:effectLst/>
-                <a:latin typeface="Consolas" panose="020B0609020204030204" pitchFamily="49" charset="0"/>
-              </a:rPr>
-              <a:t>&gt; </a:t>
-            </a:r>
-            <a:r>
-              <a:rPr lang="it-IT" sz="1100" b="0" dirty="0" err="1">
-                <a:solidFill>
-                  <a:srgbClr val="795E26"/>
-                </a:solidFill>
-                <a:effectLst/>
-                <a:latin typeface="Consolas" panose="020B0609020204030204" pitchFamily="49" charset="0"/>
-              </a:rPr>
-              <a:t>toMap</a:t>
-            </a:r>
-            <a:r>
-              <a:rPr lang="it-IT" sz="1100" b="0" dirty="0">
-                <a:solidFill>
-                  <a:srgbClr val="000000"/>
-                </a:solidFill>
-                <a:effectLst/>
-                <a:latin typeface="Consolas" panose="020B0609020204030204" pitchFamily="49" charset="0"/>
-              </a:rPr>
-              <a:t>() {</a:t>
-            </a:r>
-          </a:p>
-          <a:p>
-            <a:pPr marL="114300" indent="0">
-              <a:buNone/>
-            </a:pPr>
-            <a:r>
-              <a:rPr lang="it-IT" sz="1100" b="0" dirty="0" err="1">
-                <a:solidFill>
-                  <a:srgbClr val="AF00DB"/>
-                </a:solidFill>
-                <a:effectLst/>
-                <a:latin typeface="Consolas" panose="020B0609020204030204" pitchFamily="49" charset="0"/>
-              </a:rPr>
-              <a:t>return</a:t>
-            </a:r>
-            <a:r>
-              <a:rPr lang="it-IT" sz="1100" b="0" dirty="0">
-                <a:solidFill>
-                  <a:srgbClr val="000000"/>
-                </a:solidFill>
-                <a:effectLst/>
-                <a:latin typeface="Consolas" panose="020B0609020204030204" pitchFamily="49" charset="0"/>
-              </a:rPr>
-              <a:t> {</a:t>
-            </a:r>
-            <a:br>
-              <a:rPr lang="it-IT" sz="1100" b="0" dirty="0">
-                <a:solidFill>
-                  <a:srgbClr val="000000"/>
-                </a:solidFill>
-                <a:effectLst/>
-                <a:latin typeface="Consolas" panose="020B0609020204030204" pitchFamily="49" charset="0"/>
-              </a:rPr>
-            </a:br>
-            <a:r>
-              <a:rPr lang="it-IT" sz="1100" b="0" dirty="0">
-                <a:solidFill>
-                  <a:srgbClr val="A31515"/>
-                </a:solidFill>
-                <a:effectLst/>
-                <a:latin typeface="Consolas" panose="020B0609020204030204" pitchFamily="49" charset="0"/>
-              </a:rPr>
-              <a:t>'</a:t>
-            </a:r>
-            <a:r>
-              <a:rPr lang="it-IT" sz="1100" b="0" dirty="0" err="1">
-                <a:solidFill>
-                  <a:srgbClr val="A31515"/>
-                </a:solidFill>
-                <a:effectLst/>
-                <a:latin typeface="Consolas" panose="020B0609020204030204" pitchFamily="49" charset="0"/>
-              </a:rPr>
-              <a:t>id_swimmer</a:t>
-            </a:r>
-            <a:r>
-              <a:rPr lang="it-IT" sz="1100" b="0" dirty="0">
-                <a:solidFill>
-                  <a:srgbClr val="A31515"/>
-                </a:solidFill>
-                <a:effectLst/>
-                <a:latin typeface="Consolas" panose="020B0609020204030204" pitchFamily="49" charset="0"/>
-              </a:rPr>
-              <a:t>'</a:t>
-            </a:r>
-            <a:r>
-              <a:rPr lang="it-IT" sz="1100" b="0" dirty="0">
-                <a:solidFill>
-                  <a:srgbClr val="000000"/>
-                </a:solidFill>
-                <a:effectLst/>
-                <a:latin typeface="Consolas" panose="020B0609020204030204" pitchFamily="49" charset="0"/>
-              </a:rPr>
-              <a:t>: </a:t>
-            </a:r>
-            <a:r>
-              <a:rPr lang="it-IT" sz="1100" b="0" dirty="0" err="1">
-                <a:solidFill>
-                  <a:srgbClr val="001080"/>
-                </a:solidFill>
-                <a:effectLst/>
-                <a:latin typeface="Consolas" panose="020B0609020204030204" pitchFamily="49" charset="0"/>
-              </a:rPr>
-              <a:t>id_swimmer</a:t>
-            </a:r>
-            <a:r>
-              <a:rPr lang="it-IT" sz="1100" b="0" dirty="0">
-                <a:solidFill>
-                  <a:srgbClr val="000000"/>
-                </a:solidFill>
-                <a:effectLst/>
-                <a:latin typeface="Consolas" panose="020B0609020204030204" pitchFamily="49" charset="0"/>
-              </a:rPr>
-              <a:t>,</a:t>
-            </a:r>
-            <a:br>
-              <a:rPr lang="it-IT" sz="1100" b="0" dirty="0">
-                <a:solidFill>
-                  <a:srgbClr val="000000"/>
-                </a:solidFill>
-                <a:effectLst/>
-                <a:latin typeface="Consolas" panose="020B0609020204030204" pitchFamily="49" charset="0"/>
-              </a:rPr>
-            </a:br>
-            <a:r>
-              <a:rPr lang="it-IT" sz="1100" b="0" dirty="0">
-                <a:solidFill>
-                  <a:srgbClr val="A31515"/>
-                </a:solidFill>
-                <a:effectLst/>
-                <a:latin typeface="Consolas" panose="020B0609020204030204" pitchFamily="49" charset="0"/>
-              </a:rPr>
-              <a:t>'</a:t>
-            </a:r>
-            <a:r>
-              <a:rPr lang="it-IT" sz="1100" b="0" dirty="0" err="1">
-                <a:solidFill>
-                  <a:srgbClr val="A31515"/>
-                </a:solidFill>
-                <a:effectLst/>
-                <a:latin typeface="Consolas" panose="020B0609020204030204" pitchFamily="49" charset="0"/>
-              </a:rPr>
-              <a:t>swimmer_name</a:t>
-            </a:r>
-            <a:r>
-              <a:rPr lang="it-IT" sz="1100" b="0" dirty="0">
-                <a:solidFill>
-                  <a:srgbClr val="A31515"/>
-                </a:solidFill>
-                <a:effectLst/>
-                <a:latin typeface="Consolas" panose="020B0609020204030204" pitchFamily="49" charset="0"/>
-              </a:rPr>
-              <a:t>'</a:t>
-            </a:r>
-            <a:r>
-              <a:rPr lang="it-IT" sz="1100" b="0" dirty="0">
-                <a:solidFill>
-                  <a:srgbClr val="000000"/>
-                </a:solidFill>
-                <a:effectLst/>
-                <a:latin typeface="Consolas" panose="020B0609020204030204" pitchFamily="49" charset="0"/>
-              </a:rPr>
-              <a:t>: </a:t>
-            </a:r>
-            <a:r>
-              <a:rPr lang="it-IT" sz="1100" b="0" dirty="0" err="1">
-                <a:solidFill>
-                  <a:srgbClr val="001080"/>
-                </a:solidFill>
-                <a:effectLst/>
-                <a:latin typeface="Consolas" panose="020B0609020204030204" pitchFamily="49" charset="0"/>
-              </a:rPr>
-              <a:t>swimmer_name</a:t>
-            </a:r>
-            <a:r>
-              <a:rPr lang="it-IT" sz="1100" b="0" dirty="0">
-                <a:solidFill>
-                  <a:srgbClr val="000000"/>
-                </a:solidFill>
-                <a:effectLst/>
-                <a:latin typeface="Consolas" panose="020B0609020204030204" pitchFamily="49" charset="0"/>
-              </a:rPr>
-              <a:t>,</a:t>
-            </a:r>
-          </a:p>
-          <a:p>
-            <a:pPr marL="114300" indent="0">
-              <a:buNone/>
-            </a:pPr>
-            <a:r>
-              <a:rPr lang="it-IT" sz="1100" b="0" dirty="0">
-                <a:solidFill>
-                  <a:srgbClr val="A31515"/>
-                </a:solidFill>
-                <a:effectLst/>
-                <a:latin typeface="Consolas" panose="020B0609020204030204" pitchFamily="49" charset="0"/>
-              </a:rPr>
-              <a:t>'age'</a:t>
-            </a:r>
-            <a:r>
-              <a:rPr lang="it-IT" sz="1100" b="0" dirty="0">
-                <a:solidFill>
-                  <a:srgbClr val="000000"/>
-                </a:solidFill>
-                <a:effectLst/>
-                <a:latin typeface="Consolas" panose="020B0609020204030204" pitchFamily="49" charset="0"/>
-              </a:rPr>
-              <a:t>: </a:t>
-            </a:r>
-            <a:r>
-              <a:rPr lang="it-IT" sz="1100" b="0" dirty="0">
-                <a:solidFill>
-                  <a:srgbClr val="001080"/>
-                </a:solidFill>
-                <a:effectLst/>
-                <a:latin typeface="Consolas" panose="020B0609020204030204" pitchFamily="49" charset="0"/>
-              </a:rPr>
-              <a:t>age</a:t>
-            </a:r>
-            <a:r>
-              <a:rPr lang="it-IT" sz="1100" b="0" dirty="0">
-                <a:solidFill>
-                  <a:srgbClr val="000000"/>
-                </a:solidFill>
-                <a:effectLst/>
-                <a:latin typeface="Consolas" panose="020B0609020204030204" pitchFamily="49" charset="0"/>
-              </a:rPr>
-              <a:t>,</a:t>
-            </a:r>
-          </a:p>
-          <a:p>
-            <a:pPr marL="114300" indent="0">
-              <a:buNone/>
-            </a:pPr>
-            <a:r>
-              <a:rPr lang="it-IT" sz="1100" b="0" dirty="0">
-                <a:solidFill>
-                  <a:srgbClr val="A31515"/>
-                </a:solidFill>
-                <a:effectLst/>
-                <a:latin typeface="Consolas" panose="020B0609020204030204" pitchFamily="49" charset="0"/>
-              </a:rPr>
-              <a:t>'</a:t>
-            </a:r>
-            <a:r>
-              <a:rPr lang="it-IT" sz="1100" b="0" dirty="0" err="1">
-                <a:solidFill>
-                  <a:srgbClr val="A31515"/>
-                </a:solidFill>
-                <a:effectLst/>
-                <a:latin typeface="Consolas" panose="020B0609020204030204" pitchFamily="49" charset="0"/>
-              </a:rPr>
-              <a:t>nation</a:t>
-            </a:r>
-            <a:r>
-              <a:rPr lang="it-IT" sz="1100" b="0" dirty="0">
-                <a:solidFill>
-                  <a:srgbClr val="A31515"/>
-                </a:solidFill>
-                <a:effectLst/>
-                <a:latin typeface="Consolas" panose="020B0609020204030204" pitchFamily="49" charset="0"/>
-              </a:rPr>
-              <a:t>'</a:t>
-            </a:r>
-            <a:r>
-              <a:rPr lang="it-IT" sz="1100" b="0" dirty="0">
-                <a:solidFill>
-                  <a:srgbClr val="000000"/>
-                </a:solidFill>
-                <a:effectLst/>
-                <a:latin typeface="Consolas" panose="020B0609020204030204" pitchFamily="49" charset="0"/>
-              </a:rPr>
-              <a:t>: </a:t>
-            </a:r>
-            <a:r>
-              <a:rPr lang="it-IT" sz="1100" b="0" dirty="0" err="1">
-                <a:solidFill>
-                  <a:srgbClr val="001080"/>
-                </a:solidFill>
-                <a:effectLst/>
-                <a:latin typeface="Consolas" panose="020B0609020204030204" pitchFamily="49" charset="0"/>
-              </a:rPr>
-              <a:t>nation</a:t>
-            </a:r>
-            <a:r>
-              <a:rPr lang="it-IT" sz="1100" b="0" dirty="0">
-                <a:solidFill>
-                  <a:srgbClr val="000000"/>
-                </a:solidFill>
-                <a:effectLst/>
-                <a:latin typeface="Consolas" panose="020B0609020204030204" pitchFamily="49" charset="0"/>
-              </a:rPr>
-              <a:t>,</a:t>
-            </a:r>
-          </a:p>
-          <a:p>
-            <a:pPr marL="114300" indent="0">
-              <a:buNone/>
-            </a:pPr>
-            <a:r>
-              <a:rPr lang="it-IT" sz="1100" b="0" dirty="0">
-                <a:solidFill>
-                  <a:srgbClr val="000000"/>
-                </a:solidFill>
-                <a:effectLst/>
-                <a:latin typeface="Consolas" panose="020B0609020204030204" pitchFamily="49" charset="0"/>
-              </a:rPr>
-              <a:t>};</a:t>
-            </a:r>
-          </a:p>
-          <a:p>
-            <a:pPr marL="0" lvl="0" indent="0" algn="l" rtl="0">
-              <a:lnSpc>
-                <a:spcPct val="115000"/>
-              </a:lnSpc>
-              <a:spcBef>
-                <a:spcPts val="0"/>
-              </a:spcBef>
-              <a:spcAft>
-                <a:spcPts val="0"/>
-              </a:spcAft>
-              <a:buNone/>
-            </a:pPr>
-            <a:endParaRPr sz="1050" dirty="0">
-              <a:solidFill>
-                <a:srgbClr val="0000FF"/>
-              </a:solidFill>
-              <a:latin typeface="Courier New"/>
-              <a:ea typeface="Courier New"/>
-              <a:cs typeface="Courier New"/>
-              <a:sym typeface="Courier New"/>
-            </a:endParaRPr>
-          </a:p>
-        </p:txBody>
-      </p:sp>
-      <p:sp>
-        <p:nvSpPr>
-          <p:cNvPr id="113" name="Google Shape;113;p17"/>
-          <p:cNvSpPr txBox="1">
-            <a:spLocks noGrp="1"/>
-          </p:cNvSpPr>
-          <p:nvPr>
-            <p:ph type="body" idx="1"/>
-          </p:nvPr>
-        </p:nvSpPr>
-        <p:spPr>
-          <a:xfrm>
-            <a:off x="159300" y="1225650"/>
-            <a:ext cx="8984700" cy="571800"/>
-          </a:xfrm>
-          <a:prstGeom prst="rect">
-            <a:avLst/>
-          </a:prstGeom>
-          <a:noFill/>
-          <a:ln>
-            <a:noFill/>
-          </a:ln>
-        </p:spPr>
-        <p:txBody>
-          <a:bodyPr spcFirstLastPara="1" wrap="square" lIns="91425" tIns="91425" rIns="91425" bIns="91425" anchor="t" anchorCtr="0">
-            <a:noAutofit/>
-          </a:bodyPr>
-          <a:lstStyle/>
-          <a:p>
-            <a:pPr marL="457200" lvl="0" indent="-342900" algn="l" rtl="0">
-              <a:lnSpc>
-                <a:spcPct val="115000"/>
-              </a:lnSpc>
-              <a:spcBef>
-                <a:spcPts val="0"/>
-              </a:spcBef>
-              <a:spcAft>
-                <a:spcPts val="0"/>
-              </a:spcAft>
-              <a:buSzPts val="1800"/>
-              <a:buChar char="●"/>
-            </a:pPr>
-            <a:r>
-              <a:rPr lang="it-IT" sz="1800" dirty="0"/>
-              <a:t>Creazione dell’entità</a:t>
-            </a:r>
-            <a:endParaRPr sz="1800" dirty="0"/>
-          </a:p>
-        </p:txBody>
-      </p:sp>
-      <p:sp>
-        <p:nvSpPr>
-          <p:cNvPr id="114" name="Google Shape;114;p17"/>
-          <p:cNvSpPr txBox="1">
-            <a:spLocks noGrp="1"/>
-          </p:cNvSpPr>
-          <p:nvPr>
-            <p:ph type="body" idx="1"/>
-          </p:nvPr>
-        </p:nvSpPr>
-        <p:spPr>
-          <a:xfrm>
-            <a:off x="159300" y="2749650"/>
-            <a:ext cx="8984700" cy="485354"/>
-          </a:xfrm>
-          <a:prstGeom prst="rect">
-            <a:avLst/>
-          </a:prstGeom>
-          <a:noFill/>
-          <a:ln>
-            <a:noFill/>
-          </a:ln>
-        </p:spPr>
-        <p:txBody>
-          <a:bodyPr spcFirstLastPara="1" wrap="square" lIns="91425" tIns="91425" rIns="91425" bIns="91425" anchor="t" anchorCtr="0">
-            <a:noAutofit/>
-          </a:bodyPr>
-          <a:lstStyle/>
-          <a:p>
-            <a:pPr marL="457200" lvl="0" indent="-342900" algn="l" rtl="0">
-              <a:lnSpc>
-                <a:spcPct val="115000"/>
-              </a:lnSpc>
-              <a:spcBef>
-                <a:spcPts val="0"/>
-              </a:spcBef>
-              <a:spcAft>
-                <a:spcPts val="0"/>
-              </a:spcAft>
-              <a:buSzPts val="1800"/>
-              <a:buChar char="●"/>
-            </a:pPr>
-            <a:r>
-              <a:rPr lang="it-IT" sz="1800" dirty="0"/>
-              <a:t>Mappatura dell’entità</a:t>
-            </a:r>
-            <a:endParaRPr sz="1800" dirty="0"/>
-          </a:p>
-        </p:txBody>
-      </p:sp>
-      <p:pic>
-        <p:nvPicPr>
-          <p:cNvPr id="115" name="Google Shape;115;p17"/>
-          <p:cNvPicPr preferRelativeResize="0"/>
-          <p:nvPr/>
-        </p:nvPicPr>
-        <p:blipFill>
-          <a:blip r:embed="rId3">
-            <a:alphaModFix/>
-          </a:blip>
-          <a:stretch>
-            <a:fillRect/>
-          </a:stretch>
-        </p:blipFill>
-        <p:spPr>
-          <a:xfrm>
-            <a:off x="89025" y="4680625"/>
-            <a:ext cx="447575" cy="447575"/>
-          </a:xfrm>
-          <a:prstGeom prst="rect">
-            <a:avLst/>
-          </a:prstGeom>
-          <a:noFill/>
-          <a:ln>
-            <a:noFill/>
-          </a:ln>
-        </p:spPr>
-      </p:pic>
-    </p:spTree>
-  </p:cSld>
-  <p:clrMapOvr>
-    <a:masterClrMapping/>
-  </p:clrMapOvr>
-</p:sld>
-</file>
-
 <file path=ppt/slides/slide5.xml><?xml version="1.0" encoding="utf-8"?>
 <p:sld xmlns:a="http://schemas.openxmlformats.org/drawingml/2006/main" xmlns:r="http://schemas.openxmlformats.org/officeDocument/2006/relationships" xmlns:p="http://schemas.openxmlformats.org/presentationml/2006/main">
   <p:cSld>
@@ -14129,11 +16529,7 @@
             </a:pPr>
             <a:r>
               <a:rPr lang="en-US" dirty="0"/>
-              <a:t>SQLite e </a:t>
-            </a:r>
-            <a:r>
-              <a:rPr lang="en-US" dirty="0" err="1"/>
-              <a:t>FLutter</a:t>
+              <a:t>SQLite e Flutter</a:t>
             </a:r>
             <a:endParaRPr dirty="0"/>
           </a:p>
@@ -15085,19 +17481,11 @@
             </a:pPr>
             <a:r>
               <a:rPr lang="en-US" dirty="0" err="1"/>
-              <a:t>Operazioni</a:t>
+              <a:t>L’entità</a:t>
             </a:r>
             <a:r>
               <a:rPr lang="en-US" dirty="0"/>
-              <a:t> </a:t>
-            </a:r>
-            <a:r>
-              <a:rPr lang="en-US" dirty="0" err="1"/>
-              <a:t>sul</a:t>
-            </a:r>
-            <a:r>
-              <a:rPr lang="en-US" dirty="0"/>
-              <a:t> database</a:t>
+              <a:t> Swimmer</a:t>
             </a:r>
             <a:endParaRPr dirty="0"/>
           </a:p>
@@ -15148,11 +17536,2143 @@
             </a:pPr>
             <a:r>
               <a:rPr lang="en-US" dirty="0"/>
-              <a:t>SQLite e </a:t>
-            </a:r>
+              <a:t>SQLite e Flutter</a:t>
+            </a:r>
+            <a:endParaRPr dirty="0"/>
+          </a:p>
+        </p:txBody>
+      </p:sp>
+      <p:sp>
+        <p:nvSpPr>
+          <p:cNvPr id="111" name="Google Shape;111;p17"/>
+          <p:cNvSpPr txBox="1">
+            <a:spLocks noGrp="1"/>
+          </p:cNvSpPr>
+          <p:nvPr>
+            <p:ph type="body" idx="1"/>
+          </p:nvPr>
+        </p:nvSpPr>
+        <p:spPr>
+          <a:xfrm>
+            <a:off x="277850" y="1615192"/>
+            <a:ext cx="8508000" cy="1143000"/>
+          </a:xfrm>
+          <a:prstGeom prst="rect">
+            <a:avLst/>
+          </a:prstGeom>
+          <a:solidFill>
+            <a:srgbClr val="EFEFEF"/>
+          </a:solidFill>
+          <a:ln>
+            <a:noFill/>
+          </a:ln>
+        </p:spPr>
+        <p:txBody>
+          <a:bodyPr spcFirstLastPara="1" wrap="square" lIns="91425" tIns="91425" rIns="91425" bIns="91425" anchor="t" anchorCtr="0">
+            <a:noAutofit/>
+          </a:bodyPr>
+          <a:lstStyle/>
+          <a:p>
+            <a:pPr marL="0" indent="0">
+              <a:buNone/>
+            </a:pPr>
+            <a:r>
+              <a:rPr lang="it-IT" sz="1100" b="0" dirty="0">
+                <a:solidFill>
+                  <a:srgbClr val="0000FF"/>
+                </a:solidFill>
+                <a:effectLst/>
+                <a:latin typeface="Consolas" panose="020B0609020204030204" pitchFamily="49" charset="0"/>
+              </a:rPr>
+              <a:t>class</a:t>
+            </a:r>
+            <a:r>
+              <a:rPr lang="it-IT" sz="1100" b="0" dirty="0">
+                <a:solidFill>
+                  <a:srgbClr val="000000"/>
+                </a:solidFill>
+                <a:effectLst/>
+                <a:latin typeface="Consolas" panose="020B0609020204030204" pitchFamily="49" charset="0"/>
+              </a:rPr>
+              <a:t> </a:t>
+            </a:r>
+            <a:r>
+              <a:rPr lang="it-IT" sz="1100" b="0" dirty="0" err="1">
+                <a:solidFill>
+                  <a:srgbClr val="267F99"/>
+                </a:solidFill>
+                <a:effectLst/>
+                <a:latin typeface="Consolas" panose="020B0609020204030204" pitchFamily="49" charset="0"/>
+              </a:rPr>
+              <a:t>Swimmer</a:t>
+            </a:r>
+            <a:r>
+              <a:rPr lang="it-IT" sz="1100" b="0" dirty="0">
+                <a:solidFill>
+                  <a:srgbClr val="000000"/>
+                </a:solidFill>
+                <a:effectLst/>
+                <a:latin typeface="Consolas" panose="020B0609020204030204" pitchFamily="49" charset="0"/>
+              </a:rPr>
+              <a:t> {</a:t>
+            </a:r>
+            <a:br>
+              <a:rPr lang="it-IT" sz="1100" b="0" dirty="0">
+                <a:solidFill>
+                  <a:srgbClr val="000000"/>
+                </a:solidFill>
+                <a:effectLst/>
+                <a:latin typeface="Consolas" panose="020B0609020204030204" pitchFamily="49" charset="0"/>
+              </a:rPr>
+            </a:br>
+            <a:r>
+              <a:rPr lang="en-US" sz="1100" b="0" dirty="0">
+                <a:solidFill>
+                  <a:srgbClr val="000000"/>
+                </a:solidFill>
+                <a:effectLst/>
+                <a:latin typeface="Consolas" panose="020B0609020204030204" pitchFamily="49" charset="0"/>
+              </a:rPr>
+              <a:t>  </a:t>
+            </a:r>
+            <a:r>
+              <a:rPr lang="en-US" sz="1100" b="0" dirty="0">
+                <a:solidFill>
+                  <a:srgbClr val="0000FF"/>
+                </a:solidFill>
+                <a:effectLst/>
+                <a:latin typeface="Consolas" panose="020B0609020204030204" pitchFamily="49" charset="0"/>
+              </a:rPr>
+              <a:t>final</a:t>
+            </a:r>
+            <a:r>
+              <a:rPr lang="en-US" sz="1100" b="0" dirty="0">
+                <a:solidFill>
+                  <a:srgbClr val="000000"/>
+                </a:solidFill>
+                <a:effectLst/>
+                <a:latin typeface="Consolas" panose="020B0609020204030204" pitchFamily="49" charset="0"/>
+              </a:rPr>
+              <a:t> </a:t>
+            </a:r>
+            <a:r>
+              <a:rPr lang="en-US" sz="1100" b="0" dirty="0">
+                <a:solidFill>
+                  <a:srgbClr val="267F99"/>
+                </a:solidFill>
+                <a:effectLst/>
+                <a:latin typeface="Consolas" panose="020B0609020204030204" pitchFamily="49" charset="0"/>
+              </a:rPr>
+              <a:t>int</a:t>
+            </a:r>
+            <a:r>
+              <a:rPr lang="en-US" sz="1100" b="0" dirty="0">
+                <a:solidFill>
+                  <a:srgbClr val="000000"/>
+                </a:solidFill>
+                <a:effectLst/>
+                <a:latin typeface="Consolas" panose="020B0609020204030204" pitchFamily="49" charset="0"/>
+              </a:rPr>
+              <a:t>? </a:t>
+            </a:r>
+            <a:r>
+              <a:rPr lang="en-US" sz="1100" b="0" dirty="0" err="1">
+                <a:solidFill>
+                  <a:srgbClr val="001080"/>
+                </a:solidFill>
+                <a:effectLst/>
+                <a:latin typeface="Consolas" panose="020B0609020204030204" pitchFamily="49" charset="0"/>
+              </a:rPr>
+              <a:t>id_swimmer</a:t>
+            </a:r>
+            <a:r>
+              <a:rPr lang="en-US" sz="1100" b="0" dirty="0">
+                <a:solidFill>
+                  <a:srgbClr val="000000"/>
+                </a:solidFill>
+                <a:effectLst/>
+                <a:latin typeface="Consolas" panose="020B0609020204030204" pitchFamily="49" charset="0"/>
+              </a:rPr>
+              <a:t>;</a:t>
+            </a:r>
+            <a:br>
+              <a:rPr lang="en-US" sz="1100" b="0" dirty="0">
+                <a:solidFill>
+                  <a:srgbClr val="000000"/>
+                </a:solidFill>
+                <a:effectLst/>
+                <a:latin typeface="Consolas" panose="020B0609020204030204" pitchFamily="49" charset="0"/>
+              </a:rPr>
+            </a:br>
+            <a:r>
+              <a:rPr lang="en-US" sz="1100" b="0" dirty="0">
+                <a:solidFill>
+                  <a:srgbClr val="000000"/>
+                </a:solidFill>
+                <a:effectLst/>
+                <a:latin typeface="Consolas" panose="020B0609020204030204" pitchFamily="49" charset="0"/>
+              </a:rPr>
+              <a:t>  </a:t>
+            </a:r>
+            <a:r>
+              <a:rPr lang="en-US" sz="1100" b="0" dirty="0">
+                <a:solidFill>
+                  <a:srgbClr val="0000FF"/>
+                </a:solidFill>
+                <a:effectLst/>
+                <a:latin typeface="Consolas" panose="020B0609020204030204" pitchFamily="49" charset="0"/>
+              </a:rPr>
+              <a:t>final</a:t>
+            </a:r>
+            <a:r>
+              <a:rPr lang="en-US" sz="1100" b="0" dirty="0">
+                <a:solidFill>
+                  <a:srgbClr val="000000"/>
+                </a:solidFill>
+                <a:effectLst/>
+                <a:latin typeface="Consolas" panose="020B0609020204030204" pitchFamily="49" charset="0"/>
+              </a:rPr>
+              <a:t> </a:t>
+            </a:r>
+            <a:r>
+              <a:rPr lang="en-US" sz="1100" b="0" dirty="0">
+                <a:solidFill>
+                  <a:srgbClr val="267F99"/>
+                </a:solidFill>
+                <a:effectLst/>
+                <a:latin typeface="Consolas" panose="020B0609020204030204" pitchFamily="49" charset="0"/>
+              </a:rPr>
+              <a:t>String</a:t>
+            </a:r>
+            <a:r>
+              <a:rPr lang="en-US" sz="1100" b="0" dirty="0">
+                <a:solidFill>
+                  <a:srgbClr val="000000"/>
+                </a:solidFill>
+                <a:effectLst/>
+                <a:latin typeface="Consolas" panose="020B0609020204030204" pitchFamily="49" charset="0"/>
+              </a:rPr>
+              <a:t> </a:t>
+            </a:r>
+            <a:r>
+              <a:rPr lang="en-US" sz="1100" b="0" dirty="0" err="1">
+                <a:solidFill>
+                  <a:srgbClr val="001080"/>
+                </a:solidFill>
+                <a:effectLst/>
+                <a:latin typeface="Consolas" panose="020B0609020204030204" pitchFamily="49" charset="0"/>
+              </a:rPr>
+              <a:t>swimmer_name</a:t>
+            </a:r>
+            <a:r>
+              <a:rPr lang="en-US" sz="1100" b="0" dirty="0">
+                <a:solidFill>
+                  <a:srgbClr val="000000"/>
+                </a:solidFill>
+                <a:effectLst/>
+                <a:latin typeface="Consolas" panose="020B0609020204030204" pitchFamily="49" charset="0"/>
+              </a:rPr>
+              <a:t>;</a:t>
+            </a:r>
+            <a:br>
+              <a:rPr lang="en-US" sz="1100" b="0" dirty="0">
+                <a:solidFill>
+                  <a:srgbClr val="000000"/>
+                </a:solidFill>
+                <a:effectLst/>
+                <a:latin typeface="Consolas" panose="020B0609020204030204" pitchFamily="49" charset="0"/>
+              </a:rPr>
+            </a:br>
+            <a:r>
+              <a:rPr lang="en-US" sz="1100" b="0" dirty="0">
+                <a:solidFill>
+                  <a:srgbClr val="000000"/>
+                </a:solidFill>
+                <a:effectLst/>
+                <a:latin typeface="Consolas" panose="020B0609020204030204" pitchFamily="49" charset="0"/>
+              </a:rPr>
+              <a:t>  </a:t>
+            </a:r>
+            <a:r>
+              <a:rPr lang="en-US" sz="1100" b="0" dirty="0">
+                <a:solidFill>
+                  <a:srgbClr val="0000FF"/>
+                </a:solidFill>
+                <a:effectLst/>
+                <a:latin typeface="Consolas" panose="020B0609020204030204" pitchFamily="49" charset="0"/>
+              </a:rPr>
+              <a:t>final</a:t>
+            </a:r>
+            <a:r>
+              <a:rPr lang="en-US" sz="1100" b="0" dirty="0">
+                <a:solidFill>
+                  <a:srgbClr val="000000"/>
+                </a:solidFill>
+                <a:effectLst/>
+                <a:latin typeface="Consolas" panose="020B0609020204030204" pitchFamily="49" charset="0"/>
+              </a:rPr>
+              <a:t> </a:t>
+            </a:r>
+            <a:r>
+              <a:rPr lang="en-US" sz="1100" b="0" dirty="0">
+                <a:solidFill>
+                  <a:srgbClr val="267F99"/>
+                </a:solidFill>
+                <a:effectLst/>
+                <a:latin typeface="Consolas" panose="020B0609020204030204" pitchFamily="49" charset="0"/>
+              </a:rPr>
+              <a:t>int</a:t>
+            </a:r>
+            <a:r>
+              <a:rPr lang="en-US" sz="1100" b="0" dirty="0">
+                <a:solidFill>
+                  <a:srgbClr val="000000"/>
+                </a:solidFill>
+                <a:effectLst/>
+                <a:latin typeface="Consolas" panose="020B0609020204030204" pitchFamily="49" charset="0"/>
+              </a:rPr>
+              <a:t> </a:t>
+            </a:r>
+            <a:r>
+              <a:rPr lang="en-US" sz="1100" b="0" dirty="0">
+                <a:solidFill>
+                  <a:srgbClr val="001080"/>
+                </a:solidFill>
+                <a:effectLst/>
+                <a:latin typeface="Consolas" panose="020B0609020204030204" pitchFamily="49" charset="0"/>
+              </a:rPr>
+              <a:t>age</a:t>
+            </a:r>
+            <a:r>
+              <a:rPr lang="en-US" sz="1100" b="0" dirty="0">
+                <a:solidFill>
+                  <a:srgbClr val="000000"/>
+                </a:solidFill>
+                <a:effectLst/>
+                <a:latin typeface="Consolas" panose="020B0609020204030204" pitchFamily="49" charset="0"/>
+              </a:rPr>
+              <a:t>;</a:t>
+            </a:r>
+            <a:br>
+              <a:rPr lang="en-US" sz="1100" b="0" dirty="0">
+                <a:solidFill>
+                  <a:srgbClr val="000000"/>
+                </a:solidFill>
+                <a:effectLst/>
+                <a:latin typeface="Consolas" panose="020B0609020204030204" pitchFamily="49" charset="0"/>
+              </a:rPr>
+            </a:br>
+            <a:r>
+              <a:rPr lang="en-US" sz="1100" b="0" dirty="0">
+                <a:solidFill>
+                  <a:srgbClr val="000000"/>
+                </a:solidFill>
+                <a:effectLst/>
+                <a:latin typeface="Consolas" panose="020B0609020204030204" pitchFamily="49" charset="0"/>
+              </a:rPr>
+              <a:t>  </a:t>
+            </a:r>
+            <a:r>
+              <a:rPr lang="en-US" sz="1100" b="0" dirty="0">
+                <a:solidFill>
+                  <a:srgbClr val="0000FF"/>
+                </a:solidFill>
+                <a:effectLst/>
+                <a:latin typeface="Consolas" panose="020B0609020204030204" pitchFamily="49" charset="0"/>
+              </a:rPr>
+              <a:t>final</a:t>
+            </a:r>
+            <a:r>
+              <a:rPr lang="en-US" sz="1100" b="0" dirty="0">
+                <a:solidFill>
+                  <a:srgbClr val="000000"/>
+                </a:solidFill>
+                <a:effectLst/>
+                <a:latin typeface="Consolas" panose="020B0609020204030204" pitchFamily="49" charset="0"/>
+              </a:rPr>
+              <a:t> </a:t>
+            </a:r>
+            <a:r>
+              <a:rPr lang="en-US" sz="1100" b="0" dirty="0">
+                <a:solidFill>
+                  <a:srgbClr val="267F99"/>
+                </a:solidFill>
+                <a:effectLst/>
+                <a:latin typeface="Consolas" panose="020B0609020204030204" pitchFamily="49" charset="0"/>
+              </a:rPr>
+              <a:t>String</a:t>
+            </a:r>
+            <a:r>
+              <a:rPr lang="en-US" sz="1100" b="0" dirty="0">
+                <a:solidFill>
+                  <a:srgbClr val="000000"/>
+                </a:solidFill>
+                <a:effectLst/>
+                <a:latin typeface="Consolas" panose="020B0609020204030204" pitchFamily="49" charset="0"/>
+              </a:rPr>
+              <a:t> </a:t>
+            </a:r>
+            <a:r>
+              <a:rPr lang="en-US" sz="1100" b="0" dirty="0">
+                <a:solidFill>
+                  <a:srgbClr val="001080"/>
+                </a:solidFill>
+                <a:effectLst/>
+                <a:latin typeface="Consolas" panose="020B0609020204030204" pitchFamily="49" charset="0"/>
+              </a:rPr>
+              <a:t>nation</a:t>
+            </a:r>
+            <a:r>
+              <a:rPr lang="en-US" sz="1100" b="0" dirty="0">
+                <a:solidFill>
+                  <a:srgbClr val="000000"/>
+                </a:solidFill>
+                <a:effectLst/>
+                <a:latin typeface="Consolas" panose="020B0609020204030204" pitchFamily="49" charset="0"/>
+              </a:rPr>
+              <a:t>;</a:t>
+            </a:r>
+          </a:p>
+          <a:p>
+            <a:pPr marL="0" lvl="0" indent="0" algn="l" rtl="0">
+              <a:lnSpc>
+                <a:spcPct val="115000"/>
+              </a:lnSpc>
+              <a:spcBef>
+                <a:spcPts val="0"/>
+              </a:spcBef>
+              <a:spcAft>
+                <a:spcPts val="0"/>
+              </a:spcAft>
+              <a:buNone/>
+            </a:pPr>
+            <a:endParaRPr lang="it-IT" sz="1200" dirty="0">
+              <a:solidFill>
+                <a:srgbClr val="0000FF"/>
+              </a:solidFill>
+              <a:latin typeface="Courier New"/>
+              <a:ea typeface="Courier New"/>
+              <a:cs typeface="Courier New"/>
+              <a:sym typeface="Courier New"/>
+            </a:endParaRPr>
+          </a:p>
+        </p:txBody>
+      </p:sp>
+      <p:sp>
+        <p:nvSpPr>
+          <p:cNvPr id="112" name="Google Shape;112;p17"/>
+          <p:cNvSpPr txBox="1">
+            <a:spLocks noGrp="1"/>
+          </p:cNvSpPr>
+          <p:nvPr>
+            <p:ph type="body" idx="1"/>
+          </p:nvPr>
+        </p:nvSpPr>
+        <p:spPr>
+          <a:xfrm>
+            <a:off x="277850" y="3168891"/>
+            <a:ext cx="8508000" cy="1445619"/>
+          </a:xfrm>
+          <a:prstGeom prst="rect">
+            <a:avLst/>
+          </a:prstGeom>
+          <a:solidFill>
+            <a:srgbClr val="EFEFEF"/>
+          </a:solidFill>
+          <a:ln>
+            <a:noFill/>
+          </a:ln>
+        </p:spPr>
+        <p:txBody>
+          <a:bodyPr spcFirstLastPara="1" wrap="square" lIns="91425" tIns="91425" rIns="91425" bIns="91425" anchor="t" anchorCtr="0">
+            <a:noAutofit/>
+          </a:bodyPr>
+          <a:lstStyle/>
+          <a:p>
+            <a:pPr marL="114300" indent="0">
+              <a:buNone/>
+            </a:pPr>
+            <a:r>
+              <a:rPr lang="it-IT" sz="1100" b="0" dirty="0" err="1">
+                <a:solidFill>
+                  <a:srgbClr val="267F99"/>
+                </a:solidFill>
+                <a:effectLst/>
+                <a:latin typeface="Consolas" panose="020B0609020204030204" pitchFamily="49" charset="0"/>
+              </a:rPr>
+              <a:t>Map</a:t>
+            </a:r>
+            <a:r>
+              <a:rPr lang="it-IT" sz="1100" b="0" dirty="0">
+                <a:solidFill>
+                  <a:srgbClr val="000000"/>
+                </a:solidFill>
+                <a:effectLst/>
+                <a:latin typeface="Consolas" panose="020B0609020204030204" pitchFamily="49" charset="0"/>
+              </a:rPr>
+              <a:t>&lt;</a:t>
+            </a:r>
+            <a:r>
+              <a:rPr lang="it-IT" sz="1100" b="0" dirty="0" err="1">
+                <a:solidFill>
+                  <a:srgbClr val="267F99"/>
+                </a:solidFill>
+                <a:effectLst/>
+                <a:latin typeface="Consolas" panose="020B0609020204030204" pitchFamily="49" charset="0"/>
+              </a:rPr>
+              <a:t>String</a:t>
+            </a:r>
+            <a:r>
+              <a:rPr lang="it-IT" sz="1100" b="0" dirty="0">
+                <a:solidFill>
+                  <a:srgbClr val="000000"/>
+                </a:solidFill>
+                <a:effectLst/>
+                <a:latin typeface="Consolas" panose="020B0609020204030204" pitchFamily="49" charset="0"/>
+              </a:rPr>
+              <a:t>, </a:t>
+            </a:r>
+            <a:r>
+              <a:rPr lang="it-IT" sz="1100" b="0" dirty="0" err="1">
+                <a:solidFill>
+                  <a:srgbClr val="267F99"/>
+                </a:solidFill>
+                <a:effectLst/>
+                <a:latin typeface="Consolas" panose="020B0609020204030204" pitchFamily="49" charset="0"/>
+              </a:rPr>
+              <a:t>dynamic</a:t>
+            </a:r>
+            <a:r>
+              <a:rPr lang="it-IT" sz="1100" b="0" dirty="0">
+                <a:solidFill>
+                  <a:srgbClr val="000000"/>
+                </a:solidFill>
+                <a:effectLst/>
+                <a:latin typeface="Consolas" panose="020B0609020204030204" pitchFamily="49" charset="0"/>
+              </a:rPr>
+              <a:t>&gt; </a:t>
+            </a:r>
+            <a:r>
+              <a:rPr lang="it-IT" sz="1100" b="0" dirty="0" err="1">
+                <a:solidFill>
+                  <a:srgbClr val="795E26"/>
+                </a:solidFill>
+                <a:effectLst/>
+                <a:latin typeface="Consolas" panose="020B0609020204030204" pitchFamily="49" charset="0"/>
+              </a:rPr>
+              <a:t>toMap</a:t>
+            </a:r>
+            <a:r>
+              <a:rPr lang="it-IT" sz="1100" b="0" dirty="0">
+                <a:solidFill>
+                  <a:srgbClr val="000000"/>
+                </a:solidFill>
+                <a:effectLst/>
+                <a:latin typeface="Consolas" panose="020B0609020204030204" pitchFamily="49" charset="0"/>
+              </a:rPr>
+              <a:t>() {</a:t>
+            </a:r>
+          </a:p>
+          <a:p>
+            <a:pPr marL="114300" indent="0">
+              <a:buNone/>
+            </a:pPr>
+            <a:r>
+              <a:rPr lang="it-IT" sz="1100" b="0" dirty="0" err="1">
+                <a:solidFill>
+                  <a:srgbClr val="AF00DB"/>
+                </a:solidFill>
+                <a:effectLst/>
+                <a:latin typeface="Consolas" panose="020B0609020204030204" pitchFamily="49" charset="0"/>
+              </a:rPr>
+              <a:t>return</a:t>
+            </a:r>
+            <a:r>
+              <a:rPr lang="it-IT" sz="1100" b="0" dirty="0">
+                <a:solidFill>
+                  <a:srgbClr val="000000"/>
+                </a:solidFill>
+                <a:effectLst/>
+                <a:latin typeface="Consolas" panose="020B0609020204030204" pitchFamily="49" charset="0"/>
+              </a:rPr>
+              <a:t> {</a:t>
+            </a:r>
+            <a:br>
+              <a:rPr lang="it-IT" sz="1100" b="0" dirty="0">
+                <a:solidFill>
+                  <a:srgbClr val="000000"/>
+                </a:solidFill>
+                <a:effectLst/>
+                <a:latin typeface="Consolas" panose="020B0609020204030204" pitchFamily="49" charset="0"/>
+              </a:rPr>
+            </a:br>
+            <a:r>
+              <a:rPr lang="it-IT" sz="1100" b="0" dirty="0">
+                <a:solidFill>
+                  <a:srgbClr val="A31515"/>
+                </a:solidFill>
+                <a:effectLst/>
+                <a:latin typeface="Consolas" panose="020B0609020204030204" pitchFamily="49" charset="0"/>
+              </a:rPr>
+              <a:t>'</a:t>
+            </a:r>
+            <a:r>
+              <a:rPr lang="it-IT" sz="1100" b="0" dirty="0" err="1">
+                <a:solidFill>
+                  <a:srgbClr val="A31515"/>
+                </a:solidFill>
+                <a:effectLst/>
+                <a:latin typeface="Consolas" panose="020B0609020204030204" pitchFamily="49" charset="0"/>
+              </a:rPr>
+              <a:t>id_swimmer</a:t>
+            </a:r>
+            <a:r>
+              <a:rPr lang="it-IT" sz="1100" b="0" dirty="0">
+                <a:solidFill>
+                  <a:srgbClr val="A31515"/>
+                </a:solidFill>
+                <a:effectLst/>
+                <a:latin typeface="Consolas" panose="020B0609020204030204" pitchFamily="49" charset="0"/>
+              </a:rPr>
+              <a:t>'</a:t>
+            </a:r>
+            <a:r>
+              <a:rPr lang="it-IT" sz="1100" b="0" dirty="0">
+                <a:solidFill>
+                  <a:srgbClr val="000000"/>
+                </a:solidFill>
+                <a:effectLst/>
+                <a:latin typeface="Consolas" panose="020B0609020204030204" pitchFamily="49" charset="0"/>
+              </a:rPr>
+              <a:t>: </a:t>
+            </a:r>
+            <a:r>
+              <a:rPr lang="it-IT" sz="1100" b="0" dirty="0" err="1">
+                <a:solidFill>
+                  <a:srgbClr val="001080"/>
+                </a:solidFill>
+                <a:effectLst/>
+                <a:latin typeface="Consolas" panose="020B0609020204030204" pitchFamily="49" charset="0"/>
+              </a:rPr>
+              <a:t>id_swimmer</a:t>
+            </a:r>
+            <a:r>
+              <a:rPr lang="it-IT" sz="1100" b="0" dirty="0">
+                <a:solidFill>
+                  <a:srgbClr val="000000"/>
+                </a:solidFill>
+                <a:effectLst/>
+                <a:latin typeface="Consolas" panose="020B0609020204030204" pitchFamily="49" charset="0"/>
+              </a:rPr>
+              <a:t>,</a:t>
+            </a:r>
+            <a:br>
+              <a:rPr lang="it-IT" sz="1100" b="0" dirty="0">
+                <a:solidFill>
+                  <a:srgbClr val="000000"/>
+                </a:solidFill>
+                <a:effectLst/>
+                <a:latin typeface="Consolas" panose="020B0609020204030204" pitchFamily="49" charset="0"/>
+              </a:rPr>
+            </a:br>
+            <a:r>
+              <a:rPr lang="it-IT" sz="1100" b="0" dirty="0">
+                <a:solidFill>
+                  <a:srgbClr val="A31515"/>
+                </a:solidFill>
+                <a:effectLst/>
+                <a:latin typeface="Consolas" panose="020B0609020204030204" pitchFamily="49" charset="0"/>
+              </a:rPr>
+              <a:t>'</a:t>
+            </a:r>
+            <a:r>
+              <a:rPr lang="it-IT" sz="1100" b="0" dirty="0" err="1">
+                <a:solidFill>
+                  <a:srgbClr val="A31515"/>
+                </a:solidFill>
+                <a:effectLst/>
+                <a:latin typeface="Consolas" panose="020B0609020204030204" pitchFamily="49" charset="0"/>
+              </a:rPr>
+              <a:t>swimmer_name</a:t>
+            </a:r>
+            <a:r>
+              <a:rPr lang="it-IT" sz="1100" b="0" dirty="0">
+                <a:solidFill>
+                  <a:srgbClr val="A31515"/>
+                </a:solidFill>
+                <a:effectLst/>
+                <a:latin typeface="Consolas" panose="020B0609020204030204" pitchFamily="49" charset="0"/>
+              </a:rPr>
+              <a:t>'</a:t>
+            </a:r>
+            <a:r>
+              <a:rPr lang="it-IT" sz="1100" b="0" dirty="0">
+                <a:solidFill>
+                  <a:srgbClr val="000000"/>
+                </a:solidFill>
+                <a:effectLst/>
+                <a:latin typeface="Consolas" panose="020B0609020204030204" pitchFamily="49" charset="0"/>
+              </a:rPr>
+              <a:t>: </a:t>
+            </a:r>
+            <a:r>
+              <a:rPr lang="it-IT" sz="1100" b="0" dirty="0" err="1">
+                <a:solidFill>
+                  <a:srgbClr val="001080"/>
+                </a:solidFill>
+                <a:effectLst/>
+                <a:latin typeface="Consolas" panose="020B0609020204030204" pitchFamily="49" charset="0"/>
+              </a:rPr>
+              <a:t>swimmer_name</a:t>
+            </a:r>
+            <a:r>
+              <a:rPr lang="it-IT" sz="1100" b="0" dirty="0">
+                <a:solidFill>
+                  <a:srgbClr val="000000"/>
+                </a:solidFill>
+                <a:effectLst/>
+                <a:latin typeface="Consolas" panose="020B0609020204030204" pitchFamily="49" charset="0"/>
+              </a:rPr>
+              <a:t>,</a:t>
+            </a:r>
+          </a:p>
+          <a:p>
+            <a:pPr marL="114300" indent="0">
+              <a:buNone/>
+            </a:pPr>
+            <a:r>
+              <a:rPr lang="it-IT" sz="1100" b="0" dirty="0">
+                <a:solidFill>
+                  <a:srgbClr val="A31515"/>
+                </a:solidFill>
+                <a:effectLst/>
+                <a:latin typeface="Consolas" panose="020B0609020204030204" pitchFamily="49" charset="0"/>
+              </a:rPr>
+              <a:t>'age'</a:t>
+            </a:r>
+            <a:r>
+              <a:rPr lang="it-IT" sz="1100" b="0" dirty="0">
+                <a:solidFill>
+                  <a:srgbClr val="000000"/>
+                </a:solidFill>
+                <a:effectLst/>
+                <a:latin typeface="Consolas" panose="020B0609020204030204" pitchFamily="49" charset="0"/>
+              </a:rPr>
+              <a:t>: </a:t>
+            </a:r>
+            <a:r>
+              <a:rPr lang="it-IT" sz="1100" b="0" dirty="0">
+                <a:solidFill>
+                  <a:srgbClr val="001080"/>
+                </a:solidFill>
+                <a:effectLst/>
+                <a:latin typeface="Consolas" panose="020B0609020204030204" pitchFamily="49" charset="0"/>
+              </a:rPr>
+              <a:t>age</a:t>
+            </a:r>
+            <a:r>
+              <a:rPr lang="it-IT" sz="1100" b="0" dirty="0">
+                <a:solidFill>
+                  <a:srgbClr val="000000"/>
+                </a:solidFill>
+                <a:effectLst/>
+                <a:latin typeface="Consolas" panose="020B0609020204030204" pitchFamily="49" charset="0"/>
+              </a:rPr>
+              <a:t>,</a:t>
+            </a:r>
+          </a:p>
+          <a:p>
+            <a:pPr marL="114300" indent="0">
+              <a:buNone/>
+            </a:pPr>
+            <a:r>
+              <a:rPr lang="it-IT" sz="1100" b="0" dirty="0">
+                <a:solidFill>
+                  <a:srgbClr val="A31515"/>
+                </a:solidFill>
+                <a:effectLst/>
+                <a:latin typeface="Consolas" panose="020B0609020204030204" pitchFamily="49" charset="0"/>
+              </a:rPr>
+              <a:t>'</a:t>
+            </a:r>
+            <a:r>
+              <a:rPr lang="it-IT" sz="1100" b="0" dirty="0" err="1">
+                <a:solidFill>
+                  <a:srgbClr val="A31515"/>
+                </a:solidFill>
+                <a:effectLst/>
+                <a:latin typeface="Consolas" panose="020B0609020204030204" pitchFamily="49" charset="0"/>
+              </a:rPr>
+              <a:t>nation</a:t>
+            </a:r>
+            <a:r>
+              <a:rPr lang="it-IT" sz="1100" b="0" dirty="0">
+                <a:solidFill>
+                  <a:srgbClr val="A31515"/>
+                </a:solidFill>
+                <a:effectLst/>
+                <a:latin typeface="Consolas" panose="020B0609020204030204" pitchFamily="49" charset="0"/>
+              </a:rPr>
+              <a:t>'</a:t>
+            </a:r>
+            <a:r>
+              <a:rPr lang="it-IT" sz="1100" b="0" dirty="0">
+                <a:solidFill>
+                  <a:srgbClr val="000000"/>
+                </a:solidFill>
+                <a:effectLst/>
+                <a:latin typeface="Consolas" panose="020B0609020204030204" pitchFamily="49" charset="0"/>
+              </a:rPr>
+              <a:t>: </a:t>
+            </a:r>
+            <a:r>
+              <a:rPr lang="it-IT" sz="1100" b="0" dirty="0" err="1">
+                <a:solidFill>
+                  <a:srgbClr val="001080"/>
+                </a:solidFill>
+                <a:effectLst/>
+                <a:latin typeface="Consolas" panose="020B0609020204030204" pitchFamily="49" charset="0"/>
+              </a:rPr>
+              <a:t>nation</a:t>
+            </a:r>
+            <a:r>
+              <a:rPr lang="it-IT" sz="1100" b="0" dirty="0">
+                <a:solidFill>
+                  <a:srgbClr val="000000"/>
+                </a:solidFill>
+                <a:effectLst/>
+                <a:latin typeface="Consolas" panose="020B0609020204030204" pitchFamily="49" charset="0"/>
+              </a:rPr>
+              <a:t>,</a:t>
+            </a:r>
+          </a:p>
+          <a:p>
+            <a:pPr marL="114300" indent="0">
+              <a:buNone/>
+            </a:pPr>
+            <a:r>
+              <a:rPr lang="it-IT" sz="1100" b="0" dirty="0">
+                <a:solidFill>
+                  <a:srgbClr val="000000"/>
+                </a:solidFill>
+                <a:effectLst/>
+                <a:latin typeface="Consolas" panose="020B0609020204030204" pitchFamily="49" charset="0"/>
+              </a:rPr>
+              <a:t>};</a:t>
+            </a:r>
+          </a:p>
+          <a:p>
+            <a:pPr marL="0" lvl="0" indent="0" algn="l" rtl="0">
+              <a:lnSpc>
+                <a:spcPct val="115000"/>
+              </a:lnSpc>
+              <a:spcBef>
+                <a:spcPts val="0"/>
+              </a:spcBef>
+              <a:spcAft>
+                <a:spcPts val="0"/>
+              </a:spcAft>
+              <a:buNone/>
+            </a:pPr>
+            <a:endParaRPr sz="1050" dirty="0">
+              <a:solidFill>
+                <a:srgbClr val="0000FF"/>
+              </a:solidFill>
+              <a:latin typeface="Courier New"/>
+              <a:ea typeface="Courier New"/>
+              <a:cs typeface="Courier New"/>
+              <a:sym typeface="Courier New"/>
+            </a:endParaRPr>
+          </a:p>
+        </p:txBody>
+      </p:sp>
+      <p:sp>
+        <p:nvSpPr>
+          <p:cNvPr id="113" name="Google Shape;113;p17"/>
+          <p:cNvSpPr txBox="1">
+            <a:spLocks noGrp="1"/>
+          </p:cNvSpPr>
+          <p:nvPr>
+            <p:ph type="body" idx="1"/>
+          </p:nvPr>
+        </p:nvSpPr>
+        <p:spPr>
+          <a:xfrm>
+            <a:off x="159300" y="1225650"/>
+            <a:ext cx="8984700" cy="571800"/>
+          </a:xfrm>
+          <a:prstGeom prst="rect">
+            <a:avLst/>
+          </a:prstGeom>
+          <a:noFill/>
+          <a:ln>
+            <a:noFill/>
+          </a:ln>
+        </p:spPr>
+        <p:txBody>
+          <a:bodyPr spcFirstLastPara="1" wrap="square" lIns="91425" tIns="91425" rIns="91425" bIns="91425" anchor="t" anchorCtr="0">
+            <a:noAutofit/>
+          </a:bodyPr>
+          <a:lstStyle/>
+          <a:p>
+            <a:pPr marL="457200" lvl="0" indent="-342900" algn="l" rtl="0">
+              <a:lnSpc>
+                <a:spcPct val="115000"/>
+              </a:lnSpc>
+              <a:spcBef>
+                <a:spcPts val="0"/>
+              </a:spcBef>
+              <a:spcAft>
+                <a:spcPts val="0"/>
+              </a:spcAft>
+              <a:buSzPts val="1800"/>
+              <a:buChar char="●"/>
+            </a:pPr>
+            <a:r>
+              <a:rPr lang="it-IT" sz="1800" dirty="0"/>
+              <a:t>Creazione dell’entità</a:t>
+            </a:r>
+            <a:endParaRPr sz="1800" dirty="0"/>
+          </a:p>
+        </p:txBody>
+      </p:sp>
+      <p:sp>
+        <p:nvSpPr>
+          <p:cNvPr id="114" name="Google Shape;114;p17"/>
+          <p:cNvSpPr txBox="1">
+            <a:spLocks noGrp="1"/>
+          </p:cNvSpPr>
+          <p:nvPr>
+            <p:ph type="body" idx="1"/>
+          </p:nvPr>
+        </p:nvSpPr>
+        <p:spPr>
+          <a:xfrm>
+            <a:off x="159300" y="2753683"/>
+            <a:ext cx="8984700" cy="485354"/>
+          </a:xfrm>
+          <a:prstGeom prst="rect">
+            <a:avLst/>
+          </a:prstGeom>
+          <a:noFill/>
+          <a:ln>
+            <a:noFill/>
+          </a:ln>
+        </p:spPr>
+        <p:txBody>
+          <a:bodyPr spcFirstLastPara="1" wrap="square" lIns="91425" tIns="91425" rIns="91425" bIns="91425" anchor="t" anchorCtr="0">
+            <a:noAutofit/>
+          </a:bodyPr>
+          <a:lstStyle/>
+          <a:p>
+            <a:pPr marL="457200" lvl="0" indent="-342900" algn="l" rtl="0">
+              <a:lnSpc>
+                <a:spcPct val="115000"/>
+              </a:lnSpc>
+              <a:spcBef>
+                <a:spcPts val="0"/>
+              </a:spcBef>
+              <a:spcAft>
+                <a:spcPts val="0"/>
+              </a:spcAft>
+              <a:buSzPts val="1800"/>
+              <a:buChar char="●"/>
+            </a:pPr>
+            <a:r>
+              <a:rPr lang="it-IT" sz="1800" dirty="0"/>
+              <a:t>Mappatura dell’entità</a:t>
+            </a:r>
+            <a:endParaRPr sz="1800" dirty="0"/>
+          </a:p>
+        </p:txBody>
+      </p:sp>
+      <p:pic>
+        <p:nvPicPr>
+          <p:cNvPr id="115" name="Google Shape;115;p17"/>
+          <p:cNvPicPr preferRelativeResize="0"/>
+          <p:nvPr/>
+        </p:nvPicPr>
+        <p:blipFill>
+          <a:blip r:embed="rId3">
+            <a:alphaModFix/>
+          </a:blip>
+          <a:stretch>
+            <a:fillRect/>
+          </a:stretch>
+        </p:blipFill>
+        <p:spPr>
+          <a:xfrm>
+            <a:off x="89025" y="4680625"/>
+            <a:ext cx="447575" cy="447575"/>
+          </a:xfrm>
+          <a:prstGeom prst="rect">
+            <a:avLst/>
+          </a:prstGeom>
+          <a:noFill/>
+          <a:ln>
+            <a:noFill/>
+          </a:ln>
+        </p:spPr>
+      </p:pic>
+    </p:spTree>
+  </p:cSld>
+  <p:clrMapOvr>
+    <a:masterClrMapping/>
+  </p:clrMapOvr>
+</p:sld>
+</file>
+
+<file path=ppt/slides/slide7.xml><?xml version="1.0" encoding="utf-8"?>
+<p:sld xmlns:a="http://schemas.openxmlformats.org/drawingml/2006/main" xmlns:r="http://schemas.openxmlformats.org/officeDocument/2006/relationships" xmlns:p="http://schemas.openxmlformats.org/presentationml/2006/main">
+  <p:cSld>
+    <p:spTree>
+      <p:nvGrpSpPr>
+        <p:cNvPr id="1" name="Shape 108"/>
+        <p:cNvGrpSpPr/>
+        <p:nvPr/>
+      </p:nvGrpSpPr>
+      <p:grpSpPr>
+        <a:xfrm>
+          <a:off x="0" y="0"/>
+          <a:ext cx="0" cy="0"/>
+          <a:chOff x="0" y="0"/>
+          <a:chExt cx="0" cy="0"/>
+        </a:xfrm>
+      </p:grpSpPr>
+      <p:sp>
+        <p:nvSpPr>
+          <p:cNvPr id="109" name="Google Shape;109;p17"/>
+          <p:cNvSpPr txBox="1">
+            <a:spLocks noGrp="1"/>
+          </p:cNvSpPr>
+          <p:nvPr>
+            <p:ph type="title"/>
+          </p:nvPr>
+        </p:nvSpPr>
+        <p:spPr>
+          <a:xfrm>
+            <a:off x="0" y="-603"/>
+            <a:ext cx="9144000" cy="1153200"/>
+          </a:xfrm>
+          <a:prstGeom prst="rect">
+            <a:avLst/>
+          </a:prstGeom>
+          <a:solidFill>
+            <a:srgbClr val="777777"/>
+          </a:solidFill>
+          <a:ln>
+            <a:noFill/>
+          </a:ln>
+        </p:spPr>
+        <p:txBody>
+          <a:bodyPr spcFirstLastPara="1" wrap="square" lIns="540000" tIns="91425" rIns="360000" bIns="91425" anchor="ctr" anchorCtr="0">
+            <a:noAutofit/>
+          </a:bodyPr>
+          <a:lstStyle/>
+          <a:p>
+            <a:pPr marL="0" lvl="0" indent="0" algn="l" rtl="0">
+              <a:lnSpc>
+                <a:spcPct val="100000"/>
+              </a:lnSpc>
+              <a:spcBef>
+                <a:spcPts val="0"/>
+              </a:spcBef>
+              <a:spcAft>
+                <a:spcPts val="0"/>
+              </a:spcAft>
+              <a:buSzPts val="2800"/>
+              <a:buNone/>
+            </a:pPr>
             <a:r>
               <a:rPr lang="en-US" dirty="0" err="1"/>
-              <a:t>FLutter</a:t>
+              <a:t>Gestione</a:t>
+            </a:r>
+            <a:r>
+              <a:rPr lang="en-US" dirty="0"/>
+              <a:t> </a:t>
+            </a:r>
+            <a:r>
+              <a:rPr lang="en-US" dirty="0" err="1"/>
+              <a:t>dell’input</a:t>
+            </a:r>
+            <a:endParaRPr dirty="0"/>
+          </a:p>
+        </p:txBody>
+      </p:sp>
+      <p:sp>
+        <p:nvSpPr>
+          <p:cNvPr id="110" name="Google Shape;110;p17"/>
+          <p:cNvSpPr txBox="1">
+            <a:spLocks noGrp="1"/>
+          </p:cNvSpPr>
+          <p:nvPr>
+            <p:ph type="body" idx="2"/>
+          </p:nvPr>
+        </p:nvSpPr>
+        <p:spPr>
+          <a:xfrm>
+            <a:off x="1669312" y="4688958"/>
+            <a:ext cx="4455000" cy="447600"/>
+          </a:xfrm>
+          <a:prstGeom prst="rect">
+            <a:avLst/>
+          </a:prstGeom>
+          <a:noFill/>
+          <a:ln>
+            <a:noFill/>
+          </a:ln>
+        </p:spPr>
+        <p:txBody>
+          <a:bodyPr spcFirstLastPara="1" wrap="square" lIns="91425" tIns="0" rIns="91425" bIns="0" anchor="ctr" anchorCtr="0">
+            <a:noAutofit/>
+          </a:bodyPr>
+          <a:lstStyle/>
+          <a:p>
+            <a:pPr marL="114300" lvl="0" indent="0" algn="l" rtl="0">
+              <a:spcBef>
+                <a:spcPts val="0"/>
+              </a:spcBef>
+              <a:spcAft>
+                <a:spcPts val="0"/>
+              </a:spcAft>
+              <a:buClr>
+                <a:schemeClr val="dk1"/>
+              </a:buClr>
+              <a:buSzPts val="1800"/>
+              <a:buFont typeface="Arial"/>
+              <a:buNone/>
+            </a:pPr>
+            <a:r>
+              <a:rPr lang="en-US" dirty="0"/>
+              <a:t>SQLite e Flutter</a:t>
+            </a:r>
+            <a:endParaRPr dirty="0"/>
+          </a:p>
+        </p:txBody>
+      </p:sp>
+      <p:sp>
+        <p:nvSpPr>
+          <p:cNvPr id="111" name="Google Shape;111;p17"/>
+          <p:cNvSpPr txBox="1">
+            <a:spLocks noGrp="1"/>
+          </p:cNvSpPr>
+          <p:nvPr>
+            <p:ph type="body" idx="1"/>
+          </p:nvPr>
+        </p:nvSpPr>
+        <p:spPr>
+          <a:xfrm>
+            <a:off x="277850" y="1615192"/>
+            <a:ext cx="8508000" cy="1143000"/>
+          </a:xfrm>
+          <a:prstGeom prst="rect">
+            <a:avLst/>
+          </a:prstGeom>
+          <a:solidFill>
+            <a:srgbClr val="EFEFEF"/>
+          </a:solidFill>
+          <a:ln>
+            <a:noFill/>
+          </a:ln>
+        </p:spPr>
+        <p:txBody>
+          <a:bodyPr spcFirstLastPara="1" wrap="square" lIns="91425" tIns="91425" rIns="91425" bIns="91425" anchor="t" anchorCtr="0">
+            <a:noAutofit/>
+          </a:bodyPr>
+          <a:lstStyle/>
+          <a:p>
+            <a:pPr marL="0" indent="0">
+              <a:buNone/>
+            </a:pPr>
+            <a:r>
+              <a:rPr lang="it-IT" sz="1050" b="0" dirty="0" err="1">
+                <a:solidFill>
+                  <a:srgbClr val="0000FF"/>
+                </a:solidFill>
+                <a:effectLst/>
+                <a:latin typeface="Consolas" panose="020B0609020204030204" pitchFamily="49" charset="0"/>
+              </a:rPr>
+              <a:t>final</a:t>
+            </a:r>
+            <a:r>
+              <a:rPr lang="it-IT" sz="1050" b="0" dirty="0">
+                <a:solidFill>
+                  <a:srgbClr val="000000"/>
+                </a:solidFill>
+                <a:effectLst/>
+                <a:latin typeface="Consolas" panose="020B0609020204030204" pitchFamily="49" charset="0"/>
+              </a:rPr>
+              <a:t> </a:t>
+            </a:r>
+            <a:r>
+              <a:rPr lang="it-IT" sz="1050" b="0" dirty="0" err="1">
+                <a:solidFill>
+                  <a:srgbClr val="000000"/>
+                </a:solidFill>
+                <a:effectLst/>
+                <a:latin typeface="Consolas" panose="020B0609020204030204" pitchFamily="49" charset="0"/>
+              </a:rPr>
+              <a:t>idController</a:t>
+            </a:r>
+            <a:r>
+              <a:rPr lang="it-IT" sz="1050" b="0" dirty="0">
+                <a:solidFill>
+                  <a:srgbClr val="000000"/>
+                </a:solidFill>
+                <a:effectLst/>
+                <a:latin typeface="Consolas" panose="020B0609020204030204" pitchFamily="49" charset="0"/>
+              </a:rPr>
+              <a:t> = </a:t>
+            </a:r>
+            <a:r>
+              <a:rPr lang="it-IT" sz="1050" b="0" dirty="0" err="1">
+                <a:solidFill>
+                  <a:srgbClr val="000000"/>
+                </a:solidFill>
+                <a:effectLst/>
+                <a:latin typeface="Consolas" panose="020B0609020204030204" pitchFamily="49" charset="0"/>
+              </a:rPr>
+              <a:t>TextEditingController</a:t>
+            </a:r>
+            <a:r>
+              <a:rPr lang="it-IT" sz="1050" b="0" dirty="0">
+                <a:solidFill>
+                  <a:srgbClr val="000000"/>
+                </a:solidFill>
+                <a:effectLst/>
+                <a:latin typeface="Consolas" panose="020B0609020204030204" pitchFamily="49" charset="0"/>
+              </a:rPr>
+              <a:t>();</a:t>
+            </a:r>
+          </a:p>
+          <a:p>
+            <a:pPr marL="0" indent="0">
+              <a:buNone/>
+            </a:pPr>
+            <a:r>
+              <a:rPr lang="it-IT" sz="1050" b="0" dirty="0" err="1">
+                <a:solidFill>
+                  <a:srgbClr val="000000"/>
+                </a:solidFill>
+                <a:effectLst/>
+                <a:latin typeface="Consolas" panose="020B0609020204030204" pitchFamily="49" charset="0"/>
+              </a:rPr>
+              <a:t>SizedBox</a:t>
+            </a:r>
+            <a:r>
+              <a:rPr lang="it-IT" sz="1050" b="0" dirty="0">
+                <a:solidFill>
+                  <a:srgbClr val="000000"/>
+                </a:solidFill>
+                <a:effectLst/>
+                <a:latin typeface="Consolas" panose="020B0609020204030204" pitchFamily="49" charset="0"/>
+              </a:rPr>
+              <a:t>(</a:t>
+            </a:r>
+          </a:p>
+          <a:p>
+            <a:pPr marL="0" indent="0">
+              <a:buNone/>
+            </a:pPr>
+            <a:r>
+              <a:rPr lang="it-IT" sz="1050" b="0" dirty="0">
+                <a:solidFill>
+                  <a:srgbClr val="000000"/>
+                </a:solidFill>
+                <a:effectLst/>
+                <a:latin typeface="Consolas" panose="020B0609020204030204" pitchFamily="49" charset="0"/>
+              </a:rPr>
+              <a:t>         </a:t>
+            </a:r>
+            <a:r>
+              <a:rPr lang="it-IT" sz="1100" b="0" dirty="0" err="1">
+                <a:solidFill>
+                  <a:srgbClr val="000000"/>
+                </a:solidFill>
+                <a:effectLst/>
+                <a:latin typeface="Consolas" panose="020B0609020204030204" pitchFamily="49" charset="0"/>
+              </a:rPr>
+              <a:t>child</a:t>
+            </a:r>
+            <a:r>
+              <a:rPr lang="it-IT" sz="1100" b="0" dirty="0">
+                <a:solidFill>
+                  <a:srgbClr val="000000"/>
+                </a:solidFill>
+                <a:effectLst/>
+                <a:latin typeface="Consolas" panose="020B0609020204030204" pitchFamily="49" charset="0"/>
+              </a:rPr>
+              <a:t>: </a:t>
+            </a:r>
+            <a:r>
+              <a:rPr lang="it-IT" sz="1100" b="0" dirty="0" err="1">
+                <a:solidFill>
+                  <a:srgbClr val="000000"/>
+                </a:solidFill>
+                <a:effectLst/>
+                <a:latin typeface="Consolas" panose="020B0609020204030204" pitchFamily="49" charset="0"/>
+              </a:rPr>
+              <a:t>TextField</a:t>
+            </a:r>
+            <a:r>
+              <a:rPr lang="it-IT" sz="1100" b="0" dirty="0">
+                <a:solidFill>
+                  <a:srgbClr val="000000"/>
+                </a:solidFill>
+                <a:effectLst/>
+                <a:latin typeface="Consolas" panose="020B0609020204030204" pitchFamily="49" charset="0"/>
+              </a:rPr>
+              <a:t>(</a:t>
+            </a:r>
+            <a:br>
+              <a:rPr lang="it-IT" sz="1100" b="0" dirty="0">
+                <a:solidFill>
+                  <a:srgbClr val="000000"/>
+                </a:solidFill>
+                <a:effectLst/>
+                <a:latin typeface="Consolas" panose="020B0609020204030204" pitchFamily="49" charset="0"/>
+              </a:rPr>
+            </a:br>
+            <a:r>
+              <a:rPr lang="it-IT" sz="1100" b="0" dirty="0">
+                <a:solidFill>
+                  <a:srgbClr val="000000"/>
+                </a:solidFill>
+                <a:effectLst/>
+                <a:latin typeface="Consolas" panose="020B0609020204030204" pitchFamily="49" charset="0"/>
+              </a:rPr>
+              <a:t>                controller: </a:t>
+            </a:r>
+            <a:r>
+              <a:rPr lang="it-IT" sz="1100" b="0" dirty="0" err="1">
+                <a:solidFill>
+                  <a:srgbClr val="000000"/>
+                </a:solidFill>
+                <a:effectLst/>
+                <a:latin typeface="Consolas" panose="020B0609020204030204" pitchFamily="49" charset="0"/>
+              </a:rPr>
+              <a:t>idController</a:t>
+            </a:r>
+            <a:r>
+              <a:rPr lang="it-IT" sz="1100" b="0" dirty="0">
+                <a:solidFill>
+                  <a:srgbClr val="000000"/>
+                </a:solidFill>
+                <a:effectLst/>
+                <a:latin typeface="Consolas" panose="020B0609020204030204" pitchFamily="49" charset="0"/>
+              </a:rPr>
+              <a:t>,</a:t>
+            </a:r>
+          </a:p>
+          <a:p>
+            <a:pPr marL="0" indent="0">
+              <a:buNone/>
+            </a:pPr>
+            <a:r>
+              <a:rPr lang="en-US" sz="1100" b="0" dirty="0">
+                <a:solidFill>
+                  <a:srgbClr val="000000"/>
+                </a:solidFill>
+                <a:effectLst/>
+                <a:latin typeface="Consolas" panose="020B0609020204030204" pitchFamily="49" charset="0"/>
+              </a:rPr>
+              <a:t>	    decoration: </a:t>
+            </a:r>
+            <a:r>
+              <a:rPr lang="en-US" sz="1100" b="0" dirty="0" err="1">
+                <a:solidFill>
+                  <a:srgbClr val="000000"/>
+                </a:solidFill>
+                <a:effectLst/>
+                <a:latin typeface="Consolas" panose="020B0609020204030204" pitchFamily="49" charset="0"/>
+              </a:rPr>
+              <a:t>InputDecoration</a:t>
+            </a:r>
+            <a:r>
+              <a:rPr lang="en-US" sz="1100" b="0" dirty="0">
+                <a:solidFill>
+                  <a:srgbClr val="000000"/>
+                </a:solidFill>
+                <a:effectLst/>
+                <a:latin typeface="Consolas" panose="020B0609020204030204" pitchFamily="49" charset="0"/>
+              </a:rPr>
+              <a:t>(</a:t>
+            </a:r>
+            <a:r>
+              <a:rPr lang="en-US" sz="1100" b="0" dirty="0" err="1">
+                <a:solidFill>
+                  <a:srgbClr val="000000"/>
+                </a:solidFill>
+                <a:effectLst/>
+                <a:latin typeface="Consolas" panose="020B0609020204030204" pitchFamily="49" charset="0"/>
+              </a:rPr>
+              <a:t>labelText</a:t>
+            </a:r>
+            <a:r>
+              <a:rPr lang="en-US" sz="1100" b="0" dirty="0">
+                <a:solidFill>
+                  <a:srgbClr val="000000"/>
+                </a:solidFill>
+                <a:effectLst/>
+                <a:latin typeface="Consolas" panose="020B0609020204030204" pitchFamily="49" charset="0"/>
+              </a:rPr>
+              <a:t>: </a:t>
+            </a:r>
+            <a:r>
+              <a:rPr lang="en-US" sz="1100" b="0" dirty="0">
+                <a:solidFill>
+                  <a:srgbClr val="A31515"/>
+                </a:solidFill>
+                <a:effectLst/>
+                <a:latin typeface="Consolas" panose="020B0609020204030204" pitchFamily="49" charset="0"/>
+              </a:rPr>
+              <a:t>'</a:t>
+            </a:r>
+            <a:r>
+              <a:rPr lang="en-US" sz="1100" b="0" dirty="0" err="1">
+                <a:solidFill>
+                  <a:srgbClr val="A31515"/>
+                </a:solidFill>
+                <a:effectLst/>
+                <a:latin typeface="Consolas" panose="020B0609020204030204" pitchFamily="49" charset="0"/>
+              </a:rPr>
+              <a:t>Inserire</a:t>
+            </a:r>
+            <a:r>
+              <a:rPr lang="en-US" sz="1100" b="0" dirty="0">
+                <a:solidFill>
+                  <a:srgbClr val="A31515"/>
+                </a:solidFill>
+                <a:effectLst/>
+                <a:latin typeface="Consolas" panose="020B0609020204030204" pitchFamily="49" charset="0"/>
+              </a:rPr>
+              <a:t> ID'</a:t>
+            </a:r>
+            <a:r>
+              <a:rPr lang="en-US" sz="1100" b="0" dirty="0">
+                <a:solidFill>
+                  <a:srgbClr val="000000"/>
+                </a:solidFill>
+                <a:effectLst/>
+                <a:latin typeface="Consolas" panose="020B0609020204030204" pitchFamily="49" charset="0"/>
+              </a:rPr>
+              <a:t>),</a:t>
+            </a:r>
+          </a:p>
+          <a:p>
+            <a:pPr marL="0" indent="0">
+              <a:buNone/>
+            </a:pPr>
+            <a:endParaRPr lang="it-IT" sz="1100" b="0" dirty="0">
+              <a:solidFill>
+                <a:srgbClr val="000000"/>
+              </a:solidFill>
+              <a:effectLst/>
+              <a:latin typeface="Consolas" panose="020B0609020204030204" pitchFamily="49" charset="0"/>
+            </a:endParaRPr>
+          </a:p>
+          <a:p>
+            <a:pPr marL="0" indent="0">
+              <a:buNone/>
+            </a:pPr>
+            <a:endParaRPr lang="it-IT" sz="1050" b="0" dirty="0">
+              <a:solidFill>
+                <a:srgbClr val="000000"/>
+              </a:solidFill>
+              <a:effectLst/>
+              <a:latin typeface="Consolas" panose="020B0609020204030204" pitchFamily="49" charset="0"/>
+            </a:endParaRPr>
+          </a:p>
+          <a:p>
+            <a:pPr marL="0" lvl="0" indent="0" algn="l" rtl="0">
+              <a:lnSpc>
+                <a:spcPct val="115000"/>
+              </a:lnSpc>
+              <a:spcBef>
+                <a:spcPts val="0"/>
+              </a:spcBef>
+              <a:spcAft>
+                <a:spcPts val="0"/>
+              </a:spcAft>
+              <a:buNone/>
+            </a:pPr>
+            <a:endParaRPr lang="it-IT" sz="1200" dirty="0">
+              <a:solidFill>
+                <a:srgbClr val="0000FF"/>
+              </a:solidFill>
+              <a:latin typeface="Courier New"/>
+              <a:ea typeface="Courier New"/>
+              <a:cs typeface="Courier New"/>
+              <a:sym typeface="Courier New"/>
+            </a:endParaRPr>
+          </a:p>
+        </p:txBody>
+      </p:sp>
+      <p:sp>
+        <p:nvSpPr>
+          <p:cNvPr id="112" name="Google Shape;112;p17"/>
+          <p:cNvSpPr txBox="1">
+            <a:spLocks noGrp="1"/>
+          </p:cNvSpPr>
+          <p:nvPr>
+            <p:ph type="body" idx="1"/>
+          </p:nvPr>
+        </p:nvSpPr>
+        <p:spPr>
+          <a:xfrm>
+            <a:off x="277850" y="3168891"/>
+            <a:ext cx="8508000" cy="1445619"/>
+          </a:xfrm>
+          <a:prstGeom prst="rect">
+            <a:avLst/>
+          </a:prstGeom>
+          <a:solidFill>
+            <a:srgbClr val="EFEFEF"/>
+          </a:solidFill>
+          <a:ln>
+            <a:noFill/>
+          </a:ln>
+        </p:spPr>
+        <p:txBody>
+          <a:bodyPr spcFirstLastPara="1" wrap="square" lIns="91425" tIns="91425" rIns="91425" bIns="91425" anchor="t" anchorCtr="0">
+            <a:noAutofit/>
+          </a:bodyPr>
+          <a:lstStyle/>
+          <a:p>
+            <a:pPr marL="0" indent="0">
+              <a:buNone/>
+            </a:pPr>
+            <a:r>
+              <a:rPr lang="it-IT" sz="1100" b="0" dirty="0" err="1">
+                <a:solidFill>
+                  <a:srgbClr val="000000"/>
+                </a:solidFill>
+                <a:effectLst/>
+                <a:latin typeface="Consolas" panose="020B0609020204030204" pitchFamily="49" charset="0"/>
+              </a:rPr>
+              <a:t>Swimmer</a:t>
+            </a:r>
+            <a:r>
+              <a:rPr lang="it-IT" sz="1100" b="0" dirty="0">
+                <a:solidFill>
+                  <a:srgbClr val="000000"/>
+                </a:solidFill>
+                <a:effectLst/>
+                <a:latin typeface="Consolas" panose="020B0609020204030204" pitchFamily="49" charset="0"/>
+              </a:rPr>
+              <a:t> </a:t>
+            </a:r>
+            <a:r>
+              <a:rPr lang="it-IT" sz="1100" b="0" dirty="0" err="1">
+                <a:solidFill>
+                  <a:srgbClr val="000000"/>
+                </a:solidFill>
+                <a:effectLst/>
+                <a:latin typeface="Consolas" panose="020B0609020204030204" pitchFamily="49" charset="0"/>
+              </a:rPr>
+              <a:t>createRecord</a:t>
+            </a:r>
+            <a:r>
+              <a:rPr lang="it-IT" sz="1100" b="0" dirty="0">
+                <a:solidFill>
+                  <a:srgbClr val="000000"/>
+                </a:solidFill>
+                <a:effectLst/>
+                <a:latin typeface="Consolas" panose="020B0609020204030204" pitchFamily="49" charset="0"/>
+              </a:rPr>
+              <a:t>() {</a:t>
+            </a:r>
+            <a:br>
+              <a:rPr lang="it-IT" sz="900" dirty="0">
+                <a:solidFill>
+                  <a:srgbClr val="0000FF"/>
+                </a:solidFill>
+                <a:latin typeface="Consolas" panose="020B0609020204030204" pitchFamily="49" charset="0"/>
+              </a:rPr>
+            </a:br>
+            <a:r>
+              <a:rPr lang="it-IT" sz="1100" b="0" dirty="0" err="1">
+                <a:solidFill>
+                  <a:srgbClr val="0000FF"/>
+                </a:solidFill>
+                <a:effectLst/>
+                <a:latin typeface="Consolas" panose="020B0609020204030204" pitchFamily="49" charset="0"/>
+              </a:rPr>
+              <a:t>var</a:t>
+            </a:r>
+            <a:r>
+              <a:rPr lang="it-IT" sz="1100" b="0" dirty="0">
+                <a:solidFill>
+                  <a:srgbClr val="000000"/>
+                </a:solidFill>
+                <a:effectLst/>
+                <a:latin typeface="Consolas" panose="020B0609020204030204" pitchFamily="49" charset="0"/>
+              </a:rPr>
+              <a:t> sw1 = </a:t>
+            </a:r>
+            <a:r>
+              <a:rPr lang="it-IT" sz="1100" b="0" dirty="0" err="1">
+                <a:solidFill>
+                  <a:srgbClr val="000000"/>
+                </a:solidFill>
+                <a:effectLst/>
+                <a:latin typeface="Consolas" panose="020B0609020204030204" pitchFamily="49" charset="0"/>
+              </a:rPr>
+              <a:t>Swimmer</a:t>
+            </a:r>
+            <a:r>
+              <a:rPr lang="it-IT" sz="1100" b="0" dirty="0">
+                <a:solidFill>
+                  <a:srgbClr val="000000"/>
+                </a:solidFill>
+                <a:effectLst/>
+                <a:latin typeface="Consolas" panose="020B0609020204030204" pitchFamily="49" charset="0"/>
+              </a:rPr>
+              <a:t>(</a:t>
+            </a:r>
+            <a:br>
+              <a:rPr lang="it-IT" sz="1100" b="0" dirty="0">
+                <a:solidFill>
+                  <a:srgbClr val="000000"/>
+                </a:solidFill>
+                <a:effectLst/>
+                <a:latin typeface="Consolas" panose="020B0609020204030204" pitchFamily="49" charset="0"/>
+              </a:rPr>
+            </a:br>
+            <a:r>
+              <a:rPr lang="it-IT" sz="1100" b="0" dirty="0">
+                <a:solidFill>
+                  <a:srgbClr val="000000"/>
+                </a:solidFill>
+                <a:effectLst/>
+                <a:latin typeface="Consolas" panose="020B0609020204030204" pitchFamily="49" charset="0"/>
+              </a:rPr>
+              <a:t>	</a:t>
+            </a:r>
+            <a:r>
+              <a:rPr lang="it-IT" sz="1100" b="0" dirty="0" err="1">
+                <a:solidFill>
+                  <a:srgbClr val="000000"/>
+                </a:solidFill>
+                <a:effectLst/>
+                <a:latin typeface="Consolas" panose="020B0609020204030204" pitchFamily="49" charset="0"/>
+              </a:rPr>
+              <a:t>id_swimmer</a:t>
+            </a:r>
+            <a:r>
+              <a:rPr lang="it-IT" sz="1100" b="0" dirty="0">
+                <a:solidFill>
+                  <a:srgbClr val="000000"/>
+                </a:solidFill>
+                <a:effectLst/>
+                <a:latin typeface="Consolas" panose="020B0609020204030204" pitchFamily="49" charset="0"/>
+              </a:rPr>
+              <a:t>: </a:t>
+            </a:r>
+            <a:r>
+              <a:rPr lang="it-IT" sz="1100" b="0" dirty="0" err="1">
+                <a:solidFill>
+                  <a:srgbClr val="000000"/>
+                </a:solidFill>
+                <a:effectLst/>
+                <a:latin typeface="Consolas" panose="020B0609020204030204" pitchFamily="49" charset="0"/>
+              </a:rPr>
+              <a:t>idController.text.length</a:t>
+            </a:r>
+            <a:br>
+              <a:rPr lang="it-IT" sz="1100" dirty="0">
+                <a:solidFill>
+                  <a:srgbClr val="000000"/>
+                </a:solidFill>
+                <a:latin typeface="Consolas" panose="020B0609020204030204" pitchFamily="49" charset="0"/>
+              </a:rPr>
+            </a:br>
+            <a:r>
+              <a:rPr lang="it-IT" sz="1100" dirty="0">
+                <a:solidFill>
+                  <a:srgbClr val="000000"/>
+                </a:solidFill>
+                <a:latin typeface="Consolas" panose="020B0609020204030204" pitchFamily="49" charset="0"/>
+              </a:rPr>
+              <a:t>	</a:t>
+            </a:r>
+            <a:r>
+              <a:rPr lang="it-IT" sz="1100" b="0" dirty="0" err="1">
+                <a:solidFill>
+                  <a:srgbClr val="000000"/>
+                </a:solidFill>
+                <a:effectLst/>
+                <a:latin typeface="Consolas" panose="020B0609020204030204" pitchFamily="49" charset="0"/>
+              </a:rPr>
+              <a:t>swimmer_name</a:t>
+            </a:r>
+            <a:r>
+              <a:rPr lang="it-IT" sz="1100" b="0" dirty="0">
+                <a:solidFill>
+                  <a:srgbClr val="000000"/>
+                </a:solidFill>
+                <a:effectLst/>
+                <a:latin typeface="Consolas" panose="020B0609020204030204" pitchFamily="49" charset="0"/>
+              </a:rPr>
+              <a:t>: </a:t>
+            </a:r>
+            <a:r>
+              <a:rPr lang="it-IT" sz="1100" b="0" dirty="0" err="1">
+                <a:solidFill>
+                  <a:srgbClr val="000000"/>
+                </a:solidFill>
+                <a:effectLst/>
+                <a:latin typeface="Consolas" panose="020B0609020204030204" pitchFamily="49" charset="0"/>
+              </a:rPr>
+              <a:t>nameController.text</a:t>
+            </a:r>
+            <a:r>
+              <a:rPr lang="it-IT" sz="1100" b="0" dirty="0">
+                <a:solidFill>
+                  <a:srgbClr val="000000"/>
+                </a:solidFill>
+                <a:effectLst/>
+                <a:latin typeface="Consolas" panose="020B0609020204030204" pitchFamily="49" charset="0"/>
+              </a:rPr>
+              <a:t>,</a:t>
+            </a:r>
+            <a:br>
+              <a:rPr lang="it-IT" sz="1100" b="0" dirty="0">
+                <a:solidFill>
+                  <a:srgbClr val="000000"/>
+                </a:solidFill>
+                <a:effectLst/>
+                <a:latin typeface="Consolas" panose="020B0609020204030204" pitchFamily="49" charset="0"/>
+              </a:rPr>
+            </a:br>
+            <a:r>
+              <a:rPr lang="it-IT" sz="1100" b="0" dirty="0">
+                <a:solidFill>
+                  <a:srgbClr val="000000"/>
+                </a:solidFill>
+                <a:effectLst/>
+                <a:latin typeface="Consolas" panose="020B0609020204030204" pitchFamily="49" charset="0"/>
+              </a:rPr>
+              <a:t>	age: </a:t>
+            </a:r>
+            <a:r>
+              <a:rPr lang="it-IT" sz="1100" b="0" dirty="0" err="1">
+                <a:solidFill>
+                  <a:srgbClr val="000000"/>
+                </a:solidFill>
+                <a:effectLst/>
+                <a:latin typeface="Consolas" panose="020B0609020204030204" pitchFamily="49" charset="0"/>
+              </a:rPr>
+              <a:t>int.parse</a:t>
+            </a:r>
+            <a:r>
+              <a:rPr lang="it-IT" sz="1100" b="0" dirty="0">
+                <a:solidFill>
+                  <a:srgbClr val="000000"/>
+                </a:solidFill>
+                <a:effectLst/>
+                <a:latin typeface="Consolas" panose="020B0609020204030204" pitchFamily="49" charset="0"/>
+              </a:rPr>
+              <a:t>(</a:t>
+            </a:r>
+            <a:r>
+              <a:rPr lang="it-IT" sz="1100" b="0" dirty="0" err="1">
+                <a:solidFill>
+                  <a:srgbClr val="000000"/>
+                </a:solidFill>
+                <a:effectLst/>
+                <a:latin typeface="Consolas" panose="020B0609020204030204" pitchFamily="49" charset="0"/>
+              </a:rPr>
+              <a:t>ageController.text</a:t>
+            </a:r>
+            <a:r>
+              <a:rPr lang="it-IT" sz="1100" b="0" dirty="0">
+                <a:solidFill>
+                  <a:srgbClr val="000000"/>
+                </a:solidFill>
+                <a:effectLst/>
+                <a:latin typeface="Consolas" panose="020B0609020204030204" pitchFamily="49" charset="0"/>
+              </a:rPr>
+              <a:t>),</a:t>
+            </a:r>
+            <a:br>
+              <a:rPr lang="it-IT" sz="1100" b="0" dirty="0">
+                <a:solidFill>
+                  <a:srgbClr val="000000"/>
+                </a:solidFill>
+                <a:effectLst/>
+                <a:latin typeface="Consolas" panose="020B0609020204030204" pitchFamily="49" charset="0"/>
+              </a:rPr>
+            </a:br>
+            <a:r>
+              <a:rPr lang="it-IT" sz="1100" b="0" dirty="0">
+                <a:solidFill>
+                  <a:srgbClr val="000000"/>
+                </a:solidFill>
+                <a:effectLst/>
+                <a:latin typeface="Consolas" panose="020B0609020204030204" pitchFamily="49" charset="0"/>
+              </a:rPr>
+              <a:t>	</a:t>
+            </a:r>
+            <a:r>
+              <a:rPr lang="it-IT" sz="1100" b="0" dirty="0" err="1">
+                <a:solidFill>
+                  <a:srgbClr val="000000"/>
+                </a:solidFill>
+                <a:effectLst/>
+                <a:latin typeface="Consolas" panose="020B0609020204030204" pitchFamily="49" charset="0"/>
+              </a:rPr>
+              <a:t>nation</a:t>
+            </a:r>
+            <a:r>
+              <a:rPr lang="it-IT" sz="1100" b="0" dirty="0">
+                <a:solidFill>
+                  <a:srgbClr val="000000"/>
+                </a:solidFill>
+                <a:effectLst/>
+                <a:latin typeface="Consolas" panose="020B0609020204030204" pitchFamily="49" charset="0"/>
+              </a:rPr>
+              <a:t>: </a:t>
+            </a:r>
+            <a:r>
+              <a:rPr lang="it-IT" sz="1100" b="0" dirty="0" err="1">
+                <a:solidFill>
+                  <a:srgbClr val="000000"/>
+                </a:solidFill>
+                <a:effectLst/>
+                <a:latin typeface="Consolas" panose="020B0609020204030204" pitchFamily="49" charset="0"/>
+              </a:rPr>
+              <a:t>nationController.text</a:t>
+            </a:r>
+            <a:r>
+              <a:rPr lang="it-IT" sz="1100" b="0" dirty="0">
+                <a:solidFill>
+                  <a:srgbClr val="000000"/>
+                </a:solidFill>
+                <a:effectLst/>
+                <a:latin typeface="Consolas" panose="020B0609020204030204" pitchFamily="49" charset="0"/>
+              </a:rPr>
+              <a:t>);</a:t>
+            </a:r>
+          </a:p>
+          <a:p>
+            <a:pPr marL="0" indent="0">
+              <a:buNone/>
+            </a:pPr>
+            <a:r>
+              <a:rPr lang="it-IT" sz="1100" b="0" dirty="0" err="1">
+                <a:solidFill>
+                  <a:srgbClr val="0000FF"/>
+                </a:solidFill>
+                <a:effectLst/>
+                <a:latin typeface="Consolas" panose="020B0609020204030204" pitchFamily="49" charset="0"/>
+              </a:rPr>
+              <a:t>return</a:t>
+            </a:r>
+            <a:r>
+              <a:rPr lang="it-IT" sz="1100" b="0" dirty="0">
+                <a:solidFill>
+                  <a:srgbClr val="000000"/>
+                </a:solidFill>
+                <a:effectLst/>
+                <a:latin typeface="Consolas" panose="020B0609020204030204" pitchFamily="49" charset="0"/>
+              </a:rPr>
+              <a:t> sw1; };</a:t>
+            </a:r>
+          </a:p>
+          <a:p>
+            <a:pPr marL="0" lvl="0" indent="0" algn="l" rtl="0">
+              <a:lnSpc>
+                <a:spcPct val="115000"/>
+              </a:lnSpc>
+              <a:spcBef>
+                <a:spcPts val="0"/>
+              </a:spcBef>
+              <a:spcAft>
+                <a:spcPts val="0"/>
+              </a:spcAft>
+              <a:buNone/>
+            </a:pPr>
+            <a:endParaRPr sz="1050" dirty="0">
+              <a:solidFill>
+                <a:srgbClr val="0000FF"/>
+              </a:solidFill>
+              <a:latin typeface="Courier New"/>
+              <a:ea typeface="Courier New"/>
+              <a:cs typeface="Courier New"/>
+              <a:sym typeface="Courier New"/>
+            </a:endParaRPr>
+          </a:p>
+        </p:txBody>
+      </p:sp>
+      <p:sp>
+        <p:nvSpPr>
+          <p:cNvPr id="113" name="Google Shape;113;p17"/>
+          <p:cNvSpPr txBox="1">
+            <a:spLocks noGrp="1"/>
+          </p:cNvSpPr>
+          <p:nvPr>
+            <p:ph type="body" idx="1"/>
+          </p:nvPr>
+        </p:nvSpPr>
+        <p:spPr>
+          <a:xfrm>
+            <a:off x="159300" y="1225650"/>
+            <a:ext cx="8984700" cy="571800"/>
+          </a:xfrm>
+          <a:prstGeom prst="rect">
+            <a:avLst/>
+          </a:prstGeom>
+          <a:noFill/>
+          <a:ln>
+            <a:noFill/>
+          </a:ln>
+        </p:spPr>
+        <p:txBody>
+          <a:bodyPr spcFirstLastPara="1" wrap="square" lIns="91425" tIns="91425" rIns="91425" bIns="91425" anchor="t" anchorCtr="0">
+            <a:noAutofit/>
+          </a:bodyPr>
+          <a:lstStyle/>
+          <a:p>
+            <a:pPr marL="457200" lvl="0" indent="-342900" algn="l" rtl="0">
+              <a:lnSpc>
+                <a:spcPct val="115000"/>
+              </a:lnSpc>
+              <a:spcBef>
+                <a:spcPts val="0"/>
+              </a:spcBef>
+              <a:spcAft>
+                <a:spcPts val="0"/>
+              </a:spcAft>
+              <a:buSzPts val="1800"/>
+              <a:buChar char="●"/>
+            </a:pPr>
+            <a:r>
+              <a:rPr lang="it-IT" sz="1800" dirty="0"/>
+              <a:t>Raccolta dati</a:t>
+            </a:r>
+            <a:endParaRPr sz="1800" dirty="0"/>
+          </a:p>
+        </p:txBody>
+      </p:sp>
+      <p:sp>
+        <p:nvSpPr>
+          <p:cNvPr id="114" name="Google Shape;114;p17"/>
+          <p:cNvSpPr txBox="1">
+            <a:spLocks noGrp="1"/>
+          </p:cNvSpPr>
+          <p:nvPr>
+            <p:ph type="body" idx="1"/>
+          </p:nvPr>
+        </p:nvSpPr>
+        <p:spPr>
+          <a:xfrm>
+            <a:off x="159300" y="2753683"/>
+            <a:ext cx="8984700" cy="485354"/>
+          </a:xfrm>
+          <a:prstGeom prst="rect">
+            <a:avLst/>
+          </a:prstGeom>
+          <a:noFill/>
+          <a:ln>
+            <a:noFill/>
+          </a:ln>
+        </p:spPr>
+        <p:txBody>
+          <a:bodyPr spcFirstLastPara="1" wrap="square" lIns="91425" tIns="91425" rIns="91425" bIns="91425" anchor="t" anchorCtr="0">
+            <a:noAutofit/>
+          </a:bodyPr>
+          <a:lstStyle/>
+          <a:p>
+            <a:pPr marL="457200" lvl="0" indent="-342900" algn="l" rtl="0">
+              <a:lnSpc>
+                <a:spcPct val="115000"/>
+              </a:lnSpc>
+              <a:spcBef>
+                <a:spcPts val="0"/>
+              </a:spcBef>
+              <a:spcAft>
+                <a:spcPts val="0"/>
+              </a:spcAft>
+              <a:buSzPts val="1800"/>
+              <a:buChar char="●"/>
+            </a:pPr>
+            <a:r>
+              <a:rPr lang="it-IT" sz="1800" dirty="0"/>
+              <a:t>Assegnazione parametri dati in input</a:t>
+            </a:r>
+            <a:endParaRPr sz="1800" dirty="0"/>
+          </a:p>
+        </p:txBody>
+      </p:sp>
+      <p:pic>
+        <p:nvPicPr>
+          <p:cNvPr id="115" name="Google Shape;115;p17"/>
+          <p:cNvPicPr preferRelativeResize="0"/>
+          <p:nvPr/>
+        </p:nvPicPr>
+        <p:blipFill>
+          <a:blip r:embed="rId3">
+            <a:alphaModFix/>
+          </a:blip>
+          <a:stretch>
+            <a:fillRect/>
+          </a:stretch>
+        </p:blipFill>
+        <p:spPr>
+          <a:xfrm>
+            <a:off x="89025" y="4680625"/>
+            <a:ext cx="447575" cy="447575"/>
+          </a:xfrm>
+          <a:prstGeom prst="rect">
+            <a:avLst/>
+          </a:prstGeom>
+          <a:noFill/>
+          <a:ln>
+            <a:noFill/>
+          </a:ln>
+        </p:spPr>
+      </p:pic>
+    </p:spTree>
+    <p:extLst>
+      <p:ext uri="{BB962C8B-B14F-4D97-AF65-F5344CB8AC3E}">
+        <p14:creationId xmlns:p14="http://schemas.microsoft.com/office/powerpoint/2010/main" val="3536052795"/>
+      </p:ext>
+    </p:extLst>
+  </p:cSld>
+  <p:clrMapOvr>
+    <a:masterClrMapping/>
+  </p:clrMapOvr>
+</p:sld>
+</file>
+
+<file path=ppt/slides/slide8.xml><?xml version="1.0" encoding="utf-8"?>
+<p:sld xmlns:a="http://schemas.openxmlformats.org/drawingml/2006/main" xmlns:r="http://schemas.openxmlformats.org/officeDocument/2006/relationships" xmlns:p="http://schemas.openxmlformats.org/presentationml/2006/main">
+  <p:cSld>
+    <p:spTree>
+      <p:nvGrpSpPr>
+        <p:cNvPr id="1" name="Shape 108"/>
+        <p:cNvGrpSpPr/>
+        <p:nvPr/>
+      </p:nvGrpSpPr>
+      <p:grpSpPr>
+        <a:xfrm>
+          <a:off x="0" y="0"/>
+          <a:ext cx="0" cy="0"/>
+          <a:chOff x="0" y="0"/>
+          <a:chExt cx="0" cy="0"/>
+        </a:xfrm>
+      </p:grpSpPr>
+      <p:sp>
+        <p:nvSpPr>
+          <p:cNvPr id="109" name="Google Shape;109;p17"/>
+          <p:cNvSpPr txBox="1">
+            <a:spLocks noGrp="1"/>
+          </p:cNvSpPr>
+          <p:nvPr>
+            <p:ph type="title"/>
+          </p:nvPr>
+        </p:nvSpPr>
+        <p:spPr>
+          <a:xfrm>
+            <a:off x="0" y="-603"/>
+            <a:ext cx="9144000" cy="1153200"/>
+          </a:xfrm>
+          <a:prstGeom prst="rect">
+            <a:avLst/>
+          </a:prstGeom>
+          <a:solidFill>
+            <a:srgbClr val="777777"/>
+          </a:solidFill>
+          <a:ln>
+            <a:noFill/>
+          </a:ln>
+        </p:spPr>
+        <p:txBody>
+          <a:bodyPr spcFirstLastPara="1" wrap="square" lIns="540000" tIns="91425" rIns="360000" bIns="91425" anchor="ctr" anchorCtr="0">
+            <a:noAutofit/>
+          </a:bodyPr>
+          <a:lstStyle/>
+          <a:p>
+            <a:pPr marL="0" lvl="0" indent="0" algn="l" rtl="0">
+              <a:lnSpc>
+                <a:spcPct val="100000"/>
+              </a:lnSpc>
+              <a:spcBef>
+                <a:spcPts val="0"/>
+              </a:spcBef>
+              <a:spcAft>
+                <a:spcPts val="0"/>
+              </a:spcAft>
+              <a:buSzPts val="2800"/>
+              <a:buNone/>
+            </a:pPr>
+            <a:r>
+              <a:rPr lang="en-US" dirty="0" err="1"/>
+              <a:t>Operazioni</a:t>
+            </a:r>
+            <a:r>
+              <a:rPr lang="en-US" dirty="0"/>
+              <a:t> </a:t>
+            </a:r>
+            <a:r>
+              <a:rPr lang="en-US" dirty="0" err="1"/>
+              <a:t>sul</a:t>
+            </a:r>
+            <a:r>
+              <a:rPr lang="en-US" dirty="0"/>
+              <a:t> database</a:t>
+            </a:r>
+            <a:endParaRPr dirty="0"/>
+          </a:p>
+        </p:txBody>
+      </p:sp>
+      <p:sp>
+        <p:nvSpPr>
+          <p:cNvPr id="110" name="Google Shape;110;p17"/>
+          <p:cNvSpPr txBox="1">
+            <a:spLocks noGrp="1"/>
+          </p:cNvSpPr>
+          <p:nvPr>
+            <p:ph type="body" idx="2"/>
+          </p:nvPr>
+        </p:nvSpPr>
+        <p:spPr>
+          <a:xfrm>
+            <a:off x="1669312" y="4688958"/>
+            <a:ext cx="4455000" cy="447600"/>
+          </a:xfrm>
+          <a:prstGeom prst="rect">
+            <a:avLst/>
+          </a:prstGeom>
+          <a:noFill/>
+          <a:ln>
+            <a:noFill/>
+          </a:ln>
+        </p:spPr>
+        <p:txBody>
+          <a:bodyPr spcFirstLastPara="1" wrap="square" lIns="91425" tIns="0" rIns="91425" bIns="0" anchor="ctr" anchorCtr="0">
+            <a:noAutofit/>
+          </a:bodyPr>
+          <a:lstStyle/>
+          <a:p>
+            <a:pPr marL="114300" lvl="0" indent="0" algn="l" rtl="0">
+              <a:spcBef>
+                <a:spcPts val="0"/>
+              </a:spcBef>
+              <a:spcAft>
+                <a:spcPts val="0"/>
+              </a:spcAft>
+              <a:buClr>
+                <a:schemeClr val="dk1"/>
+              </a:buClr>
+              <a:buSzPts val="1800"/>
+              <a:buFont typeface="Arial"/>
+              <a:buNone/>
+            </a:pPr>
+            <a:r>
+              <a:rPr lang="en-US" dirty="0"/>
+              <a:t>SQLite e Flutter</a:t>
             </a:r>
             <a:endParaRPr dirty="0"/>
           </a:p>
@@ -15253,11 +19773,10 @@
               <a:t>() </a:t>
             </a:r>
             <a:r>
-              <a:rPr lang="it-IT" sz="1100" b="0" dirty="0" err="1">
-                <a:solidFill>
-                  <a:srgbClr val="AF00DB"/>
-                </a:solidFill>
-                <a:effectLst/>
+              <a:rPr lang="it-IT" sz="1100" dirty="0" err="1">
+                <a:solidFill>
+                  <a:srgbClr val="0000FF"/>
+                </a:solidFill>
                 <a:latin typeface="Consolas" panose="020B0609020204030204" pitchFamily="49" charset="0"/>
               </a:rPr>
               <a:t>async</a:t>
@@ -15389,11 +19908,10 @@
               <a:t>(</a:t>
             </a:r>
             <a:r>
-              <a:rPr lang="it-IT" sz="1100" b="0" dirty="0" err="1">
-                <a:solidFill>
-                  <a:srgbClr val="AF00DB"/>
-                </a:solidFill>
-                <a:effectLst/>
+              <a:rPr lang="it-IT" sz="1100" dirty="0" err="1">
+                <a:solidFill>
+                  <a:srgbClr val="0000FF"/>
+                </a:solidFill>
                 <a:latin typeface="Consolas" panose="020B0609020204030204" pitchFamily="49" charset="0"/>
               </a:rPr>
               <a:t>await</a:t>
@@ -15538,7 +20056,7 @@
             </a:pPr>
             <a:r>
               <a:rPr lang="it-IT" sz="1800" dirty="0"/>
-              <a:t>Creazione del database</a:t>
+              <a:t> Creazione del database</a:t>
             </a:r>
             <a:endParaRPr sz="1800" dirty="0"/>
           </a:p>
@@ -15588,7 +20106,7 @@
         </p:nvSpPr>
         <p:spPr>
           <a:xfrm>
-            <a:off x="273544" y="2630711"/>
+            <a:off x="159300" y="2638311"/>
             <a:ext cx="8984700" cy="447575"/>
           </a:xfrm>
           <a:prstGeom prst="rect">
@@ -15875,6 +20393,1488 @@
         <p:spPr>
           <a:xfrm>
             <a:off x="273544" y="3085886"/>
+            <a:ext cx="8508000" cy="1358367"/>
+          </a:xfrm>
+          <a:prstGeom prst="rect">
+            <a:avLst/>
+          </a:prstGeom>
+          <a:solidFill>
+            <a:srgbClr val="EFEFEF"/>
+          </a:solidFill>
+          <a:ln>
+            <a:noFill/>
+          </a:ln>
+        </p:spPr>
+        <p:txBody>
+          <a:bodyPr spcFirstLastPara="1" wrap="square" lIns="91425" tIns="91425" rIns="91425" bIns="91425" anchor="t" anchorCtr="0">
+            <a:noAutofit/>
+          </a:bodyPr>
+          <a:lstStyle>
+            <a:defPPr marR="0" lvl="0" algn="l" rtl="0">
+              <a:lnSpc>
+                <a:spcPct val="100000"/>
+              </a:lnSpc>
+              <a:spcBef>
+                <a:spcPts val="0"/>
+              </a:spcBef>
+              <a:spcAft>
+                <a:spcPts val="0"/>
+              </a:spcAft>
+            </a:defPPr>
+            <a:lvl1pPr marL="457200" marR="0" lvl="0" indent="-342900" algn="l" rtl="0">
+              <a:lnSpc>
+                <a:spcPct val="115000"/>
+              </a:lnSpc>
+              <a:spcBef>
+                <a:spcPts val="0"/>
+              </a:spcBef>
+              <a:spcAft>
+                <a:spcPts val="0"/>
+              </a:spcAft>
+              <a:buClr>
+                <a:schemeClr val="dk2"/>
+              </a:buClr>
+              <a:buSzPts val="1800"/>
+              <a:buFont typeface="Arial"/>
+              <a:buChar char="●"/>
+              <a:defRPr sz="2400" b="0" i="0" u="none" strike="noStrike" cap="none">
+                <a:solidFill>
+                  <a:schemeClr val="dk1"/>
+                </a:solidFill>
+                <a:latin typeface="Verdana"/>
+                <a:ea typeface="Verdana"/>
+                <a:cs typeface="Verdana"/>
+                <a:sym typeface="Verdana"/>
+              </a:defRPr>
+            </a:lvl1pPr>
+            <a:lvl2pPr marL="914400" marR="0" lvl="1" indent="-317500" algn="l" rtl="0">
+              <a:lnSpc>
+                <a:spcPct val="115000"/>
+              </a:lnSpc>
+              <a:spcBef>
+                <a:spcPts val="1600"/>
+              </a:spcBef>
+              <a:spcAft>
+                <a:spcPts val="0"/>
+              </a:spcAft>
+              <a:buClr>
+                <a:schemeClr val="dk2"/>
+              </a:buClr>
+              <a:buSzPts val="1400"/>
+              <a:buFont typeface="Arial"/>
+              <a:buChar char="○"/>
+              <a:defRPr sz="2200" b="0" i="0" u="none" strike="noStrike" cap="none">
+                <a:solidFill>
+                  <a:schemeClr val="dk1"/>
+                </a:solidFill>
+                <a:latin typeface="Verdana"/>
+                <a:ea typeface="Verdana"/>
+                <a:cs typeface="Verdana"/>
+                <a:sym typeface="Verdana"/>
+              </a:defRPr>
+            </a:lvl2pPr>
+            <a:lvl3pPr marL="1371600" marR="0" lvl="2" indent="-317500" algn="l" rtl="0">
+              <a:lnSpc>
+                <a:spcPct val="115000"/>
+              </a:lnSpc>
+              <a:spcBef>
+                <a:spcPts val="1600"/>
+              </a:spcBef>
+              <a:spcAft>
+                <a:spcPts val="0"/>
+              </a:spcAft>
+              <a:buClr>
+                <a:schemeClr val="dk2"/>
+              </a:buClr>
+              <a:buSzPts val="1400"/>
+              <a:buFont typeface="Arial"/>
+              <a:buChar char="■"/>
+              <a:defRPr sz="2000" b="0" i="0" u="none" strike="noStrike" cap="none">
+                <a:solidFill>
+                  <a:schemeClr val="dk1"/>
+                </a:solidFill>
+                <a:latin typeface="Verdana"/>
+                <a:ea typeface="Verdana"/>
+                <a:cs typeface="Verdana"/>
+                <a:sym typeface="Verdana"/>
+              </a:defRPr>
+            </a:lvl3pPr>
+            <a:lvl4pPr marL="1828800" marR="0" lvl="3" indent="-317500" algn="l" rtl="0">
+              <a:lnSpc>
+                <a:spcPct val="115000"/>
+              </a:lnSpc>
+              <a:spcBef>
+                <a:spcPts val="1600"/>
+              </a:spcBef>
+              <a:spcAft>
+                <a:spcPts val="0"/>
+              </a:spcAft>
+              <a:buClr>
+                <a:schemeClr val="dk2"/>
+              </a:buClr>
+              <a:buSzPts val="1400"/>
+              <a:buFont typeface="Arial"/>
+              <a:buChar char="●"/>
+              <a:defRPr sz="1800" b="0" i="0" u="none" strike="noStrike" cap="none">
+                <a:solidFill>
+                  <a:schemeClr val="dk1"/>
+                </a:solidFill>
+                <a:latin typeface="Verdana"/>
+                <a:ea typeface="Verdana"/>
+                <a:cs typeface="Verdana"/>
+                <a:sym typeface="Verdana"/>
+              </a:defRPr>
+            </a:lvl4pPr>
+            <a:lvl5pPr marL="2286000" marR="0" lvl="4" indent="-317500" algn="l" rtl="0">
+              <a:lnSpc>
+                <a:spcPct val="115000"/>
+              </a:lnSpc>
+              <a:spcBef>
+                <a:spcPts val="1600"/>
+              </a:spcBef>
+              <a:spcAft>
+                <a:spcPts val="0"/>
+              </a:spcAft>
+              <a:buClr>
+                <a:schemeClr val="dk2"/>
+              </a:buClr>
+              <a:buSzPts val="1400"/>
+              <a:buFont typeface="Arial"/>
+              <a:buChar char="○"/>
+              <a:defRPr sz="1600" b="0" i="0" u="none" strike="noStrike" cap="none">
+                <a:solidFill>
+                  <a:schemeClr val="dk1"/>
+                </a:solidFill>
+                <a:latin typeface="Verdana"/>
+                <a:ea typeface="Verdana"/>
+                <a:cs typeface="Verdana"/>
+                <a:sym typeface="Verdana"/>
+              </a:defRPr>
+            </a:lvl5pPr>
+            <a:lvl6pPr marL="2743200" marR="0" lvl="5" indent="-317500" algn="l" rtl="0">
+              <a:lnSpc>
+                <a:spcPct val="115000"/>
+              </a:lnSpc>
+              <a:spcBef>
+                <a:spcPts val="1600"/>
+              </a:spcBef>
+              <a:spcAft>
+                <a:spcPts val="0"/>
+              </a:spcAft>
+              <a:buClr>
+                <a:schemeClr val="dk2"/>
+              </a:buClr>
+              <a:buSzPts val="1400"/>
+              <a:buFont typeface="Arial"/>
+              <a:buChar char="■"/>
+              <a:defRPr sz="1400" b="0" i="0" u="none" strike="noStrike" cap="none">
+                <a:solidFill>
+                  <a:schemeClr val="dk1"/>
+                </a:solidFill>
+                <a:latin typeface="Verdana"/>
+                <a:ea typeface="Verdana"/>
+                <a:cs typeface="Verdana"/>
+                <a:sym typeface="Verdana"/>
+              </a:defRPr>
+            </a:lvl6pPr>
+            <a:lvl7pPr marL="3200400" marR="0" lvl="6" indent="-317500" algn="l" rtl="0">
+              <a:lnSpc>
+                <a:spcPct val="115000"/>
+              </a:lnSpc>
+              <a:spcBef>
+                <a:spcPts val="1600"/>
+              </a:spcBef>
+              <a:spcAft>
+                <a:spcPts val="0"/>
+              </a:spcAft>
+              <a:buClr>
+                <a:schemeClr val="dk2"/>
+              </a:buClr>
+              <a:buSzPts val="1400"/>
+              <a:buFont typeface="Arial"/>
+              <a:buChar char="●"/>
+              <a:defRPr sz="1400" b="0" i="0" u="none" strike="noStrike" cap="none">
+                <a:solidFill>
+                  <a:schemeClr val="dk2"/>
+                </a:solidFill>
+                <a:latin typeface="Arial"/>
+                <a:ea typeface="Arial"/>
+                <a:cs typeface="Arial"/>
+                <a:sym typeface="Arial"/>
+              </a:defRPr>
+            </a:lvl7pPr>
+            <a:lvl8pPr marL="3657600" marR="0" lvl="7" indent="-317500" algn="l" rtl="0">
+              <a:lnSpc>
+                <a:spcPct val="115000"/>
+              </a:lnSpc>
+              <a:spcBef>
+                <a:spcPts val="1600"/>
+              </a:spcBef>
+              <a:spcAft>
+                <a:spcPts val="0"/>
+              </a:spcAft>
+              <a:buClr>
+                <a:schemeClr val="dk2"/>
+              </a:buClr>
+              <a:buSzPts val="1400"/>
+              <a:buFont typeface="Arial"/>
+              <a:buChar char="○"/>
+              <a:defRPr sz="1400" b="0" i="0" u="none" strike="noStrike" cap="none">
+                <a:solidFill>
+                  <a:schemeClr val="dk2"/>
+                </a:solidFill>
+                <a:latin typeface="Arial"/>
+                <a:ea typeface="Arial"/>
+                <a:cs typeface="Arial"/>
+                <a:sym typeface="Arial"/>
+              </a:defRPr>
+            </a:lvl8pPr>
+            <a:lvl9pPr marL="4114800" marR="0" lvl="8" indent="-317500" algn="l" rtl="0">
+              <a:lnSpc>
+                <a:spcPct val="115000"/>
+              </a:lnSpc>
+              <a:spcBef>
+                <a:spcPts val="1600"/>
+              </a:spcBef>
+              <a:spcAft>
+                <a:spcPts val="1600"/>
+              </a:spcAft>
+              <a:buClr>
+                <a:schemeClr val="dk2"/>
+              </a:buClr>
+              <a:buSzPts val="1400"/>
+              <a:buFont typeface="Arial"/>
+              <a:buChar char="■"/>
+              <a:defRPr sz="1400" b="0" i="0" u="none" strike="noStrike" cap="none">
+                <a:solidFill>
+                  <a:schemeClr val="dk2"/>
+                </a:solidFill>
+                <a:latin typeface="Arial"/>
+                <a:ea typeface="Arial"/>
+                <a:cs typeface="Arial"/>
+                <a:sym typeface="Arial"/>
+              </a:defRPr>
+            </a:lvl9pPr>
+          </a:lstStyle>
+          <a:p>
+            <a:pPr marL="114300" indent="0">
+              <a:buNone/>
+            </a:pPr>
+            <a:r>
+              <a:rPr lang="it-IT" sz="1100" b="0" dirty="0" err="1">
+                <a:solidFill>
+                  <a:srgbClr val="001080"/>
+                </a:solidFill>
+                <a:effectLst/>
+                <a:latin typeface="Consolas" panose="020B0609020204030204" pitchFamily="49" charset="0"/>
+              </a:rPr>
+              <a:t>onCreate</a:t>
+            </a:r>
+            <a:r>
+              <a:rPr lang="it-IT" sz="1100" b="0" dirty="0">
+                <a:solidFill>
+                  <a:srgbClr val="000000"/>
+                </a:solidFill>
+                <a:effectLst/>
+                <a:latin typeface="Consolas" panose="020B0609020204030204" pitchFamily="49" charset="0"/>
+              </a:rPr>
+              <a:t>: (</a:t>
+            </a:r>
+            <a:r>
+              <a:rPr lang="it-IT" sz="1100" b="0" dirty="0" err="1">
+                <a:solidFill>
+                  <a:srgbClr val="001080"/>
+                </a:solidFill>
+                <a:effectLst/>
+                <a:latin typeface="Consolas" panose="020B0609020204030204" pitchFamily="49" charset="0"/>
+              </a:rPr>
+              <a:t>db</a:t>
+            </a:r>
+            <a:r>
+              <a:rPr lang="it-IT" sz="1100" b="0" dirty="0">
+                <a:solidFill>
+                  <a:srgbClr val="000000"/>
+                </a:solidFill>
+                <a:effectLst/>
+                <a:latin typeface="Consolas" panose="020B0609020204030204" pitchFamily="49" charset="0"/>
+              </a:rPr>
+              <a:t>, </a:t>
+            </a:r>
+            <a:r>
+              <a:rPr lang="it-IT" sz="1100" b="0" dirty="0" err="1">
+                <a:solidFill>
+                  <a:srgbClr val="001080"/>
+                </a:solidFill>
+                <a:effectLst/>
+                <a:latin typeface="Consolas" panose="020B0609020204030204" pitchFamily="49" charset="0"/>
+              </a:rPr>
+              <a:t>version</a:t>
+            </a:r>
+            <a:r>
+              <a:rPr lang="it-IT" sz="1100" b="0" dirty="0">
+                <a:solidFill>
+                  <a:srgbClr val="000000"/>
+                </a:solidFill>
+                <a:effectLst/>
+                <a:latin typeface="Consolas" panose="020B0609020204030204" pitchFamily="49" charset="0"/>
+              </a:rPr>
+              <a:t>) {</a:t>
+            </a:r>
+            <a:br>
+              <a:rPr lang="it-IT" sz="1100" b="0" dirty="0">
+                <a:solidFill>
+                  <a:srgbClr val="000000"/>
+                </a:solidFill>
+                <a:effectLst/>
+                <a:latin typeface="Consolas" panose="020B0609020204030204" pitchFamily="49" charset="0"/>
+              </a:rPr>
+            </a:br>
+            <a:r>
+              <a:rPr lang="it-IT" sz="1100" b="0" dirty="0">
+                <a:solidFill>
+                  <a:srgbClr val="008000"/>
+                </a:solidFill>
+                <a:effectLst/>
+                <a:latin typeface="Consolas" panose="020B0609020204030204" pitchFamily="49" charset="0"/>
+              </a:rPr>
+              <a:t>//Esegue la query SQL per creare la tabella</a:t>
+            </a:r>
+            <a:endParaRPr lang="it-IT" sz="1100" b="0" dirty="0">
+              <a:solidFill>
+                <a:srgbClr val="000000"/>
+              </a:solidFill>
+              <a:effectLst/>
+              <a:latin typeface="Consolas" panose="020B0609020204030204" pitchFamily="49" charset="0"/>
+            </a:endParaRPr>
+          </a:p>
+          <a:p>
+            <a:pPr marL="114300" indent="0">
+              <a:buNone/>
+            </a:pPr>
+            <a:r>
+              <a:rPr lang="it-IT" sz="1100" dirty="0" err="1">
+                <a:solidFill>
+                  <a:srgbClr val="0000FF"/>
+                </a:solidFill>
+                <a:latin typeface="Consolas" panose="020B0609020204030204" pitchFamily="49" charset="0"/>
+              </a:rPr>
+              <a:t>return</a:t>
+            </a:r>
+            <a:r>
+              <a:rPr lang="it-IT" sz="1100" b="0" dirty="0">
+                <a:solidFill>
+                  <a:srgbClr val="000000"/>
+                </a:solidFill>
+                <a:effectLst/>
+                <a:latin typeface="Consolas" panose="020B0609020204030204" pitchFamily="49" charset="0"/>
+              </a:rPr>
+              <a:t> </a:t>
+            </a:r>
+            <a:r>
+              <a:rPr lang="it-IT" sz="1100" b="0" dirty="0" err="1">
+                <a:solidFill>
+                  <a:srgbClr val="001080"/>
+                </a:solidFill>
+                <a:effectLst/>
+                <a:latin typeface="Consolas" panose="020B0609020204030204" pitchFamily="49" charset="0"/>
+              </a:rPr>
+              <a:t>db</a:t>
+            </a:r>
+            <a:r>
+              <a:rPr lang="it-IT" sz="1100" b="0" dirty="0" err="1">
+                <a:solidFill>
+                  <a:srgbClr val="000000"/>
+                </a:solidFill>
+                <a:effectLst/>
+                <a:latin typeface="Consolas" panose="020B0609020204030204" pitchFamily="49" charset="0"/>
+              </a:rPr>
+              <a:t>.</a:t>
+            </a:r>
+            <a:r>
+              <a:rPr lang="it-IT" sz="1100" b="0" dirty="0" err="1">
+                <a:solidFill>
+                  <a:srgbClr val="795E26"/>
+                </a:solidFill>
+                <a:effectLst/>
+                <a:latin typeface="Consolas" panose="020B0609020204030204" pitchFamily="49" charset="0"/>
+              </a:rPr>
+              <a:t>execute</a:t>
+            </a:r>
+            <a:r>
+              <a:rPr lang="it-IT" sz="1100" b="0" dirty="0">
+                <a:solidFill>
+                  <a:srgbClr val="000000"/>
+                </a:solidFill>
+                <a:effectLst/>
+                <a:latin typeface="Consolas" panose="020B0609020204030204" pitchFamily="49" charset="0"/>
+              </a:rPr>
+              <a:t>(</a:t>
+            </a:r>
+          </a:p>
+          <a:p>
+            <a:pPr marL="114300" indent="0">
+              <a:buNone/>
+            </a:pPr>
+            <a:r>
+              <a:rPr lang="it-IT" sz="1100" b="0" dirty="0">
+                <a:solidFill>
+                  <a:srgbClr val="A31515"/>
+                </a:solidFill>
+                <a:effectLst/>
+                <a:latin typeface="Consolas" panose="020B0609020204030204" pitchFamily="49" charset="0"/>
+              </a:rPr>
+              <a:t>'CREATE TABLE </a:t>
+            </a:r>
+            <a:r>
+              <a:rPr lang="it-IT" sz="1100" b="0" dirty="0" err="1">
+                <a:solidFill>
+                  <a:srgbClr val="A31515"/>
+                </a:solidFill>
+                <a:effectLst/>
+                <a:latin typeface="Consolas" panose="020B0609020204030204" pitchFamily="49" charset="0"/>
+              </a:rPr>
+              <a:t>swimmers</a:t>
+            </a:r>
+            <a:r>
+              <a:rPr lang="it-IT" sz="1100" b="0" dirty="0">
+                <a:solidFill>
+                  <a:srgbClr val="A31515"/>
+                </a:solidFill>
+                <a:effectLst/>
+                <a:latin typeface="Consolas" panose="020B0609020204030204" pitchFamily="49" charset="0"/>
+              </a:rPr>
+              <a:t>(</a:t>
+            </a:r>
+            <a:r>
+              <a:rPr lang="it-IT" sz="1100" b="0" dirty="0" err="1">
+                <a:solidFill>
+                  <a:srgbClr val="A31515"/>
+                </a:solidFill>
+                <a:effectLst/>
+                <a:latin typeface="Consolas" panose="020B0609020204030204" pitchFamily="49" charset="0"/>
+              </a:rPr>
+              <a:t>id_swimmer</a:t>
+            </a:r>
+            <a:r>
+              <a:rPr lang="it-IT" sz="1100" b="0" dirty="0">
+                <a:solidFill>
+                  <a:srgbClr val="A31515"/>
+                </a:solidFill>
+                <a:effectLst/>
+                <a:latin typeface="Consolas" panose="020B0609020204030204" pitchFamily="49" charset="0"/>
+              </a:rPr>
+              <a:t> INTEGER PRIMARY KEY AUTOINCREMENT, </a:t>
+            </a:r>
+            <a:r>
+              <a:rPr lang="it-IT" sz="1100" b="0" dirty="0" err="1">
+                <a:solidFill>
+                  <a:srgbClr val="A31515"/>
+                </a:solidFill>
+                <a:effectLst/>
+                <a:latin typeface="Consolas" panose="020B0609020204030204" pitchFamily="49" charset="0"/>
+              </a:rPr>
+              <a:t>swimmer_name</a:t>
+            </a:r>
+            <a:r>
+              <a:rPr lang="it-IT" sz="1100" b="0" dirty="0">
+                <a:solidFill>
+                  <a:srgbClr val="A31515"/>
+                </a:solidFill>
+                <a:effectLst/>
+                <a:latin typeface="Consolas" panose="020B0609020204030204" pitchFamily="49" charset="0"/>
+              </a:rPr>
+              <a:t> TEXT, age 	INTEGER, </a:t>
+            </a:r>
+            <a:r>
+              <a:rPr lang="it-IT" sz="1100" b="0" dirty="0" err="1">
+                <a:solidFill>
+                  <a:srgbClr val="A31515"/>
+                </a:solidFill>
+                <a:effectLst/>
+                <a:latin typeface="Consolas" panose="020B0609020204030204" pitchFamily="49" charset="0"/>
+              </a:rPr>
+              <a:t>nation</a:t>
+            </a:r>
+            <a:r>
+              <a:rPr lang="it-IT" sz="1100" b="0" dirty="0">
+                <a:solidFill>
+                  <a:srgbClr val="A31515"/>
+                </a:solidFill>
+                <a:effectLst/>
+                <a:latin typeface="Consolas" panose="020B0609020204030204" pitchFamily="49" charset="0"/>
+              </a:rPr>
+              <a:t> TEXT)’</a:t>
+            </a:r>
+            <a:r>
+              <a:rPr lang="it-IT" sz="1100" b="0" dirty="0">
+                <a:solidFill>
+                  <a:srgbClr val="000000"/>
+                </a:solidFill>
+                <a:effectLst/>
+                <a:latin typeface="Consolas" panose="020B0609020204030204" pitchFamily="49" charset="0"/>
+              </a:rPr>
+              <a:t>,);</a:t>
+            </a:r>
+            <a:br>
+              <a:rPr lang="it-IT" sz="1100" b="0" dirty="0">
+                <a:solidFill>
+                  <a:srgbClr val="000000"/>
+                </a:solidFill>
+                <a:effectLst/>
+                <a:latin typeface="Consolas" panose="020B0609020204030204" pitchFamily="49" charset="0"/>
+              </a:rPr>
+            </a:br>
+            <a:r>
+              <a:rPr lang="it-IT" sz="1100" b="0" dirty="0">
+                <a:solidFill>
+                  <a:srgbClr val="000000"/>
+                </a:solidFill>
+                <a:effectLst/>
+                <a:latin typeface="Consolas" panose="020B0609020204030204" pitchFamily="49" charset="0"/>
+              </a:rPr>
+              <a:t>}</a:t>
+            </a:r>
+          </a:p>
+          <a:p>
+            <a:pPr marL="0" indent="0">
+              <a:buFont typeface="Arial"/>
+              <a:buNone/>
+            </a:pPr>
+            <a:endParaRPr lang="it-IT" sz="1200" dirty="0">
+              <a:solidFill>
+                <a:srgbClr val="0000FF"/>
+              </a:solidFill>
+              <a:latin typeface="Courier New"/>
+              <a:ea typeface="Courier New"/>
+              <a:cs typeface="Courier New"/>
+              <a:sym typeface="Courier New"/>
+            </a:endParaRPr>
+          </a:p>
+        </p:txBody>
+      </p:sp>
+    </p:spTree>
+    <p:extLst>
+      <p:ext uri="{BB962C8B-B14F-4D97-AF65-F5344CB8AC3E}">
+        <p14:creationId xmlns:p14="http://schemas.microsoft.com/office/powerpoint/2010/main" val="4054323308"/>
+      </p:ext>
+    </p:extLst>
+  </p:cSld>
+  <p:clrMapOvr>
+    <a:masterClrMapping/>
+  </p:clrMapOvr>
+</p:sld>
+</file>
+
+<file path=ppt/slides/slide9.xml><?xml version="1.0" encoding="utf-8"?>
+<p:sld xmlns:a="http://schemas.openxmlformats.org/drawingml/2006/main" xmlns:r="http://schemas.openxmlformats.org/officeDocument/2006/relationships" xmlns:p="http://schemas.openxmlformats.org/presentationml/2006/main">
+  <p:cSld>
+    <p:spTree>
+      <p:nvGrpSpPr>
+        <p:cNvPr id="1" name="Shape 108"/>
+        <p:cNvGrpSpPr/>
+        <p:nvPr/>
+      </p:nvGrpSpPr>
+      <p:grpSpPr>
+        <a:xfrm>
+          <a:off x="0" y="0"/>
+          <a:ext cx="0" cy="0"/>
+          <a:chOff x="0" y="0"/>
+          <a:chExt cx="0" cy="0"/>
+        </a:xfrm>
+      </p:grpSpPr>
+      <p:sp>
+        <p:nvSpPr>
+          <p:cNvPr id="109" name="Google Shape;109;p17"/>
+          <p:cNvSpPr txBox="1">
+            <a:spLocks noGrp="1"/>
+          </p:cNvSpPr>
+          <p:nvPr>
+            <p:ph type="title"/>
+          </p:nvPr>
+        </p:nvSpPr>
+        <p:spPr>
+          <a:xfrm>
+            <a:off x="0" y="-603"/>
+            <a:ext cx="9144000" cy="1153200"/>
+          </a:xfrm>
+          <a:prstGeom prst="rect">
+            <a:avLst/>
+          </a:prstGeom>
+          <a:solidFill>
+            <a:srgbClr val="777777"/>
+          </a:solidFill>
+          <a:ln>
+            <a:noFill/>
+          </a:ln>
+        </p:spPr>
+        <p:txBody>
+          <a:bodyPr spcFirstLastPara="1" wrap="square" lIns="540000" tIns="91425" rIns="360000" bIns="91425" anchor="ctr" anchorCtr="0">
+            <a:noAutofit/>
+          </a:bodyPr>
+          <a:lstStyle/>
+          <a:p>
+            <a:pPr marL="0" lvl="0" indent="0" algn="l" rtl="0">
+              <a:lnSpc>
+                <a:spcPct val="100000"/>
+              </a:lnSpc>
+              <a:spcBef>
+                <a:spcPts val="0"/>
+              </a:spcBef>
+              <a:spcAft>
+                <a:spcPts val="0"/>
+              </a:spcAft>
+              <a:buSzPts val="2800"/>
+              <a:buNone/>
+            </a:pPr>
+            <a:r>
+              <a:rPr lang="en-US" dirty="0" err="1"/>
+              <a:t>Operazioni</a:t>
+            </a:r>
+            <a:r>
+              <a:rPr lang="en-US" dirty="0"/>
+              <a:t> </a:t>
+            </a:r>
+            <a:r>
+              <a:rPr lang="en-US" dirty="0" err="1"/>
+              <a:t>sul</a:t>
+            </a:r>
+            <a:r>
+              <a:rPr lang="en-US" dirty="0"/>
+              <a:t> database</a:t>
+            </a:r>
+            <a:endParaRPr dirty="0"/>
+          </a:p>
+        </p:txBody>
+      </p:sp>
+      <p:sp>
+        <p:nvSpPr>
+          <p:cNvPr id="110" name="Google Shape;110;p17"/>
+          <p:cNvSpPr txBox="1">
+            <a:spLocks noGrp="1"/>
+          </p:cNvSpPr>
+          <p:nvPr>
+            <p:ph type="body" idx="2"/>
+          </p:nvPr>
+        </p:nvSpPr>
+        <p:spPr>
+          <a:xfrm>
+            <a:off x="1669312" y="4688958"/>
+            <a:ext cx="4455000" cy="447600"/>
+          </a:xfrm>
+          <a:prstGeom prst="rect">
+            <a:avLst/>
+          </a:prstGeom>
+          <a:noFill/>
+          <a:ln>
+            <a:noFill/>
+          </a:ln>
+        </p:spPr>
+        <p:txBody>
+          <a:bodyPr spcFirstLastPara="1" wrap="square" lIns="91425" tIns="0" rIns="91425" bIns="0" anchor="ctr" anchorCtr="0">
+            <a:noAutofit/>
+          </a:bodyPr>
+          <a:lstStyle/>
+          <a:p>
+            <a:pPr marL="114300" lvl="0" indent="0" algn="l" rtl="0">
+              <a:spcBef>
+                <a:spcPts val="0"/>
+              </a:spcBef>
+              <a:spcAft>
+                <a:spcPts val="0"/>
+              </a:spcAft>
+              <a:buClr>
+                <a:schemeClr val="dk1"/>
+              </a:buClr>
+              <a:buSzPts val="1800"/>
+              <a:buFont typeface="Arial"/>
+              <a:buNone/>
+            </a:pPr>
+            <a:r>
+              <a:rPr lang="en-US" dirty="0"/>
+              <a:t>SQLite e Flutter</a:t>
+            </a:r>
+            <a:endParaRPr dirty="0"/>
+          </a:p>
+        </p:txBody>
+      </p:sp>
+      <p:sp>
+        <p:nvSpPr>
+          <p:cNvPr id="111" name="Google Shape;111;p17"/>
+          <p:cNvSpPr txBox="1">
+            <a:spLocks noGrp="1"/>
+          </p:cNvSpPr>
+          <p:nvPr>
+            <p:ph type="body" idx="1"/>
+          </p:nvPr>
+        </p:nvSpPr>
+        <p:spPr>
+          <a:xfrm>
+            <a:off x="277850" y="1615192"/>
+            <a:ext cx="8508000" cy="956558"/>
+          </a:xfrm>
+          <a:prstGeom prst="rect">
+            <a:avLst/>
+          </a:prstGeom>
+          <a:solidFill>
+            <a:srgbClr val="EFEFEF"/>
+          </a:solidFill>
+          <a:ln>
+            <a:noFill/>
+          </a:ln>
+        </p:spPr>
+        <p:txBody>
+          <a:bodyPr spcFirstLastPara="1" wrap="square" lIns="91425" tIns="91425" rIns="91425" bIns="91425" anchor="t" anchorCtr="0">
+            <a:noAutofit/>
+          </a:bodyPr>
+          <a:lstStyle/>
+          <a:p>
+            <a:pPr marL="114300" indent="0">
+              <a:buNone/>
+            </a:pPr>
+            <a:r>
+              <a:rPr lang="en-US" sz="1100" b="0" dirty="0">
+                <a:solidFill>
+                  <a:srgbClr val="0000FF"/>
+                </a:solidFill>
+                <a:effectLst/>
+                <a:latin typeface="Consolas" panose="020B0609020204030204" pitchFamily="49" charset="0"/>
+              </a:rPr>
+              <a:t>static</a:t>
+            </a:r>
+            <a:r>
+              <a:rPr lang="en-US" sz="1100" b="0" dirty="0">
+                <a:solidFill>
+                  <a:srgbClr val="000000"/>
+                </a:solidFill>
+                <a:effectLst/>
+                <a:latin typeface="Consolas" panose="020B0609020204030204" pitchFamily="49" charset="0"/>
+              </a:rPr>
+              <a:t> Future&lt;int?&gt; </a:t>
+            </a:r>
+            <a:r>
+              <a:rPr lang="en-US" sz="1100" b="0" dirty="0" err="1">
+                <a:solidFill>
+                  <a:srgbClr val="000000"/>
+                </a:solidFill>
+                <a:effectLst/>
+                <a:latin typeface="Consolas" panose="020B0609020204030204" pitchFamily="49" charset="0"/>
+              </a:rPr>
+              <a:t>insertRecord</a:t>
+            </a:r>
+            <a:r>
+              <a:rPr lang="en-US" sz="1100" b="0" dirty="0">
+                <a:solidFill>
+                  <a:srgbClr val="000000"/>
+                </a:solidFill>
+                <a:effectLst/>
+                <a:latin typeface="Consolas" panose="020B0609020204030204" pitchFamily="49" charset="0"/>
+              </a:rPr>
+              <a:t>(Swimmer swimmer) </a:t>
+            </a:r>
+            <a:r>
+              <a:rPr lang="en-US" sz="1100" b="0" dirty="0">
+                <a:solidFill>
+                  <a:srgbClr val="0000FF"/>
+                </a:solidFill>
+                <a:effectLst/>
+                <a:latin typeface="Consolas" panose="020B0609020204030204" pitchFamily="49" charset="0"/>
+              </a:rPr>
+              <a:t>async</a:t>
+            </a:r>
+            <a:r>
+              <a:rPr lang="en-US" sz="1100" b="0" dirty="0">
+                <a:solidFill>
+                  <a:srgbClr val="000000"/>
+                </a:solidFill>
+                <a:effectLst/>
+                <a:latin typeface="Consolas" panose="020B0609020204030204" pitchFamily="49" charset="0"/>
+              </a:rPr>
+              <a:t> {……</a:t>
+            </a:r>
+            <a:br>
+              <a:rPr lang="en-US" sz="1050" b="0" dirty="0">
+                <a:solidFill>
+                  <a:srgbClr val="000000"/>
+                </a:solidFill>
+                <a:effectLst/>
+                <a:latin typeface="Consolas" panose="020B0609020204030204" pitchFamily="49" charset="0"/>
+              </a:rPr>
+            </a:br>
+            <a:r>
+              <a:rPr lang="it-IT" sz="1100" b="0" dirty="0" err="1">
+                <a:solidFill>
+                  <a:srgbClr val="0000FF"/>
+                </a:solidFill>
+                <a:effectLst/>
+                <a:latin typeface="Consolas" panose="020B0609020204030204" pitchFamily="49" charset="0"/>
+              </a:rPr>
+              <a:t>var</a:t>
+            </a:r>
+            <a:r>
+              <a:rPr lang="it-IT" sz="1100" b="0" dirty="0">
+                <a:solidFill>
+                  <a:srgbClr val="000000"/>
+                </a:solidFill>
+                <a:effectLst/>
+                <a:latin typeface="Consolas" panose="020B0609020204030204" pitchFamily="49" charset="0"/>
+              </a:rPr>
+              <a:t> snapshot = </a:t>
+            </a:r>
+            <a:r>
+              <a:rPr lang="it-IT" sz="1100" b="0" dirty="0" err="1">
+                <a:solidFill>
+                  <a:srgbClr val="0000FF"/>
+                </a:solidFill>
+                <a:effectLst/>
+                <a:latin typeface="Consolas" panose="020B0609020204030204" pitchFamily="49" charset="0"/>
+              </a:rPr>
+              <a:t>await</a:t>
+            </a:r>
+            <a:r>
+              <a:rPr lang="it-IT" sz="1100" b="0" dirty="0">
+                <a:solidFill>
+                  <a:srgbClr val="000000"/>
+                </a:solidFill>
+                <a:effectLst/>
+                <a:latin typeface="Consolas" panose="020B0609020204030204" pitchFamily="49" charset="0"/>
+              </a:rPr>
+              <a:t> </a:t>
+            </a:r>
+            <a:r>
+              <a:rPr lang="it-IT" sz="1100" b="0" dirty="0" err="1">
+                <a:solidFill>
+                  <a:srgbClr val="000000"/>
+                </a:solidFill>
+                <a:effectLst/>
+                <a:latin typeface="Consolas" panose="020B0609020204030204" pitchFamily="49" charset="0"/>
+              </a:rPr>
+              <a:t>data.insert</a:t>
+            </a:r>
+            <a:r>
+              <a:rPr lang="it-IT" sz="1100" b="0" dirty="0">
+                <a:solidFill>
+                  <a:srgbClr val="000000"/>
+                </a:solidFill>
+                <a:effectLst/>
+                <a:latin typeface="Consolas" panose="020B0609020204030204" pitchFamily="49" charset="0"/>
+              </a:rPr>
+              <a:t>(</a:t>
+            </a:r>
+            <a:r>
+              <a:rPr lang="it-IT" sz="1100" b="0" dirty="0">
+                <a:solidFill>
+                  <a:srgbClr val="A31515"/>
+                </a:solidFill>
+                <a:effectLst/>
+                <a:latin typeface="Consolas" panose="020B0609020204030204" pitchFamily="49" charset="0"/>
+              </a:rPr>
+              <a:t>'</a:t>
+            </a:r>
+            <a:r>
+              <a:rPr lang="it-IT" sz="1100" b="0" dirty="0" err="1">
+                <a:solidFill>
+                  <a:srgbClr val="A31515"/>
+                </a:solidFill>
+                <a:effectLst/>
+                <a:latin typeface="Consolas" panose="020B0609020204030204" pitchFamily="49" charset="0"/>
+              </a:rPr>
+              <a:t>swimmers</a:t>
+            </a:r>
+            <a:r>
+              <a:rPr lang="it-IT" sz="1100" b="0" dirty="0">
+                <a:solidFill>
+                  <a:srgbClr val="A31515"/>
+                </a:solidFill>
+                <a:effectLst/>
+                <a:latin typeface="Consolas" panose="020B0609020204030204" pitchFamily="49" charset="0"/>
+              </a:rPr>
+              <a:t>'</a:t>
+            </a:r>
+            <a:r>
+              <a:rPr lang="it-IT" sz="1100" b="0" dirty="0">
+                <a:solidFill>
+                  <a:srgbClr val="000000"/>
+                </a:solidFill>
+                <a:effectLst/>
+                <a:latin typeface="Consolas" panose="020B0609020204030204" pitchFamily="49" charset="0"/>
+              </a:rPr>
+              <a:t>, </a:t>
+            </a:r>
+            <a:r>
+              <a:rPr lang="it-IT" sz="1100" b="0" dirty="0" err="1">
+                <a:solidFill>
+                  <a:srgbClr val="000000"/>
+                </a:solidFill>
+                <a:effectLst/>
+                <a:latin typeface="Consolas" panose="020B0609020204030204" pitchFamily="49" charset="0"/>
+              </a:rPr>
+              <a:t>swimmer.toMap</a:t>
+            </a:r>
+            <a:r>
+              <a:rPr lang="it-IT" sz="1100" b="0" dirty="0">
+                <a:solidFill>
+                  <a:srgbClr val="000000"/>
+                </a:solidFill>
+                <a:effectLst/>
+                <a:latin typeface="Consolas" panose="020B0609020204030204" pitchFamily="49" charset="0"/>
+              </a:rPr>
+              <a:t>(),</a:t>
+            </a:r>
+          </a:p>
+          <a:p>
+            <a:pPr marL="114300" indent="0">
+              <a:buNone/>
+            </a:pPr>
+            <a:r>
+              <a:rPr lang="it-IT" sz="1100" b="0" dirty="0" err="1">
+                <a:solidFill>
+                  <a:srgbClr val="000000"/>
+                </a:solidFill>
+                <a:effectLst/>
+                <a:latin typeface="Consolas" panose="020B0609020204030204" pitchFamily="49" charset="0"/>
+              </a:rPr>
+              <a:t>conflictAlgorithm</a:t>
+            </a:r>
+            <a:r>
+              <a:rPr lang="it-IT" sz="1100" b="0" dirty="0">
+                <a:solidFill>
+                  <a:srgbClr val="000000"/>
+                </a:solidFill>
+                <a:effectLst/>
+                <a:latin typeface="Consolas" panose="020B0609020204030204" pitchFamily="49" charset="0"/>
+              </a:rPr>
+              <a:t>: </a:t>
+            </a:r>
+            <a:r>
+              <a:rPr lang="it-IT" sz="1100" b="0" dirty="0" err="1">
+                <a:solidFill>
+                  <a:srgbClr val="000000"/>
+                </a:solidFill>
+                <a:effectLst/>
+                <a:latin typeface="Consolas" panose="020B0609020204030204" pitchFamily="49" charset="0"/>
+              </a:rPr>
+              <a:t>ConflictAlgorithm.</a:t>
+            </a:r>
+            <a:r>
+              <a:rPr lang="it-IT" sz="1100" b="0" dirty="0" err="1">
+                <a:solidFill>
+                  <a:srgbClr val="098658"/>
+                </a:solidFill>
+                <a:effectLst/>
+                <a:latin typeface="Consolas" panose="020B0609020204030204" pitchFamily="49" charset="0"/>
+              </a:rPr>
+              <a:t>replace</a:t>
+            </a:r>
+            <a:r>
+              <a:rPr lang="it-IT" sz="1100" b="0" dirty="0">
+                <a:solidFill>
+                  <a:srgbClr val="000000"/>
+                </a:solidFill>
+                <a:effectLst/>
+                <a:latin typeface="Consolas" panose="020B0609020204030204" pitchFamily="49" charset="0"/>
+              </a:rPr>
+              <a:t>);</a:t>
+            </a:r>
+            <a:br>
+              <a:rPr lang="it-IT" sz="1100" b="0" dirty="0">
+                <a:solidFill>
+                  <a:srgbClr val="000000"/>
+                </a:solidFill>
+                <a:effectLst/>
+                <a:latin typeface="Consolas" panose="020B0609020204030204" pitchFamily="49" charset="0"/>
+              </a:rPr>
+            </a:br>
+            <a:r>
+              <a:rPr lang="it-IT" sz="1100" b="0" dirty="0" err="1">
+                <a:solidFill>
+                  <a:srgbClr val="0000FF"/>
+                </a:solidFill>
+                <a:effectLst/>
+                <a:latin typeface="Consolas" panose="020B0609020204030204" pitchFamily="49" charset="0"/>
+              </a:rPr>
+              <a:t>return</a:t>
+            </a:r>
+            <a:r>
+              <a:rPr lang="it-IT" sz="1100" b="0" dirty="0">
+                <a:solidFill>
+                  <a:srgbClr val="000000"/>
+                </a:solidFill>
+                <a:effectLst/>
+                <a:latin typeface="Consolas" panose="020B0609020204030204" pitchFamily="49" charset="0"/>
+              </a:rPr>
+              <a:t> snapshot </a:t>
+            </a:r>
+            <a:r>
+              <a:rPr lang="it-IT" sz="1100" b="0" dirty="0" err="1">
+                <a:solidFill>
+                  <a:srgbClr val="0000FF"/>
+                </a:solidFill>
+                <a:effectLst/>
+                <a:latin typeface="Consolas" panose="020B0609020204030204" pitchFamily="49" charset="0"/>
+              </a:rPr>
+              <a:t>as</a:t>
+            </a:r>
+            <a:r>
+              <a:rPr lang="it-IT" sz="1100" b="0" dirty="0">
+                <a:solidFill>
+                  <a:srgbClr val="000000"/>
+                </a:solidFill>
+                <a:effectLst/>
+                <a:latin typeface="Consolas" panose="020B0609020204030204" pitchFamily="49" charset="0"/>
+              </a:rPr>
+              <a:t> </a:t>
+            </a:r>
+            <a:r>
+              <a:rPr lang="it-IT" sz="1100" b="0" dirty="0" err="1">
+                <a:solidFill>
+                  <a:srgbClr val="000000"/>
+                </a:solidFill>
+                <a:effectLst/>
+                <a:latin typeface="Consolas" panose="020B0609020204030204" pitchFamily="49" charset="0"/>
+              </a:rPr>
+              <a:t>int</a:t>
+            </a:r>
+            <a:r>
+              <a:rPr lang="it-IT" sz="1100" b="0" dirty="0">
+                <a:solidFill>
+                  <a:srgbClr val="000000"/>
+                </a:solidFill>
+                <a:effectLst/>
+                <a:latin typeface="Consolas" panose="020B0609020204030204" pitchFamily="49" charset="0"/>
+              </a:rPr>
+              <a:t>;</a:t>
+            </a:r>
+          </a:p>
+          <a:p>
+            <a:pPr marL="114300" indent="0">
+              <a:buNone/>
+            </a:pPr>
+            <a:endParaRPr lang="it-IT" sz="1100" b="0" dirty="0">
+              <a:solidFill>
+                <a:srgbClr val="000000"/>
+              </a:solidFill>
+              <a:effectLst/>
+              <a:latin typeface="Consolas" panose="020B0609020204030204" pitchFamily="49" charset="0"/>
+            </a:endParaRPr>
+          </a:p>
+          <a:p>
+            <a:pPr marL="0" indent="0">
+              <a:buNone/>
+            </a:pPr>
+            <a:endParaRPr lang="en-US" sz="1050" b="0" dirty="0">
+              <a:solidFill>
+                <a:srgbClr val="000000"/>
+              </a:solidFill>
+              <a:effectLst/>
+              <a:latin typeface="Consolas" panose="020B0609020204030204" pitchFamily="49" charset="0"/>
+            </a:endParaRPr>
+          </a:p>
+          <a:p>
+            <a:pPr marL="0" lvl="0" indent="0" algn="l" rtl="0">
+              <a:lnSpc>
+                <a:spcPct val="115000"/>
+              </a:lnSpc>
+              <a:spcBef>
+                <a:spcPts val="0"/>
+              </a:spcBef>
+              <a:spcAft>
+                <a:spcPts val="0"/>
+              </a:spcAft>
+              <a:buNone/>
+            </a:pPr>
+            <a:endParaRPr lang="it-IT" sz="1200" dirty="0">
+              <a:solidFill>
+                <a:srgbClr val="0000FF"/>
+              </a:solidFill>
+              <a:latin typeface="Courier New"/>
+              <a:ea typeface="Courier New"/>
+              <a:cs typeface="Courier New"/>
+              <a:sym typeface="Courier New"/>
+            </a:endParaRPr>
+          </a:p>
+        </p:txBody>
+      </p:sp>
+      <p:sp>
+        <p:nvSpPr>
+          <p:cNvPr id="113" name="Google Shape;113;p17"/>
+          <p:cNvSpPr txBox="1">
+            <a:spLocks noGrp="1"/>
+          </p:cNvSpPr>
+          <p:nvPr>
+            <p:ph type="body" idx="1"/>
+          </p:nvPr>
+        </p:nvSpPr>
+        <p:spPr>
+          <a:xfrm>
+            <a:off x="159300" y="1225650"/>
+            <a:ext cx="8984700" cy="571800"/>
+          </a:xfrm>
+          <a:prstGeom prst="rect">
+            <a:avLst/>
+          </a:prstGeom>
+          <a:noFill/>
+          <a:ln>
+            <a:noFill/>
+          </a:ln>
+        </p:spPr>
+        <p:txBody>
+          <a:bodyPr spcFirstLastPara="1" wrap="square" lIns="91425" tIns="91425" rIns="91425" bIns="91425" anchor="t" anchorCtr="0">
+            <a:noAutofit/>
+          </a:bodyPr>
+          <a:lstStyle/>
+          <a:p>
+            <a:pPr marL="457200" lvl="0" indent="-342900" algn="l" rtl="0">
+              <a:lnSpc>
+                <a:spcPct val="115000"/>
+              </a:lnSpc>
+              <a:spcBef>
+                <a:spcPts val="0"/>
+              </a:spcBef>
+              <a:spcAft>
+                <a:spcPts val="0"/>
+              </a:spcAft>
+              <a:buSzPts val="1800"/>
+              <a:buChar char="●"/>
+            </a:pPr>
+            <a:r>
+              <a:rPr lang="it-IT" sz="1800" dirty="0"/>
+              <a:t> Inserimento del record</a:t>
+            </a:r>
+            <a:endParaRPr sz="1800" dirty="0"/>
+          </a:p>
+        </p:txBody>
+      </p:sp>
+      <p:pic>
+        <p:nvPicPr>
+          <p:cNvPr id="115" name="Google Shape;115;p17"/>
+          <p:cNvPicPr preferRelativeResize="0"/>
+          <p:nvPr/>
+        </p:nvPicPr>
+        <p:blipFill>
+          <a:blip r:embed="rId3">
+            <a:alphaModFix/>
+          </a:blip>
+          <a:stretch>
+            <a:fillRect/>
+          </a:stretch>
+        </p:blipFill>
+        <p:spPr>
+          <a:xfrm>
+            <a:off x="89025" y="4680625"/>
+            <a:ext cx="447575" cy="447575"/>
+          </a:xfrm>
+          <a:prstGeom prst="rect">
+            <a:avLst/>
+          </a:prstGeom>
+          <a:noFill/>
+          <a:ln>
+            <a:noFill/>
+          </a:ln>
+        </p:spPr>
+      </p:pic>
+      <p:sp>
+        <p:nvSpPr>
+          <p:cNvPr id="7" name="Google Shape;113;p17">
+            <a:extLst>
+              <a:ext uri="{FF2B5EF4-FFF2-40B4-BE49-F238E27FC236}">
+                <a16:creationId xmlns:a16="http://schemas.microsoft.com/office/drawing/2014/main" id="{CBEB9FE7-ABDE-476A-8B64-BF3378CD0B6B}"/>
+              </a:ext>
+            </a:extLst>
+          </p:cNvPr>
+          <p:cNvSpPr txBox="1">
+            <a:spLocks/>
+          </p:cNvSpPr>
+          <p:nvPr/>
+        </p:nvSpPr>
+        <p:spPr>
+          <a:xfrm>
+            <a:off x="159300" y="2630711"/>
+            <a:ext cx="8984700" cy="447575"/>
+          </a:xfrm>
+          <a:prstGeom prst="rect">
+            <a:avLst/>
+          </a:prstGeom>
+          <a:noFill/>
+          <a:ln>
+            <a:noFill/>
+          </a:ln>
+        </p:spPr>
+        <p:txBody>
+          <a:bodyPr spcFirstLastPara="1" wrap="square" lIns="91425" tIns="91425" rIns="91425" bIns="91425" anchor="t" anchorCtr="0">
+            <a:noAutofit/>
+          </a:bodyPr>
+          <a:lstStyle>
+            <a:defPPr marR="0" lvl="0" algn="l" rtl="0">
+              <a:lnSpc>
+                <a:spcPct val="100000"/>
+              </a:lnSpc>
+              <a:spcBef>
+                <a:spcPts val="0"/>
+              </a:spcBef>
+              <a:spcAft>
+                <a:spcPts val="0"/>
+              </a:spcAft>
+            </a:defPPr>
+            <a:lvl1pPr marL="457200" marR="0" lvl="0" indent="-342900" algn="l" rtl="0">
+              <a:lnSpc>
+                <a:spcPct val="115000"/>
+              </a:lnSpc>
+              <a:spcBef>
+                <a:spcPts val="0"/>
+              </a:spcBef>
+              <a:spcAft>
+                <a:spcPts val="0"/>
+              </a:spcAft>
+              <a:buClr>
+                <a:schemeClr val="dk2"/>
+              </a:buClr>
+              <a:buSzPts val="1800"/>
+              <a:buFont typeface="Arial"/>
+              <a:buChar char="●"/>
+              <a:defRPr sz="2400" b="0" i="0" u="none" strike="noStrike" cap="none">
+                <a:solidFill>
+                  <a:schemeClr val="dk1"/>
+                </a:solidFill>
+                <a:latin typeface="Verdana"/>
+                <a:ea typeface="Verdana"/>
+                <a:cs typeface="Verdana"/>
+                <a:sym typeface="Verdana"/>
+              </a:defRPr>
+            </a:lvl1pPr>
+            <a:lvl2pPr marL="914400" marR="0" lvl="1" indent="-317500" algn="l" rtl="0">
+              <a:lnSpc>
+                <a:spcPct val="115000"/>
+              </a:lnSpc>
+              <a:spcBef>
+                <a:spcPts val="1600"/>
+              </a:spcBef>
+              <a:spcAft>
+                <a:spcPts val="0"/>
+              </a:spcAft>
+              <a:buClr>
+                <a:schemeClr val="dk2"/>
+              </a:buClr>
+              <a:buSzPts val="1400"/>
+              <a:buFont typeface="Arial"/>
+              <a:buChar char="○"/>
+              <a:defRPr sz="2200" b="0" i="0" u="none" strike="noStrike" cap="none">
+                <a:solidFill>
+                  <a:schemeClr val="dk1"/>
+                </a:solidFill>
+                <a:latin typeface="Verdana"/>
+                <a:ea typeface="Verdana"/>
+                <a:cs typeface="Verdana"/>
+                <a:sym typeface="Verdana"/>
+              </a:defRPr>
+            </a:lvl2pPr>
+            <a:lvl3pPr marL="1371600" marR="0" lvl="2" indent="-317500" algn="l" rtl="0">
+              <a:lnSpc>
+                <a:spcPct val="115000"/>
+              </a:lnSpc>
+              <a:spcBef>
+                <a:spcPts val="1600"/>
+              </a:spcBef>
+              <a:spcAft>
+                <a:spcPts val="0"/>
+              </a:spcAft>
+              <a:buClr>
+                <a:schemeClr val="dk2"/>
+              </a:buClr>
+              <a:buSzPts val="1400"/>
+              <a:buFont typeface="Arial"/>
+              <a:buChar char="■"/>
+              <a:defRPr sz="2000" b="0" i="0" u="none" strike="noStrike" cap="none">
+                <a:solidFill>
+                  <a:schemeClr val="dk1"/>
+                </a:solidFill>
+                <a:latin typeface="Verdana"/>
+                <a:ea typeface="Verdana"/>
+                <a:cs typeface="Verdana"/>
+                <a:sym typeface="Verdana"/>
+              </a:defRPr>
+            </a:lvl3pPr>
+            <a:lvl4pPr marL="1828800" marR="0" lvl="3" indent="-317500" algn="l" rtl="0">
+              <a:lnSpc>
+                <a:spcPct val="115000"/>
+              </a:lnSpc>
+              <a:spcBef>
+                <a:spcPts val="1600"/>
+              </a:spcBef>
+              <a:spcAft>
+                <a:spcPts val="0"/>
+              </a:spcAft>
+              <a:buClr>
+                <a:schemeClr val="dk2"/>
+              </a:buClr>
+              <a:buSzPts val="1400"/>
+              <a:buFont typeface="Arial"/>
+              <a:buChar char="●"/>
+              <a:defRPr sz="1800" b="0" i="0" u="none" strike="noStrike" cap="none">
+                <a:solidFill>
+                  <a:schemeClr val="dk1"/>
+                </a:solidFill>
+                <a:latin typeface="Verdana"/>
+                <a:ea typeface="Verdana"/>
+                <a:cs typeface="Verdana"/>
+                <a:sym typeface="Verdana"/>
+              </a:defRPr>
+            </a:lvl4pPr>
+            <a:lvl5pPr marL="2286000" marR="0" lvl="4" indent="-317500" algn="l" rtl="0">
+              <a:lnSpc>
+                <a:spcPct val="115000"/>
+              </a:lnSpc>
+              <a:spcBef>
+                <a:spcPts val="1600"/>
+              </a:spcBef>
+              <a:spcAft>
+                <a:spcPts val="0"/>
+              </a:spcAft>
+              <a:buClr>
+                <a:schemeClr val="dk2"/>
+              </a:buClr>
+              <a:buSzPts val="1400"/>
+              <a:buFont typeface="Arial"/>
+              <a:buChar char="○"/>
+              <a:defRPr sz="1600" b="0" i="0" u="none" strike="noStrike" cap="none">
+                <a:solidFill>
+                  <a:schemeClr val="dk1"/>
+                </a:solidFill>
+                <a:latin typeface="Verdana"/>
+                <a:ea typeface="Verdana"/>
+                <a:cs typeface="Verdana"/>
+                <a:sym typeface="Verdana"/>
+              </a:defRPr>
+            </a:lvl5pPr>
+            <a:lvl6pPr marL="2743200" marR="0" lvl="5" indent="-317500" algn="l" rtl="0">
+              <a:lnSpc>
+                <a:spcPct val="115000"/>
+              </a:lnSpc>
+              <a:spcBef>
+                <a:spcPts val="1600"/>
+              </a:spcBef>
+              <a:spcAft>
+                <a:spcPts val="0"/>
+              </a:spcAft>
+              <a:buClr>
+                <a:schemeClr val="dk2"/>
+              </a:buClr>
+              <a:buSzPts val="1400"/>
+              <a:buFont typeface="Arial"/>
+              <a:buChar char="■"/>
+              <a:defRPr sz="1400" b="0" i="0" u="none" strike="noStrike" cap="none">
+                <a:solidFill>
+                  <a:schemeClr val="dk1"/>
+                </a:solidFill>
+                <a:latin typeface="Verdana"/>
+                <a:ea typeface="Verdana"/>
+                <a:cs typeface="Verdana"/>
+                <a:sym typeface="Verdana"/>
+              </a:defRPr>
+            </a:lvl6pPr>
+            <a:lvl7pPr marL="3200400" marR="0" lvl="6" indent="-317500" algn="l" rtl="0">
+              <a:lnSpc>
+                <a:spcPct val="115000"/>
+              </a:lnSpc>
+              <a:spcBef>
+                <a:spcPts val="1600"/>
+              </a:spcBef>
+              <a:spcAft>
+                <a:spcPts val="0"/>
+              </a:spcAft>
+              <a:buClr>
+                <a:schemeClr val="dk2"/>
+              </a:buClr>
+              <a:buSzPts val="1400"/>
+              <a:buFont typeface="Arial"/>
+              <a:buChar char="●"/>
+              <a:defRPr sz="1400" b="0" i="0" u="none" strike="noStrike" cap="none">
+                <a:solidFill>
+                  <a:schemeClr val="dk2"/>
+                </a:solidFill>
+                <a:latin typeface="Arial"/>
+                <a:ea typeface="Arial"/>
+                <a:cs typeface="Arial"/>
+                <a:sym typeface="Arial"/>
+              </a:defRPr>
+            </a:lvl7pPr>
+            <a:lvl8pPr marL="3657600" marR="0" lvl="7" indent="-317500" algn="l" rtl="0">
+              <a:lnSpc>
+                <a:spcPct val="115000"/>
+              </a:lnSpc>
+              <a:spcBef>
+                <a:spcPts val="1600"/>
+              </a:spcBef>
+              <a:spcAft>
+                <a:spcPts val="0"/>
+              </a:spcAft>
+              <a:buClr>
+                <a:schemeClr val="dk2"/>
+              </a:buClr>
+              <a:buSzPts val="1400"/>
+              <a:buFont typeface="Arial"/>
+              <a:buChar char="○"/>
+              <a:defRPr sz="1400" b="0" i="0" u="none" strike="noStrike" cap="none">
+                <a:solidFill>
+                  <a:schemeClr val="dk2"/>
+                </a:solidFill>
+                <a:latin typeface="Arial"/>
+                <a:ea typeface="Arial"/>
+                <a:cs typeface="Arial"/>
+                <a:sym typeface="Arial"/>
+              </a:defRPr>
+            </a:lvl8pPr>
+            <a:lvl9pPr marL="4114800" marR="0" lvl="8" indent="-317500" algn="l" rtl="0">
+              <a:lnSpc>
+                <a:spcPct val="115000"/>
+              </a:lnSpc>
+              <a:spcBef>
+                <a:spcPts val="1600"/>
+              </a:spcBef>
+              <a:spcAft>
+                <a:spcPts val="1600"/>
+              </a:spcAft>
+              <a:buClr>
+                <a:schemeClr val="dk2"/>
+              </a:buClr>
+              <a:buSzPts val="1400"/>
+              <a:buFont typeface="Arial"/>
+              <a:buChar char="■"/>
+              <a:defRPr sz="1400" b="0" i="0" u="none" strike="noStrike" cap="none">
+                <a:solidFill>
+                  <a:schemeClr val="dk2"/>
+                </a:solidFill>
+                <a:latin typeface="Arial"/>
+                <a:ea typeface="Arial"/>
+                <a:cs typeface="Arial"/>
+                <a:sym typeface="Arial"/>
+              </a:defRPr>
+            </a:lvl9pPr>
+          </a:lstStyle>
+          <a:p>
+            <a:r>
+              <a:rPr lang="it-IT" sz="1800" dirty="0"/>
+              <a:t>Cancellazione di un record</a:t>
+            </a:r>
+          </a:p>
+        </p:txBody>
+      </p:sp>
+      <p:sp>
+        <p:nvSpPr>
+          <p:cNvPr id="8" name="Google Shape;111;p17">
+            <a:extLst>
+              <a:ext uri="{FF2B5EF4-FFF2-40B4-BE49-F238E27FC236}">
+                <a16:creationId xmlns:a16="http://schemas.microsoft.com/office/drawing/2014/main" id="{7C82090C-4F8E-450B-AB58-7F5FF6A81676}"/>
+              </a:ext>
+            </a:extLst>
+          </p:cNvPr>
+          <p:cNvSpPr txBox="1">
+            <a:spLocks/>
+          </p:cNvSpPr>
+          <p:nvPr/>
+        </p:nvSpPr>
+        <p:spPr>
+          <a:xfrm>
+            <a:off x="277850" y="3078286"/>
             <a:ext cx="8508000" cy="1470514"/>
           </a:xfrm>
           <a:prstGeom prst="rect">
@@ -16143,67 +22143,87 @@
               <a:buNone/>
             </a:pPr>
             <a:r>
-              <a:rPr lang="it-IT" sz="1100" b="0" dirty="0" err="1">
-                <a:solidFill>
-                  <a:srgbClr val="001080"/>
-                </a:solidFill>
-                <a:effectLst/>
-                <a:latin typeface="Consolas" panose="020B0609020204030204" pitchFamily="49" charset="0"/>
-              </a:rPr>
-              <a:t>onCreate</a:t>
-            </a:r>
-            <a:r>
-              <a:rPr lang="it-IT" sz="1100" b="0" dirty="0">
-                <a:solidFill>
-                  <a:srgbClr val="000000"/>
-                </a:solidFill>
-                <a:effectLst/>
-                <a:latin typeface="Consolas" panose="020B0609020204030204" pitchFamily="49" charset="0"/>
-              </a:rPr>
-              <a:t>: (</a:t>
-            </a:r>
-            <a:r>
-              <a:rPr lang="it-IT" sz="1100" b="0" dirty="0" err="1">
-                <a:solidFill>
-                  <a:srgbClr val="001080"/>
-                </a:solidFill>
-                <a:effectLst/>
-                <a:latin typeface="Consolas" panose="020B0609020204030204" pitchFamily="49" charset="0"/>
-              </a:rPr>
-              <a:t>db</a:t>
-            </a:r>
-            <a:r>
-              <a:rPr lang="it-IT" sz="1100" b="0" dirty="0">
-                <a:solidFill>
-                  <a:srgbClr val="000000"/>
-                </a:solidFill>
-                <a:effectLst/>
-                <a:latin typeface="Consolas" panose="020B0609020204030204" pitchFamily="49" charset="0"/>
-              </a:rPr>
-              <a:t>, </a:t>
-            </a:r>
-            <a:r>
-              <a:rPr lang="it-IT" sz="1100" b="0" dirty="0" err="1">
-                <a:solidFill>
-                  <a:srgbClr val="001080"/>
-                </a:solidFill>
-                <a:effectLst/>
-                <a:latin typeface="Consolas" panose="020B0609020204030204" pitchFamily="49" charset="0"/>
-              </a:rPr>
-              <a:t>version</a:t>
-            </a:r>
-            <a:r>
-              <a:rPr lang="it-IT" sz="1100" b="0" dirty="0">
-                <a:solidFill>
-                  <a:srgbClr val="000000"/>
-                </a:solidFill>
-                <a:effectLst/>
-                <a:latin typeface="Consolas" panose="020B0609020204030204" pitchFamily="49" charset="0"/>
-              </a:rPr>
-              <a:t>) {</a:t>
+              <a:rPr lang="en-US" sz="1100" b="0" dirty="0">
+                <a:solidFill>
+                  <a:srgbClr val="0000FF"/>
+                </a:solidFill>
+                <a:effectLst/>
+                <a:latin typeface="Consolas" panose="020B0609020204030204" pitchFamily="49" charset="0"/>
+              </a:rPr>
+              <a:t>static</a:t>
+            </a:r>
+            <a:r>
+              <a:rPr lang="en-US" sz="1100" b="0" dirty="0">
+                <a:solidFill>
+                  <a:srgbClr val="000000"/>
+                </a:solidFill>
+                <a:effectLst/>
+                <a:latin typeface="Consolas" panose="020B0609020204030204" pitchFamily="49" charset="0"/>
+              </a:rPr>
+              <a:t> Future&lt;</a:t>
+            </a:r>
+            <a:r>
+              <a:rPr lang="en-US" sz="1100" b="0" dirty="0">
+                <a:solidFill>
+                  <a:srgbClr val="0000FF"/>
+                </a:solidFill>
+                <a:effectLst/>
+                <a:latin typeface="Consolas" panose="020B0609020204030204" pitchFamily="49" charset="0"/>
+              </a:rPr>
+              <a:t>void</a:t>
+            </a:r>
+            <a:r>
+              <a:rPr lang="en-US" sz="1100" b="0" dirty="0">
+                <a:solidFill>
+                  <a:srgbClr val="000000"/>
+                </a:solidFill>
+                <a:effectLst/>
+                <a:latin typeface="Consolas" panose="020B0609020204030204" pitchFamily="49" charset="0"/>
+              </a:rPr>
+              <a:t>&gt; </a:t>
+            </a:r>
+            <a:r>
+              <a:rPr lang="en-US" sz="1100" b="0" dirty="0" err="1">
+                <a:solidFill>
+                  <a:srgbClr val="000000"/>
+                </a:solidFill>
+                <a:effectLst/>
+                <a:latin typeface="Consolas" panose="020B0609020204030204" pitchFamily="49" charset="0"/>
+              </a:rPr>
+              <a:t>deleteRecord</a:t>
+            </a:r>
+            <a:r>
+              <a:rPr lang="en-US" sz="1100" b="0" dirty="0">
+                <a:solidFill>
+                  <a:srgbClr val="000000"/>
+                </a:solidFill>
+                <a:effectLst/>
+                <a:latin typeface="Consolas" panose="020B0609020204030204" pitchFamily="49" charset="0"/>
+              </a:rPr>
+              <a:t>(int id) </a:t>
+            </a:r>
+            <a:r>
+              <a:rPr lang="en-US" sz="1100" b="0" dirty="0">
+                <a:solidFill>
+                  <a:srgbClr val="0000FF"/>
+                </a:solidFill>
+                <a:effectLst/>
+                <a:latin typeface="Consolas" panose="020B0609020204030204" pitchFamily="49" charset="0"/>
+              </a:rPr>
+              <a:t>async</a:t>
+            </a:r>
+            <a:r>
+              <a:rPr lang="en-US" sz="1100" b="0" dirty="0">
+                <a:solidFill>
+                  <a:srgbClr val="000000"/>
+                </a:solidFill>
+                <a:effectLst/>
+                <a:latin typeface="Consolas" panose="020B0609020204030204" pitchFamily="49" charset="0"/>
+              </a:rPr>
+              <a:t> {</a:t>
             </a:r>
             <a:br>
-              <a:rPr lang="it-IT" sz="1100" b="0" dirty="0">
+              <a:rPr lang="en-US" sz="1100" b="0" dirty="0">
                 <a:solidFill>
                   <a:srgbClr val="000000"/>
                 </a:solidFill>
@@ -16212,211 +22232,239 @@
               </a:rPr>
             </a:br>
             <a:r>
-              <a:rPr lang="it-IT" sz="1100" b="0" dirty="0">
-                <a:solidFill>
-                  <a:srgbClr val="008000"/>
-                </a:solidFill>
-                <a:effectLst/>
-                <a:latin typeface="Consolas" panose="020B0609020204030204" pitchFamily="49" charset="0"/>
-              </a:rPr>
-              <a:t>//Esegue la query SQL per creare la tabella</a:t>
-            </a:r>
-            <a:endParaRPr lang="it-IT" sz="1100" b="0" dirty="0">
+              <a:rPr lang="en-US" sz="1100" b="0" dirty="0">
+                <a:solidFill>
+                  <a:srgbClr val="000000"/>
+                </a:solidFill>
+                <a:effectLst/>
+                <a:latin typeface="Consolas" panose="020B0609020204030204" pitchFamily="49" charset="0"/>
+              </a:rPr>
+              <a:t>………</a:t>
+            </a:r>
+          </a:p>
+          <a:p>
+            <a:pPr marL="114300" indent="0">
+              <a:buNone/>
+            </a:pPr>
+            <a:r>
+              <a:rPr lang="it-IT" sz="1050" b="0" dirty="0" err="1">
+                <a:solidFill>
+                  <a:srgbClr val="0000FF"/>
+                </a:solidFill>
+                <a:effectLst/>
+                <a:latin typeface="Consolas" panose="020B0609020204030204" pitchFamily="49" charset="0"/>
+              </a:rPr>
+              <a:t>await</a:t>
+            </a:r>
+            <a:r>
+              <a:rPr lang="it-IT" sz="1050" b="0" dirty="0">
+                <a:solidFill>
+                  <a:srgbClr val="000000"/>
+                </a:solidFill>
+                <a:effectLst/>
+                <a:latin typeface="Consolas" panose="020B0609020204030204" pitchFamily="49" charset="0"/>
+              </a:rPr>
+              <a:t> </a:t>
+            </a:r>
+            <a:r>
+              <a:rPr lang="it-IT" sz="1050" b="0" dirty="0" err="1">
+                <a:solidFill>
+                  <a:srgbClr val="000000"/>
+                </a:solidFill>
+                <a:effectLst/>
+                <a:latin typeface="Consolas" panose="020B0609020204030204" pitchFamily="49" charset="0"/>
+              </a:rPr>
+              <a:t>data.delete</a:t>
+            </a:r>
+            <a:r>
+              <a:rPr lang="it-IT" sz="1050" b="0" dirty="0">
+                <a:solidFill>
+                  <a:srgbClr val="000000"/>
+                </a:solidFill>
+                <a:effectLst/>
+                <a:latin typeface="Consolas" panose="020B0609020204030204" pitchFamily="49" charset="0"/>
+              </a:rPr>
+              <a:t>(</a:t>
+            </a:r>
+          </a:p>
+          <a:p>
+            <a:pPr marL="114300" indent="0">
+              <a:buNone/>
+            </a:pPr>
+            <a:r>
+              <a:rPr lang="it-IT" sz="1050" b="0" dirty="0">
+                <a:solidFill>
+                  <a:srgbClr val="000000"/>
+                </a:solidFill>
+                <a:effectLst/>
+                <a:latin typeface="Consolas" panose="020B0609020204030204" pitchFamily="49" charset="0"/>
+              </a:rPr>
+              <a:t>          </a:t>
+            </a:r>
+            <a:r>
+              <a:rPr lang="it-IT" sz="1050" b="0" dirty="0">
+                <a:solidFill>
+                  <a:srgbClr val="A31515"/>
+                </a:solidFill>
+                <a:effectLst/>
+                <a:latin typeface="Consolas" panose="020B0609020204030204" pitchFamily="49" charset="0"/>
+              </a:rPr>
+              <a:t>'</a:t>
+            </a:r>
+            <a:r>
+              <a:rPr lang="it-IT" sz="1050" b="0" dirty="0" err="1">
+                <a:solidFill>
+                  <a:srgbClr val="A31515"/>
+                </a:solidFill>
+                <a:effectLst/>
+                <a:latin typeface="Consolas" panose="020B0609020204030204" pitchFamily="49" charset="0"/>
+              </a:rPr>
+              <a:t>swimmers</a:t>
+            </a:r>
+            <a:r>
+              <a:rPr lang="it-IT" sz="1050" b="0" dirty="0">
+                <a:solidFill>
+                  <a:srgbClr val="A31515"/>
+                </a:solidFill>
+                <a:effectLst/>
+                <a:latin typeface="Consolas" panose="020B0609020204030204" pitchFamily="49" charset="0"/>
+              </a:rPr>
+              <a:t>’</a:t>
+            </a:r>
+            <a:r>
+              <a:rPr lang="it-IT" sz="1050" b="0" dirty="0">
+                <a:solidFill>
+                  <a:srgbClr val="000000"/>
+                </a:solidFill>
+                <a:effectLst/>
+                <a:latin typeface="Consolas" panose="020B0609020204030204" pitchFamily="49" charset="0"/>
+              </a:rPr>
+              <a:t>,</a:t>
+            </a:r>
+          </a:p>
+          <a:p>
+            <a:pPr marL="114300" indent="0">
+              <a:buNone/>
+            </a:pPr>
+            <a:r>
+              <a:rPr lang="en-US" sz="1050" dirty="0">
+                <a:solidFill>
+                  <a:srgbClr val="000000"/>
+                </a:solidFill>
+                <a:latin typeface="Consolas" panose="020B0609020204030204" pitchFamily="49" charset="0"/>
+              </a:rPr>
+              <a:t>	</a:t>
+            </a:r>
+            <a:r>
+              <a:rPr lang="en-US" sz="1050" b="0" dirty="0">
+                <a:solidFill>
+                  <a:srgbClr val="000000"/>
+                </a:solidFill>
+                <a:effectLst/>
+                <a:latin typeface="Consolas" panose="020B0609020204030204" pitchFamily="49" charset="0"/>
+              </a:rPr>
+              <a:t>where: </a:t>
+            </a:r>
+            <a:r>
+              <a:rPr lang="en-US" sz="1050" b="0" dirty="0">
+                <a:solidFill>
+                  <a:srgbClr val="A31515"/>
+                </a:solidFill>
+                <a:effectLst/>
+                <a:latin typeface="Consolas" panose="020B0609020204030204" pitchFamily="49" charset="0"/>
+              </a:rPr>
+              <a:t>'</a:t>
+            </a:r>
+            <a:r>
+              <a:rPr lang="en-US" sz="1050" b="0" dirty="0" err="1">
+                <a:solidFill>
+                  <a:srgbClr val="A31515"/>
+                </a:solidFill>
+                <a:effectLst/>
+                <a:latin typeface="Consolas" panose="020B0609020204030204" pitchFamily="49" charset="0"/>
+              </a:rPr>
+              <a:t>id_swimmer</a:t>
+            </a:r>
+            <a:r>
+              <a:rPr lang="en-US" sz="1050" b="0" dirty="0">
+                <a:solidFill>
+                  <a:srgbClr val="A31515"/>
+                </a:solidFill>
+                <a:effectLst/>
+                <a:latin typeface="Consolas" panose="020B0609020204030204" pitchFamily="49" charset="0"/>
+              </a:rPr>
+              <a:t> = ?’</a:t>
+            </a:r>
+            <a:r>
+              <a:rPr lang="en-US" sz="1050" b="0" dirty="0">
+                <a:solidFill>
+                  <a:srgbClr val="000000"/>
+                </a:solidFill>
+                <a:effectLst/>
+                <a:latin typeface="Consolas" panose="020B0609020204030204" pitchFamily="49" charset="0"/>
+              </a:rPr>
+              <a:t>,</a:t>
+            </a:r>
+          </a:p>
+          <a:p>
+            <a:pPr marL="114300" indent="0">
+              <a:buNone/>
+            </a:pPr>
+            <a:r>
+              <a:rPr lang="en-US" sz="1050" dirty="0">
+                <a:solidFill>
+                  <a:srgbClr val="000000"/>
+                </a:solidFill>
+                <a:latin typeface="Consolas" panose="020B0609020204030204" pitchFamily="49" charset="0"/>
+              </a:rPr>
+              <a:t>	</a:t>
+            </a:r>
+            <a:r>
+              <a:rPr lang="en-US" sz="1050" b="0" dirty="0" err="1">
+                <a:solidFill>
+                  <a:srgbClr val="000000"/>
+                </a:solidFill>
+                <a:effectLst/>
+                <a:latin typeface="Consolas" panose="020B0609020204030204" pitchFamily="49" charset="0"/>
+              </a:rPr>
+              <a:t>whereArgs</a:t>
+            </a:r>
+            <a:r>
+              <a:rPr lang="en-US" sz="1050" b="0" dirty="0">
+                <a:solidFill>
+                  <a:srgbClr val="000000"/>
+                </a:solidFill>
+                <a:effectLst/>
+                <a:latin typeface="Consolas" panose="020B0609020204030204" pitchFamily="49" charset="0"/>
+              </a:rPr>
+              <a:t>: [id],</a:t>
+            </a:r>
+            <a:br>
+              <a:rPr lang="en-US" sz="1050" b="0" dirty="0">
+                <a:solidFill>
+                  <a:srgbClr val="000000"/>
+                </a:solidFill>
+                <a:effectLst/>
+                <a:latin typeface="Consolas" panose="020B0609020204030204" pitchFamily="49" charset="0"/>
+              </a:rPr>
+            </a:br>
+            <a:r>
+              <a:rPr lang="it-IT" sz="1050" b="0" dirty="0">
+                <a:solidFill>
+                  <a:srgbClr val="000000"/>
+                </a:solidFill>
+                <a:effectLst/>
+                <a:latin typeface="Consolas" panose="020B0609020204030204" pitchFamily="49" charset="0"/>
+              </a:rPr>
+              <a:t>);</a:t>
+            </a:r>
+            <a:endParaRPr lang="en-US" sz="1050" b="0" dirty="0">
               <a:solidFill>
                 <a:srgbClr val="000000"/>
               </a:solidFill>
               <a:effectLst/>
               <a:latin typeface="Consolas" panose="020B0609020204030204" pitchFamily="49" charset="0"/>
             </a:endParaRPr>
-          </a:p>
-          <a:p>
-            <a:pPr marL="114300" indent="0">
-              <a:buNone/>
-            </a:pPr>
-            <a:r>
-              <a:rPr lang="it-IT" sz="1100" b="0" dirty="0" err="1">
-                <a:solidFill>
-                  <a:srgbClr val="AF00DB"/>
-                </a:solidFill>
-                <a:effectLst/>
-                <a:latin typeface="Consolas" panose="020B0609020204030204" pitchFamily="49" charset="0"/>
-              </a:rPr>
-              <a:t>return</a:t>
-            </a:r>
-            <a:r>
-              <a:rPr lang="it-IT" sz="1100" b="0" dirty="0">
-                <a:solidFill>
-                  <a:srgbClr val="000000"/>
-                </a:solidFill>
-                <a:effectLst/>
-                <a:latin typeface="Consolas" panose="020B0609020204030204" pitchFamily="49" charset="0"/>
-              </a:rPr>
-              <a:t> </a:t>
-            </a:r>
-            <a:r>
-              <a:rPr lang="it-IT" sz="1100" b="0" dirty="0" err="1">
-                <a:solidFill>
-                  <a:srgbClr val="001080"/>
-                </a:solidFill>
-                <a:effectLst/>
-                <a:latin typeface="Consolas" panose="020B0609020204030204" pitchFamily="49" charset="0"/>
-              </a:rPr>
-              <a:t>db</a:t>
-            </a:r>
-            <a:r>
-              <a:rPr lang="it-IT" sz="1100" b="0" dirty="0" err="1">
-                <a:solidFill>
-                  <a:srgbClr val="000000"/>
-                </a:solidFill>
-                <a:effectLst/>
-                <a:latin typeface="Consolas" panose="020B0609020204030204" pitchFamily="49" charset="0"/>
-              </a:rPr>
-              <a:t>.</a:t>
-            </a:r>
-            <a:r>
-              <a:rPr lang="it-IT" sz="1100" b="0" dirty="0" err="1">
-                <a:solidFill>
-                  <a:srgbClr val="795E26"/>
-                </a:solidFill>
-                <a:effectLst/>
-                <a:latin typeface="Consolas" panose="020B0609020204030204" pitchFamily="49" charset="0"/>
-              </a:rPr>
-              <a:t>execute</a:t>
-            </a:r>
-            <a:r>
-              <a:rPr lang="it-IT" sz="1100" b="0" dirty="0">
-                <a:solidFill>
-                  <a:srgbClr val="000000"/>
-                </a:solidFill>
-                <a:effectLst/>
-                <a:latin typeface="Consolas" panose="020B0609020204030204" pitchFamily="49" charset="0"/>
-              </a:rPr>
-              <a:t>(</a:t>
-            </a:r>
-          </a:p>
-          <a:p>
-            <a:pPr marL="114300" indent="0">
-              <a:buNone/>
-            </a:pPr>
-            <a:r>
-              <a:rPr lang="it-IT" sz="1100" b="0" dirty="0">
-                <a:solidFill>
-                  <a:srgbClr val="A31515"/>
-                </a:solidFill>
-                <a:effectLst/>
-                <a:latin typeface="Consolas" panose="020B0609020204030204" pitchFamily="49" charset="0"/>
-              </a:rPr>
-              <a:t>'CREATE TABLE </a:t>
-            </a:r>
-            <a:r>
-              <a:rPr lang="it-IT" sz="1100" b="0" dirty="0" err="1">
-                <a:solidFill>
-                  <a:srgbClr val="A31515"/>
-                </a:solidFill>
-                <a:effectLst/>
-                <a:latin typeface="Consolas" panose="020B0609020204030204" pitchFamily="49" charset="0"/>
-              </a:rPr>
-              <a:t>swimmers</a:t>
-            </a:r>
-            <a:r>
-              <a:rPr lang="it-IT" sz="1100" b="0" dirty="0">
-                <a:solidFill>
-                  <a:srgbClr val="A31515"/>
-                </a:solidFill>
-                <a:effectLst/>
-                <a:latin typeface="Consolas" panose="020B0609020204030204" pitchFamily="49" charset="0"/>
-              </a:rPr>
-              <a:t>(</a:t>
-            </a:r>
-            <a:r>
-              <a:rPr lang="it-IT" sz="1100" b="0" dirty="0" err="1">
-                <a:solidFill>
-                  <a:srgbClr val="A31515"/>
-                </a:solidFill>
-                <a:effectLst/>
-                <a:latin typeface="Consolas" panose="020B0609020204030204" pitchFamily="49" charset="0"/>
-              </a:rPr>
-              <a:t>id_swimmer</a:t>
-            </a:r>
-            <a:r>
-              <a:rPr lang="it-IT" sz="1100" b="0" dirty="0">
-                <a:solidFill>
-                  <a:srgbClr val="A31515"/>
-                </a:solidFill>
-                <a:effectLst/>
-                <a:latin typeface="Consolas" panose="020B0609020204030204" pitchFamily="49" charset="0"/>
-              </a:rPr>
-              <a:t> INTEGER PRIMARY KEY AUTOINCREMENT, </a:t>
-            </a:r>
-            <a:r>
-              <a:rPr lang="it-IT" sz="1100" b="0" dirty="0" err="1">
-                <a:solidFill>
-                  <a:srgbClr val="A31515"/>
-                </a:solidFill>
-                <a:effectLst/>
-                <a:latin typeface="Consolas" panose="020B0609020204030204" pitchFamily="49" charset="0"/>
-              </a:rPr>
-              <a:t>swimmer_name</a:t>
-            </a:r>
-            <a:r>
-              <a:rPr lang="it-IT" sz="1100" b="0" dirty="0">
-                <a:solidFill>
-                  <a:srgbClr val="A31515"/>
-                </a:solidFill>
-                <a:effectLst/>
-                <a:latin typeface="Consolas" panose="020B0609020204030204" pitchFamily="49" charset="0"/>
-              </a:rPr>
-              <a:t> TEXT, age 	INTEGER, </a:t>
-            </a:r>
-            <a:r>
-              <a:rPr lang="it-IT" sz="1100" b="0" dirty="0" err="1">
-                <a:solidFill>
-                  <a:srgbClr val="A31515"/>
-                </a:solidFill>
-                <a:effectLst/>
-                <a:latin typeface="Consolas" panose="020B0609020204030204" pitchFamily="49" charset="0"/>
-              </a:rPr>
-              <a:t>nation</a:t>
-            </a:r>
-            <a:r>
-              <a:rPr lang="it-IT" sz="1100" b="0" dirty="0">
-                <a:solidFill>
-                  <a:srgbClr val="A31515"/>
-                </a:solidFill>
-                <a:effectLst/>
-                <a:latin typeface="Consolas" panose="020B0609020204030204" pitchFamily="49" charset="0"/>
-              </a:rPr>
-              <a:t> TEXT)’</a:t>
-            </a:r>
-            <a:r>
-              <a:rPr lang="it-IT" sz="1100" b="0" dirty="0">
-                <a:solidFill>
-                  <a:srgbClr val="000000"/>
-                </a:solidFill>
-                <a:effectLst/>
-                <a:latin typeface="Consolas" panose="020B0609020204030204" pitchFamily="49" charset="0"/>
-              </a:rPr>
-              <a:t>,);</a:t>
-            </a:r>
-            <a:br>
-              <a:rPr lang="it-IT" sz="1100" b="0" dirty="0">
-                <a:solidFill>
-                  <a:srgbClr val="000000"/>
-                </a:solidFill>
-                <a:effectLst/>
-                <a:latin typeface="Consolas" panose="020B0609020204030204" pitchFamily="49" charset="0"/>
-              </a:rPr>
-            </a:br>
-            <a:r>
-              <a:rPr lang="it-IT" sz="1100" b="0" dirty="0">
-                <a:solidFill>
-                  <a:srgbClr val="000000"/>
-                </a:solidFill>
-                <a:effectLst/>
-                <a:latin typeface="Consolas" panose="020B0609020204030204" pitchFamily="49" charset="0"/>
-              </a:rPr>
-              <a:t>}</a:t>
-            </a:r>
           </a:p>
           <a:p>
             <a:pPr marL="0" indent="0">
@@ -16438,7 +22486,7 @@
     </p:spTree>
     <p:extLst>
       <p:ext uri="{BB962C8B-B14F-4D97-AF65-F5344CB8AC3E}">
-        <p14:creationId xmlns:p14="http://schemas.microsoft.com/office/powerpoint/2010/main" val="4054323308"/>
+        <p14:creationId xmlns:p14="http://schemas.microsoft.com/office/powerpoint/2010/main" val="2799316314"/>
       </p:ext>
     </p:extLst>
   </p:cSld>

--- a/Santarossa_Slides.pptx
+++ b/Santarossa_Slides.pptx
@@ -19039,7 +19039,7 @@
           </a:bodyPr>
           <a:lstStyle/>
           <a:p>
-            <a:pPr marL="0" indent="0">
+            <a:pPr marL="114300" indent="0">
               <a:buNone/>
             </a:pPr>
             <a:r>
@@ -19150,34 +19150,83 @@
               <a:t>	</a:t>
             </a:r>
             <a:r>
-              <a:rPr lang="it-IT" sz="1100" b="0" dirty="0" err="1">
-                <a:solidFill>
-                  <a:srgbClr val="000000"/>
-                </a:solidFill>
-                <a:effectLst/>
-                <a:latin typeface="Consolas" panose="020B0609020204030204" pitchFamily="49" charset="0"/>
-              </a:rPr>
-              <a:t>id_swimmer</a:t>
-            </a:r>
-            <a:r>
-              <a:rPr lang="it-IT" sz="1100" b="0" dirty="0">
-                <a:solidFill>
-                  <a:srgbClr val="000000"/>
-                </a:solidFill>
-                <a:effectLst/>
-                <a:latin typeface="Consolas" panose="020B0609020204030204" pitchFamily="49" charset="0"/>
-              </a:rPr>
-              <a:t>: </a:t>
-            </a:r>
-            <a:r>
-              <a:rPr lang="it-IT" sz="1100" b="0" dirty="0" err="1">
-                <a:solidFill>
-                  <a:srgbClr val="000000"/>
+              <a:rPr lang="en-US" sz="1100" b="0" dirty="0" err="1">
+                <a:solidFill>
+                  <a:schemeClr val="tx1"/>
                 </a:solidFill>
                 <a:effectLst/>
                 <a:latin typeface="Consolas" panose="020B0609020204030204" pitchFamily="49" charset="0"/>
               </a:rPr>
               <a:t>idController.text.length</a:t>
+            </a:r>
+            <a:r>
+              <a:rPr lang="en-US" sz="1100" b="0" dirty="0">
+                <a:solidFill>
+                  <a:schemeClr val="tx1"/>
+                </a:solidFill>
+                <a:effectLst/>
+                <a:latin typeface="Consolas" panose="020B0609020204030204" pitchFamily="49" charset="0"/>
+              </a:rPr>
+              <a:t> &gt; 0</a:t>
+            </a:r>
+            <a:r>
+              <a:rPr lang="en-US" sz="1100" dirty="0">
+                <a:solidFill>
+                  <a:schemeClr val="tx1"/>
+                </a:solidFill>
+                <a:latin typeface="Consolas" panose="020B0609020204030204" pitchFamily="49" charset="0"/>
+              </a:rPr>
+              <a:t> </a:t>
+            </a:r>
+            <a:r>
+              <a:rPr lang="en-US" sz="1100" b="0" dirty="0">
+                <a:solidFill>
+                  <a:schemeClr val="tx1"/>
+                </a:solidFill>
+                <a:effectLst/>
+                <a:latin typeface="Consolas" panose="020B0609020204030204" pitchFamily="49" charset="0"/>
+              </a:rPr>
+              <a:t>? </a:t>
+            </a:r>
+            <a:r>
+              <a:rPr lang="en-US" sz="1100" b="0" dirty="0" err="1">
+                <a:solidFill>
+                  <a:schemeClr val="tx1"/>
+                </a:solidFill>
+                <a:effectLst/>
+                <a:latin typeface="Consolas" panose="020B0609020204030204" pitchFamily="49" charset="0"/>
+              </a:rPr>
+              <a:t>int.parse</a:t>
+            </a:r>
+            <a:r>
+              <a:rPr lang="en-US" sz="1100" b="0" dirty="0">
+                <a:solidFill>
+                  <a:schemeClr val="tx1"/>
+                </a:solidFill>
+                <a:effectLst/>
+                <a:latin typeface="Consolas" panose="020B0609020204030204" pitchFamily="49" charset="0"/>
+              </a:rPr>
+              <a:t>(</a:t>
+            </a:r>
+            <a:r>
+              <a:rPr lang="en-US" sz="1100" b="0" dirty="0" err="1">
+                <a:solidFill>
+                  <a:schemeClr val="tx1"/>
+                </a:solidFill>
+                <a:effectLst/>
+                <a:latin typeface="Consolas" panose="020B0609020204030204" pitchFamily="49" charset="0"/>
+              </a:rPr>
+              <a:t>idController.text</a:t>
+            </a:r>
+            <a:r>
+              <a:rPr lang="en-US" sz="1100" b="0" dirty="0">
+                <a:solidFill>
+                  <a:schemeClr val="tx1"/>
+                </a:solidFill>
+                <a:effectLst/>
+                <a:latin typeface="Consolas" panose="020B0609020204030204" pitchFamily="49" charset="0"/>
+              </a:rPr>
+              <a:t>) : null</a:t>
             </a:r>
             <a:br>
               <a:rPr lang="it-IT" sz="1100" dirty="0">
@@ -19359,6 +19408,16 @@
             <a:pPr marL="0" indent="0">
               <a:buNone/>
             </a:pPr>
+            <a:r>
+              <a:rPr lang="it-IT" sz="1100" b="0" dirty="0">
+                <a:solidFill>
+                  <a:srgbClr val="0000FF"/>
+                </a:solidFill>
+                <a:effectLst/>
+                <a:latin typeface="Consolas" panose="020B0609020204030204" pitchFamily="49" charset="0"/>
+              </a:rPr>
+              <a:t>  </a:t>
+            </a:r>
             <a:r>
               <a:rPr lang="it-IT" sz="1100" b="0" dirty="0" err="1">
                 <a:solidFill>
